--- a/FR/3_Postulats/Postulats.pptx
+++ b/FR/3_Postulats/Postulats.pptx
@@ -114,7 +114,7 @@
   </p:defaultTextStyle>
   <p:extLst>
     <p:ext uri="{EFAFB233-063F-42B5-8137-9DF3F51BA10A}">
-      <p15:sldGuideLst xmlns:p15="http://schemas.microsoft.com/office/powerpoint/2012/main" xmlns="">
+      <p15:sldGuideLst xmlns:p15="http://schemas.microsoft.com/office/powerpoint/2012/main">
         <p15:guide id="1" orient="horz" pos="2160">
           <p15:clr>
             <a:srgbClr val="A4A3A4"/>
@@ -1988,13 +1988,6 @@
         </dgm:presLayoutVars>
       </dgm:prSet>
       <dgm:spPr/>
-      <dgm:t>
-        <a:bodyPr/>
-        <a:lstStyle/>
-        <a:p>
-          <a:endParaRPr lang="en-CA"/>
-        </a:p>
-      </dgm:t>
     </dgm:pt>
     <dgm:pt modelId="{9AA7C051-D100-42DE-8698-87FD3361DD9A}" type="pres">
       <dgm:prSet presAssocID="{88F9156F-4E4D-4082-A4EB-98CF8CBC7741}" presName="parentText" presStyleLbl="node1" presStyleIdx="0" presStyleCnt="6">
@@ -2004,13 +1997,6 @@
         </dgm:presLayoutVars>
       </dgm:prSet>
       <dgm:spPr/>
-      <dgm:t>
-        <a:bodyPr/>
-        <a:lstStyle/>
-        <a:p>
-          <a:endParaRPr lang="en-CA"/>
-        </a:p>
-      </dgm:t>
     </dgm:pt>
     <dgm:pt modelId="{CD2BFD66-AA3A-4147-A424-7B231826A48E}" type="pres">
       <dgm:prSet presAssocID="{99B4021E-63EF-4270-8227-866C3514BC7F}" presName="spacer" presStyleCnt="0"/>
@@ -2024,13 +2010,6 @@
         </dgm:presLayoutVars>
       </dgm:prSet>
       <dgm:spPr/>
-      <dgm:t>
-        <a:bodyPr/>
-        <a:lstStyle/>
-        <a:p>
-          <a:endParaRPr lang="en-CA"/>
-        </a:p>
-      </dgm:t>
     </dgm:pt>
     <dgm:pt modelId="{1F6FFEA8-732B-4CF3-A043-BA4E2125FE8D}" type="pres">
       <dgm:prSet presAssocID="{BB947F7B-A9D1-438A-A080-BACF86C2AD74}" presName="spacer" presStyleCnt="0"/>
@@ -2044,13 +2023,6 @@
         </dgm:presLayoutVars>
       </dgm:prSet>
       <dgm:spPr/>
-      <dgm:t>
-        <a:bodyPr/>
-        <a:lstStyle/>
-        <a:p>
-          <a:endParaRPr lang="en-CA"/>
-        </a:p>
-      </dgm:t>
     </dgm:pt>
     <dgm:pt modelId="{769CF8A1-D01A-4D7D-BB36-E4F10D4CDBA9}" type="pres">
       <dgm:prSet presAssocID="{E5A91A25-5489-412B-92D3-9B63CBCE603B}" presName="spacer" presStyleCnt="0"/>
@@ -2064,13 +2036,6 @@
         </dgm:presLayoutVars>
       </dgm:prSet>
       <dgm:spPr/>
-      <dgm:t>
-        <a:bodyPr/>
-        <a:lstStyle/>
-        <a:p>
-          <a:endParaRPr lang="en-CA"/>
-        </a:p>
-      </dgm:t>
     </dgm:pt>
     <dgm:pt modelId="{FFC4FE08-0993-44CC-A5FD-692FF18D3808}" type="pres">
       <dgm:prSet presAssocID="{E501AE6B-9761-46C7-8E0F-4ACC5067E0DD}" presName="spacer" presStyleCnt="0"/>
@@ -2084,13 +2049,6 @@
         </dgm:presLayoutVars>
       </dgm:prSet>
       <dgm:spPr/>
-      <dgm:t>
-        <a:bodyPr/>
-        <a:lstStyle/>
-        <a:p>
-          <a:endParaRPr lang="en-CA"/>
-        </a:p>
-      </dgm:t>
     </dgm:pt>
     <dgm:pt modelId="{ADBC4610-6CC9-47F3-9C06-527D0A21EC99}" type="pres">
       <dgm:prSet presAssocID="{A414CB4D-C648-4F88-910E-A5DD52967836}" presName="spacer" presStyleCnt="0"/>
@@ -2104,29 +2062,22 @@
         </dgm:presLayoutVars>
       </dgm:prSet>
       <dgm:spPr/>
-      <dgm:t>
-        <a:bodyPr/>
-        <a:lstStyle/>
-        <a:p>
-          <a:endParaRPr lang="en-CA"/>
-        </a:p>
-      </dgm:t>
     </dgm:pt>
   </dgm:ptLst>
   <dgm:cxnLst>
+    <dgm:cxn modelId="{EE9EFA01-5C5E-4807-845F-09CA1A8DD5B8}" srcId="{EFCD3B26-E01A-4CAE-B4F7-1C03074050E7}" destId="{C9CA41CA-AF0E-4815-BB97-1BDC5C84F2B1}" srcOrd="2" destOrd="0" parTransId="{BB91D631-07AB-4FFE-AB45-79A804DA2DDE}" sibTransId="{E5A91A25-5489-412B-92D3-9B63CBCE603B}"/>
+    <dgm:cxn modelId="{8E9DC50B-FD59-4BFE-9E32-6A0552521B0C}" type="presOf" srcId="{3C4E0236-B1E7-4928-8B88-ABFC5E15DF27}" destId="{895A0BCE-08B0-4AD7-A31D-19B2F7C9D3F8}" srcOrd="0" destOrd="0" presId="urn:microsoft.com/office/officeart/2005/8/layout/vList2"/>
+    <dgm:cxn modelId="{E2BBF813-9693-4E80-BCDC-566AF64B92EB}" type="presOf" srcId="{F20A1811-B7EB-43B3-AD52-ECE1F8885B03}" destId="{A722EDB7-9240-43F7-A2DA-B862C974FF6D}" srcOrd="0" destOrd="0" presId="urn:microsoft.com/office/officeart/2005/8/layout/vList2"/>
+    <dgm:cxn modelId="{AD83E560-BAE3-4CBD-96B3-0B15F8CBA70F}" srcId="{EFCD3B26-E01A-4CAE-B4F7-1C03074050E7}" destId="{88F9156F-4E4D-4082-A4EB-98CF8CBC7741}" srcOrd="0" destOrd="0" parTransId="{26611F30-7D61-4521-8F3C-B67FC5547C0D}" sibTransId="{99B4021E-63EF-4270-8227-866C3514BC7F}"/>
+    <dgm:cxn modelId="{3B682241-F1AB-40C7-BE7C-7BE4D856ECBF}" type="presOf" srcId="{EFCD3B26-E01A-4CAE-B4F7-1C03074050E7}" destId="{A2315941-E67D-469D-B013-53FEAA4AAA88}" srcOrd="0" destOrd="0" presId="urn:microsoft.com/office/officeart/2005/8/layout/vList2"/>
+    <dgm:cxn modelId="{990BF861-63A0-417E-B3BE-8255082D8604}" type="presOf" srcId="{EB197100-3F9E-477C-91EF-EA5D4D18F739}" destId="{F3C1272A-4E7A-4FC2-A8D1-EEA8D4EFA074}" srcOrd="0" destOrd="0" presId="urn:microsoft.com/office/officeart/2005/8/layout/vList2"/>
+    <dgm:cxn modelId="{EEDD1562-CECD-48D9-9505-386D447E700F}" srcId="{EFCD3B26-E01A-4CAE-B4F7-1C03074050E7}" destId="{EB197100-3F9E-477C-91EF-EA5D4D18F739}" srcOrd="5" destOrd="0" parTransId="{AA29B2E1-D8D8-4554-B46D-E0947D57BC50}" sibTransId="{D51B857F-ABB4-4C36-9699-B3BE5DAFEB4B}"/>
+    <dgm:cxn modelId="{FC2F1546-CF61-471E-BA69-48C5E332A265}" srcId="{EFCD3B26-E01A-4CAE-B4F7-1C03074050E7}" destId="{F20A1811-B7EB-43B3-AD52-ECE1F8885B03}" srcOrd="3" destOrd="0" parTransId="{0932127E-2C74-456E-AC0A-3030081BE5A0}" sibTransId="{E501AE6B-9761-46C7-8E0F-4ACC5067E0DD}"/>
+    <dgm:cxn modelId="{9CFEE37D-B21B-49BC-8018-BD449D29247D}" type="presOf" srcId="{C9CA41CA-AF0E-4815-BB97-1BDC5C84F2B1}" destId="{314A8269-D391-4370-A887-02DB3D355D6F}" srcOrd="0" destOrd="0" presId="urn:microsoft.com/office/officeart/2005/8/layout/vList2"/>
+    <dgm:cxn modelId="{84179D85-963F-4CBF-88CC-245B96C0C51A}" srcId="{EFCD3B26-E01A-4CAE-B4F7-1C03074050E7}" destId="{657089CC-6D03-48E4-92FB-6C3D50C513C1}" srcOrd="1" destOrd="0" parTransId="{AC76C5B8-5BFF-44E9-9792-7527C1444222}" sibTransId="{BB947F7B-A9D1-438A-A080-BACF86C2AD74}"/>
+    <dgm:cxn modelId="{41383C8D-27D4-44CD-A9AF-4A47E3B618FE}" srcId="{EFCD3B26-E01A-4CAE-B4F7-1C03074050E7}" destId="{3C4E0236-B1E7-4928-8B88-ABFC5E15DF27}" srcOrd="4" destOrd="0" parTransId="{F0C7C66C-5732-4289-B1D7-C71565E6E5B4}" sibTransId="{A414CB4D-C648-4F88-910E-A5DD52967836}"/>
+    <dgm:cxn modelId="{64B240A6-6FE4-4953-8169-B1C7C8975973}" type="presOf" srcId="{657089CC-6D03-48E4-92FB-6C3D50C513C1}" destId="{C3E3A799-F42E-4007-9929-36346A0DD90E}" srcOrd="0" destOrd="0" presId="urn:microsoft.com/office/officeart/2005/8/layout/vList2"/>
     <dgm:cxn modelId="{023AF4EA-C4B8-4124-A89A-3BBCF426A6D8}" type="presOf" srcId="{88F9156F-4E4D-4082-A4EB-98CF8CBC7741}" destId="{9AA7C051-D100-42DE-8698-87FD3361DD9A}" srcOrd="0" destOrd="0" presId="urn:microsoft.com/office/officeart/2005/8/layout/vList2"/>
-    <dgm:cxn modelId="{FC2F1546-CF61-471E-BA69-48C5E332A265}" srcId="{EFCD3B26-E01A-4CAE-B4F7-1C03074050E7}" destId="{F20A1811-B7EB-43B3-AD52-ECE1F8885B03}" srcOrd="3" destOrd="0" parTransId="{0932127E-2C74-456E-AC0A-3030081BE5A0}" sibTransId="{E501AE6B-9761-46C7-8E0F-4ACC5067E0DD}"/>
-    <dgm:cxn modelId="{E2BBF813-9693-4E80-BCDC-566AF64B92EB}" type="presOf" srcId="{F20A1811-B7EB-43B3-AD52-ECE1F8885B03}" destId="{A722EDB7-9240-43F7-A2DA-B862C974FF6D}" srcOrd="0" destOrd="0" presId="urn:microsoft.com/office/officeart/2005/8/layout/vList2"/>
-    <dgm:cxn modelId="{990BF861-63A0-417E-B3BE-8255082D8604}" type="presOf" srcId="{EB197100-3F9E-477C-91EF-EA5D4D18F739}" destId="{F3C1272A-4E7A-4FC2-A8D1-EEA8D4EFA074}" srcOrd="0" destOrd="0" presId="urn:microsoft.com/office/officeart/2005/8/layout/vList2"/>
-    <dgm:cxn modelId="{8E9DC50B-FD59-4BFE-9E32-6A0552521B0C}" type="presOf" srcId="{3C4E0236-B1E7-4928-8B88-ABFC5E15DF27}" destId="{895A0BCE-08B0-4AD7-A31D-19B2F7C9D3F8}" srcOrd="0" destOrd="0" presId="urn:microsoft.com/office/officeart/2005/8/layout/vList2"/>
-    <dgm:cxn modelId="{84179D85-963F-4CBF-88CC-245B96C0C51A}" srcId="{EFCD3B26-E01A-4CAE-B4F7-1C03074050E7}" destId="{657089CC-6D03-48E4-92FB-6C3D50C513C1}" srcOrd="1" destOrd="0" parTransId="{AC76C5B8-5BFF-44E9-9792-7527C1444222}" sibTransId="{BB947F7B-A9D1-438A-A080-BACF86C2AD74}"/>
-    <dgm:cxn modelId="{AD83E560-BAE3-4CBD-96B3-0B15F8CBA70F}" srcId="{EFCD3B26-E01A-4CAE-B4F7-1C03074050E7}" destId="{88F9156F-4E4D-4082-A4EB-98CF8CBC7741}" srcOrd="0" destOrd="0" parTransId="{26611F30-7D61-4521-8F3C-B67FC5547C0D}" sibTransId="{99B4021E-63EF-4270-8227-866C3514BC7F}"/>
-    <dgm:cxn modelId="{EEDD1562-CECD-48D9-9505-386D447E700F}" srcId="{EFCD3B26-E01A-4CAE-B4F7-1C03074050E7}" destId="{EB197100-3F9E-477C-91EF-EA5D4D18F739}" srcOrd="5" destOrd="0" parTransId="{AA29B2E1-D8D8-4554-B46D-E0947D57BC50}" sibTransId="{D51B857F-ABB4-4C36-9699-B3BE5DAFEB4B}"/>
-    <dgm:cxn modelId="{41383C8D-27D4-44CD-A9AF-4A47E3B618FE}" srcId="{EFCD3B26-E01A-4CAE-B4F7-1C03074050E7}" destId="{3C4E0236-B1E7-4928-8B88-ABFC5E15DF27}" srcOrd="4" destOrd="0" parTransId="{F0C7C66C-5732-4289-B1D7-C71565E6E5B4}" sibTransId="{A414CB4D-C648-4F88-910E-A5DD52967836}"/>
-    <dgm:cxn modelId="{3B682241-F1AB-40C7-BE7C-7BE4D856ECBF}" type="presOf" srcId="{EFCD3B26-E01A-4CAE-B4F7-1C03074050E7}" destId="{A2315941-E67D-469D-B013-53FEAA4AAA88}" srcOrd="0" destOrd="0" presId="urn:microsoft.com/office/officeart/2005/8/layout/vList2"/>
-    <dgm:cxn modelId="{EE9EFA01-5C5E-4807-845F-09CA1A8DD5B8}" srcId="{EFCD3B26-E01A-4CAE-B4F7-1C03074050E7}" destId="{C9CA41CA-AF0E-4815-BB97-1BDC5C84F2B1}" srcOrd="2" destOrd="0" parTransId="{BB91D631-07AB-4FFE-AB45-79A804DA2DDE}" sibTransId="{E5A91A25-5489-412B-92D3-9B63CBCE603B}"/>
-    <dgm:cxn modelId="{64B240A6-6FE4-4953-8169-B1C7C8975973}" type="presOf" srcId="{657089CC-6D03-48E4-92FB-6C3D50C513C1}" destId="{C3E3A799-F42E-4007-9929-36346A0DD90E}" srcOrd="0" destOrd="0" presId="urn:microsoft.com/office/officeart/2005/8/layout/vList2"/>
-    <dgm:cxn modelId="{9CFEE37D-B21B-49BC-8018-BD449D29247D}" type="presOf" srcId="{C9CA41CA-AF0E-4815-BB97-1BDC5C84F2B1}" destId="{314A8269-D391-4370-A887-02DB3D355D6F}" srcOrd="0" destOrd="0" presId="urn:microsoft.com/office/officeart/2005/8/layout/vList2"/>
     <dgm:cxn modelId="{3A02A2A8-153E-471E-8B75-BA0306A2A601}" type="presParOf" srcId="{A2315941-E67D-469D-B013-53FEAA4AAA88}" destId="{9AA7C051-D100-42DE-8698-87FD3361DD9A}" srcOrd="0" destOrd="0" presId="urn:microsoft.com/office/officeart/2005/8/layout/vList2"/>
     <dgm:cxn modelId="{267F571D-0DB6-4DB5-A3AA-7AE3C33CFFAA}" type="presParOf" srcId="{A2315941-E67D-469D-B013-53FEAA4AAA88}" destId="{CD2BFD66-AA3A-4147-A424-7B231826A48E}" srcOrd="1" destOrd="0" presId="urn:microsoft.com/office/officeart/2005/8/layout/vList2"/>
     <dgm:cxn modelId="{269C3EEF-6CB7-4D12-8A0E-EFFF073973C4}" type="presParOf" srcId="{A2315941-E67D-469D-B013-53FEAA4AAA88}" destId="{C3E3A799-F42E-4007-9929-36346A0DD90E}" srcOrd="2" destOrd="0" presId="urn:microsoft.com/office/officeart/2005/8/layout/vList2"/>
@@ -2436,13 +2387,6 @@
         </dgm:presLayoutVars>
       </dgm:prSet>
       <dgm:spPr/>
-      <dgm:t>
-        <a:bodyPr/>
-        <a:lstStyle/>
-        <a:p>
-          <a:endParaRPr lang="en-CA"/>
-        </a:p>
-      </dgm:t>
     </dgm:pt>
     <dgm:pt modelId="{9AA7C051-D100-42DE-8698-87FD3361DD9A}" type="pres">
       <dgm:prSet presAssocID="{88F9156F-4E4D-4082-A4EB-98CF8CBC7741}" presName="parentText" presStyleLbl="node1" presStyleIdx="0" presStyleCnt="6">
@@ -2452,13 +2396,6 @@
         </dgm:presLayoutVars>
       </dgm:prSet>
       <dgm:spPr/>
-      <dgm:t>
-        <a:bodyPr/>
-        <a:lstStyle/>
-        <a:p>
-          <a:endParaRPr lang="en-CA"/>
-        </a:p>
-      </dgm:t>
     </dgm:pt>
     <dgm:pt modelId="{CD2BFD66-AA3A-4147-A424-7B231826A48E}" type="pres">
       <dgm:prSet presAssocID="{99B4021E-63EF-4270-8227-866C3514BC7F}" presName="spacer" presStyleCnt="0"/>
@@ -2472,13 +2409,6 @@
         </dgm:presLayoutVars>
       </dgm:prSet>
       <dgm:spPr/>
-      <dgm:t>
-        <a:bodyPr/>
-        <a:lstStyle/>
-        <a:p>
-          <a:endParaRPr lang="en-CA"/>
-        </a:p>
-      </dgm:t>
     </dgm:pt>
     <dgm:pt modelId="{1F6FFEA8-732B-4CF3-A043-BA4E2125FE8D}" type="pres">
       <dgm:prSet presAssocID="{BB947F7B-A9D1-438A-A080-BACF86C2AD74}" presName="spacer" presStyleCnt="0"/>
@@ -2492,13 +2422,6 @@
         </dgm:presLayoutVars>
       </dgm:prSet>
       <dgm:spPr/>
-      <dgm:t>
-        <a:bodyPr/>
-        <a:lstStyle/>
-        <a:p>
-          <a:endParaRPr lang="en-CA"/>
-        </a:p>
-      </dgm:t>
     </dgm:pt>
     <dgm:pt modelId="{769CF8A1-D01A-4D7D-BB36-E4F10D4CDBA9}" type="pres">
       <dgm:prSet presAssocID="{E5A91A25-5489-412B-92D3-9B63CBCE603B}" presName="spacer" presStyleCnt="0"/>
@@ -2512,13 +2435,6 @@
         </dgm:presLayoutVars>
       </dgm:prSet>
       <dgm:spPr/>
-      <dgm:t>
-        <a:bodyPr/>
-        <a:lstStyle/>
-        <a:p>
-          <a:endParaRPr lang="en-CA"/>
-        </a:p>
-      </dgm:t>
     </dgm:pt>
     <dgm:pt modelId="{FFC4FE08-0993-44CC-A5FD-692FF18D3808}" type="pres">
       <dgm:prSet presAssocID="{E501AE6B-9761-46C7-8E0F-4ACC5067E0DD}" presName="spacer" presStyleCnt="0"/>
@@ -2532,13 +2448,6 @@
         </dgm:presLayoutVars>
       </dgm:prSet>
       <dgm:spPr/>
-      <dgm:t>
-        <a:bodyPr/>
-        <a:lstStyle/>
-        <a:p>
-          <a:endParaRPr lang="en-CA"/>
-        </a:p>
-      </dgm:t>
     </dgm:pt>
     <dgm:pt modelId="{ADBC4610-6CC9-47F3-9C06-527D0A21EC99}" type="pres">
       <dgm:prSet presAssocID="{A414CB4D-C648-4F88-910E-A5DD52967836}" presName="spacer" presStyleCnt="0"/>
@@ -2552,29 +2461,22 @@
         </dgm:presLayoutVars>
       </dgm:prSet>
       <dgm:spPr/>
-      <dgm:t>
-        <a:bodyPr/>
-        <a:lstStyle/>
-        <a:p>
-          <a:endParaRPr lang="en-CA"/>
-        </a:p>
-      </dgm:t>
     </dgm:pt>
   </dgm:ptLst>
   <dgm:cxnLst>
+    <dgm:cxn modelId="{EE9EFA01-5C5E-4807-845F-09CA1A8DD5B8}" srcId="{EFCD3B26-E01A-4CAE-B4F7-1C03074050E7}" destId="{C9CA41CA-AF0E-4815-BB97-1BDC5C84F2B1}" srcOrd="2" destOrd="0" parTransId="{BB91D631-07AB-4FFE-AB45-79A804DA2DDE}" sibTransId="{E5A91A25-5489-412B-92D3-9B63CBCE603B}"/>
+    <dgm:cxn modelId="{8E9DC50B-FD59-4BFE-9E32-6A0552521B0C}" type="presOf" srcId="{3C4E0236-B1E7-4928-8B88-ABFC5E15DF27}" destId="{895A0BCE-08B0-4AD7-A31D-19B2F7C9D3F8}" srcOrd="0" destOrd="0" presId="urn:microsoft.com/office/officeart/2005/8/layout/vList2"/>
+    <dgm:cxn modelId="{E2BBF813-9693-4E80-BCDC-566AF64B92EB}" type="presOf" srcId="{F20A1811-B7EB-43B3-AD52-ECE1F8885B03}" destId="{A722EDB7-9240-43F7-A2DA-B862C974FF6D}" srcOrd="0" destOrd="0" presId="urn:microsoft.com/office/officeart/2005/8/layout/vList2"/>
+    <dgm:cxn modelId="{AD83E560-BAE3-4CBD-96B3-0B15F8CBA70F}" srcId="{EFCD3B26-E01A-4CAE-B4F7-1C03074050E7}" destId="{88F9156F-4E4D-4082-A4EB-98CF8CBC7741}" srcOrd="0" destOrd="0" parTransId="{26611F30-7D61-4521-8F3C-B67FC5547C0D}" sibTransId="{99B4021E-63EF-4270-8227-866C3514BC7F}"/>
+    <dgm:cxn modelId="{3B682241-F1AB-40C7-BE7C-7BE4D856ECBF}" type="presOf" srcId="{EFCD3B26-E01A-4CAE-B4F7-1C03074050E7}" destId="{A2315941-E67D-469D-B013-53FEAA4AAA88}" srcOrd="0" destOrd="0" presId="urn:microsoft.com/office/officeart/2005/8/layout/vList2"/>
+    <dgm:cxn modelId="{990BF861-63A0-417E-B3BE-8255082D8604}" type="presOf" srcId="{EB197100-3F9E-477C-91EF-EA5D4D18F739}" destId="{F3C1272A-4E7A-4FC2-A8D1-EEA8D4EFA074}" srcOrd="0" destOrd="0" presId="urn:microsoft.com/office/officeart/2005/8/layout/vList2"/>
+    <dgm:cxn modelId="{EEDD1562-CECD-48D9-9505-386D447E700F}" srcId="{EFCD3B26-E01A-4CAE-B4F7-1C03074050E7}" destId="{EB197100-3F9E-477C-91EF-EA5D4D18F739}" srcOrd="5" destOrd="0" parTransId="{AA29B2E1-D8D8-4554-B46D-E0947D57BC50}" sibTransId="{D51B857F-ABB4-4C36-9699-B3BE5DAFEB4B}"/>
+    <dgm:cxn modelId="{FC2F1546-CF61-471E-BA69-48C5E332A265}" srcId="{EFCD3B26-E01A-4CAE-B4F7-1C03074050E7}" destId="{F20A1811-B7EB-43B3-AD52-ECE1F8885B03}" srcOrd="3" destOrd="0" parTransId="{0932127E-2C74-456E-AC0A-3030081BE5A0}" sibTransId="{E501AE6B-9761-46C7-8E0F-4ACC5067E0DD}"/>
+    <dgm:cxn modelId="{9CFEE37D-B21B-49BC-8018-BD449D29247D}" type="presOf" srcId="{C9CA41CA-AF0E-4815-BB97-1BDC5C84F2B1}" destId="{314A8269-D391-4370-A887-02DB3D355D6F}" srcOrd="0" destOrd="0" presId="urn:microsoft.com/office/officeart/2005/8/layout/vList2"/>
+    <dgm:cxn modelId="{84179D85-963F-4CBF-88CC-245B96C0C51A}" srcId="{EFCD3B26-E01A-4CAE-B4F7-1C03074050E7}" destId="{657089CC-6D03-48E4-92FB-6C3D50C513C1}" srcOrd="1" destOrd="0" parTransId="{AC76C5B8-5BFF-44E9-9792-7527C1444222}" sibTransId="{BB947F7B-A9D1-438A-A080-BACF86C2AD74}"/>
+    <dgm:cxn modelId="{41383C8D-27D4-44CD-A9AF-4A47E3B618FE}" srcId="{EFCD3B26-E01A-4CAE-B4F7-1C03074050E7}" destId="{3C4E0236-B1E7-4928-8B88-ABFC5E15DF27}" srcOrd="4" destOrd="0" parTransId="{F0C7C66C-5732-4289-B1D7-C71565E6E5B4}" sibTransId="{A414CB4D-C648-4F88-910E-A5DD52967836}"/>
+    <dgm:cxn modelId="{64B240A6-6FE4-4953-8169-B1C7C8975973}" type="presOf" srcId="{657089CC-6D03-48E4-92FB-6C3D50C513C1}" destId="{C3E3A799-F42E-4007-9929-36346A0DD90E}" srcOrd="0" destOrd="0" presId="urn:microsoft.com/office/officeart/2005/8/layout/vList2"/>
     <dgm:cxn modelId="{023AF4EA-C4B8-4124-A89A-3BBCF426A6D8}" type="presOf" srcId="{88F9156F-4E4D-4082-A4EB-98CF8CBC7741}" destId="{9AA7C051-D100-42DE-8698-87FD3361DD9A}" srcOrd="0" destOrd="0" presId="urn:microsoft.com/office/officeart/2005/8/layout/vList2"/>
-    <dgm:cxn modelId="{FC2F1546-CF61-471E-BA69-48C5E332A265}" srcId="{EFCD3B26-E01A-4CAE-B4F7-1C03074050E7}" destId="{F20A1811-B7EB-43B3-AD52-ECE1F8885B03}" srcOrd="3" destOrd="0" parTransId="{0932127E-2C74-456E-AC0A-3030081BE5A0}" sibTransId="{E501AE6B-9761-46C7-8E0F-4ACC5067E0DD}"/>
-    <dgm:cxn modelId="{E2BBF813-9693-4E80-BCDC-566AF64B92EB}" type="presOf" srcId="{F20A1811-B7EB-43B3-AD52-ECE1F8885B03}" destId="{A722EDB7-9240-43F7-A2DA-B862C974FF6D}" srcOrd="0" destOrd="0" presId="urn:microsoft.com/office/officeart/2005/8/layout/vList2"/>
-    <dgm:cxn modelId="{990BF861-63A0-417E-B3BE-8255082D8604}" type="presOf" srcId="{EB197100-3F9E-477C-91EF-EA5D4D18F739}" destId="{F3C1272A-4E7A-4FC2-A8D1-EEA8D4EFA074}" srcOrd="0" destOrd="0" presId="urn:microsoft.com/office/officeart/2005/8/layout/vList2"/>
-    <dgm:cxn modelId="{8E9DC50B-FD59-4BFE-9E32-6A0552521B0C}" type="presOf" srcId="{3C4E0236-B1E7-4928-8B88-ABFC5E15DF27}" destId="{895A0BCE-08B0-4AD7-A31D-19B2F7C9D3F8}" srcOrd="0" destOrd="0" presId="urn:microsoft.com/office/officeart/2005/8/layout/vList2"/>
-    <dgm:cxn modelId="{84179D85-963F-4CBF-88CC-245B96C0C51A}" srcId="{EFCD3B26-E01A-4CAE-B4F7-1C03074050E7}" destId="{657089CC-6D03-48E4-92FB-6C3D50C513C1}" srcOrd="1" destOrd="0" parTransId="{AC76C5B8-5BFF-44E9-9792-7527C1444222}" sibTransId="{BB947F7B-A9D1-438A-A080-BACF86C2AD74}"/>
-    <dgm:cxn modelId="{AD83E560-BAE3-4CBD-96B3-0B15F8CBA70F}" srcId="{EFCD3B26-E01A-4CAE-B4F7-1C03074050E7}" destId="{88F9156F-4E4D-4082-A4EB-98CF8CBC7741}" srcOrd="0" destOrd="0" parTransId="{26611F30-7D61-4521-8F3C-B67FC5547C0D}" sibTransId="{99B4021E-63EF-4270-8227-866C3514BC7F}"/>
-    <dgm:cxn modelId="{EEDD1562-CECD-48D9-9505-386D447E700F}" srcId="{EFCD3B26-E01A-4CAE-B4F7-1C03074050E7}" destId="{EB197100-3F9E-477C-91EF-EA5D4D18F739}" srcOrd="5" destOrd="0" parTransId="{AA29B2E1-D8D8-4554-B46D-E0947D57BC50}" sibTransId="{D51B857F-ABB4-4C36-9699-B3BE5DAFEB4B}"/>
-    <dgm:cxn modelId="{41383C8D-27D4-44CD-A9AF-4A47E3B618FE}" srcId="{EFCD3B26-E01A-4CAE-B4F7-1C03074050E7}" destId="{3C4E0236-B1E7-4928-8B88-ABFC5E15DF27}" srcOrd="4" destOrd="0" parTransId="{F0C7C66C-5732-4289-B1D7-C71565E6E5B4}" sibTransId="{A414CB4D-C648-4F88-910E-A5DD52967836}"/>
-    <dgm:cxn modelId="{3B682241-F1AB-40C7-BE7C-7BE4D856ECBF}" type="presOf" srcId="{EFCD3B26-E01A-4CAE-B4F7-1C03074050E7}" destId="{A2315941-E67D-469D-B013-53FEAA4AAA88}" srcOrd="0" destOrd="0" presId="urn:microsoft.com/office/officeart/2005/8/layout/vList2"/>
-    <dgm:cxn modelId="{EE9EFA01-5C5E-4807-845F-09CA1A8DD5B8}" srcId="{EFCD3B26-E01A-4CAE-B4F7-1C03074050E7}" destId="{C9CA41CA-AF0E-4815-BB97-1BDC5C84F2B1}" srcOrd="2" destOrd="0" parTransId="{BB91D631-07AB-4FFE-AB45-79A804DA2DDE}" sibTransId="{E5A91A25-5489-412B-92D3-9B63CBCE603B}"/>
-    <dgm:cxn modelId="{64B240A6-6FE4-4953-8169-B1C7C8975973}" type="presOf" srcId="{657089CC-6D03-48E4-92FB-6C3D50C513C1}" destId="{C3E3A799-F42E-4007-9929-36346A0DD90E}" srcOrd="0" destOrd="0" presId="urn:microsoft.com/office/officeart/2005/8/layout/vList2"/>
-    <dgm:cxn modelId="{9CFEE37D-B21B-49BC-8018-BD449D29247D}" type="presOf" srcId="{C9CA41CA-AF0E-4815-BB97-1BDC5C84F2B1}" destId="{314A8269-D391-4370-A887-02DB3D355D6F}" srcOrd="0" destOrd="0" presId="urn:microsoft.com/office/officeart/2005/8/layout/vList2"/>
     <dgm:cxn modelId="{3A02A2A8-153E-471E-8B75-BA0306A2A601}" type="presParOf" srcId="{A2315941-E67D-469D-B013-53FEAA4AAA88}" destId="{9AA7C051-D100-42DE-8698-87FD3361DD9A}" srcOrd="0" destOrd="0" presId="urn:microsoft.com/office/officeart/2005/8/layout/vList2"/>
     <dgm:cxn modelId="{267F571D-0DB6-4DB5-A3AA-7AE3C33CFFAA}" type="presParOf" srcId="{A2315941-E67D-469D-B013-53FEAA4AAA88}" destId="{CD2BFD66-AA3A-4147-A424-7B231826A48E}" srcOrd="1" destOrd="0" presId="urn:microsoft.com/office/officeart/2005/8/layout/vList2"/>
     <dgm:cxn modelId="{269C3EEF-6CB7-4D12-8A0E-EFFF073973C4}" type="presParOf" srcId="{A2315941-E67D-469D-B013-53FEAA4AAA88}" destId="{C3E3A799-F42E-4007-9929-36346A0DD90E}" srcOrd="2" destOrd="0" presId="urn:microsoft.com/office/officeart/2005/8/layout/vList2"/>
@@ -2660,7 +2562,7 @@
         </a:bodyPr>
         <a:lstStyle/>
         <a:p>
-          <a:pPr lvl="0" algn="l" defTabSz="1511300">
+          <a:pPr marL="0" lvl="0" indent="0" algn="l" defTabSz="1511300">
             <a:lnSpc>
               <a:spcPct val="90000"/>
             </a:lnSpc>
@@ -2670,6 +2572,7 @@
             <a:spcAft>
               <a:spcPct val="35000"/>
             </a:spcAft>
+            <a:buNone/>
           </a:pPr>
           <a:r>
             <a:rPr lang="en-US" sz="3400" kern="1200" dirty="0"/>
@@ -2750,7 +2653,7 @@
         </a:bodyPr>
         <a:lstStyle/>
         <a:p>
-          <a:pPr lvl="0" algn="l" defTabSz="1511300">
+          <a:pPr marL="0" lvl="0" indent="0" algn="l" defTabSz="1511300">
             <a:lnSpc>
               <a:spcPct val="90000"/>
             </a:lnSpc>
@@ -2760,6 +2663,7 @@
             <a:spcAft>
               <a:spcPct val="35000"/>
             </a:spcAft>
+            <a:buNone/>
           </a:pPr>
           <a:r>
             <a:rPr lang="en-US" sz="3400" kern="1200" dirty="0"/>
@@ -2827,7 +2731,7 @@
         </a:bodyPr>
         <a:lstStyle/>
         <a:p>
-          <a:pPr lvl="0" algn="l" defTabSz="1511300">
+          <a:pPr marL="0" lvl="0" indent="0" algn="l" defTabSz="1511300">
             <a:lnSpc>
               <a:spcPct val="90000"/>
             </a:lnSpc>
@@ -2837,6 +2741,7 @@
             <a:spcAft>
               <a:spcPct val="35000"/>
             </a:spcAft>
+            <a:buNone/>
           </a:pPr>
           <a:r>
             <a:rPr lang="en-US" sz="3400" kern="1200" dirty="0"/>
@@ -2909,7 +2814,7 @@
         </a:bodyPr>
         <a:lstStyle/>
         <a:p>
-          <a:pPr lvl="0" algn="l" defTabSz="1511300">
+          <a:pPr marL="0" lvl="0" indent="0" algn="l" defTabSz="1511300">
             <a:lnSpc>
               <a:spcPct val="90000"/>
             </a:lnSpc>
@@ -2919,6 +2824,7 @@
             <a:spcAft>
               <a:spcPct val="35000"/>
             </a:spcAft>
+            <a:buNone/>
           </a:pPr>
           <a:r>
             <a:rPr lang="en-US" sz="3400" kern="1200" dirty="0"/>
@@ -2991,7 +2897,7 @@
         </a:bodyPr>
         <a:lstStyle/>
         <a:p>
-          <a:pPr lvl="0" algn="l" defTabSz="1511300">
+          <a:pPr marL="0" lvl="0" indent="0" algn="l" defTabSz="1511300">
             <a:lnSpc>
               <a:spcPct val="90000"/>
             </a:lnSpc>
@@ -3001,6 +2907,7 @@
             <a:spcAft>
               <a:spcPct val="35000"/>
             </a:spcAft>
+            <a:buNone/>
           </a:pPr>
           <a:r>
             <a:rPr lang="en-US" sz="3400" kern="1200" dirty="0" err="1"/>
@@ -3077,7 +2984,7 @@
         </a:bodyPr>
         <a:lstStyle/>
         <a:p>
-          <a:pPr lvl="0" algn="l" defTabSz="1511300">
+          <a:pPr marL="0" lvl="0" indent="0" algn="l" defTabSz="1511300">
             <a:lnSpc>
               <a:spcPct val="90000"/>
             </a:lnSpc>
@@ -3087,6 +2994,7 @@
             <a:spcAft>
               <a:spcPct val="35000"/>
             </a:spcAft>
+            <a:buNone/>
           </a:pPr>
           <a:r>
             <a:rPr lang="en-US" sz="3400" kern="1200" dirty="0" err="1"/>
@@ -3183,7 +3091,7 @@
         </a:bodyPr>
         <a:lstStyle/>
         <a:p>
-          <a:pPr lvl="0" algn="l" defTabSz="1511300">
+          <a:pPr marL="0" lvl="0" indent="0" algn="l" defTabSz="1511300">
             <a:lnSpc>
               <a:spcPct val="90000"/>
             </a:lnSpc>
@@ -3193,6 +3101,7 @@
             <a:spcAft>
               <a:spcPct val="35000"/>
             </a:spcAft>
+            <a:buNone/>
           </a:pPr>
           <a:r>
             <a:rPr lang="en-US" sz="3400" kern="1200" dirty="0"/>
@@ -3273,7 +3182,7 @@
         </a:bodyPr>
         <a:lstStyle/>
         <a:p>
-          <a:pPr lvl="0" algn="l" defTabSz="1511300">
+          <a:pPr marL="0" lvl="0" indent="0" algn="l" defTabSz="1511300">
             <a:lnSpc>
               <a:spcPct val="90000"/>
             </a:lnSpc>
@@ -3283,6 +3192,7 @@
             <a:spcAft>
               <a:spcPct val="35000"/>
             </a:spcAft>
+            <a:buNone/>
           </a:pPr>
           <a:r>
             <a:rPr lang="en-US" sz="3400" kern="1200" dirty="0"/>
@@ -3350,7 +3260,7 @@
         </a:bodyPr>
         <a:lstStyle/>
         <a:p>
-          <a:pPr lvl="0" algn="l" defTabSz="1511300">
+          <a:pPr marL="0" lvl="0" indent="0" algn="l" defTabSz="1511300">
             <a:lnSpc>
               <a:spcPct val="90000"/>
             </a:lnSpc>
@@ -3360,6 +3270,7 @@
             <a:spcAft>
               <a:spcPct val="35000"/>
             </a:spcAft>
+            <a:buNone/>
           </a:pPr>
           <a:r>
             <a:rPr lang="en-US" sz="3400" kern="1200" dirty="0"/>
@@ -3432,7 +3343,7 @@
         </a:bodyPr>
         <a:lstStyle/>
         <a:p>
-          <a:pPr lvl="0" algn="l" defTabSz="1511300">
+          <a:pPr marL="0" lvl="0" indent="0" algn="l" defTabSz="1511300">
             <a:lnSpc>
               <a:spcPct val="90000"/>
             </a:lnSpc>
@@ -3442,6 +3353,7 @@
             <a:spcAft>
               <a:spcPct val="35000"/>
             </a:spcAft>
+            <a:buNone/>
           </a:pPr>
           <a:r>
             <a:rPr lang="en-US" sz="3400" kern="1200" dirty="0"/>
@@ -3514,7 +3426,7 @@
         </a:bodyPr>
         <a:lstStyle/>
         <a:p>
-          <a:pPr lvl="0" algn="l" defTabSz="1511300">
+          <a:pPr marL="0" lvl="0" indent="0" algn="l" defTabSz="1511300">
             <a:lnSpc>
               <a:spcPct val="90000"/>
             </a:lnSpc>
@@ -3524,6 +3436,7 @@
             <a:spcAft>
               <a:spcPct val="35000"/>
             </a:spcAft>
+            <a:buNone/>
           </a:pPr>
           <a:r>
             <a:rPr lang="en-US" sz="3400" kern="1200" dirty="0" err="1"/>
@@ -3600,7 +3513,7 @@
         </a:bodyPr>
         <a:lstStyle/>
         <a:p>
-          <a:pPr lvl="0" algn="l" defTabSz="1511300">
+          <a:pPr marL="0" lvl="0" indent="0" algn="l" defTabSz="1511300">
             <a:lnSpc>
               <a:spcPct val="90000"/>
             </a:lnSpc>
@@ -3610,6 +3523,7 @@
             <a:spcAft>
               <a:spcPct val="35000"/>
             </a:spcAft>
+            <a:buNone/>
           </a:pPr>
           <a:r>
             <a:rPr lang="en-US" sz="3400" kern="1200" dirty="0" err="1"/>
@@ -6067,7 +5981,7 @@
           <p:cNvPr id="2" name="Title 1">
             <a:extLst>
               <a:ext uri="{FF2B5EF4-FFF2-40B4-BE49-F238E27FC236}">
-                <a16:creationId xmlns:a16="http://schemas.microsoft.com/office/drawing/2014/main" xmlns="" id="{E0ECB33B-7D53-4A53-8399-3CD04566E786}"/>
+                <a16:creationId xmlns:a16="http://schemas.microsoft.com/office/drawing/2014/main" id="{E0ECB33B-7D53-4A53-8399-3CD04566E786}"/>
               </a:ext>
             </a:extLst>
           </p:cNvPr>
@@ -6105,7 +6019,7 @@
           <p:cNvPr id="3" name="Subtitle 2">
             <a:extLst>
               <a:ext uri="{FF2B5EF4-FFF2-40B4-BE49-F238E27FC236}">
-                <a16:creationId xmlns:a16="http://schemas.microsoft.com/office/drawing/2014/main" xmlns="" id="{164DE9C3-5FAB-4FC9-BCB3-846C1E5A88E3}"/>
+                <a16:creationId xmlns:a16="http://schemas.microsoft.com/office/drawing/2014/main" id="{164DE9C3-5FAB-4FC9-BCB3-846C1E5A88E3}"/>
               </a:ext>
             </a:extLst>
           </p:cNvPr>
@@ -6176,7 +6090,7 @@
           <p:cNvPr id="4" name="Date Placeholder 3">
             <a:extLst>
               <a:ext uri="{FF2B5EF4-FFF2-40B4-BE49-F238E27FC236}">
-                <a16:creationId xmlns:a16="http://schemas.microsoft.com/office/drawing/2014/main" xmlns="" id="{5C21CF30-1952-4FB0-968E-951D835274D5}"/>
+                <a16:creationId xmlns:a16="http://schemas.microsoft.com/office/drawing/2014/main" id="{5C21CF30-1952-4FB0-968E-951D835274D5}"/>
               </a:ext>
             </a:extLst>
           </p:cNvPr>
@@ -6194,7 +6108,7 @@
           <a:p>
             <a:fld id="{FDBD420C-7621-46C4-B0D7-0A7E12FF1E5F}" type="datetimeFigureOut">
               <a:rPr lang="en-CA" smtClean="0"/>
-              <a:t>09/01/2020</a:t>
+              <a:t>2020-01-31</a:t>
             </a:fld>
             <a:endParaRPr lang="en-CA"/>
           </a:p>
@@ -6205,7 +6119,7 @@
           <p:cNvPr id="5" name="Footer Placeholder 4">
             <a:extLst>
               <a:ext uri="{FF2B5EF4-FFF2-40B4-BE49-F238E27FC236}">
-                <a16:creationId xmlns:a16="http://schemas.microsoft.com/office/drawing/2014/main" xmlns="" id="{195BA71E-01E9-4732-A3B5-8F5133AC05FC}"/>
+                <a16:creationId xmlns:a16="http://schemas.microsoft.com/office/drawing/2014/main" id="{195BA71E-01E9-4732-A3B5-8F5133AC05FC}"/>
               </a:ext>
             </a:extLst>
           </p:cNvPr>
@@ -6230,7 +6144,7 @@
           <p:cNvPr id="6" name="Slide Number Placeholder 5">
             <a:extLst>
               <a:ext uri="{FF2B5EF4-FFF2-40B4-BE49-F238E27FC236}">
-                <a16:creationId xmlns:a16="http://schemas.microsoft.com/office/drawing/2014/main" xmlns="" id="{A1661253-1AB8-4B58-B7F7-34AFAFCF68D4}"/>
+                <a16:creationId xmlns:a16="http://schemas.microsoft.com/office/drawing/2014/main" id="{A1661253-1AB8-4B58-B7F7-34AFAFCF68D4}"/>
               </a:ext>
             </a:extLst>
           </p:cNvPr>
@@ -6289,7 +6203,7 @@
           <p:cNvPr id="2" name="Title 1">
             <a:extLst>
               <a:ext uri="{FF2B5EF4-FFF2-40B4-BE49-F238E27FC236}">
-                <a16:creationId xmlns:a16="http://schemas.microsoft.com/office/drawing/2014/main" xmlns="" id="{C89750CA-5DE9-4D2E-A943-839EE9AA9C4D}"/>
+                <a16:creationId xmlns:a16="http://schemas.microsoft.com/office/drawing/2014/main" id="{C89750CA-5DE9-4D2E-A943-839EE9AA9C4D}"/>
               </a:ext>
             </a:extLst>
           </p:cNvPr>
@@ -6318,7 +6232,7 @@
           <p:cNvPr id="3" name="Vertical Text Placeholder 2">
             <a:extLst>
               <a:ext uri="{FF2B5EF4-FFF2-40B4-BE49-F238E27FC236}">
-                <a16:creationId xmlns:a16="http://schemas.microsoft.com/office/drawing/2014/main" xmlns="" id="{AD0A4933-9C69-4597-BC74-653C9AE33536}"/>
+                <a16:creationId xmlns:a16="http://schemas.microsoft.com/office/drawing/2014/main" id="{AD0A4933-9C69-4597-BC74-653C9AE33536}"/>
               </a:ext>
             </a:extLst>
           </p:cNvPr>
@@ -6376,7 +6290,7 @@
           <p:cNvPr id="4" name="Date Placeholder 3">
             <a:extLst>
               <a:ext uri="{FF2B5EF4-FFF2-40B4-BE49-F238E27FC236}">
-                <a16:creationId xmlns:a16="http://schemas.microsoft.com/office/drawing/2014/main" xmlns="" id="{A26231D1-4F31-4FA6-B7C0-E4E7511B54B6}"/>
+                <a16:creationId xmlns:a16="http://schemas.microsoft.com/office/drawing/2014/main" id="{A26231D1-4F31-4FA6-B7C0-E4E7511B54B6}"/>
               </a:ext>
             </a:extLst>
           </p:cNvPr>
@@ -6394,7 +6308,7 @@
           <a:p>
             <a:fld id="{FDBD420C-7621-46C4-B0D7-0A7E12FF1E5F}" type="datetimeFigureOut">
               <a:rPr lang="en-CA" smtClean="0"/>
-              <a:t>09/01/2020</a:t>
+              <a:t>2020-01-31</a:t>
             </a:fld>
             <a:endParaRPr lang="en-CA"/>
           </a:p>
@@ -6405,7 +6319,7 @@
           <p:cNvPr id="5" name="Footer Placeholder 4">
             <a:extLst>
               <a:ext uri="{FF2B5EF4-FFF2-40B4-BE49-F238E27FC236}">
-                <a16:creationId xmlns:a16="http://schemas.microsoft.com/office/drawing/2014/main" xmlns="" id="{D3AA9503-EE7A-4276-96D5-35E879F141C4}"/>
+                <a16:creationId xmlns:a16="http://schemas.microsoft.com/office/drawing/2014/main" id="{D3AA9503-EE7A-4276-96D5-35E879F141C4}"/>
               </a:ext>
             </a:extLst>
           </p:cNvPr>
@@ -6430,7 +6344,7 @@
           <p:cNvPr id="6" name="Slide Number Placeholder 5">
             <a:extLst>
               <a:ext uri="{FF2B5EF4-FFF2-40B4-BE49-F238E27FC236}">
-                <a16:creationId xmlns:a16="http://schemas.microsoft.com/office/drawing/2014/main" xmlns="" id="{EB81F961-2558-4D42-8677-86B62E122707}"/>
+                <a16:creationId xmlns:a16="http://schemas.microsoft.com/office/drawing/2014/main" id="{EB81F961-2558-4D42-8677-86B62E122707}"/>
               </a:ext>
             </a:extLst>
           </p:cNvPr>
@@ -6489,7 +6403,7 @@
           <p:cNvPr id="2" name="Vertical Title 1">
             <a:extLst>
               <a:ext uri="{FF2B5EF4-FFF2-40B4-BE49-F238E27FC236}">
-                <a16:creationId xmlns:a16="http://schemas.microsoft.com/office/drawing/2014/main" xmlns="" id="{0C261391-B2C8-4A72-82ED-A72F298362F9}"/>
+                <a16:creationId xmlns:a16="http://schemas.microsoft.com/office/drawing/2014/main" id="{0C261391-B2C8-4A72-82ED-A72F298362F9}"/>
               </a:ext>
             </a:extLst>
           </p:cNvPr>
@@ -6523,7 +6437,7 @@
           <p:cNvPr id="3" name="Vertical Text Placeholder 2">
             <a:extLst>
               <a:ext uri="{FF2B5EF4-FFF2-40B4-BE49-F238E27FC236}">
-                <a16:creationId xmlns:a16="http://schemas.microsoft.com/office/drawing/2014/main" xmlns="" id="{B110C5EF-99BA-44E8-89B5-682F1525C644}"/>
+                <a16:creationId xmlns:a16="http://schemas.microsoft.com/office/drawing/2014/main" id="{B110C5EF-99BA-44E8-89B5-682F1525C644}"/>
               </a:ext>
             </a:extLst>
           </p:cNvPr>
@@ -6586,7 +6500,7 @@
           <p:cNvPr id="4" name="Date Placeholder 3">
             <a:extLst>
               <a:ext uri="{FF2B5EF4-FFF2-40B4-BE49-F238E27FC236}">
-                <a16:creationId xmlns:a16="http://schemas.microsoft.com/office/drawing/2014/main" xmlns="" id="{BFB44918-BFC6-457C-A5B2-6DEFB07BE963}"/>
+                <a16:creationId xmlns:a16="http://schemas.microsoft.com/office/drawing/2014/main" id="{BFB44918-BFC6-457C-A5B2-6DEFB07BE963}"/>
               </a:ext>
             </a:extLst>
           </p:cNvPr>
@@ -6604,7 +6518,7 @@
           <a:p>
             <a:fld id="{FDBD420C-7621-46C4-B0D7-0A7E12FF1E5F}" type="datetimeFigureOut">
               <a:rPr lang="en-CA" smtClean="0"/>
-              <a:t>09/01/2020</a:t>
+              <a:t>2020-01-31</a:t>
             </a:fld>
             <a:endParaRPr lang="en-CA"/>
           </a:p>
@@ -6615,7 +6529,7 @@
           <p:cNvPr id="5" name="Footer Placeholder 4">
             <a:extLst>
               <a:ext uri="{FF2B5EF4-FFF2-40B4-BE49-F238E27FC236}">
-                <a16:creationId xmlns:a16="http://schemas.microsoft.com/office/drawing/2014/main" xmlns="" id="{59DB4C09-DE53-4746-8EA3-475FD753CD22}"/>
+                <a16:creationId xmlns:a16="http://schemas.microsoft.com/office/drawing/2014/main" id="{59DB4C09-DE53-4746-8EA3-475FD753CD22}"/>
               </a:ext>
             </a:extLst>
           </p:cNvPr>
@@ -6640,7 +6554,7 @@
           <p:cNvPr id="6" name="Slide Number Placeholder 5">
             <a:extLst>
               <a:ext uri="{FF2B5EF4-FFF2-40B4-BE49-F238E27FC236}">
-                <a16:creationId xmlns:a16="http://schemas.microsoft.com/office/drawing/2014/main" xmlns="" id="{F503AEFC-D1F4-4960-98AB-59127B463449}"/>
+                <a16:creationId xmlns:a16="http://schemas.microsoft.com/office/drawing/2014/main" id="{F503AEFC-D1F4-4960-98AB-59127B463449}"/>
               </a:ext>
             </a:extLst>
           </p:cNvPr>
@@ -6699,7 +6613,7 @@
           <p:cNvPr id="2" name="Title 1">
             <a:extLst>
               <a:ext uri="{FF2B5EF4-FFF2-40B4-BE49-F238E27FC236}">
-                <a16:creationId xmlns:a16="http://schemas.microsoft.com/office/drawing/2014/main" xmlns="" id="{23B34AE7-1720-4410-989A-0DB1D3E32252}"/>
+                <a16:creationId xmlns:a16="http://schemas.microsoft.com/office/drawing/2014/main" id="{23B34AE7-1720-4410-989A-0DB1D3E32252}"/>
               </a:ext>
             </a:extLst>
           </p:cNvPr>
@@ -6728,7 +6642,7 @@
           <p:cNvPr id="3" name="Content Placeholder 2">
             <a:extLst>
               <a:ext uri="{FF2B5EF4-FFF2-40B4-BE49-F238E27FC236}">
-                <a16:creationId xmlns:a16="http://schemas.microsoft.com/office/drawing/2014/main" xmlns="" id="{972BC6B3-C1BC-420A-B501-D8AFD49DFE66}"/>
+                <a16:creationId xmlns:a16="http://schemas.microsoft.com/office/drawing/2014/main" id="{972BC6B3-C1BC-420A-B501-D8AFD49DFE66}"/>
               </a:ext>
             </a:extLst>
           </p:cNvPr>
@@ -6786,7 +6700,7 @@
           <p:cNvPr id="4" name="Date Placeholder 3">
             <a:extLst>
               <a:ext uri="{FF2B5EF4-FFF2-40B4-BE49-F238E27FC236}">
-                <a16:creationId xmlns:a16="http://schemas.microsoft.com/office/drawing/2014/main" xmlns="" id="{7FB6141D-C5DA-48B8-BD94-917DA00A5440}"/>
+                <a16:creationId xmlns:a16="http://schemas.microsoft.com/office/drawing/2014/main" id="{7FB6141D-C5DA-48B8-BD94-917DA00A5440}"/>
               </a:ext>
             </a:extLst>
           </p:cNvPr>
@@ -6804,7 +6718,7 @@
           <a:p>
             <a:fld id="{FDBD420C-7621-46C4-B0D7-0A7E12FF1E5F}" type="datetimeFigureOut">
               <a:rPr lang="en-CA" smtClean="0"/>
-              <a:t>09/01/2020</a:t>
+              <a:t>2020-01-31</a:t>
             </a:fld>
             <a:endParaRPr lang="en-CA"/>
           </a:p>
@@ -6815,7 +6729,7 @@
           <p:cNvPr id="5" name="Footer Placeholder 4">
             <a:extLst>
               <a:ext uri="{FF2B5EF4-FFF2-40B4-BE49-F238E27FC236}">
-                <a16:creationId xmlns:a16="http://schemas.microsoft.com/office/drawing/2014/main" xmlns="" id="{B1DBA6BC-8A0B-43DC-9E3E-07EDE53C1642}"/>
+                <a16:creationId xmlns:a16="http://schemas.microsoft.com/office/drawing/2014/main" id="{B1DBA6BC-8A0B-43DC-9E3E-07EDE53C1642}"/>
               </a:ext>
             </a:extLst>
           </p:cNvPr>
@@ -6840,7 +6754,7 @@
           <p:cNvPr id="6" name="Slide Number Placeholder 5">
             <a:extLst>
               <a:ext uri="{FF2B5EF4-FFF2-40B4-BE49-F238E27FC236}">
-                <a16:creationId xmlns:a16="http://schemas.microsoft.com/office/drawing/2014/main" xmlns="" id="{62097715-3260-4FB8-A25E-F4B028463F8F}"/>
+                <a16:creationId xmlns:a16="http://schemas.microsoft.com/office/drawing/2014/main" id="{62097715-3260-4FB8-A25E-F4B028463F8F}"/>
               </a:ext>
             </a:extLst>
           </p:cNvPr>
@@ -6899,7 +6813,7 @@
           <p:cNvPr id="2" name="Title 1">
             <a:extLst>
               <a:ext uri="{FF2B5EF4-FFF2-40B4-BE49-F238E27FC236}">
-                <a16:creationId xmlns:a16="http://schemas.microsoft.com/office/drawing/2014/main" xmlns="" id="{78D4984D-80EB-4454-B84F-64E8D892D3D1}"/>
+                <a16:creationId xmlns:a16="http://schemas.microsoft.com/office/drawing/2014/main" id="{78D4984D-80EB-4454-B84F-64E8D892D3D1}"/>
               </a:ext>
             </a:extLst>
           </p:cNvPr>
@@ -6937,7 +6851,7 @@
           <p:cNvPr id="3" name="Text Placeholder 2">
             <a:extLst>
               <a:ext uri="{FF2B5EF4-FFF2-40B4-BE49-F238E27FC236}">
-                <a16:creationId xmlns:a16="http://schemas.microsoft.com/office/drawing/2014/main" xmlns="" id="{53822340-06FC-42A3-8199-4D17B6ECE340}"/>
+                <a16:creationId xmlns:a16="http://schemas.microsoft.com/office/drawing/2014/main" id="{53822340-06FC-42A3-8199-4D17B6ECE340}"/>
               </a:ext>
             </a:extLst>
           </p:cNvPr>
@@ -7062,7 +6976,7 @@
           <p:cNvPr id="4" name="Date Placeholder 3">
             <a:extLst>
               <a:ext uri="{FF2B5EF4-FFF2-40B4-BE49-F238E27FC236}">
-                <a16:creationId xmlns:a16="http://schemas.microsoft.com/office/drawing/2014/main" xmlns="" id="{1545F5FE-AF59-4662-BCED-BA6AC55D46EE}"/>
+                <a16:creationId xmlns:a16="http://schemas.microsoft.com/office/drawing/2014/main" id="{1545F5FE-AF59-4662-BCED-BA6AC55D46EE}"/>
               </a:ext>
             </a:extLst>
           </p:cNvPr>
@@ -7080,7 +6994,7 @@
           <a:p>
             <a:fld id="{FDBD420C-7621-46C4-B0D7-0A7E12FF1E5F}" type="datetimeFigureOut">
               <a:rPr lang="en-CA" smtClean="0"/>
-              <a:t>09/01/2020</a:t>
+              <a:t>2020-01-31</a:t>
             </a:fld>
             <a:endParaRPr lang="en-CA"/>
           </a:p>
@@ -7091,7 +7005,7 @@
           <p:cNvPr id="5" name="Footer Placeholder 4">
             <a:extLst>
               <a:ext uri="{FF2B5EF4-FFF2-40B4-BE49-F238E27FC236}">
-                <a16:creationId xmlns:a16="http://schemas.microsoft.com/office/drawing/2014/main" xmlns="" id="{C5125558-275D-4348-A88A-E989BCA79C5D}"/>
+                <a16:creationId xmlns:a16="http://schemas.microsoft.com/office/drawing/2014/main" id="{C5125558-275D-4348-A88A-E989BCA79C5D}"/>
               </a:ext>
             </a:extLst>
           </p:cNvPr>
@@ -7116,7 +7030,7 @@
           <p:cNvPr id="6" name="Slide Number Placeholder 5">
             <a:extLst>
               <a:ext uri="{FF2B5EF4-FFF2-40B4-BE49-F238E27FC236}">
-                <a16:creationId xmlns:a16="http://schemas.microsoft.com/office/drawing/2014/main" xmlns="" id="{7F97D295-3CE6-443D-A0EC-0D9CB9693891}"/>
+                <a16:creationId xmlns:a16="http://schemas.microsoft.com/office/drawing/2014/main" id="{7F97D295-3CE6-443D-A0EC-0D9CB9693891}"/>
               </a:ext>
             </a:extLst>
           </p:cNvPr>
@@ -7175,7 +7089,7 @@
           <p:cNvPr id="2" name="Title 1">
             <a:extLst>
               <a:ext uri="{FF2B5EF4-FFF2-40B4-BE49-F238E27FC236}">
-                <a16:creationId xmlns:a16="http://schemas.microsoft.com/office/drawing/2014/main" xmlns="" id="{1827ADDB-8923-44B8-9516-084467342A7F}"/>
+                <a16:creationId xmlns:a16="http://schemas.microsoft.com/office/drawing/2014/main" id="{1827ADDB-8923-44B8-9516-084467342A7F}"/>
               </a:ext>
             </a:extLst>
           </p:cNvPr>
@@ -7204,7 +7118,7 @@
           <p:cNvPr id="3" name="Content Placeholder 2">
             <a:extLst>
               <a:ext uri="{FF2B5EF4-FFF2-40B4-BE49-F238E27FC236}">
-                <a16:creationId xmlns:a16="http://schemas.microsoft.com/office/drawing/2014/main" xmlns="" id="{DBE36B65-AFCB-453C-9D50-FC64F06CA180}"/>
+                <a16:creationId xmlns:a16="http://schemas.microsoft.com/office/drawing/2014/main" id="{DBE36B65-AFCB-453C-9D50-FC64F06CA180}"/>
               </a:ext>
             </a:extLst>
           </p:cNvPr>
@@ -7267,7 +7181,7 @@
           <p:cNvPr id="4" name="Content Placeholder 3">
             <a:extLst>
               <a:ext uri="{FF2B5EF4-FFF2-40B4-BE49-F238E27FC236}">
-                <a16:creationId xmlns:a16="http://schemas.microsoft.com/office/drawing/2014/main" xmlns="" id="{FFD24A39-FF4F-4213-8999-917100DA29CE}"/>
+                <a16:creationId xmlns:a16="http://schemas.microsoft.com/office/drawing/2014/main" id="{FFD24A39-FF4F-4213-8999-917100DA29CE}"/>
               </a:ext>
             </a:extLst>
           </p:cNvPr>
@@ -7330,7 +7244,7 @@
           <p:cNvPr id="5" name="Date Placeholder 4">
             <a:extLst>
               <a:ext uri="{FF2B5EF4-FFF2-40B4-BE49-F238E27FC236}">
-                <a16:creationId xmlns:a16="http://schemas.microsoft.com/office/drawing/2014/main" xmlns="" id="{839ED85E-8512-4556-B02E-0E3369A80A0A}"/>
+                <a16:creationId xmlns:a16="http://schemas.microsoft.com/office/drawing/2014/main" id="{839ED85E-8512-4556-B02E-0E3369A80A0A}"/>
               </a:ext>
             </a:extLst>
           </p:cNvPr>
@@ -7348,7 +7262,7 @@
           <a:p>
             <a:fld id="{FDBD420C-7621-46C4-B0D7-0A7E12FF1E5F}" type="datetimeFigureOut">
               <a:rPr lang="en-CA" smtClean="0"/>
-              <a:t>09/01/2020</a:t>
+              <a:t>2020-01-31</a:t>
             </a:fld>
             <a:endParaRPr lang="en-CA"/>
           </a:p>
@@ -7359,7 +7273,7 @@
           <p:cNvPr id="6" name="Footer Placeholder 5">
             <a:extLst>
               <a:ext uri="{FF2B5EF4-FFF2-40B4-BE49-F238E27FC236}">
-                <a16:creationId xmlns:a16="http://schemas.microsoft.com/office/drawing/2014/main" xmlns="" id="{04E8967E-531B-42E1-88CE-CF564DC4E36E}"/>
+                <a16:creationId xmlns:a16="http://schemas.microsoft.com/office/drawing/2014/main" id="{04E8967E-531B-42E1-88CE-CF564DC4E36E}"/>
               </a:ext>
             </a:extLst>
           </p:cNvPr>
@@ -7384,7 +7298,7 @@
           <p:cNvPr id="7" name="Slide Number Placeholder 6">
             <a:extLst>
               <a:ext uri="{FF2B5EF4-FFF2-40B4-BE49-F238E27FC236}">
-                <a16:creationId xmlns:a16="http://schemas.microsoft.com/office/drawing/2014/main" xmlns="" id="{8CF1DF6E-5BBE-4656-A22D-F18E5F6E0CBA}"/>
+                <a16:creationId xmlns:a16="http://schemas.microsoft.com/office/drawing/2014/main" id="{8CF1DF6E-5BBE-4656-A22D-F18E5F6E0CBA}"/>
               </a:ext>
             </a:extLst>
           </p:cNvPr>
@@ -7443,7 +7357,7 @@
           <p:cNvPr id="2" name="Title 1">
             <a:extLst>
               <a:ext uri="{FF2B5EF4-FFF2-40B4-BE49-F238E27FC236}">
-                <a16:creationId xmlns:a16="http://schemas.microsoft.com/office/drawing/2014/main" xmlns="" id="{569BEABE-C17B-4B4B-934E-5B9C6983E074}"/>
+                <a16:creationId xmlns:a16="http://schemas.microsoft.com/office/drawing/2014/main" id="{569BEABE-C17B-4B4B-934E-5B9C6983E074}"/>
               </a:ext>
             </a:extLst>
           </p:cNvPr>
@@ -7477,7 +7391,7 @@
           <p:cNvPr id="3" name="Text Placeholder 2">
             <a:extLst>
               <a:ext uri="{FF2B5EF4-FFF2-40B4-BE49-F238E27FC236}">
-                <a16:creationId xmlns:a16="http://schemas.microsoft.com/office/drawing/2014/main" xmlns="" id="{36AD0D77-7A76-4BD3-B0B6-C8FEC2B41815}"/>
+                <a16:creationId xmlns:a16="http://schemas.microsoft.com/office/drawing/2014/main" id="{36AD0D77-7A76-4BD3-B0B6-C8FEC2B41815}"/>
               </a:ext>
             </a:extLst>
           </p:cNvPr>
@@ -7548,7 +7462,7 @@
           <p:cNvPr id="4" name="Content Placeholder 3">
             <a:extLst>
               <a:ext uri="{FF2B5EF4-FFF2-40B4-BE49-F238E27FC236}">
-                <a16:creationId xmlns:a16="http://schemas.microsoft.com/office/drawing/2014/main" xmlns="" id="{7E9A056C-24EE-4C4B-B327-27ABDFF3A15E}"/>
+                <a16:creationId xmlns:a16="http://schemas.microsoft.com/office/drawing/2014/main" id="{7E9A056C-24EE-4C4B-B327-27ABDFF3A15E}"/>
               </a:ext>
             </a:extLst>
           </p:cNvPr>
@@ -7611,7 +7525,7 @@
           <p:cNvPr id="5" name="Text Placeholder 4">
             <a:extLst>
               <a:ext uri="{FF2B5EF4-FFF2-40B4-BE49-F238E27FC236}">
-                <a16:creationId xmlns:a16="http://schemas.microsoft.com/office/drawing/2014/main" xmlns="" id="{628A8694-FD3D-425D-8E09-34DA913B745D}"/>
+                <a16:creationId xmlns:a16="http://schemas.microsoft.com/office/drawing/2014/main" id="{628A8694-FD3D-425D-8E09-34DA913B745D}"/>
               </a:ext>
             </a:extLst>
           </p:cNvPr>
@@ -7682,7 +7596,7 @@
           <p:cNvPr id="6" name="Content Placeholder 5">
             <a:extLst>
               <a:ext uri="{FF2B5EF4-FFF2-40B4-BE49-F238E27FC236}">
-                <a16:creationId xmlns:a16="http://schemas.microsoft.com/office/drawing/2014/main" xmlns="" id="{987C0A60-DAC2-4597-94CD-6B882119FEC0}"/>
+                <a16:creationId xmlns:a16="http://schemas.microsoft.com/office/drawing/2014/main" id="{987C0A60-DAC2-4597-94CD-6B882119FEC0}"/>
               </a:ext>
             </a:extLst>
           </p:cNvPr>
@@ -7745,7 +7659,7 @@
           <p:cNvPr id="7" name="Date Placeholder 6">
             <a:extLst>
               <a:ext uri="{FF2B5EF4-FFF2-40B4-BE49-F238E27FC236}">
-                <a16:creationId xmlns:a16="http://schemas.microsoft.com/office/drawing/2014/main" xmlns="" id="{C0302A10-987C-4056-938C-0F5A0FBE5D43}"/>
+                <a16:creationId xmlns:a16="http://schemas.microsoft.com/office/drawing/2014/main" id="{C0302A10-987C-4056-938C-0F5A0FBE5D43}"/>
               </a:ext>
             </a:extLst>
           </p:cNvPr>
@@ -7763,7 +7677,7 @@
           <a:p>
             <a:fld id="{FDBD420C-7621-46C4-B0D7-0A7E12FF1E5F}" type="datetimeFigureOut">
               <a:rPr lang="en-CA" smtClean="0"/>
-              <a:t>09/01/2020</a:t>
+              <a:t>2020-01-31</a:t>
             </a:fld>
             <a:endParaRPr lang="en-CA"/>
           </a:p>
@@ -7774,7 +7688,7 @@
           <p:cNvPr id="8" name="Footer Placeholder 7">
             <a:extLst>
               <a:ext uri="{FF2B5EF4-FFF2-40B4-BE49-F238E27FC236}">
-                <a16:creationId xmlns:a16="http://schemas.microsoft.com/office/drawing/2014/main" xmlns="" id="{38A0EF97-FD11-4BCE-A94F-BEFAEC7A2C34}"/>
+                <a16:creationId xmlns:a16="http://schemas.microsoft.com/office/drawing/2014/main" id="{38A0EF97-FD11-4BCE-A94F-BEFAEC7A2C34}"/>
               </a:ext>
             </a:extLst>
           </p:cNvPr>
@@ -7799,7 +7713,7 @@
           <p:cNvPr id="9" name="Slide Number Placeholder 8">
             <a:extLst>
               <a:ext uri="{FF2B5EF4-FFF2-40B4-BE49-F238E27FC236}">
-                <a16:creationId xmlns:a16="http://schemas.microsoft.com/office/drawing/2014/main" xmlns="" id="{F34FD31F-D42C-42C4-B4C5-B13E5108EB8D}"/>
+                <a16:creationId xmlns:a16="http://schemas.microsoft.com/office/drawing/2014/main" id="{F34FD31F-D42C-42C4-B4C5-B13E5108EB8D}"/>
               </a:ext>
             </a:extLst>
           </p:cNvPr>
@@ -7858,7 +7772,7 @@
           <p:cNvPr id="2" name="Title 1">
             <a:extLst>
               <a:ext uri="{FF2B5EF4-FFF2-40B4-BE49-F238E27FC236}">
-                <a16:creationId xmlns:a16="http://schemas.microsoft.com/office/drawing/2014/main" xmlns="" id="{F84BADC9-40A9-4D1F-A214-21BD9E513F3C}"/>
+                <a16:creationId xmlns:a16="http://schemas.microsoft.com/office/drawing/2014/main" id="{F84BADC9-40A9-4D1F-A214-21BD9E513F3C}"/>
               </a:ext>
             </a:extLst>
           </p:cNvPr>
@@ -7887,7 +7801,7 @@
           <p:cNvPr id="3" name="Date Placeholder 2">
             <a:extLst>
               <a:ext uri="{FF2B5EF4-FFF2-40B4-BE49-F238E27FC236}">
-                <a16:creationId xmlns:a16="http://schemas.microsoft.com/office/drawing/2014/main" xmlns="" id="{F66A4F97-9717-43F2-B096-5AAAEDBF0E03}"/>
+                <a16:creationId xmlns:a16="http://schemas.microsoft.com/office/drawing/2014/main" id="{F66A4F97-9717-43F2-B096-5AAAEDBF0E03}"/>
               </a:ext>
             </a:extLst>
           </p:cNvPr>
@@ -7905,7 +7819,7 @@
           <a:p>
             <a:fld id="{FDBD420C-7621-46C4-B0D7-0A7E12FF1E5F}" type="datetimeFigureOut">
               <a:rPr lang="en-CA" smtClean="0"/>
-              <a:t>09/01/2020</a:t>
+              <a:t>2020-01-31</a:t>
             </a:fld>
             <a:endParaRPr lang="en-CA"/>
           </a:p>
@@ -7916,7 +7830,7 @@
           <p:cNvPr id="4" name="Footer Placeholder 3">
             <a:extLst>
               <a:ext uri="{FF2B5EF4-FFF2-40B4-BE49-F238E27FC236}">
-                <a16:creationId xmlns:a16="http://schemas.microsoft.com/office/drawing/2014/main" xmlns="" id="{33EFE295-F713-4F0D-AC23-F80C001680D8}"/>
+                <a16:creationId xmlns:a16="http://schemas.microsoft.com/office/drawing/2014/main" id="{33EFE295-F713-4F0D-AC23-F80C001680D8}"/>
               </a:ext>
             </a:extLst>
           </p:cNvPr>
@@ -7941,7 +7855,7 @@
           <p:cNvPr id="5" name="Slide Number Placeholder 4">
             <a:extLst>
               <a:ext uri="{FF2B5EF4-FFF2-40B4-BE49-F238E27FC236}">
-                <a16:creationId xmlns:a16="http://schemas.microsoft.com/office/drawing/2014/main" xmlns="" id="{8291E29B-D406-429D-B245-C50B5CCF8FAC}"/>
+                <a16:creationId xmlns:a16="http://schemas.microsoft.com/office/drawing/2014/main" id="{8291E29B-D406-429D-B245-C50B5CCF8FAC}"/>
               </a:ext>
             </a:extLst>
           </p:cNvPr>
@@ -8000,7 +7914,7 @@
           <p:cNvPr id="2" name="Date Placeholder 1">
             <a:extLst>
               <a:ext uri="{FF2B5EF4-FFF2-40B4-BE49-F238E27FC236}">
-                <a16:creationId xmlns:a16="http://schemas.microsoft.com/office/drawing/2014/main" xmlns="" id="{114BCE20-12F4-4B03-96BA-34BD76BC5A61}"/>
+                <a16:creationId xmlns:a16="http://schemas.microsoft.com/office/drawing/2014/main" id="{114BCE20-12F4-4B03-96BA-34BD76BC5A61}"/>
               </a:ext>
             </a:extLst>
           </p:cNvPr>
@@ -8018,7 +7932,7 @@
           <a:p>
             <a:fld id="{FDBD420C-7621-46C4-B0D7-0A7E12FF1E5F}" type="datetimeFigureOut">
               <a:rPr lang="en-CA" smtClean="0"/>
-              <a:t>09/01/2020</a:t>
+              <a:t>2020-01-31</a:t>
             </a:fld>
             <a:endParaRPr lang="en-CA"/>
           </a:p>
@@ -8029,7 +7943,7 @@
           <p:cNvPr id="3" name="Footer Placeholder 2">
             <a:extLst>
               <a:ext uri="{FF2B5EF4-FFF2-40B4-BE49-F238E27FC236}">
-                <a16:creationId xmlns:a16="http://schemas.microsoft.com/office/drawing/2014/main" xmlns="" id="{C123C1B7-EA01-4F0F-97B2-A849AAE5A7EA}"/>
+                <a16:creationId xmlns:a16="http://schemas.microsoft.com/office/drawing/2014/main" id="{C123C1B7-EA01-4F0F-97B2-A849AAE5A7EA}"/>
               </a:ext>
             </a:extLst>
           </p:cNvPr>
@@ -8054,7 +7968,7 @@
           <p:cNvPr id="4" name="Slide Number Placeholder 3">
             <a:extLst>
               <a:ext uri="{FF2B5EF4-FFF2-40B4-BE49-F238E27FC236}">
-                <a16:creationId xmlns:a16="http://schemas.microsoft.com/office/drawing/2014/main" xmlns="" id="{97AFC33F-9258-4113-A671-F22636D5A019}"/>
+                <a16:creationId xmlns:a16="http://schemas.microsoft.com/office/drawing/2014/main" id="{97AFC33F-9258-4113-A671-F22636D5A019}"/>
               </a:ext>
             </a:extLst>
           </p:cNvPr>
@@ -8113,7 +8027,7 @@
           <p:cNvPr id="2" name="Title 1">
             <a:extLst>
               <a:ext uri="{FF2B5EF4-FFF2-40B4-BE49-F238E27FC236}">
-                <a16:creationId xmlns:a16="http://schemas.microsoft.com/office/drawing/2014/main" xmlns="" id="{1E5FAD25-50FF-4A9F-AC67-63A1C77DB8C3}"/>
+                <a16:creationId xmlns:a16="http://schemas.microsoft.com/office/drawing/2014/main" id="{1E5FAD25-50FF-4A9F-AC67-63A1C77DB8C3}"/>
               </a:ext>
             </a:extLst>
           </p:cNvPr>
@@ -8151,7 +8065,7 @@
           <p:cNvPr id="3" name="Content Placeholder 2">
             <a:extLst>
               <a:ext uri="{FF2B5EF4-FFF2-40B4-BE49-F238E27FC236}">
-                <a16:creationId xmlns:a16="http://schemas.microsoft.com/office/drawing/2014/main" xmlns="" id="{59AC8312-DDDC-44D9-9CB2-EAAD9433193D}"/>
+                <a16:creationId xmlns:a16="http://schemas.microsoft.com/office/drawing/2014/main" id="{59AC8312-DDDC-44D9-9CB2-EAAD9433193D}"/>
               </a:ext>
             </a:extLst>
           </p:cNvPr>
@@ -8242,7 +8156,7 @@
           <p:cNvPr id="4" name="Text Placeholder 3">
             <a:extLst>
               <a:ext uri="{FF2B5EF4-FFF2-40B4-BE49-F238E27FC236}">
-                <a16:creationId xmlns:a16="http://schemas.microsoft.com/office/drawing/2014/main" xmlns="" id="{11EE1312-1CE4-4C00-A227-C4DA377245F4}"/>
+                <a16:creationId xmlns:a16="http://schemas.microsoft.com/office/drawing/2014/main" id="{11EE1312-1CE4-4C00-A227-C4DA377245F4}"/>
               </a:ext>
             </a:extLst>
           </p:cNvPr>
@@ -8313,7 +8227,7 @@
           <p:cNvPr id="5" name="Date Placeholder 4">
             <a:extLst>
               <a:ext uri="{FF2B5EF4-FFF2-40B4-BE49-F238E27FC236}">
-                <a16:creationId xmlns:a16="http://schemas.microsoft.com/office/drawing/2014/main" xmlns="" id="{FBE73AC5-A1D1-434E-B63A-A7EB09C3B90E}"/>
+                <a16:creationId xmlns:a16="http://schemas.microsoft.com/office/drawing/2014/main" id="{FBE73AC5-A1D1-434E-B63A-A7EB09C3B90E}"/>
               </a:ext>
             </a:extLst>
           </p:cNvPr>
@@ -8331,7 +8245,7 @@
           <a:p>
             <a:fld id="{FDBD420C-7621-46C4-B0D7-0A7E12FF1E5F}" type="datetimeFigureOut">
               <a:rPr lang="en-CA" smtClean="0"/>
-              <a:t>09/01/2020</a:t>
+              <a:t>2020-01-31</a:t>
             </a:fld>
             <a:endParaRPr lang="en-CA"/>
           </a:p>
@@ -8342,7 +8256,7 @@
           <p:cNvPr id="6" name="Footer Placeholder 5">
             <a:extLst>
               <a:ext uri="{FF2B5EF4-FFF2-40B4-BE49-F238E27FC236}">
-                <a16:creationId xmlns:a16="http://schemas.microsoft.com/office/drawing/2014/main" xmlns="" id="{0FA211CA-2499-4137-BAFB-51E0A797BEE6}"/>
+                <a16:creationId xmlns:a16="http://schemas.microsoft.com/office/drawing/2014/main" id="{0FA211CA-2499-4137-BAFB-51E0A797BEE6}"/>
               </a:ext>
             </a:extLst>
           </p:cNvPr>
@@ -8367,7 +8281,7 @@
           <p:cNvPr id="7" name="Slide Number Placeholder 6">
             <a:extLst>
               <a:ext uri="{FF2B5EF4-FFF2-40B4-BE49-F238E27FC236}">
-                <a16:creationId xmlns:a16="http://schemas.microsoft.com/office/drawing/2014/main" xmlns="" id="{60E49C1D-8BEF-41BD-852F-6860219E6DCD}"/>
+                <a16:creationId xmlns:a16="http://schemas.microsoft.com/office/drawing/2014/main" id="{60E49C1D-8BEF-41BD-852F-6860219E6DCD}"/>
               </a:ext>
             </a:extLst>
           </p:cNvPr>
@@ -8426,7 +8340,7 @@
           <p:cNvPr id="2" name="Title 1">
             <a:extLst>
               <a:ext uri="{FF2B5EF4-FFF2-40B4-BE49-F238E27FC236}">
-                <a16:creationId xmlns:a16="http://schemas.microsoft.com/office/drawing/2014/main" xmlns="" id="{5C187EFE-990B-49B4-995E-184035CC4EBB}"/>
+                <a16:creationId xmlns:a16="http://schemas.microsoft.com/office/drawing/2014/main" id="{5C187EFE-990B-49B4-995E-184035CC4EBB}"/>
               </a:ext>
             </a:extLst>
           </p:cNvPr>
@@ -8464,7 +8378,7 @@
           <p:cNvPr id="3" name="Picture Placeholder 2">
             <a:extLst>
               <a:ext uri="{FF2B5EF4-FFF2-40B4-BE49-F238E27FC236}">
-                <a16:creationId xmlns:a16="http://schemas.microsoft.com/office/drawing/2014/main" xmlns="" id="{AE4EA525-A488-470C-8B05-FCF052C02E8E}"/>
+                <a16:creationId xmlns:a16="http://schemas.microsoft.com/office/drawing/2014/main" id="{AE4EA525-A488-470C-8B05-FCF052C02E8E}"/>
               </a:ext>
             </a:extLst>
           </p:cNvPr>
@@ -8531,7 +8445,7 @@
           <p:cNvPr id="4" name="Text Placeholder 3">
             <a:extLst>
               <a:ext uri="{FF2B5EF4-FFF2-40B4-BE49-F238E27FC236}">
-                <a16:creationId xmlns:a16="http://schemas.microsoft.com/office/drawing/2014/main" xmlns="" id="{E53074CE-84F3-4701-BD76-33EC57757387}"/>
+                <a16:creationId xmlns:a16="http://schemas.microsoft.com/office/drawing/2014/main" id="{E53074CE-84F3-4701-BD76-33EC57757387}"/>
               </a:ext>
             </a:extLst>
           </p:cNvPr>
@@ -8602,7 +8516,7 @@
           <p:cNvPr id="5" name="Date Placeholder 4">
             <a:extLst>
               <a:ext uri="{FF2B5EF4-FFF2-40B4-BE49-F238E27FC236}">
-                <a16:creationId xmlns:a16="http://schemas.microsoft.com/office/drawing/2014/main" xmlns="" id="{9C8C2363-5352-4D4B-81E8-6BB63A24AE91}"/>
+                <a16:creationId xmlns:a16="http://schemas.microsoft.com/office/drawing/2014/main" id="{9C8C2363-5352-4D4B-81E8-6BB63A24AE91}"/>
               </a:ext>
             </a:extLst>
           </p:cNvPr>
@@ -8620,7 +8534,7 @@
           <a:p>
             <a:fld id="{FDBD420C-7621-46C4-B0D7-0A7E12FF1E5F}" type="datetimeFigureOut">
               <a:rPr lang="en-CA" smtClean="0"/>
-              <a:t>09/01/2020</a:t>
+              <a:t>2020-01-31</a:t>
             </a:fld>
             <a:endParaRPr lang="en-CA"/>
           </a:p>
@@ -8631,7 +8545,7 @@
           <p:cNvPr id="6" name="Footer Placeholder 5">
             <a:extLst>
               <a:ext uri="{FF2B5EF4-FFF2-40B4-BE49-F238E27FC236}">
-                <a16:creationId xmlns:a16="http://schemas.microsoft.com/office/drawing/2014/main" xmlns="" id="{E63BE28B-DEA5-49A1-8504-C62CE6D553CD}"/>
+                <a16:creationId xmlns:a16="http://schemas.microsoft.com/office/drawing/2014/main" id="{E63BE28B-DEA5-49A1-8504-C62CE6D553CD}"/>
               </a:ext>
             </a:extLst>
           </p:cNvPr>
@@ -8656,7 +8570,7 @@
           <p:cNvPr id="7" name="Slide Number Placeholder 6">
             <a:extLst>
               <a:ext uri="{FF2B5EF4-FFF2-40B4-BE49-F238E27FC236}">
-                <a16:creationId xmlns:a16="http://schemas.microsoft.com/office/drawing/2014/main" xmlns="" id="{CCACA14A-0166-4C69-A8C9-0840A255F6D7}"/>
+                <a16:creationId xmlns:a16="http://schemas.microsoft.com/office/drawing/2014/main" id="{CCACA14A-0166-4C69-A8C9-0840A255F6D7}"/>
               </a:ext>
             </a:extLst>
           </p:cNvPr>
@@ -8720,7 +8634,7 @@
           <p:cNvPr id="2" name="Title Placeholder 1">
             <a:extLst>
               <a:ext uri="{FF2B5EF4-FFF2-40B4-BE49-F238E27FC236}">
-                <a16:creationId xmlns:a16="http://schemas.microsoft.com/office/drawing/2014/main" xmlns="" id="{04DFD6FC-161C-4E54-B817-E95C31D15A19}"/>
+                <a16:creationId xmlns:a16="http://schemas.microsoft.com/office/drawing/2014/main" id="{04DFD6FC-161C-4E54-B817-E95C31D15A19}"/>
               </a:ext>
             </a:extLst>
           </p:cNvPr>
@@ -8759,7 +8673,7 @@
           <p:cNvPr id="3" name="Text Placeholder 2">
             <a:extLst>
               <a:ext uri="{FF2B5EF4-FFF2-40B4-BE49-F238E27FC236}">
-                <a16:creationId xmlns:a16="http://schemas.microsoft.com/office/drawing/2014/main" xmlns="" id="{FC28C2B9-B160-4FE7-833D-7BA9A44020F3}"/>
+                <a16:creationId xmlns:a16="http://schemas.microsoft.com/office/drawing/2014/main" id="{FC28C2B9-B160-4FE7-833D-7BA9A44020F3}"/>
               </a:ext>
             </a:extLst>
           </p:cNvPr>
@@ -8827,7 +8741,7 @@
           <p:cNvPr id="4" name="Date Placeholder 3">
             <a:extLst>
               <a:ext uri="{FF2B5EF4-FFF2-40B4-BE49-F238E27FC236}">
-                <a16:creationId xmlns:a16="http://schemas.microsoft.com/office/drawing/2014/main" xmlns="" id="{249E703F-C57D-4F81-B087-2F0D7863E939}"/>
+                <a16:creationId xmlns:a16="http://schemas.microsoft.com/office/drawing/2014/main" id="{249E703F-C57D-4F81-B087-2F0D7863E939}"/>
               </a:ext>
             </a:extLst>
           </p:cNvPr>
@@ -8863,7 +8777,7 @@
           <a:p>
             <a:fld id="{FDBD420C-7621-46C4-B0D7-0A7E12FF1E5F}" type="datetimeFigureOut">
               <a:rPr lang="en-CA" smtClean="0"/>
-              <a:t>09/01/2020</a:t>
+              <a:t>2020-01-31</a:t>
             </a:fld>
             <a:endParaRPr lang="en-CA"/>
           </a:p>
@@ -8874,7 +8788,7 @@
           <p:cNvPr id="5" name="Footer Placeholder 4">
             <a:extLst>
               <a:ext uri="{FF2B5EF4-FFF2-40B4-BE49-F238E27FC236}">
-                <a16:creationId xmlns:a16="http://schemas.microsoft.com/office/drawing/2014/main" xmlns="" id="{5123040B-D7B7-42F4-B098-BC2BEB5608A0}"/>
+                <a16:creationId xmlns:a16="http://schemas.microsoft.com/office/drawing/2014/main" id="{5123040B-D7B7-42F4-B098-BC2BEB5608A0}"/>
               </a:ext>
             </a:extLst>
           </p:cNvPr>
@@ -8917,7 +8831,7 @@
           <p:cNvPr id="6" name="Slide Number Placeholder 5">
             <a:extLst>
               <a:ext uri="{FF2B5EF4-FFF2-40B4-BE49-F238E27FC236}">
-                <a16:creationId xmlns:a16="http://schemas.microsoft.com/office/drawing/2014/main" xmlns="" id="{F423181F-57D2-4F87-8FE4-5D6B58A08798}"/>
+                <a16:creationId xmlns:a16="http://schemas.microsoft.com/office/drawing/2014/main" id="{F423181F-57D2-4F87-8FE4-5D6B58A08798}"/>
               </a:ext>
             </a:extLst>
           </p:cNvPr>
@@ -9293,10 +9207,10 @@
           <p:cNvPr id="5" name="Rectangle 7">
             <a:extLst>
               <a:ext uri="{FF2B5EF4-FFF2-40B4-BE49-F238E27FC236}">
-                <a16:creationId xmlns:a16="http://schemas.microsoft.com/office/drawing/2014/main" xmlns="" id="{51D98CAC-3EFF-4342-BD5A-6C0E8CAB4C1A}"/>
+                <a16:creationId xmlns:a16="http://schemas.microsoft.com/office/drawing/2014/main" id="{51D98CAC-3EFF-4342-BD5A-6C0E8CAB4C1A}"/>
               </a:ext>
               <a:ext uri="{C183D7F6-B498-43B3-948B-1728B52AA6E4}">
-                <adec:decorative xmlns:adec="http://schemas.microsoft.com/office/drawing/2017/decorative" xmlns="" val="1"/>
+                <adec:decorative xmlns:adec="http://schemas.microsoft.com/office/drawing/2017/decorative" val="1"/>
               </a:ext>
             </a:extLst>
           </p:cNvPr>
@@ -9309,7 +9223,7 @@
             </p:custDataLst>
             <p:extLst>
               <p:ext uri="{386F3935-93C4-4BCD-93E2-E3B085C9AB24}">
-                <p16:designElem xmlns:p16="http://schemas.microsoft.com/office/powerpoint/2015/main" xmlns="" val="1"/>
+                <p16:designElem xmlns:p16="http://schemas.microsoft.com/office/powerpoint/2015/main" val="1"/>
               </p:ext>
             </p:extLst>
           </p:nvPr>
@@ -9359,7 +9273,7 @@
           <p:cNvPr id="2" name="Title 1">
             <a:extLst>
               <a:ext uri="{FF2B5EF4-FFF2-40B4-BE49-F238E27FC236}">
-                <a16:creationId xmlns:a16="http://schemas.microsoft.com/office/drawing/2014/main" xmlns="" id="{598D280F-FA38-47AB-A668-AAE5FF658FB3}"/>
+                <a16:creationId xmlns:a16="http://schemas.microsoft.com/office/drawing/2014/main" id="{598D280F-FA38-47AB-A668-AAE5FF658FB3}"/>
               </a:ext>
             </a:extLst>
           </p:cNvPr>
@@ -9385,14 +9299,6 @@
           </a:bodyPr>
           <a:lstStyle/>
           <a:p>
-            <a:r>
-              <a:rPr lang="en-CA" sz="4400" dirty="0">
-                <a:solidFill>
-                  <a:srgbClr val="FFFFFF"/>
-                </a:solidFill>
-              </a:rPr>
-              <a:t/>
-            </a:r>
             <a:br>
               <a:rPr lang="en-CA" sz="4400" dirty="0">
                 <a:solidFill>
@@ -9400,14 +9306,6 @@
                 </a:solidFill>
               </a:rPr>
             </a:br>
-            <a:r>
-              <a:rPr lang="en-CA" sz="4400" dirty="0">
-                <a:solidFill>
-                  <a:srgbClr val="FFFFFF"/>
-                </a:solidFill>
-              </a:rPr>
-              <a:t/>
-            </a:r>
             <a:br>
               <a:rPr lang="en-CA" sz="4400" dirty="0">
                 <a:solidFill>
@@ -9484,7 +9382,7 @@
           <p:cNvPr id="3" name="Subtitle 2">
             <a:extLst>
               <a:ext uri="{FF2B5EF4-FFF2-40B4-BE49-F238E27FC236}">
-                <a16:creationId xmlns:a16="http://schemas.microsoft.com/office/drawing/2014/main" xmlns="" id="{EA906B38-24FE-40EC-9D98-F8063C13535E}"/>
+                <a16:creationId xmlns:a16="http://schemas.microsoft.com/office/drawing/2014/main" id="{EA906B38-24FE-40EC-9D98-F8063C13535E}"/>
               </a:ext>
             </a:extLst>
           </p:cNvPr>
@@ -9560,10 +9458,10 @@
           <p:cNvPr id="19" name="Rectangle 18">
             <a:extLst>
               <a:ext uri="{FF2B5EF4-FFF2-40B4-BE49-F238E27FC236}">
-                <a16:creationId xmlns:a16="http://schemas.microsoft.com/office/drawing/2014/main" xmlns="" id="{4038CB10-1F5C-4D54-9DF7-12586DE5B007}"/>
+                <a16:creationId xmlns:a16="http://schemas.microsoft.com/office/drawing/2014/main" id="{4038CB10-1F5C-4D54-9DF7-12586DE5B007}"/>
               </a:ext>
               <a:ext uri="{C183D7F6-B498-43B3-948B-1728B52AA6E4}">
-                <adec:decorative xmlns:adec="http://schemas.microsoft.com/office/drawing/2017/decorative" xmlns="" val="1"/>
+                <adec:decorative xmlns:adec="http://schemas.microsoft.com/office/drawing/2017/decorative" val="1"/>
               </a:ext>
             </a:extLst>
           </p:cNvPr>
@@ -9573,7 +9471,7 @@
           <p:nvPr>
             <p:extLst>
               <p:ext uri="{386F3935-93C4-4BCD-93E2-E3B085C9AB24}">
-                <p16:designElem xmlns:p16="http://schemas.microsoft.com/office/powerpoint/2015/main" xmlns="" val="1"/>
+                <p16:designElem xmlns:p16="http://schemas.microsoft.com/office/powerpoint/2015/main" val="1"/>
               </p:ext>
             </p:extLst>
           </p:nvPr>
@@ -9654,7 +9552,7 @@
           <p:cNvPr id="3" name="Title 2">
             <a:extLst>
               <a:ext uri="{FF2B5EF4-FFF2-40B4-BE49-F238E27FC236}">
-                <a16:creationId xmlns:a16="http://schemas.microsoft.com/office/drawing/2014/main" xmlns="" id="{D0E865A2-8B8D-4CBD-9BB3-6D69E005BA0A}"/>
+                <a16:creationId xmlns:a16="http://schemas.microsoft.com/office/drawing/2014/main" id="{D0E865A2-8B8D-4CBD-9BB3-6D69E005BA0A}"/>
               </a:ext>
             </a:extLst>
           </p:cNvPr>
@@ -9707,10 +9605,10 @@
           <p:cNvPr id="21" name="Rectangle 20">
             <a:extLst>
               <a:ext uri="{FF2B5EF4-FFF2-40B4-BE49-F238E27FC236}">
-                <a16:creationId xmlns:a16="http://schemas.microsoft.com/office/drawing/2014/main" xmlns="" id="{73ED6512-6858-4552-B699-9A97FE9A4EA2}"/>
+                <a16:creationId xmlns:a16="http://schemas.microsoft.com/office/drawing/2014/main" id="{73ED6512-6858-4552-B699-9A97FE9A4EA2}"/>
               </a:ext>
               <a:ext uri="{C183D7F6-B498-43B3-948B-1728B52AA6E4}">
-                <adec:decorative xmlns:adec="http://schemas.microsoft.com/office/drawing/2017/decorative" xmlns="" val="1"/>
+                <adec:decorative xmlns:adec="http://schemas.microsoft.com/office/drawing/2017/decorative" val="1"/>
               </a:ext>
             </a:extLst>
           </p:cNvPr>
@@ -9720,7 +9618,7 @@
           <p:nvPr>
             <p:extLst>
               <p:ext uri="{386F3935-93C4-4BCD-93E2-E3B085C9AB24}">
-                <p16:designElem xmlns:p16="http://schemas.microsoft.com/office/powerpoint/2015/main" xmlns="" val="1"/>
+                <p16:designElem xmlns:p16="http://schemas.microsoft.com/office/powerpoint/2015/main" val="1"/>
               </p:ext>
             </p:extLst>
           </p:nvPr>
@@ -9799,7 +9697,7 @@
           <p:cNvPr id="7" name="TextBox 4">
             <a:extLst>
               <a:ext uri="{FF2B5EF4-FFF2-40B4-BE49-F238E27FC236}">
-                <a16:creationId xmlns:a16="http://schemas.microsoft.com/office/drawing/2014/main" xmlns="" id="{BC8F2FBF-6EB4-4839-8B18-1B29FFB9FF7F}"/>
+                <a16:creationId xmlns:a16="http://schemas.microsoft.com/office/drawing/2014/main" id="{BC8F2FBF-6EB4-4839-8B18-1B29FFB9FF7F}"/>
               </a:ext>
             </a:extLst>
           </p:cNvPr>
@@ -9857,38 +9755,13 @@
       </p:grpSpPr>
       <p:sp>
         <p:nvSpPr>
-          <p:cNvPr id="2" name="Title 1">
-            <a:extLst>
-              <a:ext uri="{FF2B5EF4-FFF2-40B4-BE49-F238E27FC236}">
-                <a16:creationId xmlns:a16="http://schemas.microsoft.com/office/drawing/2014/main" xmlns="" id="{D0299EE5-1630-43BE-AF74-ED7C248527EC}"/>
-              </a:ext>
-            </a:extLst>
-          </p:cNvPr>
-          <p:cNvSpPr>
-            <a:spLocks noGrp="1"/>
-          </p:cNvSpPr>
-          <p:nvPr>
-            <p:ph type="title"/>
-          </p:nvPr>
-        </p:nvSpPr>
-        <p:spPr/>
-        <p:txBody>
-          <a:bodyPr/>
-          <a:lstStyle/>
-          <a:p>
-            <a:endParaRPr lang="en-CA"/>
-          </a:p>
-        </p:txBody>
-      </p:sp>
-      <p:sp>
-        <p:nvSpPr>
           <p:cNvPr id="3" name="Rectangle 2">
             <a:extLst>
               <a:ext uri="{FF2B5EF4-FFF2-40B4-BE49-F238E27FC236}">
-                <a16:creationId xmlns:a16="http://schemas.microsoft.com/office/drawing/2014/main" xmlns="" id="{7890DB23-145C-4E97-8481-FB7675B706DE}"/>
+                <a16:creationId xmlns:a16="http://schemas.microsoft.com/office/drawing/2014/main" id="{7890DB23-145C-4E97-8481-FB7675B706DE}"/>
               </a:ext>
               <a:ext uri="{C183D7F6-B498-43B3-948B-1728B52AA6E4}">
-                <adec:decorative xmlns:adec="http://schemas.microsoft.com/office/drawing/2017/decorative" xmlns="" val="1"/>
+                <adec:decorative xmlns:adec="http://schemas.microsoft.com/office/drawing/2017/decorative" val="1"/>
               </a:ext>
             </a:extLst>
           </p:cNvPr>
@@ -9898,7 +9771,7 @@
           <p:nvPr>
             <p:extLst>
               <p:ext uri="{386F3935-93C4-4BCD-93E2-E3B085C9AB24}">
-                <p16:designElem xmlns:p16="http://schemas.microsoft.com/office/powerpoint/2015/main" xmlns="" val="1"/>
+                <p16:designElem xmlns:p16="http://schemas.microsoft.com/office/powerpoint/2015/main" val="1"/>
               </p:ext>
             </p:extLst>
           </p:nvPr>
@@ -9979,7 +9852,7 @@
           <p:cNvPr id="4" name="Title 2">
             <a:extLst>
               <a:ext uri="{FF2B5EF4-FFF2-40B4-BE49-F238E27FC236}">
-                <a16:creationId xmlns:a16="http://schemas.microsoft.com/office/drawing/2014/main" xmlns="" id="{21DA8ADA-24AC-44B0-8347-E01793DFC785}"/>
+                <a16:creationId xmlns:a16="http://schemas.microsoft.com/office/drawing/2014/main" id="{21DA8ADA-24AC-44B0-8347-E01793DFC785}"/>
               </a:ext>
             </a:extLst>
           </p:cNvPr>
@@ -10046,10 +9919,10 @@
           <p:cNvPr id="5" name="Rectangle 4">
             <a:extLst>
               <a:ext uri="{FF2B5EF4-FFF2-40B4-BE49-F238E27FC236}">
-                <a16:creationId xmlns:a16="http://schemas.microsoft.com/office/drawing/2014/main" xmlns="" id="{C31775AD-ABC4-490A-834E-C733634A3BFB}"/>
+                <a16:creationId xmlns:a16="http://schemas.microsoft.com/office/drawing/2014/main" id="{C31775AD-ABC4-490A-834E-C733634A3BFB}"/>
               </a:ext>
               <a:ext uri="{C183D7F6-B498-43B3-948B-1728B52AA6E4}">
-                <adec:decorative xmlns:adec="http://schemas.microsoft.com/office/drawing/2017/decorative" xmlns="" val="1"/>
+                <adec:decorative xmlns:adec="http://schemas.microsoft.com/office/drawing/2017/decorative" val="1"/>
               </a:ext>
             </a:extLst>
           </p:cNvPr>
@@ -10059,7 +9932,7 @@
           <p:nvPr>
             <p:extLst>
               <p:ext uri="{386F3935-93C4-4BCD-93E2-E3B085C9AB24}">
-                <p16:designElem xmlns:p16="http://schemas.microsoft.com/office/powerpoint/2015/main" xmlns="" val="1"/>
+                <p16:designElem xmlns:p16="http://schemas.microsoft.com/office/powerpoint/2015/main" val="1"/>
               </p:ext>
             </p:extLst>
           </p:nvPr>
@@ -10138,7 +10011,7 @@
           <p:cNvPr id="6" name="TextBox 4">
             <a:extLst>
               <a:ext uri="{FF2B5EF4-FFF2-40B4-BE49-F238E27FC236}">
-                <a16:creationId xmlns:a16="http://schemas.microsoft.com/office/drawing/2014/main" xmlns="" id="{277F5F2A-2D41-4574-8B76-99D0EB73B852}"/>
+                <a16:creationId xmlns:a16="http://schemas.microsoft.com/office/drawing/2014/main" id="{277F5F2A-2D41-4574-8B76-99D0EB73B852}"/>
               </a:ext>
             </a:extLst>
           </p:cNvPr>
@@ -10207,10 +10080,10 @@
           <p:cNvPr id="10" name="Rectangle 9">
             <a:extLst>
               <a:ext uri="{FF2B5EF4-FFF2-40B4-BE49-F238E27FC236}">
-                <a16:creationId xmlns:a16="http://schemas.microsoft.com/office/drawing/2014/main" xmlns="" id="{EBF87945-A001-489F-9D9B-7D9435F0B9CA}"/>
+                <a16:creationId xmlns:a16="http://schemas.microsoft.com/office/drawing/2014/main" id="{EBF87945-A001-489F-9D9B-7D9435F0B9CA}"/>
               </a:ext>
               <a:ext uri="{C183D7F6-B498-43B3-948B-1728B52AA6E4}">
-                <adec:decorative xmlns:adec="http://schemas.microsoft.com/office/drawing/2017/decorative" xmlns="" val="1"/>
+                <adec:decorative xmlns:adec="http://schemas.microsoft.com/office/drawing/2017/decorative" val="1"/>
               </a:ext>
             </a:extLst>
           </p:cNvPr>
@@ -10223,7 +10096,7 @@
             </p:custDataLst>
             <p:extLst>
               <p:ext uri="{386F3935-93C4-4BCD-93E2-E3B085C9AB24}">
-                <p16:designElem xmlns:p16="http://schemas.microsoft.com/office/powerpoint/2015/main" xmlns="" val="1"/>
+                <p16:designElem xmlns:p16="http://schemas.microsoft.com/office/powerpoint/2015/main" val="1"/>
               </p:ext>
             </p:extLst>
           </p:nvPr>
@@ -10316,7 +10189,7 @@
               <p:cNvPr id="9" name="Rectangle 8">
                 <a:extLst>
                   <a:ext uri="{FF2B5EF4-FFF2-40B4-BE49-F238E27FC236}">
-                    <a16:creationId xmlns:a16="http://schemas.microsoft.com/office/drawing/2014/main" xmlns="" id="{52A57D8C-5BE1-45BF-97A1-3445463F896B}"/>
+                    <a16:creationId xmlns:a16="http://schemas.microsoft.com/office/drawing/2014/main" id="{52A57D8C-5BE1-45BF-97A1-3445463F896B}"/>
                   </a:ext>
                 </a:extLst>
               </p:cNvPr>
@@ -10409,69 +10282,240 @@
           </p:sp>
         </mc:Fallback>
       </mc:AlternateContent>
-      <p:sp>
-        <p:nvSpPr>
-          <p:cNvPr id="11" name="TextBox 10">
-            <a:extLst>
-              <a:ext uri="{FF2B5EF4-FFF2-40B4-BE49-F238E27FC236}">
-                <a16:creationId xmlns:a16="http://schemas.microsoft.com/office/drawing/2014/main" xmlns:a14="http://schemas.microsoft.com/office/drawing/2010/main" xmlns:mc="http://schemas.openxmlformats.org/markup-compatibility/2006" xmlns="" id="{65F3CD2B-7FE0-4349-987A-63D1B666B3CD}"/>
-              </a:ext>
-            </a:extLst>
-          </p:cNvPr>
-          <p:cNvSpPr txBox="1"/>
-          <p:nvPr/>
-        </p:nvSpPr>
-        <p:spPr>
-          <a:xfrm>
-            <a:off x="69615" y="3201042"/>
-            <a:ext cx="5146442" cy="553998"/>
-          </a:xfrm>
-          <a:prstGeom prst="rect">
-            <a:avLst/>
-          </a:prstGeom>
-          <a:noFill/>
-        </p:spPr>
-        <p:txBody>
-          <a:bodyPr wrap="square" lIns="0" tIns="0" rIns="0" bIns="0" rtlCol="0">
-            <a:spAutoFit/>
-          </a:bodyPr>
-          <a:lstStyle/>
-          <a:p>
-            <a:pPr/>
-            <a:r>
-              <a:rPr lang="en-CA" sz="3600" b="0" i="0" dirty="0" smtClean="0">
-                <a:latin typeface="+mj-lt"/>
-              </a:rPr>
-              <a:t>Ψ(</a:t>
-            </a:r>
-            <a:r>
-              <a:rPr lang="en-CA" sz="3600" b="0" i="0" dirty="0" err="1" smtClean="0">
-                <a:latin typeface="+mj-lt"/>
-              </a:rPr>
-              <a:t>x,t</a:t>
-            </a:r>
-            <a:r>
-              <a:rPr lang="en-CA" sz="3600" b="0" i="0" dirty="0" smtClean="0">
-                <a:latin typeface="+mj-lt"/>
-              </a:rPr>
-              <a:t>)=e^{-</a:t>
-            </a:r>
-            <a:r>
-              <a:rPr lang="en-CA" sz="3600" b="0" i="0" dirty="0" err="1" smtClean="0">
-                <a:latin typeface="+mj-lt"/>
-              </a:rPr>
-              <a:t>iEt</a:t>
-            </a:r>
-            <a:r>
-              <a:rPr lang="en-CA" sz="3600" b="0" i="0" dirty="0" smtClean="0">
-                <a:latin typeface="+mj-lt"/>
-              </a:rPr>
-              <a:t>}e^{-(x-5)^2}</a:t>
-            </a:r>
-            <a:endParaRPr lang="en-CA" sz="3600" dirty="0" smtClean="0"/>
-          </a:p>
-        </p:txBody>
-      </p:sp>
+      <mc:AlternateContent xmlns:mc="http://schemas.openxmlformats.org/markup-compatibility/2006">
+        <mc:Choice xmlns:a14="http://schemas.microsoft.com/office/drawing/2010/main" Requires="a14">
+          <p:sp>
+            <p:nvSpPr>
+              <p:cNvPr id="11" name="TextBox 10">
+                <a:extLst>
+                  <a:ext uri="{FF2B5EF4-FFF2-40B4-BE49-F238E27FC236}">
+                    <a16:creationId xmlns:a16="http://schemas.microsoft.com/office/drawing/2014/main" id="{65F3CD2B-7FE0-4349-987A-63D1B666B3CD}"/>
+                  </a:ext>
+                </a:extLst>
+              </p:cNvPr>
+              <p:cNvSpPr txBox="1"/>
+              <p:nvPr/>
+            </p:nvSpPr>
+            <p:spPr>
+              <a:xfrm>
+                <a:off x="69615" y="3201042"/>
+                <a:ext cx="5146442" cy="630044"/>
+              </a:xfrm>
+              <a:prstGeom prst="rect">
+                <a:avLst/>
+              </a:prstGeom>
+              <a:noFill/>
+            </p:spPr>
+            <p:txBody>
+              <a:bodyPr wrap="square" lIns="0" tIns="0" rIns="0" bIns="0" rtlCol="0">
+                <a:spAutoFit/>
+              </a:bodyPr>
+              <a:lstStyle/>
+              <a:p>
+                <a14:m>
+                  <m:oMath xmlns:m="http://schemas.openxmlformats.org/officeDocument/2006/math">
+                    <m:r>
+                      <m:rPr>
+                        <m:sty m:val="p"/>
+                      </m:rPr>
+                      <a:rPr lang="en-CA" sz="3600" b="0" i="0" dirty="0" smtClean="0">
+                        <a:latin typeface="Cambria Math" panose="02040503050406030204" pitchFamily="18" charset="0"/>
+                      </a:rPr>
+                      <m:t>Ψ</m:t>
+                    </m:r>
+                    <m:d>
+                      <m:dPr>
+                        <m:ctrlPr>
+                          <a:rPr lang="en-CA" sz="3600" b="0" i="1" dirty="0" smtClean="0">
+                            <a:latin typeface="Cambria Math" panose="02040503050406030204" pitchFamily="18" charset="0"/>
+                          </a:rPr>
+                        </m:ctrlPr>
+                      </m:dPr>
+                      <m:e>
+                        <m:r>
+                          <a:rPr lang="en-CA" sz="3600" b="0" i="1" dirty="0" err="1" smtClean="0">
+                            <a:latin typeface="Cambria Math" panose="02040503050406030204" pitchFamily="18" charset="0"/>
+                          </a:rPr>
+                          <m:t>𝑥</m:t>
+                        </m:r>
+                        <m:r>
+                          <a:rPr lang="en-CA" sz="3600" b="0" i="1" dirty="0" err="1" smtClean="0">
+                            <a:latin typeface="Cambria Math" panose="02040503050406030204" pitchFamily="18" charset="0"/>
+                          </a:rPr>
+                          <m:t>,</m:t>
+                        </m:r>
+                        <m:r>
+                          <a:rPr lang="en-CA" sz="3600" b="0" i="1" dirty="0" err="1" smtClean="0">
+                            <a:latin typeface="Cambria Math" panose="02040503050406030204" pitchFamily="18" charset="0"/>
+                          </a:rPr>
+                          <m:t>𝑡</m:t>
+                        </m:r>
+                      </m:e>
+                    </m:d>
+                    <m:r>
+                      <a:rPr lang="en-CA" sz="3600" b="0" i="1" dirty="0" smtClean="0">
+                        <a:latin typeface="Cambria Math" panose="02040503050406030204" pitchFamily="18" charset="0"/>
+                      </a:rPr>
+                      <m:t>=</m:t>
+                    </m:r>
+                  </m:oMath>
+                </a14:m>
+                <a:r>
+                  <a:rPr lang="fr-CA" sz="3600" dirty="0"/>
+                  <a:t> </a:t>
+                </a:r>
+                <a14:m>
+                  <m:oMath xmlns:m="http://schemas.openxmlformats.org/officeDocument/2006/math">
+                    <m:sSup>
+                      <m:sSupPr>
+                        <m:ctrlPr>
+                          <a:rPr lang="fr-CA" sz="3600" i="1" dirty="0">
+                            <a:latin typeface="Cambria Math" panose="02040503050406030204" pitchFamily="18" charset="0"/>
+                          </a:rPr>
+                        </m:ctrlPr>
+                      </m:sSupPr>
+                      <m:e>
+                        <m:r>
+                          <a:rPr lang="fr-CA" sz="3600" i="1" dirty="0">
+                            <a:latin typeface="Cambria Math" panose="02040503050406030204" pitchFamily="18" charset="0"/>
+                          </a:rPr>
+                          <m:t>𝑒</m:t>
+                        </m:r>
+                      </m:e>
+                      <m:sup>
+                        <m:r>
+                          <a:rPr lang="en-CA" sz="3600" i="1" dirty="0">
+                            <a:latin typeface="Cambria Math" panose="02040503050406030204" pitchFamily="18" charset="0"/>
+                          </a:rPr>
+                          <m:t>−</m:t>
+                        </m:r>
+                        <m:r>
+                          <a:rPr lang="en-CA" sz="3600" i="1" dirty="0" err="1">
+                            <a:latin typeface="Cambria Math" panose="02040503050406030204" pitchFamily="18" charset="0"/>
+                          </a:rPr>
+                          <m:t>𝑖𝐸𝑡</m:t>
+                        </m:r>
+                      </m:sup>
+                    </m:sSup>
+                    <m:sSup>
+                      <m:sSupPr>
+                        <m:ctrlPr>
+                          <a:rPr lang="fr-CA" sz="3600" i="1" dirty="0">
+                            <a:latin typeface="Cambria Math" panose="02040503050406030204" pitchFamily="18" charset="0"/>
+                          </a:rPr>
+                        </m:ctrlPr>
+                      </m:sSupPr>
+                      <m:e>
+                        <m:r>
+                          <a:rPr lang="fr-CA" sz="3600" i="1" dirty="0">
+                            <a:latin typeface="Cambria Math" panose="02040503050406030204" pitchFamily="18" charset="0"/>
+                          </a:rPr>
+                          <m:t>𝑒</m:t>
+                        </m:r>
+                      </m:e>
+                      <m:sup>
+                        <m:r>
+                          <a:rPr lang="en-CA" sz="3600" i="1" dirty="0">
+                            <a:latin typeface="Cambria Math" panose="02040503050406030204" pitchFamily="18" charset="0"/>
+                          </a:rPr>
+                          <m:t>−</m:t>
+                        </m:r>
+                        <m:sSup>
+                          <m:sSupPr>
+                            <m:ctrlPr>
+                              <a:rPr lang="en-CA" sz="3600" i="1" dirty="0">
+                                <a:latin typeface="Cambria Math" panose="02040503050406030204" pitchFamily="18" charset="0"/>
+                              </a:rPr>
+                            </m:ctrlPr>
+                          </m:sSupPr>
+                          <m:e>
+                            <m:d>
+                              <m:dPr>
+                                <m:ctrlPr>
+                                  <a:rPr lang="en-CA" sz="3600" i="1" dirty="0">
+                                    <a:latin typeface="Cambria Math" panose="02040503050406030204" pitchFamily="18" charset="0"/>
+                                  </a:rPr>
+                                </m:ctrlPr>
+                              </m:dPr>
+                              <m:e>
+                                <m:r>
+                                  <a:rPr lang="en-CA" sz="3600" i="1" dirty="0">
+                                    <a:latin typeface="Cambria Math" panose="02040503050406030204" pitchFamily="18" charset="0"/>
+                                  </a:rPr>
+                                  <m:t>𝑥</m:t>
+                                </m:r>
+                                <m:r>
+                                  <a:rPr lang="en-CA" sz="3600" i="1" dirty="0">
+                                    <a:latin typeface="Cambria Math" panose="02040503050406030204" pitchFamily="18" charset="0"/>
+                                  </a:rPr>
+                                  <m:t>−5</m:t>
+                                </m:r>
+                              </m:e>
+                            </m:d>
+                          </m:e>
+                          <m:sup>
+                            <m:r>
+                              <a:rPr lang="en-CA" sz="3600" i="1" dirty="0">
+                                <a:latin typeface="Cambria Math" panose="02040503050406030204" pitchFamily="18" charset="0"/>
+                              </a:rPr>
+                              <m:t>2</m:t>
+                            </m:r>
+                          </m:sup>
+                        </m:sSup>
+                      </m:sup>
+                    </m:sSup>
+                  </m:oMath>
+                </a14:m>
+                <a:endParaRPr lang="en-CA" sz="3600" dirty="0"/>
+              </a:p>
+            </p:txBody>
+          </p:sp>
+        </mc:Choice>
+        <mc:Fallback>
+          <p:sp>
+            <p:nvSpPr>
+              <p:cNvPr id="11" name="TextBox 10">
+                <a:extLst>
+                  <a:ext uri="{FF2B5EF4-FFF2-40B4-BE49-F238E27FC236}">
+                    <a16:creationId xmlns:a16="http://schemas.microsoft.com/office/drawing/2014/main" id="{65F3CD2B-7FE0-4349-987A-63D1B666B3CD}"/>
+                  </a:ext>
+                </a:extLst>
+              </p:cNvPr>
+              <p:cNvSpPr txBox="1">
+                <a:spLocks noRot="1" noChangeAspect="1" noMove="1" noResize="1" noEditPoints="1" noAdjustHandles="1" noChangeArrowheads="1" noChangeShapeType="1" noTextEdit="1"/>
+              </p:cNvSpPr>
+              <p:nvPr/>
+            </p:nvSpPr>
+            <p:spPr>
+              <a:xfrm>
+                <a:off x="69615" y="3201042"/>
+                <a:ext cx="5146442" cy="630044"/>
+              </a:xfrm>
+              <a:prstGeom prst="rect">
+                <a:avLst/>
+              </a:prstGeom>
+              <a:blipFill>
+                <a:blip r:embed="rId5"/>
+                <a:stretch>
+                  <a:fillRect/>
+                </a:stretch>
+              </a:blipFill>
+            </p:spPr>
+            <p:txBody>
+              <a:bodyPr/>
+              <a:lstStyle/>
+              <a:p>
+                <a:r>
+                  <a:rPr lang="fr-CA">
+                    <a:noFill/>
+                  </a:rPr>
+                  <a:t> </a:t>
+                </a:r>
+              </a:p>
+            </p:txBody>
+          </p:sp>
+        </mc:Fallback>
+      </mc:AlternateContent>
       <p:pic>
         <p:nvPicPr>
           <p:cNvPr id="1026" name="Picture 2"/>
@@ -10481,7 +10525,7 @@
           <p:nvPr/>
         </p:nvPicPr>
         <p:blipFill>
-          <a:blip r:embed="rId5">
+          <a:blip r:embed="rId6">
             <a:extLst>
               <a:ext uri="{28A0092B-C50C-407E-A947-70E740481C1C}">
                 <a14:useLocalDpi xmlns:a14="http://schemas.microsoft.com/office/drawing/2010/main" val="0"/>
@@ -10561,10 +10605,10 @@
           <p:cNvPr id="10" name="Rectangle 9">
             <a:extLst>
               <a:ext uri="{FF2B5EF4-FFF2-40B4-BE49-F238E27FC236}">
-                <a16:creationId xmlns:a16="http://schemas.microsoft.com/office/drawing/2014/main" xmlns="" id="{EBF87945-A001-489F-9D9B-7D9435F0B9CA}"/>
+                <a16:creationId xmlns:a16="http://schemas.microsoft.com/office/drawing/2014/main" id="{EBF87945-A001-489F-9D9B-7D9435F0B9CA}"/>
               </a:ext>
               <a:ext uri="{C183D7F6-B498-43B3-948B-1728B52AA6E4}">
-                <adec:decorative xmlns:adec="http://schemas.microsoft.com/office/drawing/2017/decorative" xmlns="" val="1"/>
+                <adec:decorative xmlns:adec="http://schemas.microsoft.com/office/drawing/2017/decorative" val="1"/>
               </a:ext>
             </a:extLst>
           </p:cNvPr>
@@ -10577,7 +10621,7 @@
             </p:custDataLst>
             <p:extLst>
               <p:ext uri="{386F3935-93C4-4BCD-93E2-E3B085C9AB24}">
-                <p16:designElem xmlns:p16="http://schemas.microsoft.com/office/powerpoint/2015/main" xmlns="" val="1"/>
+                <p16:designElem xmlns:p16="http://schemas.microsoft.com/office/powerpoint/2015/main" val="1"/>
               </p:ext>
             </p:extLst>
           </p:nvPr>
@@ -10648,7 +10692,7 @@
           <a:lstStyle/>
           <a:p>
             <a:r>
-              <a:rPr lang="en-US" dirty="0" smtClean="0">
+              <a:rPr lang="en-US" dirty="0">
                 <a:solidFill>
                   <a:schemeClr val="bg1"/>
                 </a:solidFill>
@@ -10687,47 +10731,27 @@
           <a:p>
             <a:r>
               <a:rPr lang="fr-FR" dirty="0"/>
-              <a:t>A chaque propriété </a:t>
+              <a:t>A chaque propriété physique du système correspond un opérateur linéaire et hermitien.</a:t>
             </a:r>
-            <a:r>
-              <a:rPr lang="fr-FR" dirty="0" smtClean="0"/>
-              <a:t>physique du système </a:t>
-            </a:r>
+          </a:p>
+          <a:p>
             <a:r>
               <a:rPr lang="fr-FR" dirty="0"/>
-              <a:t>correspond un opérateur linéaire et </a:t>
-            </a:r>
-            <a:r>
-              <a:rPr lang="fr-FR" dirty="0" smtClean="0"/>
-              <a:t>hermitien.</a:t>
-            </a:r>
-          </a:p>
-          <a:p>
-            <a:r>
-              <a:rPr lang="fr-FR" dirty="0" smtClean="0"/>
               <a:t>Pour le construire, on utilise les règles suivantes : </a:t>
             </a:r>
           </a:p>
           <a:p>
             <a:r>
-              <a:rPr lang="fr-FR" dirty="0" smtClean="0"/>
-              <a:t>Aux </a:t>
+              <a:rPr lang="fr-FR" dirty="0"/>
+              <a:t>Aux coordonnées correspondes un opérateurs de multiplication </a:t>
             </a:r>
+          </a:p>
+          <a:p>
+            <a:endParaRPr lang="fr-FR" dirty="0"/>
+          </a:p>
+          <a:p>
             <a:r>
-              <a:rPr lang="fr-FR" dirty="0" err="1" smtClean="0"/>
-              <a:t>corrdonnées</a:t>
-            </a:r>
-            <a:r>
-              <a:rPr lang="fr-FR" dirty="0" smtClean="0"/>
-              <a:t> correspondes un opérateurs de multiplication </a:t>
-            </a:r>
-          </a:p>
-          <a:p>
-            <a:endParaRPr lang="fr-FR" dirty="0"/>
-          </a:p>
-          <a:p>
-            <a:r>
-              <a:rPr lang="fr-FR" dirty="0" smtClean="0"/>
+              <a:rPr lang="fr-FR" dirty="0"/>
               <a:t>Aux impulsions correspondes l’opérateur suivant:</a:t>
             </a:r>
           </a:p>
@@ -10771,10 +10795,10 @@
           <p:cNvPr id="10" name="Rectangle 9">
             <a:extLst>
               <a:ext uri="{FF2B5EF4-FFF2-40B4-BE49-F238E27FC236}">
-                <a16:creationId xmlns:a16="http://schemas.microsoft.com/office/drawing/2014/main" xmlns="" id="{EBF87945-A001-489F-9D9B-7D9435F0B9CA}"/>
+                <a16:creationId xmlns:a16="http://schemas.microsoft.com/office/drawing/2014/main" id="{EBF87945-A001-489F-9D9B-7D9435F0B9CA}"/>
               </a:ext>
               <a:ext uri="{C183D7F6-B498-43B3-948B-1728B52AA6E4}">
-                <adec:decorative xmlns:adec="http://schemas.microsoft.com/office/drawing/2017/decorative" xmlns="" val="1"/>
+                <adec:decorative xmlns:adec="http://schemas.microsoft.com/office/drawing/2017/decorative" val="1"/>
               </a:ext>
             </a:extLst>
           </p:cNvPr>
@@ -10787,7 +10811,7 @@
             </p:custDataLst>
             <p:extLst>
               <p:ext uri="{386F3935-93C4-4BCD-93E2-E3B085C9AB24}">
-                <p16:designElem xmlns:p16="http://schemas.microsoft.com/office/powerpoint/2015/main" xmlns="" val="1"/>
+                <p16:designElem xmlns:p16="http://schemas.microsoft.com/office/powerpoint/2015/main" val="1"/>
               </p:ext>
             </p:extLst>
           </p:nvPr>
@@ -10858,7 +10882,7 @@
           <a:lstStyle/>
           <a:p>
             <a:r>
-              <a:rPr lang="en-US" dirty="0" smtClean="0">
+              <a:rPr lang="en-US" dirty="0">
                 <a:solidFill>
                   <a:schemeClr val="bg1"/>
                 </a:solidFill>
@@ -10866,7 +10890,7 @@
               <a:t>Les </a:t>
             </a:r>
             <a:r>
-              <a:rPr lang="en-US" dirty="0" err="1" smtClean="0">
+              <a:rPr lang="en-US" dirty="0" err="1">
                 <a:solidFill>
                   <a:schemeClr val="bg1"/>
                 </a:solidFill>
@@ -10904,24 +10928,8 @@
           <a:lstStyle/>
           <a:p>
             <a:r>
-              <a:rPr lang="fr-FR" dirty="0" smtClean="0"/>
-              <a:t>Soit une </a:t>
-            </a:r>
-            <a:r>
               <a:rPr lang="fr-FR" dirty="0"/>
-              <a:t>propriété </a:t>
-            </a:r>
-            <a:r>
-              <a:rPr lang="fr-FR" dirty="0" smtClean="0"/>
-              <a:t>physique du système </a:t>
-            </a:r>
-            <a:r>
-              <a:rPr lang="fr-FR" dirty="0"/>
-              <a:t>correspond un </a:t>
-            </a:r>
-            <a:r>
-              <a:rPr lang="fr-FR" dirty="0" smtClean="0"/>
-              <a:t>opérateur, les seules valeurs observables sont les valeurs propres de cet opérateur. </a:t>
+              <a:t>Soit une propriété physique du système correspond un opérateur, les seules valeurs observables sont les valeurs propres de cet opérateur. </a:t>
             </a:r>
             <a:endParaRPr lang="en-CA" dirty="0"/>
           </a:p>
@@ -10962,10 +10970,10 @@
           <p:cNvPr id="10" name="Rectangle 9">
             <a:extLst>
               <a:ext uri="{FF2B5EF4-FFF2-40B4-BE49-F238E27FC236}">
-                <a16:creationId xmlns:a16="http://schemas.microsoft.com/office/drawing/2014/main" xmlns="" id="{EBF87945-A001-489F-9D9B-7D9435F0B9CA}"/>
+                <a16:creationId xmlns:a16="http://schemas.microsoft.com/office/drawing/2014/main" id="{EBF87945-A001-489F-9D9B-7D9435F0B9CA}"/>
               </a:ext>
               <a:ext uri="{C183D7F6-B498-43B3-948B-1728B52AA6E4}">
-                <adec:decorative xmlns:adec="http://schemas.microsoft.com/office/drawing/2017/decorative" xmlns="" val="1"/>
+                <adec:decorative xmlns:adec="http://schemas.microsoft.com/office/drawing/2017/decorative" val="1"/>
               </a:ext>
             </a:extLst>
           </p:cNvPr>
@@ -10978,7 +10986,7 @@
             </p:custDataLst>
             <p:extLst>
               <p:ext uri="{386F3935-93C4-4BCD-93E2-E3B085C9AB24}">
-                <p16:designElem xmlns:p16="http://schemas.microsoft.com/office/powerpoint/2015/main" xmlns="" val="1"/>
+                <p16:designElem xmlns:p16="http://schemas.microsoft.com/office/powerpoint/2015/main" val="1"/>
               </p:ext>
             </p:extLst>
           </p:nvPr>
@@ -11049,7 +11057,7 @@
           <a:lstStyle/>
           <a:p>
             <a:r>
-              <a:rPr lang="en-US" dirty="0" smtClean="0">
+              <a:rPr lang="en-US" dirty="0">
                 <a:solidFill>
                   <a:schemeClr val="bg1"/>
                 </a:solidFill>
@@ -11057,7 +11065,7 @@
               <a:t>Les </a:t>
             </a:r>
             <a:r>
-              <a:rPr lang="en-US" dirty="0" err="1" smtClean="0">
+              <a:rPr lang="en-US" dirty="0" err="1">
                 <a:solidFill>
                   <a:schemeClr val="bg1"/>
                 </a:solidFill>
@@ -11095,7 +11103,7 @@
           <a:lstStyle/>
           <a:p>
             <a:r>
-              <a:rPr lang="fr-FR" dirty="0" smtClean="0"/>
+              <a:rPr lang="fr-FR" dirty="0"/>
               <a:t>La probabilité d’observé une certaine  valeur propre est donné par le carré du module de la projection de la fonction d’état sur la fonction propre associé à cette valeur. </a:t>
             </a:r>
             <a:endParaRPr lang="en-CA" dirty="0"/>
@@ -11137,10 +11145,10 @@
           <p:cNvPr id="10" name="Rectangle 9">
             <a:extLst>
               <a:ext uri="{FF2B5EF4-FFF2-40B4-BE49-F238E27FC236}">
-                <a16:creationId xmlns:a16="http://schemas.microsoft.com/office/drawing/2014/main" xmlns="" id="{EBF87945-A001-489F-9D9B-7D9435F0B9CA}"/>
+                <a16:creationId xmlns:a16="http://schemas.microsoft.com/office/drawing/2014/main" id="{EBF87945-A001-489F-9D9B-7D9435F0B9CA}"/>
               </a:ext>
               <a:ext uri="{C183D7F6-B498-43B3-948B-1728B52AA6E4}">
-                <adec:decorative xmlns:adec="http://schemas.microsoft.com/office/drawing/2017/decorative" xmlns="" val="1"/>
+                <adec:decorative xmlns:adec="http://schemas.microsoft.com/office/drawing/2017/decorative" val="1"/>
               </a:ext>
             </a:extLst>
           </p:cNvPr>
@@ -11153,7 +11161,7 @@
             </p:custDataLst>
             <p:extLst>
               <p:ext uri="{386F3935-93C4-4BCD-93E2-E3B085C9AB24}">
-                <p16:designElem xmlns:p16="http://schemas.microsoft.com/office/powerpoint/2015/main" xmlns="" val="1"/>
+                <p16:designElem xmlns:p16="http://schemas.microsoft.com/office/powerpoint/2015/main" val="1"/>
               </p:ext>
             </p:extLst>
           </p:nvPr>
@@ -11224,7 +11232,7 @@
           <a:lstStyle/>
           <a:p>
             <a:r>
-              <a:rPr lang="en-US" dirty="0" err="1" smtClean="0">
+              <a:rPr lang="en-US" dirty="0" err="1">
                 <a:solidFill>
                   <a:schemeClr val="bg1"/>
                 </a:solidFill>
@@ -11232,7 +11240,7 @@
               <a:t>Évolution</a:t>
             </a:r>
             <a:r>
-              <a:rPr lang="en-US" dirty="0" smtClean="0">
+              <a:rPr lang="en-US" dirty="0">
                 <a:solidFill>
                   <a:schemeClr val="bg1"/>
                 </a:solidFill>
@@ -11240,7 +11248,7 @@
               <a:t> </a:t>
             </a:r>
             <a:r>
-              <a:rPr lang="en-US" dirty="0" err="1" smtClean="0">
+              <a:rPr lang="en-US" dirty="0" err="1">
                 <a:solidFill>
                   <a:schemeClr val="bg1"/>
                 </a:solidFill>
@@ -11278,13 +11286,262 @@
           <a:lstStyle/>
           <a:p>
             <a:r>
-              <a:rPr lang="fr-FR" dirty="0" smtClean="0"/>
+              <a:rPr lang="fr-FR" dirty="0"/>
               <a:t>L’évolution de l’état quantique d’un système est gouvernée par l’équation de Schrödinger</a:t>
             </a:r>
             <a:endParaRPr lang="en-CA" dirty="0"/>
           </a:p>
         </p:txBody>
       </p:sp>
+      <mc:AlternateContent xmlns:mc="http://schemas.openxmlformats.org/markup-compatibility/2006">
+        <mc:Choice xmlns:a14="http://schemas.microsoft.com/office/drawing/2010/main" Requires="a14">
+          <p:sp>
+            <p:nvSpPr>
+              <p:cNvPr id="3" name="Rectangle 2">
+                <a:extLst>
+                  <a:ext uri="{FF2B5EF4-FFF2-40B4-BE49-F238E27FC236}">
+                    <a16:creationId xmlns:a16="http://schemas.microsoft.com/office/drawing/2014/main" id="{9B88BD07-003C-4113-BCC6-F408DA52E633}"/>
+                  </a:ext>
+                </a:extLst>
+              </p:cNvPr>
+              <p:cNvSpPr/>
+              <p:nvPr/>
+            </p:nvSpPr>
+            <p:spPr>
+              <a:xfrm>
+                <a:off x="4338993" y="3038187"/>
+                <a:ext cx="3514013" cy="635367"/>
+              </a:xfrm>
+              <a:prstGeom prst="rect">
+                <a:avLst/>
+              </a:prstGeom>
+            </p:spPr>
+            <p:txBody>
+              <a:bodyPr wrap="square">
+                <a:spAutoFit/>
+              </a:bodyPr>
+              <a:lstStyle/>
+              <a:p>
+                <a14:m>
+                  <m:oMath xmlns:m="http://schemas.openxmlformats.org/officeDocument/2006/math">
+                    <m:r>
+                      <a:rPr lang="en-CA" sz="2400" i="1">
+                        <a:latin typeface="Cambria Math" panose="02040503050406030204" pitchFamily="18" charset="0"/>
+                      </a:rPr>
+                      <m:t>−</m:t>
+                    </m:r>
+                    <m:r>
+                      <a:rPr lang="en-CA" sz="2400" i="1">
+                        <a:latin typeface="Cambria Math" panose="02040503050406030204" pitchFamily="18" charset="0"/>
+                      </a:rPr>
+                      <m:t>𝑖</m:t>
+                    </m:r>
+                    <m:r>
+                      <a:rPr lang="en-CA" sz="2400" i="1">
+                        <a:latin typeface="Cambria Math" panose="02040503050406030204" pitchFamily="18" charset="0"/>
+                      </a:rPr>
+                      <m:t>ℏ</m:t>
+                    </m:r>
+                    <m:f>
+                      <m:fPr>
+                        <m:ctrlPr>
+                          <a:rPr lang="en-CA" sz="2400" i="1">
+                            <a:latin typeface="Cambria Math" panose="02040503050406030204" pitchFamily="18" charset="0"/>
+                          </a:rPr>
+                        </m:ctrlPr>
+                      </m:fPr>
+                      <m:num>
+                        <m:r>
+                          <a:rPr lang="en-CA" sz="2400" i="1">
+                            <a:latin typeface="Cambria Math" panose="02040503050406030204" pitchFamily="18" charset="0"/>
+                          </a:rPr>
+                          <m:t>𝜕</m:t>
+                        </m:r>
+                      </m:num>
+                      <m:den>
+                        <m:r>
+                          <a:rPr lang="en-CA" sz="2400" i="1">
+                            <a:latin typeface="Cambria Math" panose="02040503050406030204" pitchFamily="18" charset="0"/>
+                          </a:rPr>
+                          <m:t>𝜕</m:t>
+                        </m:r>
+                        <m:r>
+                          <a:rPr lang="en-CA" sz="2400" i="1">
+                            <a:latin typeface="Cambria Math" panose="02040503050406030204" pitchFamily="18" charset="0"/>
+                          </a:rPr>
+                          <m:t>𝑡</m:t>
+                        </m:r>
+                      </m:den>
+                    </m:f>
+                    <m:r>
+                      <m:rPr>
+                        <m:sty m:val="p"/>
+                      </m:rPr>
+                      <a:rPr lang="en-CA" sz="2400">
+                        <a:latin typeface="Cambria Math" panose="02040503050406030204" pitchFamily="18" charset="0"/>
+                      </a:rPr>
+                      <m:t>Ψ</m:t>
+                    </m:r>
+                    <m:r>
+                      <a:rPr lang="en-CA" sz="2400" i="1">
+                        <a:latin typeface="Cambria Math" panose="02040503050406030204" pitchFamily="18" charset="0"/>
+                      </a:rPr>
+                      <m:t>(</m:t>
+                    </m:r>
+                    <m:acc>
+                      <m:accPr>
+                        <m:chr m:val="⃗"/>
+                        <m:ctrlPr>
+                          <a:rPr lang="en-CA" sz="2400" i="1">
+                            <a:latin typeface="Cambria Math" panose="02040503050406030204" pitchFamily="18" charset="0"/>
+                          </a:rPr>
+                        </m:ctrlPr>
+                      </m:accPr>
+                      <m:e>
+                        <m:r>
+                          <a:rPr lang="en-CA" sz="2400" i="1">
+                            <a:latin typeface="Cambria Math" panose="02040503050406030204" pitchFamily="18" charset="0"/>
+                          </a:rPr>
+                          <m:t>𝑞</m:t>
+                        </m:r>
+                      </m:e>
+                    </m:acc>
+                    <m:r>
+                      <a:rPr lang="en-CA" sz="2400" i="1">
+                        <a:latin typeface="Cambria Math" panose="02040503050406030204" pitchFamily="18" charset="0"/>
+                      </a:rPr>
+                      <m:t>,</m:t>
+                    </m:r>
+                    <m:r>
+                      <a:rPr lang="en-CA" sz="2400" i="1">
+                        <a:latin typeface="Cambria Math" panose="02040503050406030204" pitchFamily="18" charset="0"/>
+                      </a:rPr>
+                      <m:t>𝑡</m:t>
+                    </m:r>
+                    <m:r>
+                      <a:rPr lang="en-CA" sz="2400" i="1">
+                        <a:latin typeface="Cambria Math" panose="02040503050406030204" pitchFamily="18" charset="0"/>
+                      </a:rPr>
+                      <m:t>)=</m:t>
+                    </m:r>
+                    <m:acc>
+                      <m:accPr>
+                        <m:chr m:val="̂"/>
+                        <m:ctrlPr>
+                          <a:rPr lang="en-CA" sz="2400" i="1">
+                            <a:latin typeface="Cambria Math" panose="02040503050406030204" pitchFamily="18" charset="0"/>
+                          </a:rPr>
+                        </m:ctrlPr>
+                      </m:accPr>
+                      <m:e>
+                        <m:r>
+                          <a:rPr lang="en-CA" sz="2400" i="1">
+                            <a:latin typeface="Cambria Math" panose="02040503050406030204" pitchFamily="18" charset="0"/>
+                          </a:rPr>
+                          <m:t>𝐻</m:t>
+                        </m:r>
+                      </m:e>
+                    </m:acc>
+                    <m:r>
+                      <m:rPr>
+                        <m:sty m:val="p"/>
+                      </m:rPr>
+                      <a:rPr lang="en-CA" sz="2400">
+                        <a:latin typeface="Cambria Math" panose="02040503050406030204" pitchFamily="18" charset="0"/>
+                      </a:rPr>
+                      <m:t>Ψ</m:t>
+                    </m:r>
+                    <m:r>
+                      <a:rPr lang="en-CA" sz="2400" i="1">
+                        <a:latin typeface="Cambria Math" panose="02040503050406030204" pitchFamily="18" charset="0"/>
+                      </a:rPr>
+                      <m:t>(</m:t>
+                    </m:r>
+                    <m:acc>
+                      <m:accPr>
+                        <m:chr m:val="⃗"/>
+                        <m:ctrlPr>
+                          <a:rPr lang="en-CA" sz="2400" i="1">
+                            <a:latin typeface="Cambria Math" panose="02040503050406030204" pitchFamily="18" charset="0"/>
+                          </a:rPr>
+                        </m:ctrlPr>
+                      </m:accPr>
+                      <m:e>
+                        <m:r>
+                          <a:rPr lang="en-CA" sz="2400" i="1">
+                            <a:latin typeface="Cambria Math" panose="02040503050406030204" pitchFamily="18" charset="0"/>
+                          </a:rPr>
+                          <m:t>𝑞</m:t>
+                        </m:r>
+                      </m:e>
+                    </m:acc>
+                    <m:r>
+                      <a:rPr lang="en-CA" sz="2400" i="1">
+                        <a:latin typeface="Cambria Math" panose="02040503050406030204" pitchFamily="18" charset="0"/>
+                      </a:rPr>
+                      <m:t>,</m:t>
+                    </m:r>
+                    <m:r>
+                      <a:rPr lang="en-CA" sz="2400" i="1">
+                        <a:latin typeface="Cambria Math" panose="02040503050406030204" pitchFamily="18" charset="0"/>
+                      </a:rPr>
+                      <m:t>𝑡</m:t>
+                    </m:r>
+                  </m:oMath>
+                </a14:m>
+                <a:r>
+                  <a:rPr lang="fr-CA" sz="2400" dirty="0"/>
+                  <a:t>)</a:t>
+                </a:r>
+              </a:p>
+            </p:txBody>
+          </p:sp>
+        </mc:Choice>
+        <mc:Fallback>
+          <p:sp>
+            <p:nvSpPr>
+              <p:cNvPr id="3" name="Rectangle 2">
+                <a:extLst>
+                  <a:ext uri="{FF2B5EF4-FFF2-40B4-BE49-F238E27FC236}">
+                    <a16:creationId xmlns:a16="http://schemas.microsoft.com/office/drawing/2014/main" id="{9B88BD07-003C-4113-BCC6-F408DA52E633}"/>
+                  </a:ext>
+                </a:extLst>
+              </p:cNvPr>
+              <p:cNvSpPr>
+                <a:spLocks noRot="1" noChangeAspect="1" noMove="1" noResize="1" noEditPoints="1" noAdjustHandles="1" noChangeArrowheads="1" noChangeShapeType="1" noTextEdit="1"/>
+              </p:cNvSpPr>
+              <p:nvPr/>
+            </p:nvSpPr>
+            <p:spPr>
+              <a:xfrm>
+                <a:off x="4338993" y="3038187"/>
+                <a:ext cx="3514013" cy="635367"/>
+              </a:xfrm>
+              <a:prstGeom prst="rect">
+                <a:avLst/>
+              </a:prstGeom>
+              <a:blipFill>
+                <a:blip r:embed="rId4"/>
+                <a:stretch>
+                  <a:fillRect r="-347" b="-8571"/>
+                </a:stretch>
+              </a:blipFill>
+            </p:spPr>
+            <p:txBody>
+              <a:bodyPr/>
+              <a:lstStyle/>
+              <a:p>
+                <a:r>
+                  <a:rPr lang="fr-CA">
+                    <a:noFill/>
+                  </a:rPr>
+                  <a:t> </a:t>
+                </a:r>
+              </a:p>
+            </p:txBody>
+          </p:sp>
+        </mc:Fallback>
+      </mc:AlternateContent>
     </p:spTree>
     <p:extLst>
       <p:ext uri="{BB962C8B-B14F-4D97-AF65-F5344CB8AC3E}">
@@ -11320,10 +11577,10 @@
           <p:cNvPr id="10" name="Rectangle 9">
             <a:extLst>
               <a:ext uri="{FF2B5EF4-FFF2-40B4-BE49-F238E27FC236}">
-                <a16:creationId xmlns:a16="http://schemas.microsoft.com/office/drawing/2014/main" xmlns="" id="{EBF87945-A001-489F-9D9B-7D9435F0B9CA}"/>
+                <a16:creationId xmlns:a16="http://schemas.microsoft.com/office/drawing/2014/main" id="{EBF87945-A001-489F-9D9B-7D9435F0B9CA}"/>
               </a:ext>
               <a:ext uri="{C183D7F6-B498-43B3-948B-1728B52AA6E4}">
-                <adec:decorative xmlns:adec="http://schemas.microsoft.com/office/drawing/2017/decorative" xmlns="" val="1"/>
+                <adec:decorative xmlns:adec="http://schemas.microsoft.com/office/drawing/2017/decorative" val="1"/>
               </a:ext>
             </a:extLst>
           </p:cNvPr>
@@ -11336,7 +11593,7 @@
             </p:custDataLst>
             <p:extLst>
               <p:ext uri="{386F3935-93C4-4BCD-93E2-E3B085C9AB24}">
-                <p16:designElem xmlns:p16="http://schemas.microsoft.com/office/powerpoint/2015/main" xmlns="" val="1"/>
+                <p16:designElem xmlns:p16="http://schemas.microsoft.com/office/powerpoint/2015/main" val="1"/>
               </p:ext>
             </p:extLst>
           </p:nvPr>
@@ -11407,7 +11664,7 @@
           <a:lstStyle/>
           <a:p>
             <a:r>
-              <a:rPr lang="en-US" dirty="0" err="1" smtClean="0">
+              <a:rPr lang="en-US" dirty="0" err="1">
                 <a:solidFill>
                   <a:schemeClr val="bg1"/>
                 </a:solidFill>
@@ -11415,7 +11672,7 @@
               <a:t>Réduction</a:t>
             </a:r>
             <a:r>
-              <a:rPr lang="en-US" dirty="0" smtClean="0">
+              <a:rPr lang="en-US" dirty="0">
                 <a:solidFill>
                   <a:schemeClr val="bg1"/>
                 </a:solidFill>
@@ -11423,7 +11680,7 @@
               <a:t> du </a:t>
             </a:r>
             <a:r>
-              <a:rPr lang="en-US" dirty="0" err="1" smtClean="0">
+              <a:rPr lang="en-US" dirty="0" err="1">
                 <a:solidFill>
                   <a:schemeClr val="bg1"/>
                 </a:solidFill>
@@ -11431,7 +11688,7 @@
               <a:t>paquet</a:t>
             </a:r>
             <a:r>
-              <a:rPr lang="en-US" dirty="0" smtClean="0">
+              <a:rPr lang="en-US" dirty="0">
                 <a:solidFill>
                   <a:schemeClr val="bg1"/>
                 </a:solidFill>
@@ -11439,7 +11696,7 @@
               <a:t> </a:t>
             </a:r>
             <a:r>
-              <a:rPr lang="en-US" dirty="0" err="1" smtClean="0">
+              <a:rPr lang="en-US" dirty="0" err="1">
                 <a:solidFill>
                   <a:schemeClr val="bg1"/>
                 </a:solidFill>
@@ -11477,11 +11734,11 @@
           <a:lstStyle/>
           <a:p>
             <a:r>
-              <a:rPr lang="fr-FR" dirty="0" smtClean="0"/>
+              <a:rPr lang="fr-FR" dirty="0"/>
               <a:t>Lorsqu’une mesure est prise et qu’une des valeurs propres est observé, la fonction du système devient la fonction propre associé à </a:t>
             </a:r>
             <a:r>
-              <a:rPr lang="fr-FR" smtClean="0"/>
+              <a:rPr lang="fr-FR"/>
               <a:t>cet valeur. </a:t>
             </a:r>
             <a:endParaRPr lang="en-CA" dirty="0"/>
@@ -11904,7 +12161,7 @@
   <a:extraClrSchemeLst/>
   <a:extLst>
     <a:ext uri="{05A4C25C-085E-4340-85A3-A5531E510DB2}">
-      <thm15:themeFamily xmlns:thm15="http://schemas.microsoft.com/office/thememl/2012/main" xmlns="" name="Office Theme" id="{62F939B6-93AF-4DB8-9C6B-D6C7DFDC589F}" vid="{4A3C46E8-61CC-4603-A589-7422A47A8E4A}"/>
+      <thm15:themeFamily xmlns:thm15="http://schemas.microsoft.com/office/thememl/2012/main" name="Office Theme" id="{62F939B6-93AF-4DB8-9C6B-D6C7DFDC589F}" vid="{4A3C46E8-61CC-4603-A589-7422A47A8E4A}"/>
     </a:ext>
   </a:extLst>
 </a:theme>

--- a/FR/3_Postulats/Postulats.pptx
+++ b/FR/3_Postulats/Postulats.pptx
@@ -9,11 +9,13 @@
     <p:sldId id="274" r:id="rId3"/>
     <p:sldId id="293" r:id="rId4"/>
     <p:sldId id="260" r:id="rId5"/>
-    <p:sldId id="282" r:id="rId6"/>
-    <p:sldId id="294" r:id="rId7"/>
-    <p:sldId id="295" r:id="rId8"/>
-    <p:sldId id="296" r:id="rId9"/>
-    <p:sldId id="297" r:id="rId10"/>
+    <p:sldId id="298" r:id="rId6"/>
+    <p:sldId id="299" r:id="rId7"/>
+    <p:sldId id="282" r:id="rId8"/>
+    <p:sldId id="294" r:id="rId9"/>
+    <p:sldId id="295" r:id="rId10"/>
+    <p:sldId id="296" r:id="rId11"/>
+    <p:sldId id="297" r:id="rId12"/>
   </p:sldIdLst>
   <p:sldSz cx="12192000" cy="6858000"/>
   <p:notesSz cx="6858000" cy="9144000"/>
@@ -6108,7 +6110,7 @@
           <a:p>
             <a:fld id="{FDBD420C-7621-46C4-B0D7-0A7E12FF1E5F}" type="datetimeFigureOut">
               <a:rPr lang="en-CA" smtClean="0"/>
-              <a:t>2020-01-31</a:t>
+              <a:t>2020-02-15</a:t>
             </a:fld>
             <a:endParaRPr lang="en-CA"/>
           </a:p>
@@ -6308,7 +6310,7 @@
           <a:p>
             <a:fld id="{FDBD420C-7621-46C4-B0D7-0A7E12FF1E5F}" type="datetimeFigureOut">
               <a:rPr lang="en-CA" smtClean="0"/>
-              <a:t>2020-01-31</a:t>
+              <a:t>2020-02-15</a:t>
             </a:fld>
             <a:endParaRPr lang="en-CA"/>
           </a:p>
@@ -6518,7 +6520,7 @@
           <a:p>
             <a:fld id="{FDBD420C-7621-46C4-B0D7-0A7E12FF1E5F}" type="datetimeFigureOut">
               <a:rPr lang="en-CA" smtClean="0"/>
-              <a:t>2020-01-31</a:t>
+              <a:t>2020-02-15</a:t>
             </a:fld>
             <a:endParaRPr lang="en-CA"/>
           </a:p>
@@ -6718,7 +6720,7 @@
           <a:p>
             <a:fld id="{FDBD420C-7621-46C4-B0D7-0A7E12FF1E5F}" type="datetimeFigureOut">
               <a:rPr lang="en-CA" smtClean="0"/>
-              <a:t>2020-01-31</a:t>
+              <a:t>2020-02-15</a:t>
             </a:fld>
             <a:endParaRPr lang="en-CA"/>
           </a:p>
@@ -6994,7 +6996,7 @@
           <a:p>
             <a:fld id="{FDBD420C-7621-46C4-B0D7-0A7E12FF1E5F}" type="datetimeFigureOut">
               <a:rPr lang="en-CA" smtClean="0"/>
-              <a:t>2020-01-31</a:t>
+              <a:t>2020-02-15</a:t>
             </a:fld>
             <a:endParaRPr lang="en-CA"/>
           </a:p>
@@ -7262,7 +7264,7 @@
           <a:p>
             <a:fld id="{FDBD420C-7621-46C4-B0D7-0A7E12FF1E5F}" type="datetimeFigureOut">
               <a:rPr lang="en-CA" smtClean="0"/>
-              <a:t>2020-01-31</a:t>
+              <a:t>2020-02-15</a:t>
             </a:fld>
             <a:endParaRPr lang="en-CA"/>
           </a:p>
@@ -7677,7 +7679,7 @@
           <a:p>
             <a:fld id="{FDBD420C-7621-46C4-B0D7-0A7E12FF1E5F}" type="datetimeFigureOut">
               <a:rPr lang="en-CA" smtClean="0"/>
-              <a:t>2020-01-31</a:t>
+              <a:t>2020-02-15</a:t>
             </a:fld>
             <a:endParaRPr lang="en-CA"/>
           </a:p>
@@ -7819,7 +7821,7 @@
           <a:p>
             <a:fld id="{FDBD420C-7621-46C4-B0D7-0A7E12FF1E5F}" type="datetimeFigureOut">
               <a:rPr lang="en-CA" smtClean="0"/>
-              <a:t>2020-01-31</a:t>
+              <a:t>2020-02-15</a:t>
             </a:fld>
             <a:endParaRPr lang="en-CA"/>
           </a:p>
@@ -7932,7 +7934,7 @@
           <a:p>
             <a:fld id="{FDBD420C-7621-46C4-B0D7-0A7E12FF1E5F}" type="datetimeFigureOut">
               <a:rPr lang="en-CA" smtClean="0"/>
-              <a:t>2020-01-31</a:t>
+              <a:t>2020-02-15</a:t>
             </a:fld>
             <a:endParaRPr lang="en-CA"/>
           </a:p>
@@ -8245,7 +8247,7 @@
           <a:p>
             <a:fld id="{FDBD420C-7621-46C4-B0D7-0A7E12FF1E5F}" type="datetimeFigureOut">
               <a:rPr lang="en-CA" smtClean="0"/>
-              <a:t>2020-01-31</a:t>
+              <a:t>2020-02-15</a:t>
             </a:fld>
             <a:endParaRPr lang="en-CA"/>
           </a:p>
@@ -8534,7 +8536,7 @@
           <a:p>
             <a:fld id="{FDBD420C-7621-46C4-B0D7-0A7E12FF1E5F}" type="datetimeFigureOut">
               <a:rPr lang="en-CA" smtClean="0"/>
-              <a:t>2020-01-31</a:t>
+              <a:t>2020-02-15</a:t>
             </a:fld>
             <a:endParaRPr lang="en-CA"/>
           </a:p>
@@ -8777,7 +8779,7 @@
           <a:p>
             <a:fld id="{FDBD420C-7621-46C4-B0D7-0A7E12FF1E5F}" type="datetimeFigureOut">
               <a:rPr lang="en-CA" smtClean="0"/>
-              <a:t>2020-01-31</a:t>
+              <a:t>2020-02-15</a:t>
             </a:fld>
             <a:endParaRPr lang="en-CA"/>
           </a:p>
@@ -9419,6 +9421,641 @@
     <p:extLst>
       <p:ext uri="{BB962C8B-B14F-4D97-AF65-F5344CB8AC3E}">
         <p14:creationId xmlns:p14="http://schemas.microsoft.com/office/powerpoint/2010/main" val="3456414972"/>
+      </p:ext>
+    </p:extLst>
+  </p:cSld>
+  <p:clrMapOvr>
+    <a:masterClrMapping/>
+  </p:clrMapOvr>
+</p:sld>
+</file>
+
+<file path=ppt/slides/slide10.xml><?xml version="1.0" encoding="utf-8"?>
+<p:sld xmlns:a="http://schemas.openxmlformats.org/drawingml/2006/main" xmlns:r="http://schemas.openxmlformats.org/officeDocument/2006/relationships" xmlns:p="http://schemas.openxmlformats.org/presentationml/2006/main">
+  <p:cSld>
+    <p:spTree>
+      <p:nvGrpSpPr>
+        <p:cNvPr id="1" name=""/>
+        <p:cNvGrpSpPr/>
+        <p:nvPr/>
+      </p:nvGrpSpPr>
+      <p:grpSpPr>
+        <a:xfrm>
+          <a:off x="0" y="0"/>
+          <a:ext cx="0" cy="0"/>
+          <a:chOff x="0" y="0"/>
+          <a:chExt cx="0" cy="0"/>
+        </a:xfrm>
+      </p:grpSpPr>
+      <p:sp>
+        <p:nvSpPr>
+          <p:cNvPr id="10" name="Rectangle 9">
+            <a:extLst>
+              <a:ext uri="{FF2B5EF4-FFF2-40B4-BE49-F238E27FC236}">
+                <a16:creationId xmlns:a16="http://schemas.microsoft.com/office/drawing/2014/main" id="{EBF87945-A001-489F-9D9B-7D9435F0B9CA}"/>
+              </a:ext>
+              <a:ext uri="{C183D7F6-B498-43B3-948B-1728B52AA6E4}">
+                <adec:decorative xmlns:adec="http://schemas.microsoft.com/office/drawing/2017/decorative" val="1"/>
+              </a:ext>
+            </a:extLst>
+          </p:cNvPr>
+          <p:cNvSpPr>
+            <a:spLocks noGrp="1" noRot="1" noChangeAspect="1" noMove="1" noResize="1" noEditPoints="1" noAdjustHandles="1" noChangeArrowheads="1" noChangeShapeType="1" noTextEdit="1"/>
+          </p:cNvSpPr>
+          <p:nvPr>
+            <p:custDataLst>
+              <p:tags r:id="rId1"/>
+            </p:custDataLst>
+            <p:extLst>
+              <p:ext uri="{386F3935-93C4-4BCD-93E2-E3B085C9AB24}">
+                <p16:designElem xmlns:p16="http://schemas.microsoft.com/office/powerpoint/2015/main" val="1"/>
+              </p:ext>
+            </p:extLst>
+          </p:nvPr>
+        </p:nvSpPr>
+        <p:spPr>
+          <a:xfrm>
+            <a:off x="0" y="1"/>
+            <a:ext cx="12192000" cy="1911096"/>
+          </a:xfrm>
+          <a:prstGeom prst="rect">
+            <a:avLst/>
+          </a:prstGeom>
+          <a:solidFill>
+            <a:schemeClr val="accent5"/>
+          </a:solidFill>
+          <a:ln>
+            <a:noFill/>
+          </a:ln>
+        </p:spPr>
+        <p:style>
+          <a:lnRef idx="2">
+            <a:schemeClr val="accent1">
+              <a:shade val="50000"/>
+            </a:schemeClr>
+          </a:lnRef>
+          <a:fillRef idx="1">
+            <a:schemeClr val="accent1"/>
+          </a:fillRef>
+          <a:effectRef idx="0">
+            <a:schemeClr val="accent1"/>
+          </a:effectRef>
+          <a:fontRef idx="minor">
+            <a:schemeClr val="lt1"/>
+          </a:fontRef>
+        </p:style>
+        <p:txBody>
+          <a:bodyPr rtlCol="0" anchor="ctr"/>
+          <a:lstStyle/>
+          <a:p>
+            <a:pPr algn="ctr"/>
+            <a:endParaRPr lang="en-US"/>
+          </a:p>
+        </p:txBody>
+      </p:sp>
+      <p:sp>
+        <p:nvSpPr>
+          <p:cNvPr id="2" name="Title 1"/>
+          <p:cNvSpPr>
+            <a:spLocks noGrp="1"/>
+          </p:cNvSpPr>
+          <p:nvPr>
+            <p:ph type="title"/>
+            <p:custDataLst>
+              <p:tags r:id="rId2"/>
+            </p:custDataLst>
+          </p:nvPr>
+        </p:nvSpPr>
+        <p:spPr>
+          <a:xfrm>
+            <a:off x="838200" y="365760"/>
+            <a:ext cx="10515600" cy="1325563"/>
+          </a:xfrm>
+        </p:spPr>
+        <p:txBody>
+          <a:bodyPr>
+            <a:normAutofit/>
+          </a:bodyPr>
+          <a:lstStyle/>
+          <a:p>
+            <a:r>
+              <a:rPr lang="en-US" dirty="0" err="1">
+                <a:solidFill>
+                  <a:schemeClr val="bg1"/>
+                </a:solidFill>
+              </a:rPr>
+              <a:t>Évolution</a:t>
+            </a:r>
+            <a:r>
+              <a:rPr lang="en-US" dirty="0">
+                <a:solidFill>
+                  <a:schemeClr val="bg1"/>
+                </a:solidFill>
+              </a:rPr>
+              <a:t> </a:t>
+            </a:r>
+            <a:r>
+              <a:rPr lang="en-US" dirty="0" err="1">
+                <a:solidFill>
+                  <a:schemeClr val="bg1"/>
+                </a:solidFill>
+              </a:rPr>
+              <a:t>temporelle</a:t>
+            </a:r>
+            <a:endParaRPr lang="en-CA" dirty="0">
+              <a:solidFill>
+                <a:schemeClr val="bg1"/>
+              </a:solidFill>
+            </a:endParaRPr>
+          </a:p>
+        </p:txBody>
+      </p:sp>
+      <p:sp>
+        <p:nvSpPr>
+          <p:cNvPr id="4" name="TextBox 3"/>
+          <p:cNvSpPr txBox="1"/>
+          <p:nvPr/>
+        </p:nvSpPr>
+        <p:spPr>
+          <a:xfrm>
+            <a:off x="620202" y="2289976"/>
+            <a:ext cx="11370365" cy="369332"/>
+          </a:xfrm>
+          <a:prstGeom prst="rect">
+            <a:avLst/>
+          </a:prstGeom>
+          <a:noFill/>
+        </p:spPr>
+        <p:txBody>
+          <a:bodyPr wrap="square" rtlCol="0">
+            <a:spAutoFit/>
+          </a:bodyPr>
+          <a:lstStyle/>
+          <a:p>
+            <a:r>
+              <a:rPr lang="fr-FR" dirty="0"/>
+              <a:t>L’évolution de l’état quantique d’un système est gouvernée par l’équation de Schrödinger</a:t>
+            </a:r>
+            <a:endParaRPr lang="en-CA" dirty="0"/>
+          </a:p>
+        </p:txBody>
+      </p:sp>
+      <mc:AlternateContent xmlns:mc="http://schemas.openxmlformats.org/markup-compatibility/2006" xmlns:a14="http://schemas.microsoft.com/office/drawing/2010/main">
+        <mc:Choice Requires="a14">
+          <p:sp>
+            <p:nvSpPr>
+              <p:cNvPr id="3" name="Rectangle 2">
+                <a:extLst>
+                  <a:ext uri="{FF2B5EF4-FFF2-40B4-BE49-F238E27FC236}">
+                    <a16:creationId xmlns:a16="http://schemas.microsoft.com/office/drawing/2014/main" id="{9B88BD07-003C-4113-BCC6-F408DA52E633}"/>
+                  </a:ext>
+                </a:extLst>
+              </p:cNvPr>
+              <p:cNvSpPr/>
+              <p:nvPr/>
+            </p:nvSpPr>
+            <p:spPr>
+              <a:xfrm>
+                <a:off x="4338993" y="3038187"/>
+                <a:ext cx="3514013" cy="635367"/>
+              </a:xfrm>
+              <a:prstGeom prst="rect">
+                <a:avLst/>
+              </a:prstGeom>
+            </p:spPr>
+            <p:txBody>
+              <a:bodyPr wrap="square">
+                <a:spAutoFit/>
+              </a:bodyPr>
+              <a:lstStyle/>
+              <a:p>
+                <a14:m>
+                  <m:oMath xmlns:m="http://schemas.openxmlformats.org/officeDocument/2006/math">
+                    <m:r>
+                      <a:rPr lang="en-CA" sz="2400" i="1">
+                        <a:latin typeface="Cambria Math" panose="02040503050406030204" pitchFamily="18" charset="0"/>
+                      </a:rPr>
+                      <m:t>−</m:t>
+                    </m:r>
+                    <m:r>
+                      <a:rPr lang="en-CA" sz="2400" i="1">
+                        <a:latin typeface="Cambria Math" panose="02040503050406030204" pitchFamily="18" charset="0"/>
+                      </a:rPr>
+                      <m:t>𝑖</m:t>
+                    </m:r>
+                    <m:r>
+                      <a:rPr lang="en-CA" sz="2400" i="1">
+                        <a:latin typeface="Cambria Math" panose="02040503050406030204" pitchFamily="18" charset="0"/>
+                      </a:rPr>
+                      <m:t>ℏ</m:t>
+                    </m:r>
+                    <m:f>
+                      <m:fPr>
+                        <m:ctrlPr>
+                          <a:rPr lang="en-CA" sz="2400" i="1">
+                            <a:latin typeface="Cambria Math" panose="02040503050406030204" pitchFamily="18" charset="0"/>
+                          </a:rPr>
+                        </m:ctrlPr>
+                      </m:fPr>
+                      <m:num>
+                        <m:r>
+                          <a:rPr lang="en-CA" sz="2400" i="1">
+                            <a:latin typeface="Cambria Math" panose="02040503050406030204" pitchFamily="18" charset="0"/>
+                          </a:rPr>
+                          <m:t>𝜕</m:t>
+                        </m:r>
+                      </m:num>
+                      <m:den>
+                        <m:r>
+                          <a:rPr lang="en-CA" sz="2400" i="1">
+                            <a:latin typeface="Cambria Math" panose="02040503050406030204" pitchFamily="18" charset="0"/>
+                          </a:rPr>
+                          <m:t>𝜕</m:t>
+                        </m:r>
+                        <m:r>
+                          <a:rPr lang="en-CA" sz="2400" i="1">
+                            <a:latin typeface="Cambria Math" panose="02040503050406030204" pitchFamily="18" charset="0"/>
+                          </a:rPr>
+                          <m:t>𝑡</m:t>
+                        </m:r>
+                      </m:den>
+                    </m:f>
+                    <m:r>
+                      <m:rPr>
+                        <m:sty m:val="p"/>
+                      </m:rPr>
+                      <a:rPr lang="en-CA" sz="2400">
+                        <a:latin typeface="Cambria Math" panose="02040503050406030204" pitchFamily="18" charset="0"/>
+                      </a:rPr>
+                      <m:t>Ψ</m:t>
+                    </m:r>
+                    <m:r>
+                      <a:rPr lang="en-CA" sz="2400" i="1">
+                        <a:latin typeface="Cambria Math" panose="02040503050406030204" pitchFamily="18" charset="0"/>
+                      </a:rPr>
+                      <m:t>(</m:t>
+                    </m:r>
+                    <m:acc>
+                      <m:accPr>
+                        <m:chr m:val="⃗"/>
+                        <m:ctrlPr>
+                          <a:rPr lang="en-CA" sz="2400" i="1">
+                            <a:latin typeface="Cambria Math" panose="02040503050406030204" pitchFamily="18" charset="0"/>
+                          </a:rPr>
+                        </m:ctrlPr>
+                      </m:accPr>
+                      <m:e>
+                        <m:r>
+                          <a:rPr lang="en-CA" sz="2400" i="1">
+                            <a:latin typeface="Cambria Math" panose="02040503050406030204" pitchFamily="18" charset="0"/>
+                          </a:rPr>
+                          <m:t>𝑞</m:t>
+                        </m:r>
+                      </m:e>
+                    </m:acc>
+                    <m:r>
+                      <a:rPr lang="en-CA" sz="2400" i="1">
+                        <a:latin typeface="Cambria Math" panose="02040503050406030204" pitchFamily="18" charset="0"/>
+                      </a:rPr>
+                      <m:t>,</m:t>
+                    </m:r>
+                    <m:r>
+                      <a:rPr lang="en-CA" sz="2400" i="1">
+                        <a:latin typeface="Cambria Math" panose="02040503050406030204" pitchFamily="18" charset="0"/>
+                      </a:rPr>
+                      <m:t>𝑡</m:t>
+                    </m:r>
+                    <m:r>
+                      <a:rPr lang="en-CA" sz="2400" i="1">
+                        <a:latin typeface="Cambria Math" panose="02040503050406030204" pitchFamily="18" charset="0"/>
+                      </a:rPr>
+                      <m:t>)=</m:t>
+                    </m:r>
+                    <m:acc>
+                      <m:accPr>
+                        <m:chr m:val="̂"/>
+                        <m:ctrlPr>
+                          <a:rPr lang="en-CA" sz="2400" i="1">
+                            <a:latin typeface="Cambria Math" panose="02040503050406030204" pitchFamily="18" charset="0"/>
+                          </a:rPr>
+                        </m:ctrlPr>
+                      </m:accPr>
+                      <m:e>
+                        <m:r>
+                          <a:rPr lang="en-CA" sz="2400" i="1">
+                            <a:latin typeface="Cambria Math" panose="02040503050406030204" pitchFamily="18" charset="0"/>
+                          </a:rPr>
+                          <m:t>𝐻</m:t>
+                        </m:r>
+                      </m:e>
+                    </m:acc>
+                    <m:r>
+                      <m:rPr>
+                        <m:sty m:val="p"/>
+                      </m:rPr>
+                      <a:rPr lang="en-CA" sz="2400">
+                        <a:latin typeface="Cambria Math" panose="02040503050406030204" pitchFamily="18" charset="0"/>
+                      </a:rPr>
+                      <m:t>Ψ</m:t>
+                    </m:r>
+                    <m:r>
+                      <a:rPr lang="en-CA" sz="2400" i="1">
+                        <a:latin typeface="Cambria Math" panose="02040503050406030204" pitchFamily="18" charset="0"/>
+                      </a:rPr>
+                      <m:t>(</m:t>
+                    </m:r>
+                    <m:acc>
+                      <m:accPr>
+                        <m:chr m:val="⃗"/>
+                        <m:ctrlPr>
+                          <a:rPr lang="en-CA" sz="2400" i="1">
+                            <a:latin typeface="Cambria Math" panose="02040503050406030204" pitchFamily="18" charset="0"/>
+                          </a:rPr>
+                        </m:ctrlPr>
+                      </m:accPr>
+                      <m:e>
+                        <m:r>
+                          <a:rPr lang="en-CA" sz="2400" i="1">
+                            <a:latin typeface="Cambria Math" panose="02040503050406030204" pitchFamily="18" charset="0"/>
+                          </a:rPr>
+                          <m:t>𝑞</m:t>
+                        </m:r>
+                      </m:e>
+                    </m:acc>
+                    <m:r>
+                      <a:rPr lang="en-CA" sz="2400" i="1">
+                        <a:latin typeface="Cambria Math" panose="02040503050406030204" pitchFamily="18" charset="0"/>
+                      </a:rPr>
+                      <m:t>,</m:t>
+                    </m:r>
+                    <m:r>
+                      <a:rPr lang="en-CA" sz="2400" i="1">
+                        <a:latin typeface="Cambria Math" panose="02040503050406030204" pitchFamily="18" charset="0"/>
+                      </a:rPr>
+                      <m:t>𝑡</m:t>
+                    </m:r>
+                  </m:oMath>
+                </a14:m>
+                <a:r>
+                  <a:rPr lang="fr-CA" sz="2400" dirty="0"/>
+                  <a:t>)</a:t>
+                </a:r>
+              </a:p>
+            </p:txBody>
+          </p:sp>
+        </mc:Choice>
+        <mc:Fallback xmlns="">
+          <p:sp>
+            <p:nvSpPr>
+              <p:cNvPr id="3" name="Rectangle 2">
+                <a:extLst>
+                  <a:ext uri="{FF2B5EF4-FFF2-40B4-BE49-F238E27FC236}">
+                    <a16:creationId xmlns:a16="http://schemas.microsoft.com/office/drawing/2014/main" id="{9B88BD07-003C-4113-BCC6-F408DA52E633}"/>
+                  </a:ext>
+                </a:extLst>
+              </p:cNvPr>
+              <p:cNvSpPr>
+                <a:spLocks noRot="1" noChangeAspect="1" noMove="1" noResize="1" noEditPoints="1" noAdjustHandles="1" noChangeArrowheads="1" noChangeShapeType="1" noTextEdit="1"/>
+              </p:cNvSpPr>
+              <p:nvPr/>
+            </p:nvSpPr>
+            <p:spPr>
+              <a:xfrm>
+                <a:off x="4338993" y="3038187"/>
+                <a:ext cx="3514013" cy="635367"/>
+              </a:xfrm>
+              <a:prstGeom prst="rect">
+                <a:avLst/>
+              </a:prstGeom>
+              <a:blipFill>
+                <a:blip r:embed="rId4"/>
+                <a:stretch>
+                  <a:fillRect r="-347" b="-8571"/>
+                </a:stretch>
+              </a:blipFill>
+            </p:spPr>
+            <p:txBody>
+              <a:bodyPr/>
+              <a:lstStyle/>
+              <a:p>
+                <a:r>
+                  <a:rPr lang="fr-CA">
+                    <a:noFill/>
+                  </a:rPr>
+                  <a:t> </a:t>
+                </a:r>
+              </a:p>
+            </p:txBody>
+          </p:sp>
+        </mc:Fallback>
+      </mc:AlternateContent>
+    </p:spTree>
+    <p:extLst>
+      <p:ext uri="{BB962C8B-B14F-4D97-AF65-F5344CB8AC3E}">
+        <p14:creationId xmlns:p14="http://schemas.microsoft.com/office/powerpoint/2010/main" val="3011686946"/>
+      </p:ext>
+    </p:extLst>
+  </p:cSld>
+  <p:clrMapOvr>
+    <a:masterClrMapping/>
+  </p:clrMapOvr>
+</p:sld>
+</file>
+
+<file path=ppt/slides/slide11.xml><?xml version="1.0" encoding="utf-8"?>
+<p:sld xmlns:a="http://schemas.openxmlformats.org/drawingml/2006/main" xmlns:r="http://schemas.openxmlformats.org/officeDocument/2006/relationships" xmlns:p="http://schemas.openxmlformats.org/presentationml/2006/main">
+  <p:cSld>
+    <p:spTree>
+      <p:nvGrpSpPr>
+        <p:cNvPr id="1" name=""/>
+        <p:cNvGrpSpPr/>
+        <p:nvPr/>
+      </p:nvGrpSpPr>
+      <p:grpSpPr>
+        <a:xfrm>
+          <a:off x="0" y="0"/>
+          <a:ext cx="0" cy="0"/>
+          <a:chOff x="0" y="0"/>
+          <a:chExt cx="0" cy="0"/>
+        </a:xfrm>
+      </p:grpSpPr>
+      <p:sp>
+        <p:nvSpPr>
+          <p:cNvPr id="10" name="Rectangle 9">
+            <a:extLst>
+              <a:ext uri="{FF2B5EF4-FFF2-40B4-BE49-F238E27FC236}">
+                <a16:creationId xmlns:a16="http://schemas.microsoft.com/office/drawing/2014/main" id="{EBF87945-A001-489F-9D9B-7D9435F0B9CA}"/>
+              </a:ext>
+              <a:ext uri="{C183D7F6-B498-43B3-948B-1728B52AA6E4}">
+                <adec:decorative xmlns:adec="http://schemas.microsoft.com/office/drawing/2017/decorative" val="1"/>
+              </a:ext>
+            </a:extLst>
+          </p:cNvPr>
+          <p:cNvSpPr>
+            <a:spLocks noGrp="1" noRot="1" noChangeAspect="1" noMove="1" noResize="1" noEditPoints="1" noAdjustHandles="1" noChangeArrowheads="1" noChangeShapeType="1" noTextEdit="1"/>
+          </p:cNvSpPr>
+          <p:nvPr>
+            <p:custDataLst>
+              <p:tags r:id="rId1"/>
+            </p:custDataLst>
+            <p:extLst>
+              <p:ext uri="{386F3935-93C4-4BCD-93E2-E3B085C9AB24}">
+                <p16:designElem xmlns:p16="http://schemas.microsoft.com/office/powerpoint/2015/main" val="1"/>
+              </p:ext>
+            </p:extLst>
+          </p:nvPr>
+        </p:nvSpPr>
+        <p:spPr>
+          <a:xfrm>
+            <a:off x="0" y="1"/>
+            <a:ext cx="12192000" cy="1911096"/>
+          </a:xfrm>
+          <a:prstGeom prst="rect">
+            <a:avLst/>
+          </a:prstGeom>
+          <a:solidFill>
+            <a:schemeClr val="accent5"/>
+          </a:solidFill>
+          <a:ln>
+            <a:noFill/>
+          </a:ln>
+        </p:spPr>
+        <p:style>
+          <a:lnRef idx="2">
+            <a:schemeClr val="accent1">
+              <a:shade val="50000"/>
+            </a:schemeClr>
+          </a:lnRef>
+          <a:fillRef idx="1">
+            <a:schemeClr val="accent1"/>
+          </a:fillRef>
+          <a:effectRef idx="0">
+            <a:schemeClr val="accent1"/>
+          </a:effectRef>
+          <a:fontRef idx="minor">
+            <a:schemeClr val="lt1"/>
+          </a:fontRef>
+        </p:style>
+        <p:txBody>
+          <a:bodyPr rtlCol="0" anchor="ctr"/>
+          <a:lstStyle/>
+          <a:p>
+            <a:pPr algn="ctr"/>
+            <a:endParaRPr lang="en-US"/>
+          </a:p>
+        </p:txBody>
+      </p:sp>
+      <p:sp>
+        <p:nvSpPr>
+          <p:cNvPr id="2" name="Title 1"/>
+          <p:cNvSpPr>
+            <a:spLocks noGrp="1"/>
+          </p:cNvSpPr>
+          <p:nvPr>
+            <p:ph type="title"/>
+            <p:custDataLst>
+              <p:tags r:id="rId2"/>
+            </p:custDataLst>
+          </p:nvPr>
+        </p:nvSpPr>
+        <p:spPr>
+          <a:xfrm>
+            <a:off x="838200" y="365760"/>
+            <a:ext cx="10515600" cy="1325563"/>
+          </a:xfrm>
+        </p:spPr>
+        <p:txBody>
+          <a:bodyPr>
+            <a:normAutofit/>
+          </a:bodyPr>
+          <a:lstStyle/>
+          <a:p>
+            <a:r>
+              <a:rPr lang="en-US" dirty="0" err="1">
+                <a:solidFill>
+                  <a:schemeClr val="bg1"/>
+                </a:solidFill>
+              </a:rPr>
+              <a:t>Réduction</a:t>
+            </a:r>
+            <a:r>
+              <a:rPr lang="en-US" dirty="0">
+                <a:solidFill>
+                  <a:schemeClr val="bg1"/>
+                </a:solidFill>
+              </a:rPr>
+              <a:t> du </a:t>
+            </a:r>
+            <a:r>
+              <a:rPr lang="en-US" dirty="0" err="1">
+                <a:solidFill>
+                  <a:schemeClr val="bg1"/>
+                </a:solidFill>
+              </a:rPr>
+              <a:t>paquet</a:t>
+            </a:r>
+            <a:r>
+              <a:rPr lang="en-US" dirty="0">
+                <a:solidFill>
+                  <a:schemeClr val="bg1"/>
+                </a:solidFill>
+              </a:rPr>
+              <a:t> </a:t>
+            </a:r>
+            <a:r>
+              <a:rPr lang="en-US" dirty="0" err="1">
+                <a:solidFill>
+                  <a:schemeClr val="bg1"/>
+                </a:solidFill>
+              </a:rPr>
+              <a:t>d’onde</a:t>
+            </a:r>
+            <a:endParaRPr lang="en-CA" dirty="0">
+              <a:solidFill>
+                <a:schemeClr val="bg1"/>
+              </a:solidFill>
+            </a:endParaRPr>
+          </a:p>
+        </p:txBody>
+      </p:sp>
+      <p:sp>
+        <p:nvSpPr>
+          <p:cNvPr id="4" name="TextBox 3"/>
+          <p:cNvSpPr txBox="1"/>
+          <p:nvPr/>
+        </p:nvSpPr>
+        <p:spPr>
+          <a:xfrm>
+            <a:off x="620202" y="2289976"/>
+            <a:ext cx="11370365" cy="646331"/>
+          </a:xfrm>
+          <a:prstGeom prst="rect">
+            <a:avLst/>
+          </a:prstGeom>
+          <a:noFill/>
+        </p:spPr>
+        <p:txBody>
+          <a:bodyPr wrap="square" rtlCol="0">
+            <a:spAutoFit/>
+          </a:bodyPr>
+          <a:lstStyle/>
+          <a:p>
+            <a:r>
+              <a:rPr lang="fr-FR" dirty="0"/>
+              <a:t>Lorsqu’une mesure est prise et qu’une des valeurs propres est observé, la fonction du système devient la fonction propre associé à </a:t>
+            </a:r>
+            <a:r>
+              <a:rPr lang="fr-FR"/>
+              <a:t>cet valeur. </a:t>
+            </a:r>
+            <a:endParaRPr lang="en-CA" dirty="0"/>
+          </a:p>
+        </p:txBody>
+      </p:sp>
+    </p:spTree>
+    <p:extLst>
+      <p:ext uri="{BB962C8B-B14F-4D97-AF65-F5344CB8AC3E}">
+        <p14:creationId xmlns:p14="http://schemas.microsoft.com/office/powerpoint/2010/main" val="4121408390"/>
       </p:ext>
     </p:extLst>
   </p:cSld>
@@ -10077,7 +10714,7 @@
       </p:grpSpPr>
       <p:sp>
         <p:nvSpPr>
-          <p:cNvPr id="10" name="Rectangle 9">
+          <p:cNvPr id="10" name="!!!Rectangle 9">
             <a:extLst>
               <a:ext uri="{FF2B5EF4-FFF2-40B4-BE49-F238E27FC236}">
                 <a16:creationId xmlns:a16="http://schemas.microsoft.com/office/drawing/2014/main" id="{EBF87945-A001-489F-9D9B-7D9435F0B9CA}"/>
@@ -10286,7 +10923,7 @@
         <mc:Choice xmlns:a14="http://schemas.microsoft.com/office/drawing/2010/main" Requires="a14">
           <p:sp>
             <p:nvSpPr>
-              <p:cNvPr id="11" name="TextBox 10">
+              <p:cNvPr id="11" name="!!!fctonde">
                 <a:extLst>
                   <a:ext uri="{FF2B5EF4-FFF2-40B4-BE49-F238E27FC236}">
                     <a16:creationId xmlns:a16="http://schemas.microsoft.com/office/drawing/2014/main" id="{65F3CD2B-7FE0-4349-987A-63D1B666B3CD}"/>
@@ -10448,7 +11085,13 @@
                                   <a:rPr lang="en-CA" sz="3600" i="1" dirty="0">
                                     <a:latin typeface="Cambria Math" panose="02040503050406030204" pitchFamily="18" charset="0"/>
                                   </a:rPr>
-                                  <m:t>−5</m:t>
+                                  <m:t>−</m:t>
+                                </m:r>
+                                <m:r>
+                                  <a:rPr lang="en-CA" sz="3600" i="1" dirty="0">
+                                    <a:latin typeface="Cambria Math" panose="02040503050406030204" pitchFamily="18" charset="0"/>
+                                  </a:rPr>
+                                  <m:t>5</m:t>
                                 </m:r>
                               </m:e>
                             </m:d>
@@ -10474,7 +11117,7 @@
         <mc:Fallback>
           <p:sp>
             <p:nvSpPr>
-              <p:cNvPr id="11" name="TextBox 10">
+              <p:cNvPr id="11" name="!!!fctonde">
                 <a:extLst>
                   <a:ext uri="{FF2B5EF4-FFF2-40B4-BE49-F238E27FC236}">
                     <a16:creationId xmlns:a16="http://schemas.microsoft.com/office/drawing/2014/main" id="{65F3CD2B-7FE0-4349-987A-63D1B666B3CD}"/>
@@ -10506,7 +11149,1026 @@
               <a:lstStyle/>
               <a:p>
                 <a:r>
-                  <a:rPr lang="fr-CA">
+                  <a:rPr lang="en-CA">
+                    <a:noFill/>
+                  </a:rPr>
+                  <a:t> </a:t>
+                </a:r>
+              </a:p>
+            </p:txBody>
+          </p:sp>
+        </mc:Fallback>
+      </mc:AlternateContent>
+    </p:spTree>
+    <p:extLst>
+      <p:ext uri="{BB962C8B-B14F-4D97-AF65-F5344CB8AC3E}">
+        <p14:creationId xmlns:p14="http://schemas.microsoft.com/office/powerpoint/2010/main" val="3104208272"/>
+      </p:ext>
+    </p:extLst>
+  </p:cSld>
+  <p:clrMapOvr>
+    <a:masterClrMapping/>
+  </p:clrMapOvr>
+</p:sld>
+</file>
+
+<file path=ppt/slides/slide5.xml><?xml version="1.0" encoding="utf-8"?>
+<p:sld xmlns:a="http://schemas.openxmlformats.org/drawingml/2006/main" xmlns:r="http://schemas.openxmlformats.org/officeDocument/2006/relationships" xmlns:p="http://schemas.openxmlformats.org/presentationml/2006/main">
+  <p:cSld>
+    <p:spTree>
+      <p:nvGrpSpPr>
+        <p:cNvPr id="1" name=""/>
+        <p:cNvGrpSpPr/>
+        <p:nvPr/>
+      </p:nvGrpSpPr>
+      <p:grpSpPr>
+        <a:xfrm>
+          <a:off x="0" y="0"/>
+          <a:ext cx="0" cy="0"/>
+          <a:chOff x="0" y="0"/>
+          <a:chExt cx="0" cy="0"/>
+        </a:xfrm>
+      </p:grpSpPr>
+      <p:sp>
+        <p:nvSpPr>
+          <p:cNvPr id="3" name="Title 2">
+            <a:extLst>
+              <a:ext uri="{FF2B5EF4-FFF2-40B4-BE49-F238E27FC236}">
+                <a16:creationId xmlns:a16="http://schemas.microsoft.com/office/drawing/2014/main" id="{E4B7A3CE-1F00-424E-A95E-7FBB0F3C5C0F}"/>
+              </a:ext>
+            </a:extLst>
+          </p:cNvPr>
+          <p:cNvSpPr>
+            <a:spLocks noGrp="1"/>
+          </p:cNvSpPr>
+          <p:nvPr>
+            <p:ph type="title"/>
+          </p:nvPr>
+        </p:nvSpPr>
+        <p:spPr/>
+        <p:txBody>
+          <a:bodyPr/>
+          <a:lstStyle/>
+          <a:p>
+            <a:endParaRPr lang="en-CA" dirty="0"/>
+          </a:p>
+        </p:txBody>
+      </p:sp>
+      <p:sp>
+        <p:nvSpPr>
+          <p:cNvPr id="8" name="Rectangle 7">
+            <a:extLst>
+              <a:ext uri="{FF2B5EF4-FFF2-40B4-BE49-F238E27FC236}">
+                <a16:creationId xmlns:a16="http://schemas.microsoft.com/office/drawing/2014/main" id="{CCEB3054-450A-45A5-9905-01337F7A650B}"/>
+              </a:ext>
+              <a:ext uri="{C183D7F6-B498-43B3-948B-1728B52AA6E4}">
+                <adec:decorative xmlns:adec="http://schemas.microsoft.com/office/drawing/2017/decorative" val="1"/>
+              </a:ext>
+            </a:extLst>
+          </p:cNvPr>
+          <p:cNvSpPr>
+            <a:spLocks noGrp="1" noRot="1" noChangeAspect="1" noMove="1" noResize="1" noEditPoints="1" noAdjustHandles="1" noChangeArrowheads="1" noChangeShapeType="1" noTextEdit="1"/>
+          </p:cNvSpPr>
+          <p:nvPr>
+            <p:custDataLst>
+              <p:tags r:id="rId1"/>
+            </p:custDataLst>
+            <p:extLst>
+              <p:ext uri="{386F3935-93C4-4BCD-93E2-E3B085C9AB24}">
+                <p16:designElem xmlns:p16="http://schemas.microsoft.com/office/powerpoint/2015/main" val="1"/>
+              </p:ext>
+            </p:extLst>
+          </p:nvPr>
+        </p:nvSpPr>
+        <p:spPr>
+          <a:xfrm>
+            <a:off x="0" y="1"/>
+            <a:ext cx="12192000" cy="1911096"/>
+          </a:xfrm>
+          <a:prstGeom prst="rect">
+            <a:avLst/>
+          </a:prstGeom>
+          <a:solidFill>
+            <a:schemeClr val="accent5"/>
+          </a:solidFill>
+          <a:ln>
+            <a:noFill/>
+          </a:ln>
+        </p:spPr>
+        <p:style>
+          <a:lnRef idx="2">
+            <a:schemeClr val="accent1">
+              <a:shade val="50000"/>
+            </a:schemeClr>
+          </a:lnRef>
+          <a:fillRef idx="1">
+            <a:schemeClr val="accent1"/>
+          </a:fillRef>
+          <a:effectRef idx="0">
+            <a:schemeClr val="accent1"/>
+          </a:effectRef>
+          <a:fontRef idx="minor">
+            <a:schemeClr val="lt1"/>
+          </a:fontRef>
+        </p:style>
+        <p:txBody>
+          <a:bodyPr rtlCol="0" anchor="ctr"/>
+          <a:lstStyle/>
+          <a:p>
+            <a:pPr algn="ctr"/>
+            <a:endParaRPr lang="en-US"/>
+          </a:p>
+        </p:txBody>
+      </p:sp>
+      <p:sp>
+        <p:nvSpPr>
+          <p:cNvPr id="12" name="Title 1">
+            <a:extLst>
+              <a:ext uri="{FF2B5EF4-FFF2-40B4-BE49-F238E27FC236}">
+                <a16:creationId xmlns:a16="http://schemas.microsoft.com/office/drawing/2014/main" id="{421D9EB3-D179-4A6C-BA86-64C1BCE7FE9F}"/>
+              </a:ext>
+            </a:extLst>
+          </p:cNvPr>
+          <p:cNvSpPr txBox="1">
+            <a:spLocks/>
+          </p:cNvSpPr>
+          <p:nvPr>
+            <p:custDataLst>
+              <p:tags r:id="rId2"/>
+            </p:custDataLst>
+          </p:nvPr>
+        </p:nvSpPr>
+        <p:spPr>
+          <a:xfrm>
+            <a:off x="838200" y="365760"/>
+            <a:ext cx="10515600" cy="1325563"/>
+          </a:xfrm>
+          <a:prstGeom prst="rect">
+            <a:avLst/>
+          </a:prstGeom>
+        </p:spPr>
+        <p:txBody>
+          <a:bodyPr vert="horz" lIns="91440" tIns="45720" rIns="91440" bIns="45720" rtlCol="0" anchor="ctr">
+            <a:normAutofit/>
+          </a:bodyPr>
+          <a:lstStyle>
+            <a:lvl1pPr algn="l" defTabSz="914400" rtl="0" eaLnBrk="1" latinLnBrk="0" hangingPunct="1">
+              <a:lnSpc>
+                <a:spcPct val="90000"/>
+              </a:lnSpc>
+              <a:spcBef>
+                <a:spcPct val="0"/>
+              </a:spcBef>
+              <a:buNone/>
+              <a:defRPr sz="4400" kern="1200">
+                <a:solidFill>
+                  <a:schemeClr val="tx1"/>
+                </a:solidFill>
+                <a:latin typeface="+mj-lt"/>
+                <a:ea typeface="+mj-ea"/>
+                <a:cs typeface="+mj-cs"/>
+              </a:defRPr>
+            </a:lvl1pPr>
+          </a:lstStyle>
+          <a:p>
+            <a:r>
+              <a:rPr lang="en-US">
+                <a:solidFill>
+                  <a:schemeClr val="bg1"/>
+                </a:solidFill>
+              </a:rPr>
+              <a:t>Fonction d’onde </a:t>
+            </a:r>
+            <a:endParaRPr lang="en-CA" dirty="0">
+              <a:solidFill>
+                <a:schemeClr val="bg1"/>
+              </a:solidFill>
+            </a:endParaRPr>
+          </a:p>
+        </p:txBody>
+      </p:sp>
+      <mc:AlternateContent xmlns:mc="http://schemas.openxmlformats.org/markup-compatibility/2006">
+        <mc:Choice xmlns:a14="http://schemas.microsoft.com/office/drawing/2010/main" Requires="a14">
+          <p:sp>
+            <p:nvSpPr>
+              <p:cNvPr id="13" name="Rectangle 12">
+                <a:extLst>
+                  <a:ext uri="{FF2B5EF4-FFF2-40B4-BE49-F238E27FC236}">
+                    <a16:creationId xmlns:a16="http://schemas.microsoft.com/office/drawing/2014/main" id="{475F9716-C95F-4C22-83C2-A52833A1918F}"/>
+                  </a:ext>
+                </a:extLst>
+              </p:cNvPr>
+              <p:cNvSpPr/>
+              <p:nvPr/>
+            </p:nvSpPr>
+            <p:spPr>
+              <a:xfrm>
+                <a:off x="182879" y="2057083"/>
+                <a:ext cx="11854927" cy="830997"/>
+              </a:xfrm>
+              <a:prstGeom prst="rect">
+                <a:avLst/>
+              </a:prstGeom>
+            </p:spPr>
+            <p:txBody>
+              <a:bodyPr wrap="square">
+                <a:spAutoFit/>
+              </a:bodyPr>
+              <a:lstStyle/>
+              <a:p>
+                <a:r>
+                  <a:rPr lang="fr-FR" sz="2400" dirty="0"/>
+                  <a:t>La connaissance de l'état d'un système quantique est complètement contenue dans la fonction d’onde, souvent noté </a:t>
+                </a:r>
+                <a14:m>
+                  <m:oMath xmlns:m="http://schemas.openxmlformats.org/officeDocument/2006/math">
+                    <m:r>
+                      <m:rPr>
+                        <m:sty m:val="p"/>
+                      </m:rPr>
+                      <a:rPr lang="en-CA" sz="2400" b="0" i="0" smtClean="0">
+                        <a:latin typeface="Cambria Math" panose="02040503050406030204" pitchFamily="18" charset="0"/>
+                      </a:rPr>
+                      <m:t>Ψ</m:t>
+                    </m:r>
+                  </m:oMath>
+                </a14:m>
+                <a:r>
+                  <a:rPr lang="fr-FR" sz="2400" dirty="0"/>
+                  <a:t>.</a:t>
+                </a:r>
+                <a:endParaRPr lang="en-CA" sz="2400" dirty="0"/>
+              </a:p>
+            </p:txBody>
+          </p:sp>
+        </mc:Choice>
+        <mc:Fallback>
+          <p:sp>
+            <p:nvSpPr>
+              <p:cNvPr id="13" name="Rectangle 12">
+                <a:extLst>
+                  <a:ext uri="{FF2B5EF4-FFF2-40B4-BE49-F238E27FC236}">
+                    <a16:creationId xmlns:a16="http://schemas.microsoft.com/office/drawing/2014/main" id="{475F9716-C95F-4C22-83C2-A52833A1918F}"/>
+                  </a:ext>
+                </a:extLst>
+              </p:cNvPr>
+              <p:cNvSpPr>
+                <a:spLocks noRot="1" noChangeAspect="1" noMove="1" noResize="1" noEditPoints="1" noAdjustHandles="1" noChangeArrowheads="1" noChangeShapeType="1" noTextEdit="1"/>
+              </p:cNvSpPr>
+              <p:nvPr/>
+            </p:nvSpPr>
+            <p:spPr>
+              <a:xfrm>
+                <a:off x="182879" y="2057083"/>
+                <a:ext cx="11854927" cy="830997"/>
+              </a:xfrm>
+              <a:prstGeom prst="rect">
+                <a:avLst/>
+              </a:prstGeom>
+              <a:blipFill>
+                <a:blip r:embed="rId4"/>
+                <a:stretch>
+                  <a:fillRect l="-771" t="-5839" b="-15328"/>
+                </a:stretch>
+              </a:blipFill>
+            </p:spPr>
+            <p:txBody>
+              <a:bodyPr/>
+              <a:lstStyle/>
+              <a:p>
+                <a:r>
+                  <a:rPr lang="en-CA">
+                    <a:noFill/>
+                  </a:rPr>
+                  <a:t> </a:t>
+                </a:r>
+              </a:p>
+            </p:txBody>
+          </p:sp>
+        </mc:Fallback>
+      </mc:AlternateContent>
+      <mc:AlternateContent xmlns:mc="http://schemas.openxmlformats.org/markup-compatibility/2006">
+        <mc:Choice xmlns:a14="http://schemas.microsoft.com/office/drawing/2010/main" Requires="a14">
+          <p:sp>
+            <p:nvSpPr>
+              <p:cNvPr id="14" name="!!!fctonde">
+                <a:extLst>
+                  <a:ext uri="{FF2B5EF4-FFF2-40B4-BE49-F238E27FC236}">
+                    <a16:creationId xmlns:a16="http://schemas.microsoft.com/office/drawing/2014/main" id="{DBAE9712-54C7-4430-94D1-9A6BD383D7E7}"/>
+                  </a:ext>
+                </a:extLst>
+              </p:cNvPr>
+              <p:cNvSpPr txBox="1"/>
+              <p:nvPr/>
+            </p:nvSpPr>
+            <p:spPr>
+              <a:xfrm>
+                <a:off x="69615" y="3201042"/>
+                <a:ext cx="5146442" cy="630044"/>
+              </a:xfrm>
+              <a:prstGeom prst="rect">
+                <a:avLst/>
+              </a:prstGeom>
+              <a:noFill/>
+            </p:spPr>
+            <p:txBody>
+              <a:bodyPr wrap="square" lIns="0" tIns="0" rIns="0" bIns="0" rtlCol="0">
+                <a:spAutoFit/>
+              </a:bodyPr>
+              <a:lstStyle/>
+              <a:p>
+                <a14:m>
+                  <m:oMath xmlns:m="http://schemas.openxmlformats.org/officeDocument/2006/math">
+                    <m:r>
+                      <m:rPr>
+                        <m:sty m:val="p"/>
+                      </m:rPr>
+                      <a:rPr lang="en-CA" sz="3600" b="0" i="0" dirty="0" smtClean="0">
+                        <a:latin typeface="Cambria Math" panose="02040503050406030204" pitchFamily="18" charset="0"/>
+                      </a:rPr>
+                      <m:t>Ψ</m:t>
+                    </m:r>
+                    <m:d>
+                      <m:dPr>
+                        <m:ctrlPr>
+                          <a:rPr lang="en-CA" sz="3600" b="0" i="1" dirty="0" smtClean="0">
+                            <a:latin typeface="Cambria Math" panose="02040503050406030204" pitchFamily="18" charset="0"/>
+                          </a:rPr>
+                        </m:ctrlPr>
+                      </m:dPr>
+                      <m:e>
+                        <m:r>
+                          <a:rPr lang="en-CA" sz="3600" b="0" i="1" dirty="0" err="1" smtClean="0">
+                            <a:latin typeface="Cambria Math" panose="02040503050406030204" pitchFamily="18" charset="0"/>
+                          </a:rPr>
+                          <m:t>𝑥</m:t>
+                        </m:r>
+                        <m:r>
+                          <a:rPr lang="en-CA" sz="3600" b="0" i="1" dirty="0" err="1" smtClean="0">
+                            <a:latin typeface="Cambria Math" panose="02040503050406030204" pitchFamily="18" charset="0"/>
+                          </a:rPr>
+                          <m:t>,0</m:t>
+                        </m:r>
+                      </m:e>
+                    </m:d>
+                    <m:r>
+                      <a:rPr lang="en-CA" sz="3600" b="0" i="1" dirty="0" smtClean="0">
+                        <a:latin typeface="Cambria Math" panose="02040503050406030204" pitchFamily="18" charset="0"/>
+                      </a:rPr>
+                      <m:t>=</m:t>
+                    </m:r>
+                  </m:oMath>
+                </a14:m>
+                <a:r>
+                  <a:rPr lang="fr-CA" sz="3600" dirty="0"/>
+                  <a:t> </a:t>
+                </a:r>
+                <a14:m>
+                  <m:oMath xmlns:m="http://schemas.openxmlformats.org/officeDocument/2006/math">
+                    <m:sSup>
+                      <m:sSupPr>
+                        <m:ctrlPr>
+                          <a:rPr lang="fr-CA" sz="3600" i="1" dirty="0">
+                            <a:latin typeface="Cambria Math" panose="02040503050406030204" pitchFamily="18" charset="0"/>
+                          </a:rPr>
+                        </m:ctrlPr>
+                      </m:sSupPr>
+                      <m:e>
+                        <m:r>
+                          <a:rPr lang="fr-CA" sz="3600" i="1" dirty="0">
+                            <a:latin typeface="Cambria Math" panose="02040503050406030204" pitchFamily="18" charset="0"/>
+                          </a:rPr>
+                          <m:t>𝑒</m:t>
+                        </m:r>
+                      </m:e>
+                      <m:sup>
+                        <m:r>
+                          <a:rPr lang="en-CA" sz="3600" i="1" dirty="0">
+                            <a:latin typeface="Cambria Math" panose="02040503050406030204" pitchFamily="18" charset="0"/>
+                          </a:rPr>
+                          <m:t>−</m:t>
+                        </m:r>
+                        <m:r>
+                          <a:rPr lang="en-CA" sz="3600" i="1" dirty="0" err="1">
+                            <a:latin typeface="Cambria Math" panose="02040503050406030204" pitchFamily="18" charset="0"/>
+                          </a:rPr>
+                          <m:t>𝑖𝐸</m:t>
+                        </m:r>
+                        <m:r>
+                          <a:rPr lang="en-US" sz="3600" b="0" i="1" dirty="0" smtClean="0">
+                            <a:latin typeface="Cambria Math" panose="02040503050406030204" pitchFamily="18" charset="0"/>
+                          </a:rPr>
+                          <m:t>0</m:t>
+                        </m:r>
+                      </m:sup>
+                    </m:sSup>
+                    <m:sSup>
+                      <m:sSupPr>
+                        <m:ctrlPr>
+                          <a:rPr lang="fr-CA" sz="3600" i="1" dirty="0">
+                            <a:latin typeface="Cambria Math" panose="02040503050406030204" pitchFamily="18" charset="0"/>
+                          </a:rPr>
+                        </m:ctrlPr>
+                      </m:sSupPr>
+                      <m:e>
+                        <m:r>
+                          <a:rPr lang="fr-CA" sz="3600" i="1" dirty="0">
+                            <a:latin typeface="Cambria Math" panose="02040503050406030204" pitchFamily="18" charset="0"/>
+                          </a:rPr>
+                          <m:t>𝑒</m:t>
+                        </m:r>
+                      </m:e>
+                      <m:sup>
+                        <m:r>
+                          <a:rPr lang="en-CA" sz="3600" i="1" dirty="0">
+                            <a:latin typeface="Cambria Math" panose="02040503050406030204" pitchFamily="18" charset="0"/>
+                          </a:rPr>
+                          <m:t>−</m:t>
+                        </m:r>
+                        <m:sSup>
+                          <m:sSupPr>
+                            <m:ctrlPr>
+                              <a:rPr lang="en-CA" sz="3600" i="1" dirty="0">
+                                <a:latin typeface="Cambria Math" panose="02040503050406030204" pitchFamily="18" charset="0"/>
+                              </a:rPr>
+                            </m:ctrlPr>
+                          </m:sSupPr>
+                          <m:e>
+                            <m:d>
+                              <m:dPr>
+                                <m:ctrlPr>
+                                  <a:rPr lang="en-CA" sz="3600" i="1" dirty="0">
+                                    <a:latin typeface="Cambria Math" panose="02040503050406030204" pitchFamily="18" charset="0"/>
+                                  </a:rPr>
+                                </m:ctrlPr>
+                              </m:dPr>
+                              <m:e>
+                                <m:r>
+                                  <a:rPr lang="en-CA" sz="3600" i="1" dirty="0">
+                                    <a:latin typeface="Cambria Math" panose="02040503050406030204" pitchFamily="18" charset="0"/>
+                                  </a:rPr>
+                                  <m:t>𝑥</m:t>
+                                </m:r>
+                                <m:r>
+                                  <a:rPr lang="en-CA" sz="3600" i="1" dirty="0">
+                                    <a:latin typeface="Cambria Math" panose="02040503050406030204" pitchFamily="18" charset="0"/>
+                                  </a:rPr>
+                                  <m:t>−5</m:t>
+                                </m:r>
+                              </m:e>
+                            </m:d>
+                          </m:e>
+                          <m:sup>
+                            <m:r>
+                              <a:rPr lang="en-CA" sz="3600" i="1" dirty="0">
+                                <a:latin typeface="Cambria Math" panose="02040503050406030204" pitchFamily="18" charset="0"/>
+                              </a:rPr>
+                              <m:t>2</m:t>
+                            </m:r>
+                          </m:sup>
+                        </m:sSup>
+                      </m:sup>
+                    </m:sSup>
+                  </m:oMath>
+                </a14:m>
+                <a:endParaRPr lang="en-CA" sz="3600" dirty="0"/>
+              </a:p>
+            </p:txBody>
+          </p:sp>
+        </mc:Choice>
+        <mc:Fallback>
+          <p:sp>
+            <p:nvSpPr>
+              <p:cNvPr id="14" name="!!!fctonde">
+                <a:extLst>
+                  <a:ext uri="{FF2B5EF4-FFF2-40B4-BE49-F238E27FC236}">
+                    <a16:creationId xmlns:a16="http://schemas.microsoft.com/office/drawing/2014/main" id="{DBAE9712-54C7-4430-94D1-9A6BD383D7E7}"/>
+                  </a:ext>
+                </a:extLst>
+              </p:cNvPr>
+              <p:cNvSpPr txBox="1">
+                <a:spLocks noRot="1" noChangeAspect="1" noMove="1" noResize="1" noEditPoints="1" noAdjustHandles="1" noChangeArrowheads="1" noChangeShapeType="1" noTextEdit="1"/>
+              </p:cNvSpPr>
+              <p:nvPr/>
+            </p:nvSpPr>
+            <p:spPr>
+              <a:xfrm>
+                <a:off x="69615" y="3201042"/>
+                <a:ext cx="5146442" cy="630044"/>
+              </a:xfrm>
+              <a:prstGeom prst="rect">
+                <a:avLst/>
+              </a:prstGeom>
+              <a:blipFill>
+                <a:blip r:embed="rId5"/>
+                <a:stretch>
+                  <a:fillRect/>
+                </a:stretch>
+              </a:blipFill>
+            </p:spPr>
+            <p:txBody>
+              <a:bodyPr/>
+              <a:lstStyle/>
+              <a:p>
+                <a:r>
+                  <a:rPr lang="en-CA">
+                    <a:noFill/>
+                  </a:rPr>
+                  <a:t> </a:t>
+                </a:r>
+              </a:p>
+            </p:txBody>
+          </p:sp>
+        </mc:Fallback>
+      </mc:AlternateContent>
+    </p:spTree>
+    <p:extLst>
+      <p:ext uri="{BB962C8B-B14F-4D97-AF65-F5344CB8AC3E}">
+        <p14:creationId xmlns:p14="http://schemas.microsoft.com/office/powerpoint/2010/main" val="3961785822"/>
+      </p:ext>
+    </p:extLst>
+  </p:cSld>
+  <p:clrMapOvr>
+    <a:masterClrMapping/>
+  </p:clrMapOvr>
+  <mc:AlternateContent xmlns:mc="http://schemas.openxmlformats.org/markup-compatibility/2006">
+    <mc:Choice xmlns:p159="http://schemas.microsoft.com/office/powerpoint/2015/09/main" Requires="p159">
+      <p:transition xmlns:p14="http://schemas.microsoft.com/office/powerpoint/2010/main" spd="slow" p14:dur="2000">
+        <p159:morph option="byObject"/>
+      </p:transition>
+    </mc:Choice>
+    <mc:Fallback>
+      <p:transition spd="slow">
+        <p:fade/>
+      </p:transition>
+    </mc:Fallback>
+  </mc:AlternateContent>
+</p:sld>
+</file>
+
+<file path=ppt/slides/slide6.xml><?xml version="1.0" encoding="utf-8"?>
+<p:sld xmlns:a="http://schemas.openxmlformats.org/drawingml/2006/main" xmlns:r="http://schemas.openxmlformats.org/officeDocument/2006/relationships" xmlns:p="http://schemas.openxmlformats.org/presentationml/2006/main">
+  <p:cSld>
+    <p:spTree>
+      <p:nvGrpSpPr>
+        <p:cNvPr id="1" name=""/>
+        <p:cNvGrpSpPr/>
+        <p:nvPr/>
+      </p:nvGrpSpPr>
+      <p:grpSpPr>
+        <a:xfrm>
+          <a:off x="0" y="0"/>
+          <a:ext cx="0" cy="0"/>
+          <a:chOff x="0" y="0"/>
+          <a:chExt cx="0" cy="0"/>
+        </a:xfrm>
+      </p:grpSpPr>
+      <p:sp>
+        <p:nvSpPr>
+          <p:cNvPr id="3" name="Title 2">
+            <a:extLst>
+              <a:ext uri="{FF2B5EF4-FFF2-40B4-BE49-F238E27FC236}">
+                <a16:creationId xmlns:a16="http://schemas.microsoft.com/office/drawing/2014/main" id="{E4B7A3CE-1F00-424E-A95E-7FBB0F3C5C0F}"/>
+              </a:ext>
+            </a:extLst>
+          </p:cNvPr>
+          <p:cNvSpPr>
+            <a:spLocks noGrp="1"/>
+          </p:cNvSpPr>
+          <p:nvPr>
+            <p:ph type="title"/>
+          </p:nvPr>
+        </p:nvSpPr>
+        <p:spPr/>
+        <p:txBody>
+          <a:bodyPr/>
+          <a:lstStyle/>
+          <a:p>
+            <a:endParaRPr lang="en-CA" dirty="0"/>
+          </a:p>
+        </p:txBody>
+      </p:sp>
+      <p:sp>
+        <p:nvSpPr>
+          <p:cNvPr id="8" name="Rectangle 7">
+            <a:extLst>
+              <a:ext uri="{FF2B5EF4-FFF2-40B4-BE49-F238E27FC236}">
+                <a16:creationId xmlns:a16="http://schemas.microsoft.com/office/drawing/2014/main" id="{CCEB3054-450A-45A5-9905-01337F7A650B}"/>
+              </a:ext>
+              <a:ext uri="{C183D7F6-B498-43B3-948B-1728B52AA6E4}">
+                <adec:decorative xmlns:adec="http://schemas.microsoft.com/office/drawing/2017/decorative" val="1"/>
+              </a:ext>
+            </a:extLst>
+          </p:cNvPr>
+          <p:cNvSpPr>
+            <a:spLocks noGrp="1" noRot="1" noChangeAspect="1" noMove="1" noResize="1" noEditPoints="1" noAdjustHandles="1" noChangeArrowheads="1" noChangeShapeType="1" noTextEdit="1"/>
+          </p:cNvSpPr>
+          <p:nvPr>
+            <p:custDataLst>
+              <p:tags r:id="rId1"/>
+            </p:custDataLst>
+            <p:extLst>
+              <p:ext uri="{386F3935-93C4-4BCD-93E2-E3B085C9AB24}">
+                <p16:designElem xmlns:p16="http://schemas.microsoft.com/office/powerpoint/2015/main" val="1"/>
+              </p:ext>
+            </p:extLst>
+          </p:nvPr>
+        </p:nvSpPr>
+        <p:spPr>
+          <a:xfrm>
+            <a:off x="0" y="1"/>
+            <a:ext cx="12192000" cy="1911096"/>
+          </a:xfrm>
+          <a:prstGeom prst="rect">
+            <a:avLst/>
+          </a:prstGeom>
+          <a:solidFill>
+            <a:schemeClr val="accent5"/>
+          </a:solidFill>
+          <a:ln>
+            <a:noFill/>
+          </a:ln>
+        </p:spPr>
+        <p:style>
+          <a:lnRef idx="2">
+            <a:schemeClr val="accent1">
+              <a:shade val="50000"/>
+            </a:schemeClr>
+          </a:lnRef>
+          <a:fillRef idx="1">
+            <a:schemeClr val="accent1"/>
+          </a:fillRef>
+          <a:effectRef idx="0">
+            <a:schemeClr val="accent1"/>
+          </a:effectRef>
+          <a:fontRef idx="minor">
+            <a:schemeClr val="lt1"/>
+          </a:fontRef>
+        </p:style>
+        <p:txBody>
+          <a:bodyPr rtlCol="0" anchor="ctr"/>
+          <a:lstStyle/>
+          <a:p>
+            <a:pPr algn="ctr"/>
+            <a:endParaRPr lang="en-US"/>
+          </a:p>
+        </p:txBody>
+      </p:sp>
+      <p:sp>
+        <p:nvSpPr>
+          <p:cNvPr id="12" name="Title 1">
+            <a:extLst>
+              <a:ext uri="{FF2B5EF4-FFF2-40B4-BE49-F238E27FC236}">
+                <a16:creationId xmlns:a16="http://schemas.microsoft.com/office/drawing/2014/main" id="{421D9EB3-D179-4A6C-BA86-64C1BCE7FE9F}"/>
+              </a:ext>
+            </a:extLst>
+          </p:cNvPr>
+          <p:cNvSpPr txBox="1">
+            <a:spLocks/>
+          </p:cNvSpPr>
+          <p:nvPr>
+            <p:custDataLst>
+              <p:tags r:id="rId2"/>
+            </p:custDataLst>
+          </p:nvPr>
+        </p:nvSpPr>
+        <p:spPr>
+          <a:xfrm>
+            <a:off x="838200" y="365760"/>
+            <a:ext cx="10515600" cy="1325563"/>
+          </a:xfrm>
+          <a:prstGeom prst="rect">
+            <a:avLst/>
+          </a:prstGeom>
+        </p:spPr>
+        <p:txBody>
+          <a:bodyPr vert="horz" lIns="91440" tIns="45720" rIns="91440" bIns="45720" rtlCol="0" anchor="ctr">
+            <a:normAutofit/>
+          </a:bodyPr>
+          <a:lstStyle>
+            <a:lvl1pPr algn="l" defTabSz="914400" rtl="0" eaLnBrk="1" latinLnBrk="0" hangingPunct="1">
+              <a:lnSpc>
+                <a:spcPct val="90000"/>
+              </a:lnSpc>
+              <a:spcBef>
+                <a:spcPct val="0"/>
+              </a:spcBef>
+              <a:buNone/>
+              <a:defRPr sz="4400" kern="1200">
+                <a:solidFill>
+                  <a:schemeClr val="tx1"/>
+                </a:solidFill>
+                <a:latin typeface="+mj-lt"/>
+                <a:ea typeface="+mj-ea"/>
+                <a:cs typeface="+mj-cs"/>
+              </a:defRPr>
+            </a:lvl1pPr>
+          </a:lstStyle>
+          <a:p>
+            <a:r>
+              <a:rPr lang="en-US">
+                <a:solidFill>
+                  <a:schemeClr val="bg1"/>
+                </a:solidFill>
+              </a:rPr>
+              <a:t>Fonction d’onde </a:t>
+            </a:r>
+            <a:endParaRPr lang="en-CA" dirty="0">
+              <a:solidFill>
+                <a:schemeClr val="bg1"/>
+              </a:solidFill>
+            </a:endParaRPr>
+          </a:p>
+        </p:txBody>
+      </p:sp>
+      <mc:AlternateContent xmlns:mc="http://schemas.openxmlformats.org/markup-compatibility/2006">
+        <mc:Choice xmlns:a14="http://schemas.microsoft.com/office/drawing/2010/main" Requires="a14">
+          <p:sp>
+            <p:nvSpPr>
+              <p:cNvPr id="13" name="Rectangle 12">
+                <a:extLst>
+                  <a:ext uri="{FF2B5EF4-FFF2-40B4-BE49-F238E27FC236}">
+                    <a16:creationId xmlns:a16="http://schemas.microsoft.com/office/drawing/2014/main" id="{475F9716-C95F-4C22-83C2-A52833A1918F}"/>
+                  </a:ext>
+                </a:extLst>
+              </p:cNvPr>
+              <p:cNvSpPr/>
+              <p:nvPr/>
+            </p:nvSpPr>
+            <p:spPr>
+              <a:xfrm>
+                <a:off x="182879" y="2057083"/>
+                <a:ext cx="11854927" cy="830997"/>
+              </a:xfrm>
+              <a:prstGeom prst="rect">
+                <a:avLst/>
+              </a:prstGeom>
+            </p:spPr>
+            <p:txBody>
+              <a:bodyPr wrap="square">
+                <a:spAutoFit/>
+              </a:bodyPr>
+              <a:lstStyle/>
+              <a:p>
+                <a:r>
+                  <a:rPr lang="fr-FR" sz="2400" dirty="0"/>
+                  <a:t>La connaissance de l'état d'un système quantique est complètement contenue dans la fonction d’onde, souvent noté </a:t>
+                </a:r>
+                <a14:m>
+                  <m:oMath xmlns:m="http://schemas.openxmlformats.org/officeDocument/2006/math">
+                    <m:r>
+                      <m:rPr>
+                        <m:sty m:val="p"/>
+                      </m:rPr>
+                      <a:rPr lang="en-CA" sz="2400" b="0" i="0" smtClean="0">
+                        <a:latin typeface="Cambria Math" panose="02040503050406030204" pitchFamily="18" charset="0"/>
+                      </a:rPr>
+                      <m:t>Ψ</m:t>
+                    </m:r>
+                  </m:oMath>
+                </a14:m>
+                <a:r>
+                  <a:rPr lang="fr-FR" sz="2400" dirty="0"/>
+                  <a:t>.</a:t>
+                </a:r>
+                <a:endParaRPr lang="en-CA" sz="2400" dirty="0"/>
+              </a:p>
+            </p:txBody>
+          </p:sp>
+        </mc:Choice>
+        <mc:Fallback>
+          <p:sp>
+            <p:nvSpPr>
+              <p:cNvPr id="13" name="Rectangle 12">
+                <a:extLst>
+                  <a:ext uri="{FF2B5EF4-FFF2-40B4-BE49-F238E27FC236}">
+                    <a16:creationId xmlns:a16="http://schemas.microsoft.com/office/drawing/2014/main" id="{475F9716-C95F-4C22-83C2-A52833A1918F}"/>
+                  </a:ext>
+                </a:extLst>
+              </p:cNvPr>
+              <p:cNvSpPr>
+                <a:spLocks noRot="1" noChangeAspect="1" noMove="1" noResize="1" noEditPoints="1" noAdjustHandles="1" noChangeArrowheads="1" noChangeShapeType="1" noTextEdit="1"/>
+              </p:cNvSpPr>
+              <p:nvPr/>
+            </p:nvSpPr>
+            <p:spPr>
+              <a:xfrm>
+                <a:off x="182879" y="2057083"/>
+                <a:ext cx="11854927" cy="830997"/>
+              </a:xfrm>
+              <a:prstGeom prst="rect">
+                <a:avLst/>
+              </a:prstGeom>
+              <a:blipFill>
+                <a:blip r:embed="rId4"/>
+                <a:stretch>
+                  <a:fillRect l="-771" t="-5839" b="-15328"/>
+                </a:stretch>
+              </a:blipFill>
+            </p:spPr>
+            <p:txBody>
+              <a:bodyPr/>
+              <a:lstStyle/>
+              <a:p>
+                <a:r>
+                  <a:rPr lang="en-CA">
+                    <a:noFill/>
+                  </a:rPr>
+                  <a:t> </a:t>
+                </a:r>
+              </a:p>
+            </p:txBody>
+          </p:sp>
+        </mc:Fallback>
+      </mc:AlternateContent>
+      <mc:AlternateContent xmlns:mc="http://schemas.openxmlformats.org/markup-compatibility/2006">
+        <mc:Choice xmlns:a14="http://schemas.microsoft.com/office/drawing/2010/main" Requires="a14">
+          <p:sp>
+            <p:nvSpPr>
+              <p:cNvPr id="14" name="!!!fctonde">
+                <a:extLst>
+                  <a:ext uri="{FF2B5EF4-FFF2-40B4-BE49-F238E27FC236}">
+                    <a16:creationId xmlns:a16="http://schemas.microsoft.com/office/drawing/2014/main" id="{DBAE9712-54C7-4430-94D1-9A6BD383D7E7}"/>
+                  </a:ext>
+                </a:extLst>
+              </p:cNvPr>
+              <p:cNvSpPr txBox="1"/>
+              <p:nvPr/>
+            </p:nvSpPr>
+            <p:spPr>
+              <a:xfrm>
+                <a:off x="69615" y="3201042"/>
+                <a:ext cx="5146442" cy="630044"/>
+              </a:xfrm>
+              <a:prstGeom prst="rect">
+                <a:avLst/>
+              </a:prstGeom>
+              <a:noFill/>
+            </p:spPr>
+            <p:txBody>
+              <a:bodyPr wrap="square" lIns="0" tIns="0" rIns="0" bIns="0" rtlCol="0">
+                <a:spAutoFit/>
+              </a:bodyPr>
+              <a:lstStyle/>
+              <a:p>
+                <a14:m>
+                  <m:oMath xmlns:m="http://schemas.openxmlformats.org/officeDocument/2006/math">
+                    <m:r>
+                      <m:rPr>
+                        <m:sty m:val="p"/>
+                      </m:rPr>
+                      <a:rPr lang="en-CA" sz="3600" b="0" i="0" dirty="0" smtClean="0">
+                        <a:latin typeface="Cambria Math" panose="02040503050406030204" pitchFamily="18" charset="0"/>
+                      </a:rPr>
+                      <m:t>Ψ</m:t>
+                    </m:r>
+                    <m:d>
+                      <m:dPr>
+                        <m:ctrlPr>
+                          <a:rPr lang="en-CA" sz="3600" b="0" i="1" dirty="0" smtClean="0">
+                            <a:latin typeface="Cambria Math" panose="02040503050406030204" pitchFamily="18" charset="0"/>
+                          </a:rPr>
+                        </m:ctrlPr>
+                      </m:dPr>
+                      <m:e>
+                        <m:r>
+                          <a:rPr lang="en-CA" sz="3600" b="0" i="1" dirty="0" err="1" smtClean="0">
+                            <a:latin typeface="Cambria Math" panose="02040503050406030204" pitchFamily="18" charset="0"/>
+                          </a:rPr>
+                          <m:t>𝑥</m:t>
+                        </m:r>
+                        <m:r>
+                          <a:rPr lang="en-CA" sz="3600" b="0" i="1" dirty="0" err="1" smtClean="0">
+                            <a:latin typeface="Cambria Math" panose="02040503050406030204" pitchFamily="18" charset="0"/>
+                          </a:rPr>
+                          <m:t>,0</m:t>
+                        </m:r>
+                      </m:e>
+                    </m:d>
+                    <m:r>
+                      <a:rPr lang="en-CA" sz="3600" b="0" i="1" dirty="0" smtClean="0">
+                        <a:latin typeface="Cambria Math" panose="02040503050406030204" pitchFamily="18" charset="0"/>
+                      </a:rPr>
+                      <m:t>=</m:t>
+                    </m:r>
+                  </m:oMath>
+                </a14:m>
+                <a:r>
+                  <a:rPr lang="fr-CA" sz="3600" dirty="0"/>
+                  <a:t> </a:t>
+                </a:r>
+                <a14:m>
+                  <m:oMath xmlns:m="http://schemas.openxmlformats.org/officeDocument/2006/math">
+                    <m:sSup>
+                      <m:sSupPr>
+                        <m:ctrlPr>
+                          <a:rPr lang="fr-CA" sz="3600" i="1" dirty="0">
+                            <a:latin typeface="Cambria Math" panose="02040503050406030204" pitchFamily="18" charset="0"/>
+                          </a:rPr>
+                        </m:ctrlPr>
+                      </m:sSupPr>
+                      <m:e>
+                        <m:r>
+                          <a:rPr lang="fr-CA" sz="3600" i="1" dirty="0">
+                            <a:latin typeface="Cambria Math" panose="02040503050406030204" pitchFamily="18" charset="0"/>
+                          </a:rPr>
+                          <m:t>𝑒</m:t>
+                        </m:r>
+                      </m:e>
+                      <m:sup>
+                        <m:r>
+                          <a:rPr lang="en-CA" sz="3600" i="1" dirty="0">
+                            <a:latin typeface="Cambria Math" panose="02040503050406030204" pitchFamily="18" charset="0"/>
+                          </a:rPr>
+                          <m:t>−</m:t>
+                        </m:r>
+                        <m:sSup>
+                          <m:sSupPr>
+                            <m:ctrlPr>
+                              <a:rPr lang="en-CA" sz="3600" i="1" dirty="0">
+                                <a:latin typeface="Cambria Math" panose="02040503050406030204" pitchFamily="18" charset="0"/>
+                              </a:rPr>
+                            </m:ctrlPr>
+                          </m:sSupPr>
+                          <m:e>
+                            <m:d>
+                              <m:dPr>
+                                <m:ctrlPr>
+                                  <a:rPr lang="en-CA" sz="3600" i="1" dirty="0">
+                                    <a:latin typeface="Cambria Math" panose="02040503050406030204" pitchFamily="18" charset="0"/>
+                                  </a:rPr>
+                                </m:ctrlPr>
+                              </m:dPr>
+                              <m:e>
+                                <m:r>
+                                  <a:rPr lang="en-CA" sz="3600" i="1" dirty="0">
+                                    <a:latin typeface="Cambria Math" panose="02040503050406030204" pitchFamily="18" charset="0"/>
+                                  </a:rPr>
+                                  <m:t>𝑥</m:t>
+                                </m:r>
+                                <m:r>
+                                  <a:rPr lang="en-CA" sz="3600" i="1" dirty="0">
+                                    <a:latin typeface="Cambria Math" panose="02040503050406030204" pitchFamily="18" charset="0"/>
+                                  </a:rPr>
+                                  <m:t>−5</m:t>
+                                </m:r>
+                              </m:e>
+                            </m:d>
+                          </m:e>
+                          <m:sup>
+                            <m:r>
+                              <a:rPr lang="en-CA" sz="3600" i="1" dirty="0">
+                                <a:latin typeface="Cambria Math" panose="02040503050406030204" pitchFamily="18" charset="0"/>
+                              </a:rPr>
+                              <m:t>2</m:t>
+                            </m:r>
+                          </m:sup>
+                        </m:sSup>
+                      </m:sup>
+                    </m:sSup>
+                  </m:oMath>
+                </a14:m>
+                <a:endParaRPr lang="en-CA" sz="3600" dirty="0"/>
+              </a:p>
+            </p:txBody>
+          </p:sp>
+        </mc:Choice>
+        <mc:Fallback>
+          <p:sp>
+            <p:nvSpPr>
+              <p:cNvPr id="14" name="!!!fctonde">
+                <a:extLst>
+                  <a:ext uri="{FF2B5EF4-FFF2-40B4-BE49-F238E27FC236}">
+                    <a16:creationId xmlns:a16="http://schemas.microsoft.com/office/drawing/2014/main" id="{DBAE9712-54C7-4430-94D1-9A6BD383D7E7}"/>
+                  </a:ext>
+                </a:extLst>
+              </p:cNvPr>
+              <p:cNvSpPr txBox="1">
+                <a:spLocks noRot="1" noChangeAspect="1" noMove="1" noResize="1" noEditPoints="1" noAdjustHandles="1" noChangeArrowheads="1" noChangeShapeType="1" noTextEdit="1"/>
+              </p:cNvSpPr>
+              <p:nvPr/>
+            </p:nvSpPr>
+            <p:spPr>
+              <a:xfrm>
+                <a:off x="69615" y="3201042"/>
+                <a:ext cx="5146442" cy="630044"/>
+              </a:xfrm>
+              <a:prstGeom prst="rect">
+                <a:avLst/>
+              </a:prstGeom>
+              <a:blipFill>
+                <a:blip r:embed="rId5"/>
+                <a:stretch>
+                  <a:fillRect t="-9709" b="-44660"/>
+                </a:stretch>
+              </a:blipFill>
+            </p:spPr>
+            <p:txBody>
+              <a:bodyPr/>
+              <a:lstStyle/>
+              <a:p>
+                <a:r>
+                  <a:rPr lang="en-CA">
                     <a:noFill/>
                   </a:rPr>
                   <a:t> </a:t>
@@ -10518,7 +12180,13 @@
       </mc:AlternateContent>
       <p:pic>
         <p:nvPicPr>
-          <p:cNvPr id="1026" name="Picture 2"/>
+          <p:cNvPr id="15" name="Picture 2">
+            <a:extLst>
+              <a:ext uri="{FF2B5EF4-FFF2-40B4-BE49-F238E27FC236}">
+                <a16:creationId xmlns:a16="http://schemas.microsoft.com/office/drawing/2014/main" id="{DE792858-8C03-4C82-AADE-1660E3AE6F7F}"/>
+              </a:ext>
+            </a:extLst>
+          </p:cNvPr>
           <p:cNvPicPr>
             <a:picLocks noChangeAspect="1" noChangeArrowheads="1"/>
           </p:cNvPicPr>
@@ -10573,17 +12241,29 @@
     </p:spTree>
     <p:extLst>
       <p:ext uri="{BB962C8B-B14F-4D97-AF65-F5344CB8AC3E}">
-        <p14:creationId xmlns:p14="http://schemas.microsoft.com/office/powerpoint/2010/main" val="3104208272"/>
+        <p14:creationId xmlns:p14="http://schemas.microsoft.com/office/powerpoint/2010/main" val="3464048663"/>
       </p:ext>
     </p:extLst>
   </p:cSld>
   <p:clrMapOvr>
     <a:masterClrMapping/>
   </p:clrMapOvr>
+  <mc:AlternateContent xmlns:mc="http://schemas.openxmlformats.org/markup-compatibility/2006">
+    <mc:Choice xmlns:p159="http://schemas.microsoft.com/office/powerpoint/2015/09/main" Requires="p159">
+      <p:transition xmlns:p14="http://schemas.microsoft.com/office/powerpoint/2010/main" spd="slow" p14:dur="2000">
+        <p159:morph option="byObject"/>
+      </p:transition>
+    </mc:Choice>
+    <mc:Fallback>
+      <p:transition spd="slow">
+        <p:fade/>
+      </p:transition>
+    </mc:Fallback>
+  </mc:AlternateContent>
 </p:sld>
 </file>
 
-<file path=ppt/slides/slide5.xml><?xml version="1.0" encoding="utf-8"?>
+<file path=ppt/slides/slide7.xml><?xml version="1.0" encoding="utf-8"?>
 <p:sld xmlns:a="http://schemas.openxmlformats.org/drawingml/2006/main" xmlns:r="http://schemas.openxmlformats.org/officeDocument/2006/relationships" xmlns:p="http://schemas.openxmlformats.org/presentationml/2006/main">
   <p:cSld>
     <p:spTree>
@@ -10707,59 +12387,244 @@
           </a:p>
         </p:txBody>
       </p:sp>
-      <p:sp>
-        <p:nvSpPr>
-          <p:cNvPr id="4" name="TextBox 3"/>
-          <p:cNvSpPr txBox="1"/>
-          <p:nvPr/>
-        </p:nvSpPr>
-        <p:spPr>
-          <a:xfrm>
-            <a:off x="620202" y="2289976"/>
-            <a:ext cx="11370365" cy="1754326"/>
-          </a:xfrm>
-          <a:prstGeom prst="rect">
-            <a:avLst/>
-          </a:prstGeom>
-          <a:noFill/>
-        </p:spPr>
-        <p:txBody>
-          <a:bodyPr wrap="square" rtlCol="0">
-            <a:spAutoFit/>
-          </a:bodyPr>
-          <a:lstStyle/>
-          <a:p>
-            <a:r>
-              <a:rPr lang="fr-FR" dirty="0"/>
-              <a:t>A chaque propriété physique du système correspond un opérateur linéaire et hermitien.</a:t>
-            </a:r>
-          </a:p>
-          <a:p>
-            <a:r>
-              <a:rPr lang="fr-FR" dirty="0"/>
-              <a:t>Pour le construire, on utilise les règles suivantes : </a:t>
-            </a:r>
-          </a:p>
-          <a:p>
-            <a:r>
-              <a:rPr lang="fr-FR" dirty="0"/>
-              <a:t>Aux coordonnées correspondes un opérateurs de multiplication </a:t>
-            </a:r>
-          </a:p>
-          <a:p>
-            <a:endParaRPr lang="fr-FR" dirty="0"/>
-          </a:p>
-          <a:p>
-            <a:r>
-              <a:rPr lang="fr-FR" dirty="0"/>
-              <a:t>Aux impulsions correspondes l’opérateur suivant:</a:t>
-            </a:r>
-          </a:p>
-          <a:p>
-            <a:endParaRPr lang="en-CA" dirty="0"/>
-          </a:p>
-        </p:txBody>
-      </p:sp>
+      <mc:AlternateContent xmlns:mc="http://schemas.openxmlformats.org/markup-compatibility/2006">
+        <mc:Choice xmlns:a14="http://schemas.microsoft.com/office/drawing/2010/main" Requires="a14">
+          <p:sp>
+            <p:nvSpPr>
+              <p:cNvPr id="4" name="TextBox 3"/>
+              <p:cNvSpPr txBox="1"/>
+              <p:nvPr/>
+            </p:nvSpPr>
+            <p:spPr>
+              <a:xfrm>
+                <a:off x="620202" y="2289976"/>
+                <a:ext cx="11370365" cy="2327688"/>
+              </a:xfrm>
+              <a:prstGeom prst="rect">
+                <a:avLst/>
+              </a:prstGeom>
+              <a:noFill/>
+            </p:spPr>
+            <p:txBody>
+              <a:bodyPr wrap="square" rtlCol="0">
+                <a:spAutoFit/>
+              </a:bodyPr>
+              <a:lstStyle/>
+              <a:p>
+                <a:r>
+                  <a:rPr lang="fr-FR" dirty="0"/>
+                  <a:t>A chaque propriété physique du système correspond un opérateur linéaire et hermitien.</a:t>
+                </a:r>
+              </a:p>
+              <a:p>
+                <a:r>
+                  <a:rPr lang="fr-FR" dirty="0"/>
+                  <a:t>Pour le construire, on utilise les règles suivantes : </a:t>
+                </a:r>
+              </a:p>
+              <a:p>
+                <a:r>
+                  <a:rPr lang="fr-FR" dirty="0"/>
+                  <a:t>Aux coordonnées correspondent un opérateurs de multiplication</a:t>
+                </a:r>
+              </a:p>
+              <a:p>
+                <a14:m>
+                  <m:oMathPara xmlns:m="http://schemas.openxmlformats.org/officeDocument/2006/math">
+                    <m:oMathParaPr>
+                      <m:jc m:val="centerGroup"/>
+                    </m:oMathParaPr>
+                    <m:oMath xmlns:m="http://schemas.openxmlformats.org/officeDocument/2006/math">
+                      <m:r>
+                        <a:rPr lang="fr-FR" i="1" dirty="0" smtClean="0">
+                          <a:latin typeface="Cambria Math" panose="02040503050406030204" pitchFamily="18" charset="0"/>
+                        </a:rPr>
+                        <m:t>𝑥</m:t>
+                      </m:r>
+                      <m:r>
+                        <a:rPr lang="en-US" b="0" i="1" dirty="0" smtClean="0">
+                          <a:latin typeface="Cambria Math" panose="02040503050406030204" pitchFamily="18" charset="0"/>
+                        </a:rPr>
+                        <m:t>→</m:t>
+                      </m:r>
+                      <m:acc>
+                        <m:accPr>
+                          <m:chr m:val="̂"/>
+                          <m:ctrlPr>
+                            <a:rPr lang="en-US" b="0" i="1" dirty="0" smtClean="0">
+                              <a:latin typeface="Cambria Math" panose="02040503050406030204" pitchFamily="18" charset="0"/>
+                            </a:rPr>
+                          </m:ctrlPr>
+                        </m:accPr>
+                        <m:e>
+                          <m:r>
+                            <a:rPr lang="en-US" b="0" i="1" dirty="0" smtClean="0">
+                              <a:latin typeface="Cambria Math" panose="02040503050406030204" pitchFamily="18" charset="0"/>
+                            </a:rPr>
+                            <m:t>𝑥</m:t>
+                          </m:r>
+                        </m:e>
+                      </m:acc>
+                      <m:r>
+                        <a:rPr lang="fr-FR" i="1" dirty="0" smtClean="0">
+                          <a:latin typeface="Cambria Math" panose="02040503050406030204" pitchFamily="18" charset="0"/>
+                        </a:rPr>
+                        <m:t> </m:t>
+                      </m:r>
+                    </m:oMath>
+                  </m:oMathPara>
+                </a14:m>
+                <a:endParaRPr lang="fr-FR" dirty="0"/>
+              </a:p>
+              <a:p>
+                <a:endParaRPr lang="fr-FR" dirty="0"/>
+              </a:p>
+              <a:p>
+                <a:r>
+                  <a:rPr lang="fr-FR" dirty="0"/>
+                  <a:t>Aux impulsions correspondent l’opérateur suivant:</a:t>
+                </a:r>
+              </a:p>
+              <a:p>
+                <a14:m>
+                  <m:oMathPara xmlns:m="http://schemas.openxmlformats.org/officeDocument/2006/math">
+                    <m:oMathParaPr>
+                      <m:jc m:val="centerGroup"/>
+                    </m:oMathParaPr>
+                    <m:oMath xmlns:m="http://schemas.openxmlformats.org/officeDocument/2006/math">
+                      <m:sSub>
+                        <m:sSubPr>
+                          <m:ctrlPr>
+                            <a:rPr lang="en-US" b="0" i="1" dirty="0" smtClean="0">
+                              <a:latin typeface="Cambria Math" panose="02040503050406030204" pitchFamily="18" charset="0"/>
+                            </a:rPr>
+                          </m:ctrlPr>
+                        </m:sSubPr>
+                        <m:e>
+                          <m:acc>
+                            <m:accPr>
+                              <m:chr m:val="̂"/>
+                              <m:ctrlPr>
+                                <a:rPr lang="en-US" i="1" dirty="0" smtClean="0">
+                                  <a:latin typeface="Cambria Math" panose="02040503050406030204" pitchFamily="18" charset="0"/>
+                                </a:rPr>
+                              </m:ctrlPr>
+                            </m:accPr>
+                            <m:e>
+                              <m:r>
+                                <a:rPr lang="en-US" b="0" i="1" dirty="0" smtClean="0">
+                                  <a:latin typeface="Cambria Math" panose="02040503050406030204" pitchFamily="18" charset="0"/>
+                                </a:rPr>
+                                <m:t>𝑝</m:t>
+                              </m:r>
+                            </m:e>
+                          </m:acc>
+                        </m:e>
+                        <m:sub>
+                          <m:r>
+                            <a:rPr lang="en-US" b="0" i="1" dirty="0" smtClean="0">
+                              <a:latin typeface="Cambria Math" panose="02040503050406030204" pitchFamily="18" charset="0"/>
+                            </a:rPr>
+                            <m:t>𝑥</m:t>
+                          </m:r>
+                        </m:sub>
+                      </m:sSub>
+                      <m:r>
+                        <a:rPr lang="en-US" b="0" i="1" dirty="0" smtClean="0">
+                          <a:latin typeface="Cambria Math" panose="02040503050406030204" pitchFamily="18" charset="0"/>
+                        </a:rPr>
+                        <m:t>→−</m:t>
+                      </m:r>
+                      <m:r>
+                        <a:rPr lang="en-US" b="0" i="1" dirty="0" smtClean="0">
+                          <a:latin typeface="Cambria Math" panose="02040503050406030204" pitchFamily="18" charset="0"/>
+                        </a:rPr>
+                        <m:t>𝑖</m:t>
+                      </m:r>
+                      <m:r>
+                        <a:rPr lang="en-US" b="0" i="1" dirty="0" smtClean="0">
+                          <a:latin typeface="Cambria Math" panose="02040503050406030204" pitchFamily="18" charset="0"/>
+                        </a:rPr>
+                        <m:t>ℏ</m:t>
+                      </m:r>
+                      <m:f>
+                        <m:fPr>
+                          <m:ctrlPr>
+                            <a:rPr lang="en-US" b="0" i="1" dirty="0" smtClean="0">
+                              <a:latin typeface="Cambria Math" panose="02040503050406030204" pitchFamily="18" charset="0"/>
+                            </a:rPr>
+                          </m:ctrlPr>
+                        </m:fPr>
+                        <m:num>
+                          <m:r>
+                            <a:rPr lang="en-US" i="1" dirty="0">
+                              <a:latin typeface="Cambria Math" panose="02040503050406030204" pitchFamily="18" charset="0"/>
+                            </a:rPr>
+                            <m:t>𝜕</m:t>
+                          </m:r>
+                        </m:num>
+                        <m:den>
+                          <m:r>
+                            <a:rPr lang="en-US" b="0" i="1" dirty="0" smtClean="0">
+                              <a:latin typeface="Cambria Math" panose="02040503050406030204" pitchFamily="18" charset="0"/>
+                            </a:rPr>
+                            <m:t>𝜕</m:t>
+                          </m:r>
+                          <m:r>
+                            <a:rPr lang="en-US" b="0" i="1" dirty="0" smtClean="0">
+                              <a:latin typeface="Cambria Math" panose="02040503050406030204" pitchFamily="18" charset="0"/>
+                            </a:rPr>
+                            <m:t>𝑥</m:t>
+                          </m:r>
+                        </m:den>
+                      </m:f>
+                    </m:oMath>
+                  </m:oMathPara>
+                </a14:m>
+                <a:endParaRPr lang="en-CA" dirty="0"/>
+              </a:p>
+            </p:txBody>
+          </p:sp>
+        </mc:Choice>
+        <mc:Fallback>
+          <p:sp>
+            <p:nvSpPr>
+              <p:cNvPr id="4" name="TextBox 3"/>
+              <p:cNvSpPr txBox="1">
+                <a:spLocks noRot="1" noChangeAspect="1" noMove="1" noResize="1" noEditPoints="1" noAdjustHandles="1" noChangeArrowheads="1" noChangeShapeType="1" noTextEdit="1"/>
+              </p:cNvSpPr>
+              <p:nvPr/>
+            </p:nvSpPr>
+            <p:spPr>
+              <a:xfrm>
+                <a:off x="620202" y="2289976"/>
+                <a:ext cx="11370365" cy="2327688"/>
+              </a:xfrm>
+              <a:prstGeom prst="rect">
+                <a:avLst/>
+              </a:prstGeom>
+              <a:blipFill>
+                <a:blip r:embed="rId4"/>
+                <a:stretch>
+                  <a:fillRect l="-483" t="-1575"/>
+                </a:stretch>
+              </a:blipFill>
+            </p:spPr>
+            <p:txBody>
+              <a:bodyPr/>
+              <a:lstStyle/>
+              <a:p>
+                <a:r>
+                  <a:rPr lang="en-CA">
+                    <a:noFill/>
+                  </a:rPr>
+                  <a:t> </a:t>
+                </a:r>
+              </a:p>
+            </p:txBody>
+          </p:sp>
+        </mc:Fallback>
+      </mc:AlternateContent>
     </p:spTree>
     <p:extLst>
       <p:ext uri="{BB962C8B-B14F-4D97-AF65-F5344CB8AC3E}">
@@ -10773,7 +12638,7 @@
 </p:sld>
 </file>
 
-<file path=ppt/slides/slide6.xml><?xml version="1.0" encoding="utf-8"?>
+<file path=ppt/slides/slide8.xml><?xml version="1.0" encoding="utf-8"?>
 <p:sld xmlns:a="http://schemas.openxmlformats.org/drawingml/2006/main" xmlns:r="http://schemas.openxmlformats.org/officeDocument/2006/relationships" xmlns:p="http://schemas.openxmlformats.org/presentationml/2006/main">
   <p:cSld>
     <p:spTree>
@@ -10948,7 +12813,7 @@
 </p:sld>
 </file>
 
-<file path=ppt/slides/slide7.xml><?xml version="1.0" encoding="utf-8"?>
+<file path=ppt/slides/slide9.xml><?xml version="1.0" encoding="utf-8"?>
 <p:sld xmlns:a="http://schemas.openxmlformats.org/drawingml/2006/main" xmlns:r="http://schemas.openxmlformats.org/officeDocument/2006/relationships" xmlns:p="http://schemas.openxmlformats.org/presentationml/2006/main">
   <p:cSld>
     <p:spTree>
@@ -11123,641 +12988,6 @@
 </p:sld>
 </file>
 
-<file path=ppt/slides/slide8.xml><?xml version="1.0" encoding="utf-8"?>
-<p:sld xmlns:a="http://schemas.openxmlformats.org/drawingml/2006/main" xmlns:r="http://schemas.openxmlformats.org/officeDocument/2006/relationships" xmlns:p="http://schemas.openxmlformats.org/presentationml/2006/main">
-  <p:cSld>
-    <p:spTree>
-      <p:nvGrpSpPr>
-        <p:cNvPr id="1" name=""/>
-        <p:cNvGrpSpPr/>
-        <p:nvPr/>
-      </p:nvGrpSpPr>
-      <p:grpSpPr>
-        <a:xfrm>
-          <a:off x="0" y="0"/>
-          <a:ext cx="0" cy="0"/>
-          <a:chOff x="0" y="0"/>
-          <a:chExt cx="0" cy="0"/>
-        </a:xfrm>
-      </p:grpSpPr>
-      <p:sp>
-        <p:nvSpPr>
-          <p:cNvPr id="10" name="Rectangle 9">
-            <a:extLst>
-              <a:ext uri="{FF2B5EF4-FFF2-40B4-BE49-F238E27FC236}">
-                <a16:creationId xmlns:a16="http://schemas.microsoft.com/office/drawing/2014/main" id="{EBF87945-A001-489F-9D9B-7D9435F0B9CA}"/>
-              </a:ext>
-              <a:ext uri="{C183D7F6-B498-43B3-948B-1728B52AA6E4}">
-                <adec:decorative xmlns:adec="http://schemas.microsoft.com/office/drawing/2017/decorative" val="1"/>
-              </a:ext>
-            </a:extLst>
-          </p:cNvPr>
-          <p:cNvSpPr>
-            <a:spLocks noGrp="1" noRot="1" noChangeAspect="1" noMove="1" noResize="1" noEditPoints="1" noAdjustHandles="1" noChangeArrowheads="1" noChangeShapeType="1" noTextEdit="1"/>
-          </p:cNvSpPr>
-          <p:nvPr>
-            <p:custDataLst>
-              <p:tags r:id="rId1"/>
-            </p:custDataLst>
-            <p:extLst>
-              <p:ext uri="{386F3935-93C4-4BCD-93E2-E3B085C9AB24}">
-                <p16:designElem xmlns:p16="http://schemas.microsoft.com/office/powerpoint/2015/main" val="1"/>
-              </p:ext>
-            </p:extLst>
-          </p:nvPr>
-        </p:nvSpPr>
-        <p:spPr>
-          <a:xfrm>
-            <a:off x="0" y="1"/>
-            <a:ext cx="12192000" cy="1911096"/>
-          </a:xfrm>
-          <a:prstGeom prst="rect">
-            <a:avLst/>
-          </a:prstGeom>
-          <a:solidFill>
-            <a:schemeClr val="accent5"/>
-          </a:solidFill>
-          <a:ln>
-            <a:noFill/>
-          </a:ln>
-        </p:spPr>
-        <p:style>
-          <a:lnRef idx="2">
-            <a:schemeClr val="accent1">
-              <a:shade val="50000"/>
-            </a:schemeClr>
-          </a:lnRef>
-          <a:fillRef idx="1">
-            <a:schemeClr val="accent1"/>
-          </a:fillRef>
-          <a:effectRef idx="0">
-            <a:schemeClr val="accent1"/>
-          </a:effectRef>
-          <a:fontRef idx="minor">
-            <a:schemeClr val="lt1"/>
-          </a:fontRef>
-        </p:style>
-        <p:txBody>
-          <a:bodyPr rtlCol="0" anchor="ctr"/>
-          <a:lstStyle/>
-          <a:p>
-            <a:pPr algn="ctr"/>
-            <a:endParaRPr lang="en-US"/>
-          </a:p>
-        </p:txBody>
-      </p:sp>
-      <p:sp>
-        <p:nvSpPr>
-          <p:cNvPr id="2" name="Title 1"/>
-          <p:cNvSpPr>
-            <a:spLocks noGrp="1"/>
-          </p:cNvSpPr>
-          <p:nvPr>
-            <p:ph type="title"/>
-            <p:custDataLst>
-              <p:tags r:id="rId2"/>
-            </p:custDataLst>
-          </p:nvPr>
-        </p:nvSpPr>
-        <p:spPr>
-          <a:xfrm>
-            <a:off x="838200" y="365760"/>
-            <a:ext cx="10515600" cy="1325563"/>
-          </a:xfrm>
-        </p:spPr>
-        <p:txBody>
-          <a:bodyPr>
-            <a:normAutofit/>
-          </a:bodyPr>
-          <a:lstStyle/>
-          <a:p>
-            <a:r>
-              <a:rPr lang="en-US" dirty="0" err="1">
-                <a:solidFill>
-                  <a:schemeClr val="bg1"/>
-                </a:solidFill>
-              </a:rPr>
-              <a:t>Évolution</a:t>
-            </a:r>
-            <a:r>
-              <a:rPr lang="en-US" dirty="0">
-                <a:solidFill>
-                  <a:schemeClr val="bg1"/>
-                </a:solidFill>
-              </a:rPr>
-              <a:t> </a:t>
-            </a:r>
-            <a:r>
-              <a:rPr lang="en-US" dirty="0" err="1">
-                <a:solidFill>
-                  <a:schemeClr val="bg1"/>
-                </a:solidFill>
-              </a:rPr>
-              <a:t>temporelle</a:t>
-            </a:r>
-            <a:endParaRPr lang="en-CA" dirty="0">
-              <a:solidFill>
-                <a:schemeClr val="bg1"/>
-              </a:solidFill>
-            </a:endParaRPr>
-          </a:p>
-        </p:txBody>
-      </p:sp>
-      <p:sp>
-        <p:nvSpPr>
-          <p:cNvPr id="4" name="TextBox 3"/>
-          <p:cNvSpPr txBox="1"/>
-          <p:nvPr/>
-        </p:nvSpPr>
-        <p:spPr>
-          <a:xfrm>
-            <a:off x="620202" y="2289976"/>
-            <a:ext cx="11370365" cy="369332"/>
-          </a:xfrm>
-          <a:prstGeom prst="rect">
-            <a:avLst/>
-          </a:prstGeom>
-          <a:noFill/>
-        </p:spPr>
-        <p:txBody>
-          <a:bodyPr wrap="square" rtlCol="0">
-            <a:spAutoFit/>
-          </a:bodyPr>
-          <a:lstStyle/>
-          <a:p>
-            <a:r>
-              <a:rPr lang="fr-FR" dirty="0"/>
-              <a:t>L’évolution de l’état quantique d’un système est gouvernée par l’équation de Schrödinger</a:t>
-            </a:r>
-            <a:endParaRPr lang="en-CA" dirty="0"/>
-          </a:p>
-        </p:txBody>
-      </p:sp>
-      <mc:AlternateContent xmlns:mc="http://schemas.openxmlformats.org/markup-compatibility/2006">
-        <mc:Choice xmlns:a14="http://schemas.microsoft.com/office/drawing/2010/main" Requires="a14">
-          <p:sp>
-            <p:nvSpPr>
-              <p:cNvPr id="3" name="Rectangle 2">
-                <a:extLst>
-                  <a:ext uri="{FF2B5EF4-FFF2-40B4-BE49-F238E27FC236}">
-                    <a16:creationId xmlns:a16="http://schemas.microsoft.com/office/drawing/2014/main" id="{9B88BD07-003C-4113-BCC6-F408DA52E633}"/>
-                  </a:ext>
-                </a:extLst>
-              </p:cNvPr>
-              <p:cNvSpPr/>
-              <p:nvPr/>
-            </p:nvSpPr>
-            <p:spPr>
-              <a:xfrm>
-                <a:off x="4338993" y="3038187"/>
-                <a:ext cx="3514013" cy="635367"/>
-              </a:xfrm>
-              <a:prstGeom prst="rect">
-                <a:avLst/>
-              </a:prstGeom>
-            </p:spPr>
-            <p:txBody>
-              <a:bodyPr wrap="square">
-                <a:spAutoFit/>
-              </a:bodyPr>
-              <a:lstStyle/>
-              <a:p>
-                <a14:m>
-                  <m:oMath xmlns:m="http://schemas.openxmlformats.org/officeDocument/2006/math">
-                    <m:r>
-                      <a:rPr lang="en-CA" sz="2400" i="1">
-                        <a:latin typeface="Cambria Math" panose="02040503050406030204" pitchFamily="18" charset="0"/>
-                      </a:rPr>
-                      <m:t>−</m:t>
-                    </m:r>
-                    <m:r>
-                      <a:rPr lang="en-CA" sz="2400" i="1">
-                        <a:latin typeface="Cambria Math" panose="02040503050406030204" pitchFamily="18" charset="0"/>
-                      </a:rPr>
-                      <m:t>𝑖</m:t>
-                    </m:r>
-                    <m:r>
-                      <a:rPr lang="en-CA" sz="2400" i="1">
-                        <a:latin typeface="Cambria Math" panose="02040503050406030204" pitchFamily="18" charset="0"/>
-                      </a:rPr>
-                      <m:t>ℏ</m:t>
-                    </m:r>
-                    <m:f>
-                      <m:fPr>
-                        <m:ctrlPr>
-                          <a:rPr lang="en-CA" sz="2400" i="1">
-                            <a:latin typeface="Cambria Math" panose="02040503050406030204" pitchFamily="18" charset="0"/>
-                          </a:rPr>
-                        </m:ctrlPr>
-                      </m:fPr>
-                      <m:num>
-                        <m:r>
-                          <a:rPr lang="en-CA" sz="2400" i="1">
-                            <a:latin typeface="Cambria Math" panose="02040503050406030204" pitchFamily="18" charset="0"/>
-                          </a:rPr>
-                          <m:t>𝜕</m:t>
-                        </m:r>
-                      </m:num>
-                      <m:den>
-                        <m:r>
-                          <a:rPr lang="en-CA" sz="2400" i="1">
-                            <a:latin typeface="Cambria Math" panose="02040503050406030204" pitchFamily="18" charset="0"/>
-                          </a:rPr>
-                          <m:t>𝜕</m:t>
-                        </m:r>
-                        <m:r>
-                          <a:rPr lang="en-CA" sz="2400" i="1">
-                            <a:latin typeface="Cambria Math" panose="02040503050406030204" pitchFamily="18" charset="0"/>
-                          </a:rPr>
-                          <m:t>𝑡</m:t>
-                        </m:r>
-                      </m:den>
-                    </m:f>
-                    <m:r>
-                      <m:rPr>
-                        <m:sty m:val="p"/>
-                      </m:rPr>
-                      <a:rPr lang="en-CA" sz="2400">
-                        <a:latin typeface="Cambria Math" panose="02040503050406030204" pitchFamily="18" charset="0"/>
-                      </a:rPr>
-                      <m:t>Ψ</m:t>
-                    </m:r>
-                    <m:r>
-                      <a:rPr lang="en-CA" sz="2400" i="1">
-                        <a:latin typeface="Cambria Math" panose="02040503050406030204" pitchFamily="18" charset="0"/>
-                      </a:rPr>
-                      <m:t>(</m:t>
-                    </m:r>
-                    <m:acc>
-                      <m:accPr>
-                        <m:chr m:val="⃗"/>
-                        <m:ctrlPr>
-                          <a:rPr lang="en-CA" sz="2400" i="1">
-                            <a:latin typeface="Cambria Math" panose="02040503050406030204" pitchFamily="18" charset="0"/>
-                          </a:rPr>
-                        </m:ctrlPr>
-                      </m:accPr>
-                      <m:e>
-                        <m:r>
-                          <a:rPr lang="en-CA" sz="2400" i="1">
-                            <a:latin typeface="Cambria Math" panose="02040503050406030204" pitchFamily="18" charset="0"/>
-                          </a:rPr>
-                          <m:t>𝑞</m:t>
-                        </m:r>
-                      </m:e>
-                    </m:acc>
-                    <m:r>
-                      <a:rPr lang="en-CA" sz="2400" i="1">
-                        <a:latin typeface="Cambria Math" panose="02040503050406030204" pitchFamily="18" charset="0"/>
-                      </a:rPr>
-                      <m:t>,</m:t>
-                    </m:r>
-                    <m:r>
-                      <a:rPr lang="en-CA" sz="2400" i="1">
-                        <a:latin typeface="Cambria Math" panose="02040503050406030204" pitchFamily="18" charset="0"/>
-                      </a:rPr>
-                      <m:t>𝑡</m:t>
-                    </m:r>
-                    <m:r>
-                      <a:rPr lang="en-CA" sz="2400" i="1">
-                        <a:latin typeface="Cambria Math" panose="02040503050406030204" pitchFamily="18" charset="0"/>
-                      </a:rPr>
-                      <m:t>)=</m:t>
-                    </m:r>
-                    <m:acc>
-                      <m:accPr>
-                        <m:chr m:val="̂"/>
-                        <m:ctrlPr>
-                          <a:rPr lang="en-CA" sz="2400" i="1">
-                            <a:latin typeface="Cambria Math" panose="02040503050406030204" pitchFamily="18" charset="0"/>
-                          </a:rPr>
-                        </m:ctrlPr>
-                      </m:accPr>
-                      <m:e>
-                        <m:r>
-                          <a:rPr lang="en-CA" sz="2400" i="1">
-                            <a:latin typeface="Cambria Math" panose="02040503050406030204" pitchFamily="18" charset="0"/>
-                          </a:rPr>
-                          <m:t>𝐻</m:t>
-                        </m:r>
-                      </m:e>
-                    </m:acc>
-                    <m:r>
-                      <m:rPr>
-                        <m:sty m:val="p"/>
-                      </m:rPr>
-                      <a:rPr lang="en-CA" sz="2400">
-                        <a:latin typeface="Cambria Math" panose="02040503050406030204" pitchFamily="18" charset="0"/>
-                      </a:rPr>
-                      <m:t>Ψ</m:t>
-                    </m:r>
-                    <m:r>
-                      <a:rPr lang="en-CA" sz="2400" i="1">
-                        <a:latin typeface="Cambria Math" panose="02040503050406030204" pitchFamily="18" charset="0"/>
-                      </a:rPr>
-                      <m:t>(</m:t>
-                    </m:r>
-                    <m:acc>
-                      <m:accPr>
-                        <m:chr m:val="⃗"/>
-                        <m:ctrlPr>
-                          <a:rPr lang="en-CA" sz="2400" i="1">
-                            <a:latin typeface="Cambria Math" panose="02040503050406030204" pitchFamily="18" charset="0"/>
-                          </a:rPr>
-                        </m:ctrlPr>
-                      </m:accPr>
-                      <m:e>
-                        <m:r>
-                          <a:rPr lang="en-CA" sz="2400" i="1">
-                            <a:latin typeface="Cambria Math" panose="02040503050406030204" pitchFamily="18" charset="0"/>
-                          </a:rPr>
-                          <m:t>𝑞</m:t>
-                        </m:r>
-                      </m:e>
-                    </m:acc>
-                    <m:r>
-                      <a:rPr lang="en-CA" sz="2400" i="1">
-                        <a:latin typeface="Cambria Math" panose="02040503050406030204" pitchFamily="18" charset="0"/>
-                      </a:rPr>
-                      <m:t>,</m:t>
-                    </m:r>
-                    <m:r>
-                      <a:rPr lang="en-CA" sz="2400" i="1">
-                        <a:latin typeface="Cambria Math" panose="02040503050406030204" pitchFamily="18" charset="0"/>
-                      </a:rPr>
-                      <m:t>𝑡</m:t>
-                    </m:r>
-                  </m:oMath>
-                </a14:m>
-                <a:r>
-                  <a:rPr lang="fr-CA" sz="2400" dirty="0"/>
-                  <a:t>)</a:t>
-                </a:r>
-              </a:p>
-            </p:txBody>
-          </p:sp>
-        </mc:Choice>
-        <mc:Fallback>
-          <p:sp>
-            <p:nvSpPr>
-              <p:cNvPr id="3" name="Rectangle 2">
-                <a:extLst>
-                  <a:ext uri="{FF2B5EF4-FFF2-40B4-BE49-F238E27FC236}">
-                    <a16:creationId xmlns:a16="http://schemas.microsoft.com/office/drawing/2014/main" id="{9B88BD07-003C-4113-BCC6-F408DA52E633}"/>
-                  </a:ext>
-                </a:extLst>
-              </p:cNvPr>
-              <p:cNvSpPr>
-                <a:spLocks noRot="1" noChangeAspect="1" noMove="1" noResize="1" noEditPoints="1" noAdjustHandles="1" noChangeArrowheads="1" noChangeShapeType="1" noTextEdit="1"/>
-              </p:cNvSpPr>
-              <p:nvPr/>
-            </p:nvSpPr>
-            <p:spPr>
-              <a:xfrm>
-                <a:off x="4338993" y="3038187"/>
-                <a:ext cx="3514013" cy="635367"/>
-              </a:xfrm>
-              <a:prstGeom prst="rect">
-                <a:avLst/>
-              </a:prstGeom>
-              <a:blipFill>
-                <a:blip r:embed="rId4"/>
-                <a:stretch>
-                  <a:fillRect r="-347" b="-8571"/>
-                </a:stretch>
-              </a:blipFill>
-            </p:spPr>
-            <p:txBody>
-              <a:bodyPr/>
-              <a:lstStyle/>
-              <a:p>
-                <a:r>
-                  <a:rPr lang="fr-CA">
-                    <a:noFill/>
-                  </a:rPr>
-                  <a:t> </a:t>
-                </a:r>
-              </a:p>
-            </p:txBody>
-          </p:sp>
-        </mc:Fallback>
-      </mc:AlternateContent>
-    </p:spTree>
-    <p:extLst>
-      <p:ext uri="{BB962C8B-B14F-4D97-AF65-F5344CB8AC3E}">
-        <p14:creationId xmlns:p14="http://schemas.microsoft.com/office/powerpoint/2010/main" val="3011686946"/>
-      </p:ext>
-    </p:extLst>
-  </p:cSld>
-  <p:clrMapOvr>
-    <a:masterClrMapping/>
-  </p:clrMapOvr>
-</p:sld>
-</file>
-
-<file path=ppt/slides/slide9.xml><?xml version="1.0" encoding="utf-8"?>
-<p:sld xmlns:a="http://schemas.openxmlformats.org/drawingml/2006/main" xmlns:r="http://schemas.openxmlformats.org/officeDocument/2006/relationships" xmlns:p="http://schemas.openxmlformats.org/presentationml/2006/main">
-  <p:cSld>
-    <p:spTree>
-      <p:nvGrpSpPr>
-        <p:cNvPr id="1" name=""/>
-        <p:cNvGrpSpPr/>
-        <p:nvPr/>
-      </p:nvGrpSpPr>
-      <p:grpSpPr>
-        <a:xfrm>
-          <a:off x="0" y="0"/>
-          <a:ext cx="0" cy="0"/>
-          <a:chOff x="0" y="0"/>
-          <a:chExt cx="0" cy="0"/>
-        </a:xfrm>
-      </p:grpSpPr>
-      <p:sp>
-        <p:nvSpPr>
-          <p:cNvPr id="10" name="Rectangle 9">
-            <a:extLst>
-              <a:ext uri="{FF2B5EF4-FFF2-40B4-BE49-F238E27FC236}">
-                <a16:creationId xmlns:a16="http://schemas.microsoft.com/office/drawing/2014/main" id="{EBF87945-A001-489F-9D9B-7D9435F0B9CA}"/>
-              </a:ext>
-              <a:ext uri="{C183D7F6-B498-43B3-948B-1728B52AA6E4}">
-                <adec:decorative xmlns:adec="http://schemas.microsoft.com/office/drawing/2017/decorative" val="1"/>
-              </a:ext>
-            </a:extLst>
-          </p:cNvPr>
-          <p:cNvSpPr>
-            <a:spLocks noGrp="1" noRot="1" noChangeAspect="1" noMove="1" noResize="1" noEditPoints="1" noAdjustHandles="1" noChangeArrowheads="1" noChangeShapeType="1" noTextEdit="1"/>
-          </p:cNvSpPr>
-          <p:nvPr>
-            <p:custDataLst>
-              <p:tags r:id="rId1"/>
-            </p:custDataLst>
-            <p:extLst>
-              <p:ext uri="{386F3935-93C4-4BCD-93E2-E3B085C9AB24}">
-                <p16:designElem xmlns:p16="http://schemas.microsoft.com/office/powerpoint/2015/main" val="1"/>
-              </p:ext>
-            </p:extLst>
-          </p:nvPr>
-        </p:nvSpPr>
-        <p:spPr>
-          <a:xfrm>
-            <a:off x="0" y="1"/>
-            <a:ext cx="12192000" cy="1911096"/>
-          </a:xfrm>
-          <a:prstGeom prst="rect">
-            <a:avLst/>
-          </a:prstGeom>
-          <a:solidFill>
-            <a:schemeClr val="accent5"/>
-          </a:solidFill>
-          <a:ln>
-            <a:noFill/>
-          </a:ln>
-        </p:spPr>
-        <p:style>
-          <a:lnRef idx="2">
-            <a:schemeClr val="accent1">
-              <a:shade val="50000"/>
-            </a:schemeClr>
-          </a:lnRef>
-          <a:fillRef idx="1">
-            <a:schemeClr val="accent1"/>
-          </a:fillRef>
-          <a:effectRef idx="0">
-            <a:schemeClr val="accent1"/>
-          </a:effectRef>
-          <a:fontRef idx="minor">
-            <a:schemeClr val="lt1"/>
-          </a:fontRef>
-        </p:style>
-        <p:txBody>
-          <a:bodyPr rtlCol="0" anchor="ctr"/>
-          <a:lstStyle/>
-          <a:p>
-            <a:pPr algn="ctr"/>
-            <a:endParaRPr lang="en-US"/>
-          </a:p>
-        </p:txBody>
-      </p:sp>
-      <p:sp>
-        <p:nvSpPr>
-          <p:cNvPr id="2" name="Title 1"/>
-          <p:cNvSpPr>
-            <a:spLocks noGrp="1"/>
-          </p:cNvSpPr>
-          <p:nvPr>
-            <p:ph type="title"/>
-            <p:custDataLst>
-              <p:tags r:id="rId2"/>
-            </p:custDataLst>
-          </p:nvPr>
-        </p:nvSpPr>
-        <p:spPr>
-          <a:xfrm>
-            <a:off x="838200" y="365760"/>
-            <a:ext cx="10515600" cy="1325563"/>
-          </a:xfrm>
-        </p:spPr>
-        <p:txBody>
-          <a:bodyPr>
-            <a:normAutofit/>
-          </a:bodyPr>
-          <a:lstStyle/>
-          <a:p>
-            <a:r>
-              <a:rPr lang="en-US" dirty="0" err="1">
-                <a:solidFill>
-                  <a:schemeClr val="bg1"/>
-                </a:solidFill>
-              </a:rPr>
-              <a:t>Réduction</a:t>
-            </a:r>
-            <a:r>
-              <a:rPr lang="en-US" dirty="0">
-                <a:solidFill>
-                  <a:schemeClr val="bg1"/>
-                </a:solidFill>
-              </a:rPr>
-              <a:t> du </a:t>
-            </a:r>
-            <a:r>
-              <a:rPr lang="en-US" dirty="0" err="1">
-                <a:solidFill>
-                  <a:schemeClr val="bg1"/>
-                </a:solidFill>
-              </a:rPr>
-              <a:t>paquet</a:t>
-            </a:r>
-            <a:r>
-              <a:rPr lang="en-US" dirty="0">
-                <a:solidFill>
-                  <a:schemeClr val="bg1"/>
-                </a:solidFill>
-              </a:rPr>
-              <a:t> </a:t>
-            </a:r>
-            <a:r>
-              <a:rPr lang="en-US" dirty="0" err="1">
-                <a:solidFill>
-                  <a:schemeClr val="bg1"/>
-                </a:solidFill>
-              </a:rPr>
-              <a:t>d’onde</a:t>
-            </a:r>
-            <a:endParaRPr lang="en-CA" dirty="0">
-              <a:solidFill>
-                <a:schemeClr val="bg1"/>
-              </a:solidFill>
-            </a:endParaRPr>
-          </a:p>
-        </p:txBody>
-      </p:sp>
-      <p:sp>
-        <p:nvSpPr>
-          <p:cNvPr id="4" name="TextBox 3"/>
-          <p:cNvSpPr txBox="1"/>
-          <p:nvPr/>
-        </p:nvSpPr>
-        <p:spPr>
-          <a:xfrm>
-            <a:off x="620202" y="2289976"/>
-            <a:ext cx="11370365" cy="646331"/>
-          </a:xfrm>
-          <a:prstGeom prst="rect">
-            <a:avLst/>
-          </a:prstGeom>
-          <a:noFill/>
-        </p:spPr>
-        <p:txBody>
-          <a:bodyPr wrap="square" rtlCol="0">
-            <a:spAutoFit/>
-          </a:bodyPr>
-          <a:lstStyle/>
-          <a:p>
-            <a:r>
-              <a:rPr lang="fr-FR" dirty="0"/>
-              <a:t>Lorsqu’une mesure est prise et qu’une des valeurs propres est observé, la fonction du système devient la fonction propre associé à </a:t>
-            </a:r>
-            <a:r>
-              <a:rPr lang="fr-FR"/>
-              <a:t>cet valeur. </a:t>
-            </a:r>
-            <a:endParaRPr lang="en-CA" dirty="0"/>
-          </a:p>
-        </p:txBody>
-      </p:sp>
-    </p:spTree>
-    <p:extLst>
-      <p:ext uri="{BB962C8B-B14F-4D97-AF65-F5344CB8AC3E}">
-        <p14:creationId xmlns:p14="http://schemas.microsoft.com/office/powerpoint/2010/main" val="4121408390"/>
-      </p:ext>
-    </p:extLst>
-  </p:cSld>
-  <p:clrMapOvr>
-    <a:masterClrMapping/>
-  </p:clrMapOvr>
-</p:sld>
-</file>
-
 <file path=ppt/tags/tag1.xml><?xml version="1.0" encoding="utf-8"?>
 <p:tagLst xmlns:a="http://schemas.openxmlformats.org/drawingml/2006/main" xmlns:r="http://schemas.openxmlformats.org/officeDocument/2006/relationships" xmlns:p="http://schemas.openxmlformats.org/presentationml/2006/main">
   <p:tag name="NUM" val="1"/>
@@ -11825,6 +13055,30 @@
 </file>
 
 <file path=ppt/tags/tag2.xml><?xml version="1.0" encoding="utf-8"?>
+<p:tagLst xmlns:a="http://schemas.openxmlformats.org/drawingml/2006/main" xmlns:r="http://schemas.openxmlformats.org/officeDocument/2006/relationships" xmlns:p="http://schemas.openxmlformats.org/presentationml/2006/main">
+  <p:tag name="NUM" val="2"/>
+</p:tagLst>
+</file>
+
+<file path=ppt/tags/tag20.xml><?xml version="1.0" encoding="utf-8"?>
+<p:tagLst xmlns:a="http://schemas.openxmlformats.org/drawingml/2006/main" xmlns:r="http://schemas.openxmlformats.org/officeDocument/2006/relationships" xmlns:p="http://schemas.openxmlformats.org/presentationml/2006/main">
+  <p:tag name="NUM" val="1"/>
+</p:tagLst>
+</file>
+
+<file path=ppt/tags/tag21.xml><?xml version="1.0" encoding="utf-8"?>
+<p:tagLst xmlns:a="http://schemas.openxmlformats.org/drawingml/2006/main" xmlns:r="http://schemas.openxmlformats.org/officeDocument/2006/relationships" xmlns:p="http://schemas.openxmlformats.org/presentationml/2006/main">
+  <p:tag name="NUM" val="2"/>
+</p:tagLst>
+</file>
+
+<file path=ppt/tags/tag22.xml><?xml version="1.0" encoding="utf-8"?>
+<p:tagLst xmlns:a="http://schemas.openxmlformats.org/drawingml/2006/main" xmlns:r="http://schemas.openxmlformats.org/officeDocument/2006/relationships" xmlns:p="http://schemas.openxmlformats.org/presentationml/2006/main">
+  <p:tag name="NUM" val="1"/>
+</p:tagLst>
+</file>
+
+<file path=ppt/tags/tag23.xml><?xml version="1.0" encoding="utf-8"?>
 <p:tagLst xmlns:a="http://schemas.openxmlformats.org/drawingml/2006/main" xmlns:r="http://schemas.openxmlformats.org/officeDocument/2006/relationships" xmlns:p="http://schemas.openxmlformats.org/presentationml/2006/main">
   <p:tag name="NUM" val="2"/>
 </p:tagLst>

--- a/FR/3_Postulats/Postulats.pptx
+++ b/FR/3_Postulats/Postulats.pptx
@@ -9,13 +9,17 @@
     <p:sldId id="274" r:id="rId3"/>
     <p:sldId id="293" r:id="rId4"/>
     <p:sldId id="260" r:id="rId5"/>
-    <p:sldId id="298" r:id="rId6"/>
-    <p:sldId id="299" r:id="rId7"/>
-    <p:sldId id="282" r:id="rId8"/>
-    <p:sldId id="294" r:id="rId9"/>
-    <p:sldId id="295" r:id="rId10"/>
-    <p:sldId id="296" r:id="rId11"/>
-    <p:sldId id="297" r:id="rId12"/>
+    <p:sldId id="300" r:id="rId6"/>
+    <p:sldId id="301" r:id="rId7"/>
+    <p:sldId id="302" r:id="rId8"/>
+    <p:sldId id="282" r:id="rId9"/>
+    <p:sldId id="294" r:id="rId10"/>
+    <p:sldId id="303" r:id="rId11"/>
+    <p:sldId id="295" r:id="rId12"/>
+    <p:sldId id="305" r:id="rId13"/>
+    <p:sldId id="304" r:id="rId14"/>
+    <p:sldId id="306" r:id="rId15"/>
+    <p:sldId id="297" r:id="rId16"/>
   </p:sldIdLst>
   <p:sldSz cx="12192000" cy="6858000"/>
   <p:notesSz cx="6858000" cy="9144000"/>
@@ -1725,20 +1729,8 @@
         <a:lstStyle/>
         <a:p>
           <a:r>
-            <a:rPr lang="en-US" dirty="0"/>
-            <a:t>La </a:t>
-          </a:r>
-          <a:r>
-            <a:rPr lang="en-US" dirty="0" err="1"/>
-            <a:t>fonction</a:t>
-          </a:r>
-          <a:r>
-            <a:rPr lang="en-US" dirty="0"/>
-            <a:t> </a:t>
-          </a:r>
-          <a:r>
-            <a:rPr lang="en-US" dirty="0" err="1"/>
-            <a:t>d’onde</a:t>
+            <a:rPr lang="en-US"/>
+            <a:t>La fonction d’onde</a:t>
           </a:r>
           <a:endParaRPr lang="en-US" dirty="0"/>
         </a:p>
@@ -1774,9 +1766,10 @@
         <a:lstStyle/>
         <a:p>
           <a:r>
-            <a:rPr lang="en-US" dirty="0"/>
+            <a:rPr lang="en-US"/>
             <a:t>Les observables</a:t>
           </a:r>
+          <a:endParaRPr lang="en-US" dirty="0"/>
         </a:p>
       </dgm:t>
     </dgm:pt>
@@ -1810,12 +1803,8 @@
         <a:lstStyle/>
         <a:p>
           <a:r>
-            <a:rPr lang="en-US" dirty="0"/>
-            <a:t>Les </a:t>
-          </a:r>
-          <a:r>
-            <a:rPr lang="en-US" dirty="0" err="1"/>
-            <a:t>mesures</a:t>
+            <a:rPr lang="en-US"/>
+            <a:t>Les mesures</a:t>
           </a:r>
           <a:endParaRPr lang="en-US" dirty="0"/>
         </a:p>
@@ -1851,12 +1840,8 @@
         <a:lstStyle/>
         <a:p>
           <a:r>
-            <a:rPr lang="en-US" dirty="0"/>
-            <a:t>Les </a:t>
-          </a:r>
-          <a:r>
-            <a:rPr lang="en-US" dirty="0" err="1"/>
-            <a:t>probabilités</a:t>
+            <a:rPr lang="en-US"/>
+            <a:t>Les probabilités</a:t>
           </a:r>
           <a:endParaRPr lang="en-US" dirty="0"/>
         </a:p>
@@ -1892,16 +1877,8 @@
         <a:lstStyle/>
         <a:p>
           <a:r>
-            <a:rPr lang="en-US" dirty="0" err="1"/>
-            <a:t>Évolution</a:t>
-          </a:r>
-          <a:r>
-            <a:rPr lang="en-US" dirty="0"/>
-            <a:t> </a:t>
-          </a:r>
-          <a:r>
-            <a:rPr lang="en-US" dirty="0" err="1"/>
-            <a:t>temporelle</a:t>
+            <a:rPr lang="en-US"/>
+            <a:t>Évolution temporelle</a:t>
           </a:r>
           <a:endParaRPr lang="en-US" dirty="0"/>
         </a:p>
@@ -1937,24 +1914,8 @@
         <a:lstStyle/>
         <a:p>
           <a:r>
-            <a:rPr lang="en-US" dirty="0" err="1"/>
-            <a:t>Réduction</a:t>
-          </a:r>
-          <a:r>
-            <a:rPr lang="en-US" dirty="0"/>
-            <a:t> du </a:t>
-          </a:r>
-          <a:r>
-            <a:rPr lang="en-US" dirty="0" err="1"/>
-            <a:t>paquet</a:t>
-          </a:r>
-          <a:r>
-            <a:rPr lang="en-US" dirty="0"/>
-            <a:t> </a:t>
-          </a:r>
-          <a:r>
-            <a:rPr lang="en-US" dirty="0" err="1"/>
-            <a:t>d’onde</a:t>
+            <a:rPr lang="en-US"/>
+            <a:t>Réduction du paquet d’onde</a:t>
           </a:r>
           <a:endParaRPr lang="en-US" dirty="0"/>
         </a:p>
@@ -2068,29 +2029,29 @@
   </dgm:ptLst>
   <dgm:cxnLst>
     <dgm:cxn modelId="{EE9EFA01-5C5E-4807-845F-09CA1A8DD5B8}" srcId="{EFCD3B26-E01A-4CAE-B4F7-1C03074050E7}" destId="{C9CA41CA-AF0E-4815-BB97-1BDC5C84F2B1}" srcOrd="2" destOrd="0" parTransId="{BB91D631-07AB-4FFE-AB45-79A804DA2DDE}" sibTransId="{E5A91A25-5489-412B-92D3-9B63CBCE603B}"/>
-    <dgm:cxn modelId="{8E9DC50B-FD59-4BFE-9E32-6A0552521B0C}" type="presOf" srcId="{3C4E0236-B1E7-4928-8B88-ABFC5E15DF27}" destId="{895A0BCE-08B0-4AD7-A31D-19B2F7C9D3F8}" srcOrd="0" destOrd="0" presId="urn:microsoft.com/office/officeart/2005/8/layout/vList2"/>
-    <dgm:cxn modelId="{E2BBF813-9693-4E80-BCDC-566AF64B92EB}" type="presOf" srcId="{F20A1811-B7EB-43B3-AD52-ECE1F8885B03}" destId="{A722EDB7-9240-43F7-A2DA-B862C974FF6D}" srcOrd="0" destOrd="0" presId="urn:microsoft.com/office/officeart/2005/8/layout/vList2"/>
+    <dgm:cxn modelId="{6854AD10-B5ED-406E-BEFE-0828C7C3F352}" type="presOf" srcId="{EB197100-3F9E-477C-91EF-EA5D4D18F739}" destId="{F3C1272A-4E7A-4FC2-A8D1-EEA8D4EFA074}" srcOrd="0" destOrd="0" presId="urn:microsoft.com/office/officeart/2005/8/layout/vList2"/>
+    <dgm:cxn modelId="{29CA4460-1929-4E01-9CDF-831038BE79DA}" type="presOf" srcId="{3C4E0236-B1E7-4928-8B88-ABFC5E15DF27}" destId="{895A0BCE-08B0-4AD7-A31D-19B2F7C9D3F8}" srcOrd="0" destOrd="0" presId="urn:microsoft.com/office/officeart/2005/8/layout/vList2"/>
     <dgm:cxn modelId="{AD83E560-BAE3-4CBD-96B3-0B15F8CBA70F}" srcId="{EFCD3B26-E01A-4CAE-B4F7-1C03074050E7}" destId="{88F9156F-4E4D-4082-A4EB-98CF8CBC7741}" srcOrd="0" destOrd="0" parTransId="{26611F30-7D61-4521-8F3C-B67FC5547C0D}" sibTransId="{99B4021E-63EF-4270-8227-866C3514BC7F}"/>
-    <dgm:cxn modelId="{3B682241-F1AB-40C7-BE7C-7BE4D856ECBF}" type="presOf" srcId="{EFCD3B26-E01A-4CAE-B4F7-1C03074050E7}" destId="{A2315941-E67D-469D-B013-53FEAA4AAA88}" srcOrd="0" destOrd="0" presId="urn:microsoft.com/office/officeart/2005/8/layout/vList2"/>
-    <dgm:cxn modelId="{990BF861-63A0-417E-B3BE-8255082D8604}" type="presOf" srcId="{EB197100-3F9E-477C-91EF-EA5D4D18F739}" destId="{F3C1272A-4E7A-4FC2-A8D1-EEA8D4EFA074}" srcOrd="0" destOrd="0" presId="urn:microsoft.com/office/officeart/2005/8/layout/vList2"/>
     <dgm:cxn modelId="{EEDD1562-CECD-48D9-9505-386D447E700F}" srcId="{EFCD3B26-E01A-4CAE-B4F7-1C03074050E7}" destId="{EB197100-3F9E-477C-91EF-EA5D4D18F739}" srcOrd="5" destOrd="0" parTransId="{AA29B2E1-D8D8-4554-B46D-E0947D57BC50}" sibTransId="{D51B857F-ABB4-4C36-9699-B3BE5DAFEB4B}"/>
+    <dgm:cxn modelId="{F39B8A64-69C3-4A37-AC02-29DB8F7ABA3A}" type="presOf" srcId="{657089CC-6D03-48E4-92FB-6C3D50C513C1}" destId="{C3E3A799-F42E-4007-9929-36346A0DD90E}" srcOrd="0" destOrd="0" presId="urn:microsoft.com/office/officeart/2005/8/layout/vList2"/>
     <dgm:cxn modelId="{FC2F1546-CF61-471E-BA69-48C5E332A265}" srcId="{EFCD3B26-E01A-4CAE-B4F7-1C03074050E7}" destId="{F20A1811-B7EB-43B3-AD52-ECE1F8885B03}" srcOrd="3" destOrd="0" parTransId="{0932127E-2C74-456E-AC0A-3030081BE5A0}" sibTransId="{E501AE6B-9761-46C7-8E0F-4ACC5067E0DD}"/>
-    <dgm:cxn modelId="{9CFEE37D-B21B-49BC-8018-BD449D29247D}" type="presOf" srcId="{C9CA41CA-AF0E-4815-BB97-1BDC5C84F2B1}" destId="{314A8269-D391-4370-A887-02DB3D355D6F}" srcOrd="0" destOrd="0" presId="urn:microsoft.com/office/officeart/2005/8/layout/vList2"/>
+    <dgm:cxn modelId="{3A5EE981-D668-450F-A6D6-2BB8E134113C}" type="presOf" srcId="{88F9156F-4E4D-4082-A4EB-98CF8CBC7741}" destId="{9AA7C051-D100-42DE-8698-87FD3361DD9A}" srcOrd="0" destOrd="0" presId="urn:microsoft.com/office/officeart/2005/8/layout/vList2"/>
     <dgm:cxn modelId="{84179D85-963F-4CBF-88CC-245B96C0C51A}" srcId="{EFCD3B26-E01A-4CAE-B4F7-1C03074050E7}" destId="{657089CC-6D03-48E4-92FB-6C3D50C513C1}" srcOrd="1" destOrd="0" parTransId="{AC76C5B8-5BFF-44E9-9792-7527C1444222}" sibTransId="{BB947F7B-A9D1-438A-A080-BACF86C2AD74}"/>
     <dgm:cxn modelId="{41383C8D-27D4-44CD-A9AF-4A47E3B618FE}" srcId="{EFCD3B26-E01A-4CAE-B4F7-1C03074050E7}" destId="{3C4E0236-B1E7-4928-8B88-ABFC5E15DF27}" srcOrd="4" destOrd="0" parTransId="{F0C7C66C-5732-4289-B1D7-C71565E6E5B4}" sibTransId="{A414CB4D-C648-4F88-910E-A5DD52967836}"/>
-    <dgm:cxn modelId="{64B240A6-6FE4-4953-8169-B1C7C8975973}" type="presOf" srcId="{657089CC-6D03-48E4-92FB-6C3D50C513C1}" destId="{C3E3A799-F42E-4007-9929-36346A0DD90E}" srcOrd="0" destOrd="0" presId="urn:microsoft.com/office/officeart/2005/8/layout/vList2"/>
-    <dgm:cxn modelId="{023AF4EA-C4B8-4124-A89A-3BBCF426A6D8}" type="presOf" srcId="{88F9156F-4E4D-4082-A4EB-98CF8CBC7741}" destId="{9AA7C051-D100-42DE-8698-87FD3361DD9A}" srcOrd="0" destOrd="0" presId="urn:microsoft.com/office/officeart/2005/8/layout/vList2"/>
-    <dgm:cxn modelId="{3A02A2A8-153E-471E-8B75-BA0306A2A601}" type="presParOf" srcId="{A2315941-E67D-469D-B013-53FEAA4AAA88}" destId="{9AA7C051-D100-42DE-8698-87FD3361DD9A}" srcOrd="0" destOrd="0" presId="urn:microsoft.com/office/officeart/2005/8/layout/vList2"/>
-    <dgm:cxn modelId="{267F571D-0DB6-4DB5-A3AA-7AE3C33CFFAA}" type="presParOf" srcId="{A2315941-E67D-469D-B013-53FEAA4AAA88}" destId="{CD2BFD66-AA3A-4147-A424-7B231826A48E}" srcOrd="1" destOrd="0" presId="urn:microsoft.com/office/officeart/2005/8/layout/vList2"/>
-    <dgm:cxn modelId="{269C3EEF-6CB7-4D12-8A0E-EFFF073973C4}" type="presParOf" srcId="{A2315941-E67D-469D-B013-53FEAA4AAA88}" destId="{C3E3A799-F42E-4007-9929-36346A0DD90E}" srcOrd="2" destOrd="0" presId="urn:microsoft.com/office/officeart/2005/8/layout/vList2"/>
-    <dgm:cxn modelId="{778FF7EE-3FBD-438C-9654-E9C06A719C3A}" type="presParOf" srcId="{A2315941-E67D-469D-B013-53FEAA4AAA88}" destId="{1F6FFEA8-732B-4CF3-A043-BA4E2125FE8D}" srcOrd="3" destOrd="0" presId="urn:microsoft.com/office/officeart/2005/8/layout/vList2"/>
-    <dgm:cxn modelId="{0AB06A01-3367-405D-ADB9-80312CC77A14}" type="presParOf" srcId="{A2315941-E67D-469D-B013-53FEAA4AAA88}" destId="{314A8269-D391-4370-A887-02DB3D355D6F}" srcOrd="4" destOrd="0" presId="urn:microsoft.com/office/officeart/2005/8/layout/vList2"/>
-    <dgm:cxn modelId="{A3E5F1F4-1FB1-468E-8E35-2B1D0B544917}" type="presParOf" srcId="{A2315941-E67D-469D-B013-53FEAA4AAA88}" destId="{769CF8A1-D01A-4D7D-BB36-E4F10D4CDBA9}" srcOrd="5" destOrd="0" presId="urn:microsoft.com/office/officeart/2005/8/layout/vList2"/>
-    <dgm:cxn modelId="{53825875-467F-4767-8491-747BA7D61E8F}" type="presParOf" srcId="{A2315941-E67D-469D-B013-53FEAA4AAA88}" destId="{A722EDB7-9240-43F7-A2DA-B862C974FF6D}" srcOrd="6" destOrd="0" presId="urn:microsoft.com/office/officeart/2005/8/layout/vList2"/>
-    <dgm:cxn modelId="{26452D8B-3307-4417-9890-9DF9ADF8A757}" type="presParOf" srcId="{A2315941-E67D-469D-B013-53FEAA4AAA88}" destId="{FFC4FE08-0993-44CC-A5FD-692FF18D3808}" srcOrd="7" destOrd="0" presId="urn:microsoft.com/office/officeart/2005/8/layout/vList2"/>
-    <dgm:cxn modelId="{3E2FE6EC-7883-43FD-BC08-2D52FA512126}" type="presParOf" srcId="{A2315941-E67D-469D-B013-53FEAA4AAA88}" destId="{895A0BCE-08B0-4AD7-A31D-19B2F7C9D3F8}" srcOrd="8" destOrd="0" presId="urn:microsoft.com/office/officeart/2005/8/layout/vList2"/>
-    <dgm:cxn modelId="{F9307E2A-4286-4575-9674-8F2502A3CEDB}" type="presParOf" srcId="{A2315941-E67D-469D-B013-53FEAA4AAA88}" destId="{ADBC4610-6CC9-47F3-9C06-527D0A21EC99}" srcOrd="9" destOrd="0" presId="urn:microsoft.com/office/officeart/2005/8/layout/vList2"/>
-    <dgm:cxn modelId="{33B5262D-2317-43FF-9650-A1ED6E95CC2F}" type="presParOf" srcId="{A2315941-E67D-469D-B013-53FEAA4AAA88}" destId="{F3C1272A-4E7A-4FC2-A8D1-EEA8D4EFA074}" srcOrd="10" destOrd="0" presId="urn:microsoft.com/office/officeart/2005/8/layout/vList2"/>
+    <dgm:cxn modelId="{8D1CA2A5-B4F9-493B-A5AA-8CD636DDDA23}" type="presOf" srcId="{C9CA41CA-AF0E-4815-BB97-1BDC5C84F2B1}" destId="{314A8269-D391-4370-A887-02DB3D355D6F}" srcOrd="0" destOrd="0" presId="urn:microsoft.com/office/officeart/2005/8/layout/vList2"/>
+    <dgm:cxn modelId="{DB9C24AB-2EC1-4A86-ADDC-8595343E8D35}" type="presOf" srcId="{EFCD3B26-E01A-4CAE-B4F7-1C03074050E7}" destId="{A2315941-E67D-469D-B013-53FEAA4AAA88}" srcOrd="0" destOrd="0" presId="urn:microsoft.com/office/officeart/2005/8/layout/vList2"/>
+    <dgm:cxn modelId="{100FEBFE-950C-4E52-862F-546844EEC863}" type="presOf" srcId="{F20A1811-B7EB-43B3-AD52-ECE1F8885B03}" destId="{A722EDB7-9240-43F7-A2DA-B862C974FF6D}" srcOrd="0" destOrd="0" presId="urn:microsoft.com/office/officeart/2005/8/layout/vList2"/>
+    <dgm:cxn modelId="{E277A4A8-834D-48B1-A78A-1113579A4C57}" type="presParOf" srcId="{A2315941-E67D-469D-B013-53FEAA4AAA88}" destId="{9AA7C051-D100-42DE-8698-87FD3361DD9A}" srcOrd="0" destOrd="0" presId="urn:microsoft.com/office/officeart/2005/8/layout/vList2"/>
+    <dgm:cxn modelId="{F1CD237C-2EC5-4DD8-9D98-39FA63196FE9}" type="presParOf" srcId="{A2315941-E67D-469D-B013-53FEAA4AAA88}" destId="{CD2BFD66-AA3A-4147-A424-7B231826A48E}" srcOrd="1" destOrd="0" presId="urn:microsoft.com/office/officeart/2005/8/layout/vList2"/>
+    <dgm:cxn modelId="{B0B95AE7-CA1E-48C5-999D-6832F476040E}" type="presParOf" srcId="{A2315941-E67D-469D-B013-53FEAA4AAA88}" destId="{C3E3A799-F42E-4007-9929-36346A0DD90E}" srcOrd="2" destOrd="0" presId="urn:microsoft.com/office/officeart/2005/8/layout/vList2"/>
+    <dgm:cxn modelId="{1AA9D77D-E1B5-4314-B7D7-826621074849}" type="presParOf" srcId="{A2315941-E67D-469D-B013-53FEAA4AAA88}" destId="{1F6FFEA8-732B-4CF3-A043-BA4E2125FE8D}" srcOrd="3" destOrd="0" presId="urn:microsoft.com/office/officeart/2005/8/layout/vList2"/>
+    <dgm:cxn modelId="{F7F45B9B-C820-424D-9E94-FBADE8C1ABF2}" type="presParOf" srcId="{A2315941-E67D-469D-B013-53FEAA4AAA88}" destId="{314A8269-D391-4370-A887-02DB3D355D6F}" srcOrd="4" destOrd="0" presId="urn:microsoft.com/office/officeart/2005/8/layout/vList2"/>
+    <dgm:cxn modelId="{AB9D6409-1A95-45F5-8545-B740A964DAEF}" type="presParOf" srcId="{A2315941-E67D-469D-B013-53FEAA4AAA88}" destId="{769CF8A1-D01A-4D7D-BB36-E4F10D4CDBA9}" srcOrd="5" destOrd="0" presId="urn:microsoft.com/office/officeart/2005/8/layout/vList2"/>
+    <dgm:cxn modelId="{65C32210-26C4-4C3A-8D03-26BA0A678F3A}" type="presParOf" srcId="{A2315941-E67D-469D-B013-53FEAA4AAA88}" destId="{A722EDB7-9240-43F7-A2DA-B862C974FF6D}" srcOrd="6" destOrd="0" presId="urn:microsoft.com/office/officeart/2005/8/layout/vList2"/>
+    <dgm:cxn modelId="{1E208AE7-E153-44CF-99C1-2A4CCE33C41A}" type="presParOf" srcId="{A2315941-E67D-469D-B013-53FEAA4AAA88}" destId="{FFC4FE08-0993-44CC-A5FD-692FF18D3808}" srcOrd="7" destOrd="0" presId="urn:microsoft.com/office/officeart/2005/8/layout/vList2"/>
+    <dgm:cxn modelId="{19C8EDD4-67FE-44A5-84AA-6BC37EF92A05}" type="presParOf" srcId="{A2315941-E67D-469D-B013-53FEAA4AAA88}" destId="{895A0BCE-08B0-4AD7-A31D-19B2F7C9D3F8}" srcOrd="8" destOrd="0" presId="urn:microsoft.com/office/officeart/2005/8/layout/vList2"/>
+    <dgm:cxn modelId="{12BF5A95-6E4E-449E-9987-8793CA1653B6}" type="presParOf" srcId="{A2315941-E67D-469D-B013-53FEAA4AAA88}" destId="{ADBC4610-6CC9-47F3-9C06-527D0A21EC99}" srcOrd="9" destOrd="0" presId="urn:microsoft.com/office/officeart/2005/8/layout/vList2"/>
+    <dgm:cxn modelId="{4504F3A5-9189-4338-A899-41E61171D3A8}" type="presParOf" srcId="{A2315941-E67D-469D-B013-53FEAA4AAA88}" destId="{F3C1272A-4E7A-4FC2-A8D1-EEA8D4EFA074}" srcOrd="10" destOrd="0" presId="urn:microsoft.com/office/officeart/2005/8/layout/vList2"/>
   </dgm:cxnLst>
   <dgm:bg/>
   <dgm:whole/>
@@ -2577,20 +2538,8 @@
             <a:buNone/>
           </a:pPr>
           <a:r>
-            <a:rPr lang="en-US" sz="3400" kern="1200" dirty="0"/>
-            <a:t>La </a:t>
-          </a:r>
-          <a:r>
-            <a:rPr lang="en-US" sz="3400" kern="1200" dirty="0" err="1"/>
-            <a:t>fonction</a:t>
-          </a:r>
-          <a:r>
-            <a:rPr lang="en-US" sz="3400" kern="1200" dirty="0"/>
-            <a:t> </a:t>
-          </a:r>
-          <a:r>
-            <a:rPr lang="en-US" sz="3400" kern="1200" dirty="0" err="1"/>
-            <a:t>d’onde</a:t>
+            <a:rPr lang="en-US" sz="3400" kern="1200"/>
+            <a:t>La fonction d’onde</a:t>
           </a:r>
           <a:endParaRPr lang="en-US" sz="3400" kern="1200" dirty="0"/>
         </a:p>
@@ -2668,9 +2617,10 @@
             <a:buNone/>
           </a:pPr>
           <a:r>
-            <a:rPr lang="en-US" sz="3400" kern="1200" dirty="0"/>
+            <a:rPr lang="en-US" sz="3400" kern="1200"/>
             <a:t>Les observables</a:t>
           </a:r>
+          <a:endParaRPr lang="en-US" sz="3400" kern="1200" dirty="0"/>
         </a:p>
       </dsp:txBody>
       <dsp:txXfrm>
@@ -2746,12 +2696,8 @@
             <a:buNone/>
           </a:pPr>
           <a:r>
-            <a:rPr lang="en-US" sz="3400" kern="1200" dirty="0"/>
-            <a:t>Les </a:t>
-          </a:r>
-          <a:r>
-            <a:rPr lang="en-US" sz="3400" kern="1200" dirty="0" err="1"/>
-            <a:t>mesures</a:t>
+            <a:rPr lang="en-US" sz="3400" kern="1200"/>
+            <a:t>Les mesures</a:t>
           </a:r>
           <a:endParaRPr lang="en-US" sz="3400" kern="1200" dirty="0"/>
         </a:p>
@@ -2829,12 +2775,8 @@
             <a:buNone/>
           </a:pPr>
           <a:r>
-            <a:rPr lang="en-US" sz="3400" kern="1200" dirty="0"/>
-            <a:t>Les </a:t>
-          </a:r>
-          <a:r>
-            <a:rPr lang="en-US" sz="3400" kern="1200" dirty="0" err="1"/>
-            <a:t>probabilités</a:t>
+            <a:rPr lang="en-US" sz="3400" kern="1200"/>
+            <a:t>Les probabilités</a:t>
           </a:r>
           <a:endParaRPr lang="en-US" sz="3400" kern="1200" dirty="0"/>
         </a:p>
@@ -2912,16 +2854,8 @@
             <a:buNone/>
           </a:pPr>
           <a:r>
-            <a:rPr lang="en-US" sz="3400" kern="1200" dirty="0" err="1"/>
-            <a:t>Évolution</a:t>
-          </a:r>
-          <a:r>
-            <a:rPr lang="en-US" sz="3400" kern="1200" dirty="0"/>
-            <a:t> </a:t>
-          </a:r>
-          <a:r>
-            <a:rPr lang="en-US" sz="3400" kern="1200" dirty="0" err="1"/>
-            <a:t>temporelle</a:t>
+            <a:rPr lang="en-US" sz="3400" kern="1200"/>
+            <a:t>Évolution temporelle</a:t>
           </a:r>
           <a:endParaRPr lang="en-US" sz="3400" kern="1200" dirty="0"/>
         </a:p>
@@ -2999,24 +2933,8 @@
             <a:buNone/>
           </a:pPr>
           <a:r>
-            <a:rPr lang="en-US" sz="3400" kern="1200" dirty="0" err="1"/>
-            <a:t>Réduction</a:t>
-          </a:r>
-          <a:r>
-            <a:rPr lang="en-US" sz="3400" kern="1200" dirty="0"/>
-            <a:t> du </a:t>
-          </a:r>
-          <a:r>
-            <a:rPr lang="en-US" sz="3400" kern="1200" dirty="0" err="1"/>
-            <a:t>paquet</a:t>
-          </a:r>
-          <a:r>
-            <a:rPr lang="en-US" sz="3400" kern="1200" dirty="0"/>
-            <a:t> </a:t>
-          </a:r>
-          <a:r>
-            <a:rPr lang="en-US" sz="3400" kern="1200" dirty="0" err="1"/>
-            <a:t>d’onde</a:t>
+            <a:rPr lang="en-US" sz="3400" kern="1200"/>
+            <a:t>Réduction du paquet d’onde</a:t>
           </a:r>
           <a:endParaRPr lang="en-US" sz="3400" kern="1200" dirty="0"/>
         </a:p>
@@ -6110,7 +6028,7 @@
           <a:p>
             <a:fld id="{FDBD420C-7621-46C4-B0D7-0A7E12FF1E5F}" type="datetimeFigureOut">
               <a:rPr lang="en-CA" smtClean="0"/>
-              <a:t>2020-02-15</a:t>
+              <a:t>2020-02-16</a:t>
             </a:fld>
             <a:endParaRPr lang="en-CA"/>
           </a:p>
@@ -6310,7 +6228,7 @@
           <a:p>
             <a:fld id="{FDBD420C-7621-46C4-B0D7-0A7E12FF1E5F}" type="datetimeFigureOut">
               <a:rPr lang="en-CA" smtClean="0"/>
-              <a:t>2020-02-15</a:t>
+              <a:t>2020-02-16</a:t>
             </a:fld>
             <a:endParaRPr lang="en-CA"/>
           </a:p>
@@ -6520,7 +6438,7 @@
           <a:p>
             <a:fld id="{FDBD420C-7621-46C4-B0D7-0A7E12FF1E5F}" type="datetimeFigureOut">
               <a:rPr lang="en-CA" smtClean="0"/>
-              <a:t>2020-02-15</a:t>
+              <a:t>2020-02-16</a:t>
             </a:fld>
             <a:endParaRPr lang="en-CA"/>
           </a:p>
@@ -6720,7 +6638,7 @@
           <a:p>
             <a:fld id="{FDBD420C-7621-46C4-B0D7-0A7E12FF1E5F}" type="datetimeFigureOut">
               <a:rPr lang="en-CA" smtClean="0"/>
-              <a:t>2020-02-15</a:t>
+              <a:t>2020-02-16</a:t>
             </a:fld>
             <a:endParaRPr lang="en-CA"/>
           </a:p>
@@ -6996,7 +6914,7 @@
           <a:p>
             <a:fld id="{FDBD420C-7621-46C4-B0D7-0A7E12FF1E5F}" type="datetimeFigureOut">
               <a:rPr lang="en-CA" smtClean="0"/>
-              <a:t>2020-02-15</a:t>
+              <a:t>2020-02-16</a:t>
             </a:fld>
             <a:endParaRPr lang="en-CA"/>
           </a:p>
@@ -7264,7 +7182,7 @@
           <a:p>
             <a:fld id="{FDBD420C-7621-46C4-B0D7-0A7E12FF1E5F}" type="datetimeFigureOut">
               <a:rPr lang="en-CA" smtClean="0"/>
-              <a:t>2020-02-15</a:t>
+              <a:t>2020-02-16</a:t>
             </a:fld>
             <a:endParaRPr lang="en-CA"/>
           </a:p>
@@ -7679,7 +7597,7 @@
           <a:p>
             <a:fld id="{FDBD420C-7621-46C4-B0D7-0A7E12FF1E5F}" type="datetimeFigureOut">
               <a:rPr lang="en-CA" smtClean="0"/>
-              <a:t>2020-02-15</a:t>
+              <a:t>2020-02-16</a:t>
             </a:fld>
             <a:endParaRPr lang="en-CA"/>
           </a:p>
@@ -7821,7 +7739,7 @@
           <a:p>
             <a:fld id="{FDBD420C-7621-46C4-B0D7-0A7E12FF1E5F}" type="datetimeFigureOut">
               <a:rPr lang="en-CA" smtClean="0"/>
-              <a:t>2020-02-15</a:t>
+              <a:t>2020-02-16</a:t>
             </a:fld>
             <a:endParaRPr lang="en-CA"/>
           </a:p>
@@ -7934,7 +7852,7 @@
           <a:p>
             <a:fld id="{FDBD420C-7621-46C4-B0D7-0A7E12FF1E5F}" type="datetimeFigureOut">
               <a:rPr lang="en-CA" smtClean="0"/>
-              <a:t>2020-02-15</a:t>
+              <a:t>2020-02-16</a:t>
             </a:fld>
             <a:endParaRPr lang="en-CA"/>
           </a:p>
@@ -8247,7 +8165,7 @@
           <a:p>
             <a:fld id="{FDBD420C-7621-46C4-B0D7-0A7E12FF1E5F}" type="datetimeFigureOut">
               <a:rPr lang="en-CA" smtClean="0"/>
-              <a:t>2020-02-15</a:t>
+              <a:t>2020-02-16</a:t>
             </a:fld>
             <a:endParaRPr lang="en-CA"/>
           </a:p>
@@ -8536,7 +8454,7 @@
           <a:p>
             <a:fld id="{FDBD420C-7621-46C4-B0D7-0A7E12FF1E5F}" type="datetimeFigureOut">
               <a:rPr lang="en-CA" smtClean="0"/>
-              <a:t>2020-02-15</a:t>
+              <a:t>2020-02-16</a:t>
             </a:fld>
             <a:endParaRPr lang="en-CA"/>
           </a:p>
@@ -8779,7 +8697,7 @@
           <a:p>
             <a:fld id="{FDBD420C-7621-46C4-B0D7-0A7E12FF1E5F}" type="datetimeFigureOut">
               <a:rPr lang="en-CA" smtClean="0"/>
-              <a:t>2020-02-15</a:t>
+              <a:t>2020-02-16</a:t>
             </a:fld>
             <a:endParaRPr lang="en-CA"/>
           </a:p>
@@ -9302,74 +9220,26 @@
           <a:lstStyle/>
           <a:p>
             <a:br>
-              <a:rPr lang="en-CA" sz="4400" dirty="0">
+              <a:rPr lang="en-CA" sz="4400">
                 <a:solidFill>
                   <a:srgbClr val="FFFFFF"/>
                 </a:solidFill>
               </a:rPr>
             </a:br>
             <a:br>
-              <a:rPr lang="en-CA" sz="4400" dirty="0">
+              <a:rPr lang="en-CA" sz="4400">
                 <a:solidFill>
                   <a:srgbClr val="FFFFFF"/>
                 </a:solidFill>
               </a:rPr>
             </a:br>
             <a:r>
-              <a:rPr lang="en-CA" sz="4400" dirty="0" err="1">
+              <a:rPr lang="en-CA" sz="4400">
                 <a:solidFill>
                   <a:srgbClr val="FFFFFF"/>
                 </a:solidFill>
               </a:rPr>
-              <a:t>Chapitre</a:t>
-            </a:r>
-            <a:r>
-              <a:rPr lang="en-CA" sz="4400" dirty="0">
-                <a:solidFill>
-                  <a:srgbClr val="FFFFFF"/>
-                </a:solidFill>
-              </a:rPr>
-              <a:t> 2 : Les </a:t>
-            </a:r>
-            <a:r>
-              <a:rPr lang="en-CA" sz="4400" dirty="0" err="1">
-                <a:solidFill>
-                  <a:srgbClr val="FFFFFF"/>
-                </a:solidFill>
-              </a:rPr>
-              <a:t>postulats</a:t>
-            </a:r>
-            <a:r>
-              <a:rPr lang="en-CA" sz="4400" dirty="0">
-                <a:solidFill>
-                  <a:srgbClr val="FFFFFF"/>
-                </a:solidFill>
-              </a:rPr>
-              <a:t> de la </a:t>
-            </a:r>
-            <a:r>
-              <a:rPr lang="en-CA" sz="4400" dirty="0" err="1">
-                <a:solidFill>
-                  <a:srgbClr val="FFFFFF"/>
-                </a:solidFill>
-              </a:rPr>
-              <a:t>mécanique</a:t>
-            </a:r>
-            <a:r>
-              <a:rPr lang="en-CA" sz="4400" dirty="0">
-                <a:solidFill>
-                  <a:srgbClr val="FFFFFF"/>
-                </a:solidFill>
-              </a:rPr>
-              <a:t> </a:t>
-            </a:r>
-            <a:r>
-              <a:rPr lang="en-CA" sz="4400" dirty="0" err="1">
-                <a:solidFill>
-                  <a:srgbClr val="FFFFFF"/>
-                </a:solidFill>
-              </a:rPr>
-              <a:t>quantiques</a:t>
+              <a:t>Chapitre 2 : Les postulats de la mécanique quantiques</a:t>
             </a:r>
             <a:endParaRPr lang="en-CA" sz="4400" dirty="0">
               <a:solidFill>
@@ -9431,6 +9301,972 @@
 </file>
 
 <file path=ppt/slides/slide10.xml><?xml version="1.0" encoding="utf-8"?>
+<p:sld xmlns:a="http://schemas.openxmlformats.org/drawingml/2006/main" xmlns:r="http://schemas.openxmlformats.org/officeDocument/2006/relationships" xmlns:p="http://schemas.openxmlformats.org/presentationml/2006/main">
+  <p:cSld>
+    <p:spTree>
+      <p:nvGrpSpPr>
+        <p:cNvPr id="1" name=""/>
+        <p:cNvGrpSpPr/>
+        <p:nvPr/>
+      </p:nvGrpSpPr>
+      <p:grpSpPr>
+        <a:xfrm>
+          <a:off x="0" y="0"/>
+          <a:ext cx="0" cy="0"/>
+          <a:chOff x="0" y="0"/>
+          <a:chExt cx="0" cy="0"/>
+        </a:xfrm>
+      </p:grpSpPr>
+      <p:sp>
+        <p:nvSpPr>
+          <p:cNvPr id="10" name="Rectangle 9">
+            <a:extLst>
+              <a:ext uri="{FF2B5EF4-FFF2-40B4-BE49-F238E27FC236}">
+                <a16:creationId xmlns:a16="http://schemas.microsoft.com/office/drawing/2014/main" id="{EBF87945-A001-489F-9D9B-7D9435F0B9CA}"/>
+              </a:ext>
+              <a:ext uri="{C183D7F6-B498-43B3-948B-1728B52AA6E4}">
+                <adec:decorative xmlns:adec="http://schemas.microsoft.com/office/drawing/2017/decorative" val="1"/>
+              </a:ext>
+            </a:extLst>
+          </p:cNvPr>
+          <p:cNvSpPr>
+            <a:spLocks noGrp="1" noRot="1" noChangeAspect="1" noMove="1" noResize="1" noEditPoints="1" noAdjustHandles="1" noChangeArrowheads="1" noChangeShapeType="1" noTextEdit="1"/>
+          </p:cNvSpPr>
+          <p:nvPr>
+            <p:custDataLst>
+              <p:tags r:id="rId1"/>
+            </p:custDataLst>
+            <p:extLst>
+              <p:ext uri="{386F3935-93C4-4BCD-93E2-E3B085C9AB24}">
+                <p16:designElem xmlns:p16="http://schemas.microsoft.com/office/powerpoint/2015/main" val="1"/>
+              </p:ext>
+            </p:extLst>
+          </p:nvPr>
+        </p:nvSpPr>
+        <p:spPr>
+          <a:xfrm>
+            <a:off x="0" y="1"/>
+            <a:ext cx="12192000" cy="1911096"/>
+          </a:xfrm>
+          <a:prstGeom prst="rect">
+            <a:avLst/>
+          </a:prstGeom>
+          <a:solidFill>
+            <a:schemeClr val="accent5"/>
+          </a:solidFill>
+          <a:ln>
+            <a:noFill/>
+          </a:ln>
+        </p:spPr>
+        <p:style>
+          <a:lnRef idx="2">
+            <a:schemeClr val="accent1">
+              <a:shade val="50000"/>
+            </a:schemeClr>
+          </a:lnRef>
+          <a:fillRef idx="1">
+            <a:schemeClr val="accent1"/>
+          </a:fillRef>
+          <a:effectRef idx="0">
+            <a:schemeClr val="accent1"/>
+          </a:effectRef>
+          <a:fontRef idx="minor">
+            <a:schemeClr val="lt1"/>
+          </a:fontRef>
+        </p:style>
+        <p:txBody>
+          <a:bodyPr rtlCol="0" anchor="ctr"/>
+          <a:lstStyle/>
+          <a:p>
+            <a:pPr marL="0" marR="0" lvl="0" indent="0" algn="ctr" defTabSz="914400" rtl="0" eaLnBrk="1" fontAlgn="auto" latinLnBrk="0" hangingPunct="1">
+              <a:lnSpc>
+                <a:spcPct val="100000"/>
+              </a:lnSpc>
+              <a:spcBef>
+                <a:spcPts val="0"/>
+              </a:spcBef>
+              <a:spcAft>
+                <a:spcPts val="0"/>
+              </a:spcAft>
+              <a:buClrTx/>
+              <a:buSzTx/>
+              <a:buFontTx/>
+              <a:buNone/>
+              <a:tabLst/>
+              <a:defRPr/>
+            </a:pPr>
+            <a:endParaRPr kumimoji="0" lang="en-US" sz="1800" b="0" i="0" u="none" strike="noStrike" kern="1200" cap="none" spc="0" normalizeH="0" baseline="0" noProof="0">
+              <a:ln>
+                <a:noFill/>
+              </a:ln>
+              <a:solidFill>
+                <a:prstClr val="white"/>
+              </a:solidFill>
+              <a:effectLst/>
+              <a:uLnTx/>
+              <a:uFillTx/>
+              <a:latin typeface="Calibri" panose="020F0502020204030204"/>
+              <a:ea typeface="+mn-ea"/>
+              <a:cs typeface="+mn-cs"/>
+            </a:endParaRPr>
+          </a:p>
+        </p:txBody>
+      </p:sp>
+      <p:sp>
+        <p:nvSpPr>
+          <p:cNvPr id="2" name="Title 1"/>
+          <p:cNvSpPr>
+            <a:spLocks noGrp="1"/>
+          </p:cNvSpPr>
+          <p:nvPr>
+            <p:ph type="title"/>
+            <p:custDataLst>
+              <p:tags r:id="rId2"/>
+            </p:custDataLst>
+          </p:nvPr>
+        </p:nvSpPr>
+        <p:spPr>
+          <a:xfrm>
+            <a:off x="838200" y="365760"/>
+            <a:ext cx="10515600" cy="1325563"/>
+          </a:xfrm>
+        </p:spPr>
+        <p:txBody>
+          <a:bodyPr>
+            <a:normAutofit/>
+          </a:bodyPr>
+          <a:lstStyle/>
+          <a:p>
+            <a:r>
+              <a:rPr lang="en-US" dirty="0">
+                <a:solidFill>
+                  <a:schemeClr val="bg1"/>
+                </a:solidFill>
+              </a:rPr>
+              <a:t>Les </a:t>
+            </a:r>
+            <a:r>
+              <a:rPr lang="en-US" dirty="0" err="1">
+                <a:solidFill>
+                  <a:schemeClr val="bg1"/>
+                </a:solidFill>
+              </a:rPr>
+              <a:t>mesures</a:t>
+            </a:r>
+            <a:endParaRPr lang="en-CA" dirty="0">
+              <a:solidFill>
+                <a:schemeClr val="bg1"/>
+              </a:solidFill>
+            </a:endParaRPr>
+          </a:p>
+        </p:txBody>
+      </p:sp>
+      <mc:AlternateContent xmlns:mc="http://schemas.openxmlformats.org/markup-compatibility/2006">
+        <mc:Choice xmlns:a14="http://schemas.microsoft.com/office/drawing/2010/main" Requires="a14">
+          <p:sp>
+            <p:nvSpPr>
+              <p:cNvPr id="4" name="TextBox 3"/>
+              <p:cNvSpPr txBox="1"/>
+              <p:nvPr/>
+            </p:nvSpPr>
+            <p:spPr>
+              <a:xfrm>
+                <a:off x="620202" y="2289976"/>
+                <a:ext cx="11370365" cy="1544077"/>
+              </a:xfrm>
+              <a:prstGeom prst="rect">
+                <a:avLst/>
+              </a:prstGeom>
+              <a:noFill/>
+            </p:spPr>
+            <p:txBody>
+              <a:bodyPr wrap="square" rtlCol="0">
+                <a:spAutoFit/>
+              </a:bodyPr>
+              <a:lstStyle/>
+              <a:p>
+                <a:pPr marL="0" marR="0" lvl="0" indent="0" algn="l" defTabSz="914400" rtl="0" eaLnBrk="1" fontAlgn="auto" latinLnBrk="0" hangingPunct="1">
+                  <a:lnSpc>
+                    <a:spcPct val="100000"/>
+                  </a:lnSpc>
+                  <a:spcBef>
+                    <a:spcPts val="0"/>
+                  </a:spcBef>
+                  <a:spcAft>
+                    <a:spcPts val="0"/>
+                  </a:spcAft>
+                  <a:buClrTx/>
+                  <a:buSzTx/>
+                  <a:buFontTx/>
+                  <a:buNone/>
+                  <a:tabLst/>
+                  <a:defRPr/>
+                </a:pPr>
+                <a:r>
+                  <a:rPr kumimoji="0" lang="fr-FR" sz="1800" b="0" i="0" u="none" strike="noStrike" kern="1200" cap="none" spc="0" normalizeH="0" baseline="0" noProof="0" dirty="0">
+                    <a:ln>
+                      <a:noFill/>
+                    </a:ln>
+                    <a:solidFill>
+                      <a:prstClr val="black"/>
+                    </a:solidFill>
+                    <a:effectLst/>
+                    <a:uLnTx/>
+                    <a:uFillTx/>
+                    <a:latin typeface="Calibri" panose="020F0502020204030204"/>
+                    <a:ea typeface="+mn-ea"/>
+                    <a:cs typeface="+mn-cs"/>
+                  </a:rPr>
+                  <a:t>Soit une propriété physique du système correspond un opérateur, les seules valeurs observables sont les valeurs propres de cet opérateur. </a:t>
+                </a:r>
+              </a:p>
+              <a:p>
+                <a:pPr marL="0" marR="0" lvl="0" indent="0" algn="l" defTabSz="914400" rtl="0" eaLnBrk="1" fontAlgn="auto" latinLnBrk="0" hangingPunct="1">
+                  <a:lnSpc>
+                    <a:spcPct val="100000"/>
+                  </a:lnSpc>
+                  <a:spcBef>
+                    <a:spcPts val="0"/>
+                  </a:spcBef>
+                  <a:spcAft>
+                    <a:spcPts val="0"/>
+                  </a:spcAft>
+                  <a:buClrTx/>
+                  <a:buSzTx/>
+                  <a:buFontTx/>
+                  <a:buNone/>
+                  <a:tabLst/>
+                  <a:defRPr/>
+                </a:pPr>
+                <a:endParaRPr lang="fr-FR" dirty="0">
+                  <a:solidFill>
+                    <a:prstClr val="black"/>
+                  </a:solidFill>
+                  <a:latin typeface="Calibri" panose="020F0502020204030204"/>
+                </a:endParaRPr>
+              </a:p>
+              <a:p>
+                <a:pPr marL="0" marR="0" lvl="0" indent="0" algn="l" defTabSz="914400" rtl="0" eaLnBrk="1" fontAlgn="auto" latinLnBrk="0" hangingPunct="1">
+                  <a:lnSpc>
+                    <a:spcPct val="100000"/>
+                  </a:lnSpc>
+                  <a:spcBef>
+                    <a:spcPts val="0"/>
+                  </a:spcBef>
+                  <a:spcAft>
+                    <a:spcPts val="0"/>
+                  </a:spcAft>
+                  <a:buClrTx/>
+                  <a:buSzTx/>
+                  <a:buFontTx/>
+                  <a:buNone/>
+                  <a:tabLst/>
+                  <a:defRPr/>
+                </a:pPr>
+                <a:r>
+                  <a:rPr kumimoji="0" lang="fr-FR" sz="1800" b="0" i="0" u="none" strike="noStrike" kern="1200" cap="none" spc="0" normalizeH="0" baseline="0" noProof="0" dirty="0">
+                    <a:ln>
+                      <a:noFill/>
+                    </a:ln>
+                    <a:solidFill>
+                      <a:prstClr val="black"/>
+                    </a:solidFill>
+                    <a:effectLst/>
+                    <a:uLnTx/>
+                    <a:uFillTx/>
+                    <a:latin typeface="Calibri" panose="020F0502020204030204"/>
+                    <a:ea typeface="+mn-ea"/>
+                    <a:cs typeface="+mn-cs"/>
+                  </a:rPr>
+                  <a:t>Opérateur relié à l’énergie est </a:t>
+                </a:r>
+                <a14:m>
+                  <m:oMath xmlns:m="http://schemas.openxmlformats.org/officeDocument/2006/math">
+                    <m:acc>
+                      <m:accPr>
+                        <m:chr m:val="̂"/>
+                        <m:ctrlPr>
+                          <a:rPr kumimoji="0" lang="en-US" sz="1800" b="0" i="1" u="none" strike="noStrike" kern="1200" cap="none" spc="0" normalizeH="0" baseline="0" noProof="0" smtClean="0">
+                            <a:ln>
+                              <a:noFill/>
+                            </a:ln>
+                            <a:solidFill>
+                              <a:prstClr val="black"/>
+                            </a:solidFill>
+                            <a:effectLst/>
+                            <a:uLnTx/>
+                            <a:uFillTx/>
+                            <a:latin typeface="Cambria Math" panose="02040503050406030204" pitchFamily="18" charset="0"/>
+                            <a:ea typeface="+mn-ea"/>
+                            <a:cs typeface="+mn-cs"/>
+                          </a:rPr>
+                        </m:ctrlPr>
+                      </m:accPr>
+                      <m:e>
+                        <m:r>
+                          <a:rPr kumimoji="0" lang="en-US" sz="1800" b="0" i="1" u="none" strike="noStrike" kern="1200" cap="none" spc="0" normalizeH="0" baseline="0" noProof="0" smtClean="0">
+                            <a:ln>
+                              <a:noFill/>
+                            </a:ln>
+                            <a:solidFill>
+                              <a:prstClr val="black"/>
+                            </a:solidFill>
+                            <a:effectLst/>
+                            <a:uLnTx/>
+                            <a:uFillTx/>
+                            <a:latin typeface="Cambria Math" panose="02040503050406030204" pitchFamily="18" charset="0"/>
+                            <a:ea typeface="+mn-ea"/>
+                            <a:cs typeface="+mn-cs"/>
+                          </a:rPr>
+                          <m:t>𝐻</m:t>
+                        </m:r>
+                      </m:e>
+                    </m:acc>
+                  </m:oMath>
+                </a14:m>
+                <a:endParaRPr kumimoji="0" lang="en-CA" sz="1800" b="0" i="0" u="none" strike="noStrike" kern="1200" cap="none" spc="0" normalizeH="0" baseline="0" noProof="0" dirty="0">
+                  <a:ln>
+                    <a:noFill/>
+                  </a:ln>
+                  <a:solidFill>
+                    <a:prstClr val="black"/>
+                  </a:solidFill>
+                  <a:effectLst/>
+                  <a:uLnTx/>
+                  <a:uFillTx/>
+                  <a:latin typeface="Calibri" panose="020F0502020204030204"/>
+                  <a:ea typeface="+mn-ea"/>
+                  <a:cs typeface="+mn-cs"/>
+                </a:endParaRPr>
+              </a:p>
+              <a:p>
+                <a:pPr lvl="0"/>
+                <a14:m>
+                  <m:oMathPara xmlns:m="http://schemas.openxmlformats.org/officeDocument/2006/math">
+                    <m:oMathParaPr>
+                      <m:jc m:val="centerGroup"/>
+                    </m:oMathParaPr>
+                    <m:oMath xmlns:m="http://schemas.openxmlformats.org/officeDocument/2006/math">
+                      <m:acc>
+                        <m:accPr>
+                          <m:chr m:val="̂"/>
+                          <m:ctrlPr>
+                            <a:rPr kumimoji="0" lang="en-US" sz="1800" b="0" i="1" u="none" strike="noStrike" kern="1200" cap="none" spc="0" normalizeH="0" baseline="0" noProof="0" smtClean="0">
+                              <a:ln>
+                                <a:noFill/>
+                              </a:ln>
+                              <a:solidFill>
+                                <a:prstClr val="black"/>
+                              </a:solidFill>
+                              <a:effectLst/>
+                              <a:uLnTx/>
+                              <a:uFillTx/>
+                              <a:latin typeface="Cambria Math" panose="02040503050406030204" pitchFamily="18" charset="0"/>
+                              <a:ea typeface="+mn-ea"/>
+                              <a:cs typeface="+mn-cs"/>
+                            </a:rPr>
+                          </m:ctrlPr>
+                        </m:accPr>
+                        <m:e>
+                          <m:r>
+                            <a:rPr kumimoji="0" lang="en-US" sz="1800" b="0" i="1" u="none" strike="noStrike" kern="1200" cap="none" spc="0" normalizeH="0" baseline="0" noProof="0" smtClean="0">
+                              <a:ln>
+                                <a:noFill/>
+                              </a:ln>
+                              <a:solidFill>
+                                <a:prstClr val="black"/>
+                              </a:solidFill>
+                              <a:effectLst/>
+                              <a:uLnTx/>
+                              <a:uFillTx/>
+                              <a:latin typeface="Cambria Math" panose="02040503050406030204" pitchFamily="18" charset="0"/>
+                              <a:ea typeface="+mn-ea"/>
+                              <a:cs typeface="+mn-cs"/>
+                            </a:rPr>
+                            <m:t>𝐻</m:t>
+                          </m:r>
+                        </m:e>
+                      </m:acc>
+                      <m:sSub>
+                        <m:sSubPr>
+                          <m:ctrlPr>
+                            <a:rPr kumimoji="0" lang="en-US" sz="1800" b="0" i="0" u="none" strike="noStrike" kern="1200" cap="none" spc="0" normalizeH="0" baseline="0" noProof="0" dirty="0" smtClean="0">
+                              <a:ln>
+                                <a:noFill/>
+                              </a:ln>
+                              <a:solidFill>
+                                <a:prstClr val="black"/>
+                              </a:solidFill>
+                              <a:effectLst/>
+                              <a:uLnTx/>
+                              <a:uFillTx/>
+                              <a:latin typeface="Cambria Math" panose="02040503050406030204" pitchFamily="18" charset="0"/>
+                              <a:ea typeface="+mn-ea"/>
+                              <a:cs typeface="+mn-cs"/>
+                            </a:rPr>
+                          </m:ctrlPr>
+                        </m:sSubPr>
+                        <m:e>
+                          <m:r>
+                            <m:rPr>
+                              <m:sty m:val="p"/>
+                            </m:rPr>
+                            <a:rPr kumimoji="0" lang="en-US" sz="1800" b="0" i="0" u="none" strike="noStrike" kern="1200" cap="none" spc="0" normalizeH="0" baseline="0" noProof="0" dirty="0" smtClean="0">
+                              <a:ln>
+                                <a:noFill/>
+                              </a:ln>
+                              <a:solidFill>
+                                <a:prstClr val="black"/>
+                              </a:solidFill>
+                              <a:effectLst/>
+                              <a:uLnTx/>
+                              <a:uFillTx/>
+                              <a:latin typeface="Cambria Math" panose="02040503050406030204" pitchFamily="18" charset="0"/>
+                              <a:ea typeface="+mn-ea"/>
+                              <a:cs typeface="+mn-cs"/>
+                            </a:rPr>
+                            <m:t>Ψ</m:t>
+                          </m:r>
+                        </m:e>
+                        <m:sub>
+                          <m:r>
+                            <m:rPr>
+                              <m:sty m:val="p"/>
+                            </m:rPr>
+                            <a:rPr kumimoji="0" lang="en-US" sz="1800" b="0" i="0" u="none" strike="noStrike" kern="1200" cap="none" spc="0" normalizeH="0" baseline="0" noProof="0" dirty="0" smtClean="0">
+                              <a:ln>
+                                <a:noFill/>
+                              </a:ln>
+                              <a:solidFill>
+                                <a:prstClr val="black"/>
+                              </a:solidFill>
+                              <a:effectLst/>
+                              <a:uLnTx/>
+                              <a:uFillTx/>
+                              <a:latin typeface="Cambria Math" panose="02040503050406030204" pitchFamily="18" charset="0"/>
+                              <a:ea typeface="+mn-ea"/>
+                              <a:cs typeface="+mn-cs"/>
+                            </a:rPr>
+                            <m:t>i</m:t>
+                          </m:r>
+                        </m:sub>
+                      </m:sSub>
+                      <m:d>
+                        <m:dPr>
+                          <m:ctrlPr>
+                            <a:rPr kumimoji="0" lang="en-US" sz="1800" b="0" i="1" u="none" strike="noStrike" kern="1200" cap="none" spc="0" normalizeH="0" baseline="0" noProof="0" dirty="0" smtClean="0">
+                              <a:ln>
+                                <a:noFill/>
+                              </a:ln>
+                              <a:solidFill>
+                                <a:prstClr val="black"/>
+                              </a:solidFill>
+                              <a:effectLst/>
+                              <a:uLnTx/>
+                              <a:uFillTx/>
+                              <a:latin typeface="Cambria Math" panose="02040503050406030204" pitchFamily="18" charset="0"/>
+                              <a:ea typeface="+mn-ea"/>
+                              <a:cs typeface="+mn-cs"/>
+                            </a:rPr>
+                          </m:ctrlPr>
+                        </m:dPr>
+                        <m:e>
+                          <m:acc>
+                            <m:accPr>
+                              <m:chr m:val="⃗"/>
+                              <m:ctrlPr>
+                                <a:rPr kumimoji="0" lang="en-US" sz="1800" b="0" i="1" u="none" strike="noStrike" kern="1200" cap="none" spc="0" normalizeH="0" baseline="0" noProof="0" dirty="0" smtClean="0">
+                                  <a:ln>
+                                    <a:noFill/>
+                                  </a:ln>
+                                  <a:solidFill>
+                                    <a:prstClr val="black"/>
+                                  </a:solidFill>
+                                  <a:effectLst/>
+                                  <a:uLnTx/>
+                                  <a:uFillTx/>
+                                  <a:latin typeface="Cambria Math" panose="02040503050406030204" pitchFamily="18" charset="0"/>
+                                  <a:ea typeface="+mn-ea"/>
+                                  <a:cs typeface="+mn-cs"/>
+                                </a:rPr>
+                              </m:ctrlPr>
+                            </m:accPr>
+                            <m:e>
+                              <m:r>
+                                <a:rPr kumimoji="0" lang="en-US" sz="1800" b="0" i="1" u="none" strike="noStrike" kern="1200" cap="none" spc="0" normalizeH="0" baseline="0" noProof="0" dirty="0" smtClean="0">
+                                  <a:ln>
+                                    <a:noFill/>
+                                  </a:ln>
+                                  <a:solidFill>
+                                    <a:prstClr val="black"/>
+                                  </a:solidFill>
+                                  <a:effectLst/>
+                                  <a:uLnTx/>
+                                  <a:uFillTx/>
+                                  <a:latin typeface="Cambria Math" panose="02040503050406030204" pitchFamily="18" charset="0"/>
+                                  <a:ea typeface="+mn-ea"/>
+                                  <a:cs typeface="+mn-cs"/>
+                                </a:rPr>
+                                <m:t>𝑞</m:t>
+                              </m:r>
+                            </m:e>
+                          </m:acc>
+                          <m:r>
+                            <a:rPr kumimoji="0" lang="en-US" sz="1800" b="0" i="1" u="none" strike="noStrike" kern="1200" cap="none" spc="0" normalizeH="0" baseline="0" noProof="0" dirty="0" smtClean="0">
+                              <a:ln>
+                                <a:noFill/>
+                              </a:ln>
+                              <a:solidFill>
+                                <a:prstClr val="black"/>
+                              </a:solidFill>
+                              <a:effectLst/>
+                              <a:uLnTx/>
+                              <a:uFillTx/>
+                              <a:latin typeface="Cambria Math" panose="02040503050406030204" pitchFamily="18" charset="0"/>
+                              <a:ea typeface="+mn-ea"/>
+                              <a:cs typeface="+mn-cs"/>
+                            </a:rPr>
+                            <m:t>,</m:t>
+                          </m:r>
+                          <m:r>
+                            <a:rPr kumimoji="0" lang="en-US" sz="1800" b="0" i="1" u="none" strike="noStrike" kern="1200" cap="none" spc="0" normalizeH="0" baseline="0" noProof="0" dirty="0" smtClean="0">
+                              <a:ln>
+                                <a:noFill/>
+                              </a:ln>
+                              <a:solidFill>
+                                <a:prstClr val="black"/>
+                              </a:solidFill>
+                              <a:effectLst/>
+                              <a:uLnTx/>
+                              <a:uFillTx/>
+                              <a:latin typeface="Cambria Math" panose="02040503050406030204" pitchFamily="18" charset="0"/>
+                              <a:ea typeface="+mn-ea"/>
+                              <a:cs typeface="+mn-cs"/>
+                            </a:rPr>
+                            <m:t>𝑡</m:t>
+                          </m:r>
+                        </m:e>
+                      </m:d>
+                      <m:r>
+                        <a:rPr kumimoji="0" lang="en-US" sz="1800" b="0" i="1" u="none" strike="noStrike" kern="1200" cap="none" spc="0" normalizeH="0" baseline="0" noProof="0" dirty="0" smtClean="0">
+                          <a:ln>
+                            <a:noFill/>
+                          </a:ln>
+                          <a:solidFill>
+                            <a:prstClr val="black"/>
+                          </a:solidFill>
+                          <a:effectLst/>
+                          <a:uLnTx/>
+                          <a:uFillTx/>
+                          <a:latin typeface="Cambria Math" panose="02040503050406030204" pitchFamily="18" charset="0"/>
+                          <a:ea typeface="+mn-ea"/>
+                          <a:cs typeface="+mn-cs"/>
+                        </a:rPr>
+                        <m:t>=</m:t>
+                      </m:r>
+                      <m:sSub>
+                        <m:sSubPr>
+                          <m:ctrlPr>
+                            <a:rPr kumimoji="0" lang="en-US" sz="1800" b="0" i="1" u="none" strike="noStrike" kern="1200" cap="none" spc="0" normalizeH="0" baseline="0" noProof="0" dirty="0" smtClean="0">
+                              <a:ln>
+                                <a:noFill/>
+                              </a:ln>
+                              <a:solidFill>
+                                <a:prstClr val="black"/>
+                              </a:solidFill>
+                              <a:effectLst/>
+                              <a:uLnTx/>
+                              <a:uFillTx/>
+                              <a:latin typeface="Cambria Math" panose="02040503050406030204" pitchFamily="18" charset="0"/>
+                              <a:ea typeface="+mn-ea"/>
+                              <a:cs typeface="+mn-cs"/>
+                            </a:rPr>
+                          </m:ctrlPr>
+                        </m:sSubPr>
+                        <m:e>
+                          <m:r>
+                            <a:rPr kumimoji="0" lang="en-US" sz="1800" b="0" i="1" u="none" strike="noStrike" kern="1200" cap="none" spc="0" normalizeH="0" baseline="0" noProof="0" dirty="0" smtClean="0">
+                              <a:ln>
+                                <a:noFill/>
+                              </a:ln>
+                              <a:solidFill>
+                                <a:prstClr val="black"/>
+                              </a:solidFill>
+                              <a:effectLst/>
+                              <a:uLnTx/>
+                              <a:uFillTx/>
+                              <a:latin typeface="Cambria Math" panose="02040503050406030204" pitchFamily="18" charset="0"/>
+                              <a:ea typeface="+mn-ea"/>
+                              <a:cs typeface="+mn-cs"/>
+                            </a:rPr>
+                            <m:t>𝐸</m:t>
+                          </m:r>
+                        </m:e>
+                        <m:sub>
+                          <m:r>
+                            <a:rPr kumimoji="0" lang="en-US" sz="1800" b="0" i="1" u="none" strike="noStrike" kern="1200" cap="none" spc="0" normalizeH="0" baseline="0" noProof="0" dirty="0" smtClean="0">
+                              <a:ln>
+                                <a:noFill/>
+                              </a:ln>
+                              <a:solidFill>
+                                <a:prstClr val="black"/>
+                              </a:solidFill>
+                              <a:effectLst/>
+                              <a:uLnTx/>
+                              <a:uFillTx/>
+                              <a:latin typeface="Cambria Math" panose="02040503050406030204" pitchFamily="18" charset="0"/>
+                              <a:ea typeface="+mn-ea"/>
+                              <a:cs typeface="+mn-cs"/>
+                            </a:rPr>
+                            <m:t>𝑖</m:t>
+                          </m:r>
+                        </m:sub>
+                      </m:sSub>
+                      <m:sSub>
+                        <m:sSubPr>
+                          <m:ctrlPr>
+                            <a:rPr lang="en-US" b="0" i="0" dirty="0" smtClean="0">
+                              <a:solidFill>
+                                <a:prstClr val="black"/>
+                              </a:solidFill>
+                              <a:latin typeface="Cambria Math" panose="02040503050406030204" pitchFamily="18" charset="0"/>
+                            </a:rPr>
+                          </m:ctrlPr>
+                        </m:sSubPr>
+                        <m:e>
+                          <m:r>
+                            <m:rPr>
+                              <m:sty m:val="p"/>
+                            </m:rPr>
+                            <a:rPr lang="en-US" dirty="0">
+                              <a:solidFill>
+                                <a:prstClr val="black"/>
+                              </a:solidFill>
+                              <a:latin typeface="Cambria Math" panose="02040503050406030204" pitchFamily="18" charset="0"/>
+                            </a:rPr>
+                            <m:t>Ψ</m:t>
+                          </m:r>
+                        </m:e>
+                        <m:sub>
+                          <m:r>
+                            <m:rPr>
+                              <m:sty m:val="p"/>
+                            </m:rPr>
+                            <a:rPr lang="en-US" b="0" i="0" dirty="0" smtClean="0">
+                              <a:solidFill>
+                                <a:prstClr val="black"/>
+                              </a:solidFill>
+                              <a:latin typeface="Cambria Math" panose="02040503050406030204" pitchFamily="18" charset="0"/>
+                            </a:rPr>
+                            <m:t>i</m:t>
+                          </m:r>
+                        </m:sub>
+                      </m:sSub>
+                      <m:d>
+                        <m:dPr>
+                          <m:ctrlPr>
+                            <a:rPr lang="en-US" i="1" dirty="0">
+                              <a:solidFill>
+                                <a:prstClr val="black"/>
+                              </a:solidFill>
+                              <a:latin typeface="Cambria Math" panose="02040503050406030204" pitchFamily="18" charset="0"/>
+                            </a:rPr>
+                          </m:ctrlPr>
+                        </m:dPr>
+                        <m:e>
+                          <m:acc>
+                            <m:accPr>
+                              <m:chr m:val="⃗"/>
+                              <m:ctrlPr>
+                                <a:rPr lang="en-US" i="1" dirty="0">
+                                  <a:solidFill>
+                                    <a:prstClr val="black"/>
+                                  </a:solidFill>
+                                  <a:latin typeface="Cambria Math" panose="02040503050406030204" pitchFamily="18" charset="0"/>
+                                </a:rPr>
+                              </m:ctrlPr>
+                            </m:accPr>
+                            <m:e>
+                              <m:r>
+                                <a:rPr lang="en-US" i="1" dirty="0">
+                                  <a:solidFill>
+                                    <a:prstClr val="black"/>
+                                  </a:solidFill>
+                                  <a:latin typeface="Cambria Math" panose="02040503050406030204" pitchFamily="18" charset="0"/>
+                                </a:rPr>
+                                <m:t>𝑞</m:t>
+                              </m:r>
+                            </m:e>
+                          </m:acc>
+                          <m:r>
+                            <a:rPr lang="en-US" i="1" dirty="0">
+                              <a:solidFill>
+                                <a:prstClr val="black"/>
+                              </a:solidFill>
+                              <a:latin typeface="Cambria Math" panose="02040503050406030204" pitchFamily="18" charset="0"/>
+                            </a:rPr>
+                            <m:t>,</m:t>
+                          </m:r>
+                          <m:r>
+                            <a:rPr lang="en-US" i="1" dirty="0">
+                              <a:solidFill>
+                                <a:prstClr val="black"/>
+                              </a:solidFill>
+                              <a:latin typeface="Cambria Math" panose="02040503050406030204" pitchFamily="18" charset="0"/>
+                            </a:rPr>
+                            <m:t>𝑡</m:t>
+                          </m:r>
+                        </m:e>
+                      </m:d>
+                    </m:oMath>
+                  </m:oMathPara>
+                </a14:m>
+                <a:endParaRPr kumimoji="0" lang="en-CA" sz="1800" b="0" i="0" u="none" strike="noStrike" kern="1200" cap="none" spc="0" normalizeH="0" baseline="0" noProof="0" dirty="0">
+                  <a:ln>
+                    <a:noFill/>
+                  </a:ln>
+                  <a:solidFill>
+                    <a:prstClr val="black"/>
+                  </a:solidFill>
+                  <a:effectLst/>
+                  <a:uLnTx/>
+                  <a:uFillTx/>
+                  <a:latin typeface="Calibri" panose="020F0502020204030204"/>
+                  <a:ea typeface="+mn-ea"/>
+                  <a:cs typeface="+mn-cs"/>
+                </a:endParaRPr>
+              </a:p>
+            </p:txBody>
+          </p:sp>
+        </mc:Choice>
+        <mc:Fallback>
+          <p:sp>
+            <p:nvSpPr>
+              <p:cNvPr id="4" name="TextBox 3"/>
+              <p:cNvSpPr txBox="1">
+                <a:spLocks noRot="1" noChangeAspect="1" noMove="1" noResize="1" noEditPoints="1" noAdjustHandles="1" noChangeArrowheads="1" noChangeShapeType="1" noTextEdit="1"/>
+              </p:cNvSpPr>
+              <p:nvPr/>
+            </p:nvSpPr>
+            <p:spPr>
+              <a:xfrm>
+                <a:off x="620202" y="2289976"/>
+                <a:ext cx="11370365" cy="1544077"/>
+              </a:xfrm>
+              <a:prstGeom prst="rect">
+                <a:avLst/>
+              </a:prstGeom>
+              <a:blipFill>
+                <a:blip r:embed="rId4"/>
+                <a:stretch>
+                  <a:fillRect l="-483" t="-2372" r="-643"/>
+                </a:stretch>
+              </a:blipFill>
+            </p:spPr>
+            <p:txBody>
+              <a:bodyPr/>
+              <a:lstStyle/>
+              <a:p>
+                <a:r>
+                  <a:rPr lang="en-CA">
+                    <a:noFill/>
+                  </a:rPr>
+                  <a:t> </a:t>
+                </a:r>
+              </a:p>
+            </p:txBody>
+          </p:sp>
+        </mc:Fallback>
+      </mc:AlternateContent>
+    </p:spTree>
+    <p:extLst>
+      <p:ext uri="{BB962C8B-B14F-4D97-AF65-F5344CB8AC3E}">
+        <p14:creationId xmlns:p14="http://schemas.microsoft.com/office/powerpoint/2010/main" val="1583641917"/>
+      </p:ext>
+    </p:extLst>
+  </p:cSld>
+  <p:clrMapOvr>
+    <a:masterClrMapping/>
+  </p:clrMapOvr>
+</p:sld>
+</file>
+
+<file path=ppt/slides/slide11.xml><?xml version="1.0" encoding="utf-8"?>
+<p:sld xmlns:a="http://schemas.openxmlformats.org/drawingml/2006/main" xmlns:r="http://schemas.openxmlformats.org/officeDocument/2006/relationships" xmlns:p="http://schemas.openxmlformats.org/presentationml/2006/main">
+  <p:cSld>
+    <p:spTree>
+      <p:nvGrpSpPr>
+        <p:cNvPr id="1" name=""/>
+        <p:cNvGrpSpPr/>
+        <p:nvPr/>
+      </p:nvGrpSpPr>
+      <p:grpSpPr>
+        <a:xfrm>
+          <a:off x="0" y="0"/>
+          <a:ext cx="0" cy="0"/>
+          <a:chOff x="0" y="0"/>
+          <a:chExt cx="0" cy="0"/>
+        </a:xfrm>
+      </p:grpSpPr>
+      <p:sp>
+        <p:nvSpPr>
+          <p:cNvPr id="10" name="Rectangle 9">
+            <a:extLst>
+              <a:ext uri="{FF2B5EF4-FFF2-40B4-BE49-F238E27FC236}">
+                <a16:creationId xmlns:a16="http://schemas.microsoft.com/office/drawing/2014/main" id="{EBF87945-A001-489F-9D9B-7D9435F0B9CA}"/>
+              </a:ext>
+              <a:ext uri="{C183D7F6-B498-43B3-948B-1728B52AA6E4}">
+                <adec:decorative xmlns:adec="http://schemas.microsoft.com/office/drawing/2017/decorative" val="1"/>
+              </a:ext>
+            </a:extLst>
+          </p:cNvPr>
+          <p:cNvSpPr>
+            <a:spLocks noGrp="1" noRot="1" noChangeAspect="1" noMove="1" noResize="1" noEditPoints="1" noAdjustHandles="1" noChangeArrowheads="1" noChangeShapeType="1" noTextEdit="1"/>
+          </p:cNvSpPr>
+          <p:nvPr>
+            <p:custDataLst>
+              <p:tags r:id="rId1"/>
+            </p:custDataLst>
+            <p:extLst>
+              <p:ext uri="{386F3935-93C4-4BCD-93E2-E3B085C9AB24}">
+                <p16:designElem xmlns:p16="http://schemas.microsoft.com/office/powerpoint/2015/main" val="1"/>
+              </p:ext>
+            </p:extLst>
+          </p:nvPr>
+        </p:nvSpPr>
+        <p:spPr>
+          <a:xfrm>
+            <a:off x="0" y="1"/>
+            <a:ext cx="12192000" cy="1911096"/>
+          </a:xfrm>
+          <a:prstGeom prst="rect">
+            <a:avLst/>
+          </a:prstGeom>
+          <a:solidFill>
+            <a:schemeClr val="accent5"/>
+          </a:solidFill>
+          <a:ln>
+            <a:noFill/>
+          </a:ln>
+        </p:spPr>
+        <p:style>
+          <a:lnRef idx="2">
+            <a:schemeClr val="accent1">
+              <a:shade val="50000"/>
+            </a:schemeClr>
+          </a:lnRef>
+          <a:fillRef idx="1">
+            <a:schemeClr val="accent1"/>
+          </a:fillRef>
+          <a:effectRef idx="0">
+            <a:schemeClr val="accent1"/>
+          </a:effectRef>
+          <a:fontRef idx="minor">
+            <a:schemeClr val="lt1"/>
+          </a:fontRef>
+        </p:style>
+        <p:txBody>
+          <a:bodyPr rtlCol="0" anchor="ctr"/>
+          <a:lstStyle/>
+          <a:p>
+            <a:pPr algn="ctr"/>
+            <a:endParaRPr lang="en-US"/>
+          </a:p>
+        </p:txBody>
+      </p:sp>
+      <p:sp>
+        <p:nvSpPr>
+          <p:cNvPr id="2" name="Title 1"/>
+          <p:cNvSpPr>
+            <a:spLocks noGrp="1"/>
+          </p:cNvSpPr>
+          <p:nvPr>
+            <p:ph type="title"/>
+            <p:custDataLst>
+              <p:tags r:id="rId2"/>
+            </p:custDataLst>
+          </p:nvPr>
+        </p:nvSpPr>
+        <p:spPr>
+          <a:xfrm>
+            <a:off x="838200" y="365760"/>
+            <a:ext cx="10515600" cy="1325563"/>
+          </a:xfrm>
+        </p:spPr>
+        <p:txBody>
+          <a:bodyPr>
+            <a:normAutofit/>
+          </a:bodyPr>
+          <a:lstStyle/>
+          <a:p>
+            <a:r>
+              <a:rPr lang="en-US" dirty="0">
+                <a:solidFill>
+                  <a:schemeClr val="bg1"/>
+                </a:solidFill>
+              </a:rPr>
+              <a:t>Les </a:t>
+            </a:r>
+            <a:r>
+              <a:rPr lang="en-US" dirty="0" err="1">
+                <a:solidFill>
+                  <a:schemeClr val="bg1"/>
+                </a:solidFill>
+              </a:rPr>
+              <a:t>probabilités</a:t>
+            </a:r>
+            <a:endParaRPr lang="en-CA" dirty="0">
+              <a:solidFill>
+                <a:schemeClr val="bg1"/>
+              </a:solidFill>
+            </a:endParaRPr>
+          </a:p>
+        </p:txBody>
+      </p:sp>
+      <p:sp>
+        <p:nvSpPr>
+          <p:cNvPr id="4" name="TextBox 3"/>
+          <p:cNvSpPr txBox="1"/>
+          <p:nvPr/>
+        </p:nvSpPr>
+        <p:spPr>
+          <a:xfrm>
+            <a:off x="620202" y="2289976"/>
+            <a:ext cx="11370365" cy="646331"/>
+          </a:xfrm>
+          <a:prstGeom prst="rect">
+            <a:avLst/>
+          </a:prstGeom>
+          <a:noFill/>
+        </p:spPr>
+        <p:txBody>
+          <a:bodyPr wrap="square" rtlCol="0">
+            <a:spAutoFit/>
+          </a:bodyPr>
+          <a:lstStyle/>
+          <a:p>
+            <a:r>
+              <a:rPr lang="fr-FR" dirty="0"/>
+              <a:t>La probabilité d’observé une certaine  valeur propre est donné par le carré du module de la projection de la fonction d’état sur la fonction propre associé à cette valeur. </a:t>
+            </a:r>
+            <a:endParaRPr lang="en-CA" dirty="0"/>
+          </a:p>
+        </p:txBody>
+      </p:sp>
+    </p:spTree>
+    <p:extLst>
+      <p:ext uri="{BB962C8B-B14F-4D97-AF65-F5344CB8AC3E}">
+        <p14:creationId xmlns:p14="http://schemas.microsoft.com/office/powerpoint/2010/main" val="806359538"/>
+      </p:ext>
+    </p:extLst>
+  </p:cSld>
+  <p:clrMapOvr>
+    <a:masterClrMapping/>
+  </p:clrMapOvr>
+</p:sld>
+</file>
+
+<file path=ppt/slides/slide12.xml><?xml version="1.0" encoding="utf-8"?>
 <p:sld xmlns:a="http://schemas.openxmlformats.org/drawingml/2006/main" xmlns:r="http://schemas.openxmlformats.org/officeDocument/2006/relationships" xmlns:p="http://schemas.openxmlformats.org/presentationml/2006/main">
   <p:cSld>
     <p:spTree>
@@ -9600,11 +10436,11 @@
           </a:p>
         </p:txBody>
       </p:sp>
-      <mc:AlternateContent xmlns:mc="http://schemas.openxmlformats.org/markup-compatibility/2006" xmlns:a14="http://schemas.microsoft.com/office/drawing/2010/main">
-        <mc:Choice Requires="a14">
+      <mc:AlternateContent xmlns:mc="http://schemas.openxmlformats.org/markup-compatibility/2006">
+        <mc:Choice xmlns:a14="http://schemas.microsoft.com/office/drawing/2010/main" Requires="a14">
           <p:sp>
             <p:nvSpPr>
-              <p:cNvPr id="3" name="Rectangle 2">
+              <p:cNvPr id="3" name="!!!eqshro">
                 <a:extLst>
                   <a:ext uri="{FF2B5EF4-FFF2-40B4-BE49-F238E27FC236}">
                     <a16:creationId xmlns:a16="http://schemas.microsoft.com/office/drawing/2014/main" id="{9B88BD07-003C-4113-BCC6-F408DA52E633}"/>
@@ -9617,7 +10453,7 @@
             <p:spPr>
               <a:xfrm>
                 <a:off x="4338993" y="3038187"/>
-                <a:ext cx="3514013" cy="635367"/>
+                <a:ext cx="4375239" cy="1004699"/>
               </a:xfrm>
               <a:prstGeom prst="rect">
                 <a:avLst/>
@@ -9632,19 +10468,19 @@
                 <a14:m>
                   <m:oMath xmlns:m="http://schemas.openxmlformats.org/officeDocument/2006/math">
                     <m:r>
-                      <a:rPr lang="en-CA" sz="2400" i="1">
+                      <a:rPr lang="en-CA" sz="2400" i="1" smtClean="0">
                         <a:latin typeface="Cambria Math" panose="02040503050406030204" pitchFamily="18" charset="0"/>
                       </a:rPr>
                       <m:t>−</m:t>
                     </m:r>
                     <m:r>
-                      <a:rPr lang="en-CA" sz="2400" i="1">
+                      <a:rPr lang="en-CA" sz="2400" i="1" smtClean="0">
                         <a:latin typeface="Cambria Math" panose="02040503050406030204" pitchFamily="18" charset="0"/>
                       </a:rPr>
                       <m:t>𝑖</m:t>
                     </m:r>
                     <m:r>
-                      <a:rPr lang="en-CA" sz="2400" i="1">
+                      <a:rPr lang="en-CA" sz="2400" i="1" smtClean="0">
                         <a:latin typeface="Cambria Math" panose="02040503050406030204" pitchFamily="18" charset="0"/>
                       </a:rPr>
                       <m:t>ℏ</m:t>
@@ -9726,10 +10562,17 @@
                       <m:t>𝑡</m:t>
                     </m:r>
                     <m:r>
+                      <m:rPr>
+                        <m:nor/>
+                      </m:rPr>
+                      <a:rPr lang="fr-CA" sz="2400" dirty="0"/>
+                      <m:t>)</m:t>
+                    </m:r>
+                    <m:r>
                       <a:rPr lang="en-CA" sz="2400" i="1">
                         <a:latin typeface="Cambria Math" panose="02040503050406030204" pitchFamily="18" charset="0"/>
                       </a:rPr>
-                      <m:t>)=</m:t>
+                      <m:t>=</m:t>
                     </m:r>
                     <m:acc>
                       <m:accPr>
@@ -9801,13 +10644,17 @@
                   <a:t>)</a:t>
                 </a:r>
               </a:p>
+              <a:p>
+                <a:pPr algn="ctr"/>
+                <a:endParaRPr lang="fr-CA" sz="2400" dirty="0"/>
+              </a:p>
             </p:txBody>
           </p:sp>
         </mc:Choice>
-        <mc:Fallback xmlns="">
+        <mc:Fallback>
           <p:sp>
             <p:nvSpPr>
-              <p:cNvPr id="3" name="Rectangle 2">
+              <p:cNvPr id="3" name="!!!eqshro">
                 <a:extLst>
                   <a:ext uri="{FF2B5EF4-FFF2-40B4-BE49-F238E27FC236}">
                     <a16:creationId xmlns:a16="http://schemas.microsoft.com/office/drawing/2014/main" id="{9B88BD07-003C-4113-BCC6-F408DA52E633}"/>
@@ -9822,7 +10669,7 @@
             <p:spPr>
               <a:xfrm>
                 <a:off x="4338993" y="3038187"/>
-                <a:ext cx="3514013" cy="635367"/>
+                <a:ext cx="4375239" cy="1004699"/>
               </a:xfrm>
               <a:prstGeom prst="rect">
                 <a:avLst/>
@@ -9830,7 +10677,7 @@
               <a:blipFill>
                 <a:blip r:embed="rId4"/>
                 <a:stretch>
-                  <a:fillRect r="-347" b="-8571"/>
+                  <a:fillRect/>
                 </a:stretch>
               </a:blipFill>
             </p:spPr>
@@ -9839,7 +10686,7 @@
               <a:lstStyle/>
               <a:p>
                 <a:r>
-                  <a:rPr lang="fr-CA">
+                  <a:rPr lang="en-CA">
                     <a:noFill/>
                   </a:rPr>
                   <a:t> </a:t>
@@ -9852,7 +10699,7 @@
     </p:spTree>
     <p:extLst>
       <p:ext uri="{BB962C8B-B14F-4D97-AF65-F5344CB8AC3E}">
-        <p14:creationId xmlns:p14="http://schemas.microsoft.com/office/powerpoint/2010/main" val="3011686946"/>
+        <p14:creationId xmlns:p14="http://schemas.microsoft.com/office/powerpoint/2010/main" val="3255833604"/>
       </p:ext>
     </p:extLst>
   </p:cSld>
@@ -9862,7 +10709,1166 @@
 </p:sld>
 </file>
 
-<file path=ppt/slides/slide11.xml><?xml version="1.0" encoding="utf-8"?>
+<file path=ppt/slides/slide13.xml><?xml version="1.0" encoding="utf-8"?>
+<p:sld xmlns:a="http://schemas.openxmlformats.org/drawingml/2006/main" xmlns:r="http://schemas.openxmlformats.org/officeDocument/2006/relationships" xmlns:p="http://schemas.openxmlformats.org/presentationml/2006/main">
+  <p:cSld>
+    <p:spTree>
+      <p:nvGrpSpPr>
+        <p:cNvPr id="1" name=""/>
+        <p:cNvGrpSpPr/>
+        <p:nvPr/>
+      </p:nvGrpSpPr>
+      <p:grpSpPr>
+        <a:xfrm>
+          <a:off x="0" y="0"/>
+          <a:ext cx="0" cy="0"/>
+          <a:chOff x="0" y="0"/>
+          <a:chExt cx="0" cy="0"/>
+        </a:xfrm>
+      </p:grpSpPr>
+      <p:sp>
+        <p:nvSpPr>
+          <p:cNvPr id="10" name="Rectangle 9">
+            <a:extLst>
+              <a:ext uri="{FF2B5EF4-FFF2-40B4-BE49-F238E27FC236}">
+                <a16:creationId xmlns:a16="http://schemas.microsoft.com/office/drawing/2014/main" id="{EBF87945-A001-489F-9D9B-7D9435F0B9CA}"/>
+              </a:ext>
+              <a:ext uri="{C183D7F6-B498-43B3-948B-1728B52AA6E4}">
+                <adec:decorative xmlns:adec="http://schemas.microsoft.com/office/drawing/2017/decorative" val="1"/>
+              </a:ext>
+            </a:extLst>
+          </p:cNvPr>
+          <p:cNvSpPr>
+            <a:spLocks noGrp="1" noRot="1" noChangeAspect="1" noMove="1" noResize="1" noEditPoints="1" noAdjustHandles="1" noChangeArrowheads="1" noChangeShapeType="1" noTextEdit="1"/>
+          </p:cNvSpPr>
+          <p:nvPr>
+            <p:custDataLst>
+              <p:tags r:id="rId1"/>
+            </p:custDataLst>
+            <p:extLst>
+              <p:ext uri="{386F3935-93C4-4BCD-93E2-E3B085C9AB24}">
+                <p16:designElem xmlns:p16="http://schemas.microsoft.com/office/powerpoint/2015/main" val="1"/>
+              </p:ext>
+            </p:extLst>
+          </p:nvPr>
+        </p:nvSpPr>
+        <p:spPr>
+          <a:xfrm>
+            <a:off x="0" y="1"/>
+            <a:ext cx="12192000" cy="1911096"/>
+          </a:xfrm>
+          <a:prstGeom prst="rect">
+            <a:avLst/>
+          </a:prstGeom>
+          <a:solidFill>
+            <a:schemeClr val="accent5"/>
+          </a:solidFill>
+          <a:ln>
+            <a:noFill/>
+          </a:ln>
+        </p:spPr>
+        <p:style>
+          <a:lnRef idx="2">
+            <a:schemeClr val="accent1">
+              <a:shade val="50000"/>
+            </a:schemeClr>
+          </a:lnRef>
+          <a:fillRef idx="1">
+            <a:schemeClr val="accent1"/>
+          </a:fillRef>
+          <a:effectRef idx="0">
+            <a:schemeClr val="accent1"/>
+          </a:effectRef>
+          <a:fontRef idx="minor">
+            <a:schemeClr val="lt1"/>
+          </a:fontRef>
+        </p:style>
+        <p:txBody>
+          <a:bodyPr rtlCol="0" anchor="ctr"/>
+          <a:lstStyle/>
+          <a:p>
+            <a:pPr algn="ctr"/>
+            <a:endParaRPr lang="en-US"/>
+          </a:p>
+        </p:txBody>
+      </p:sp>
+      <p:sp>
+        <p:nvSpPr>
+          <p:cNvPr id="2" name="Title 1"/>
+          <p:cNvSpPr>
+            <a:spLocks noGrp="1"/>
+          </p:cNvSpPr>
+          <p:nvPr>
+            <p:ph type="title"/>
+            <p:custDataLst>
+              <p:tags r:id="rId2"/>
+            </p:custDataLst>
+          </p:nvPr>
+        </p:nvSpPr>
+        <p:spPr>
+          <a:xfrm>
+            <a:off x="838200" y="365760"/>
+            <a:ext cx="10515600" cy="1325563"/>
+          </a:xfrm>
+        </p:spPr>
+        <p:txBody>
+          <a:bodyPr>
+            <a:normAutofit/>
+          </a:bodyPr>
+          <a:lstStyle/>
+          <a:p>
+            <a:r>
+              <a:rPr lang="en-US" dirty="0" err="1">
+                <a:solidFill>
+                  <a:schemeClr val="bg1"/>
+                </a:solidFill>
+              </a:rPr>
+              <a:t>Évolution</a:t>
+            </a:r>
+            <a:r>
+              <a:rPr lang="en-US" dirty="0">
+                <a:solidFill>
+                  <a:schemeClr val="bg1"/>
+                </a:solidFill>
+              </a:rPr>
+              <a:t> </a:t>
+            </a:r>
+            <a:r>
+              <a:rPr lang="en-US" dirty="0" err="1">
+                <a:solidFill>
+                  <a:schemeClr val="bg1"/>
+                </a:solidFill>
+              </a:rPr>
+              <a:t>temporelle</a:t>
+            </a:r>
+            <a:endParaRPr lang="en-CA" dirty="0">
+              <a:solidFill>
+                <a:schemeClr val="bg1"/>
+              </a:solidFill>
+            </a:endParaRPr>
+          </a:p>
+        </p:txBody>
+      </p:sp>
+      <p:sp>
+        <p:nvSpPr>
+          <p:cNvPr id="4" name="TextBox 3"/>
+          <p:cNvSpPr txBox="1"/>
+          <p:nvPr/>
+        </p:nvSpPr>
+        <p:spPr>
+          <a:xfrm>
+            <a:off x="620202" y="2289976"/>
+            <a:ext cx="11370365" cy="369332"/>
+          </a:xfrm>
+          <a:prstGeom prst="rect">
+            <a:avLst/>
+          </a:prstGeom>
+          <a:noFill/>
+        </p:spPr>
+        <p:txBody>
+          <a:bodyPr wrap="square" rtlCol="0">
+            <a:spAutoFit/>
+          </a:bodyPr>
+          <a:lstStyle/>
+          <a:p>
+            <a:r>
+              <a:rPr lang="fr-FR" dirty="0"/>
+              <a:t>L’évolution de l’état quantique d’un système est gouvernée par l’équation de Schrödinger</a:t>
+            </a:r>
+            <a:endParaRPr lang="en-CA" dirty="0"/>
+          </a:p>
+        </p:txBody>
+      </p:sp>
+      <mc:AlternateContent xmlns:mc="http://schemas.openxmlformats.org/markup-compatibility/2006">
+        <mc:Choice xmlns:a14="http://schemas.microsoft.com/office/drawing/2010/main" Requires="a14">
+          <p:sp>
+            <p:nvSpPr>
+              <p:cNvPr id="3" name="!!!eqshro">
+                <a:extLst>
+                  <a:ext uri="{FF2B5EF4-FFF2-40B4-BE49-F238E27FC236}">
+                    <a16:creationId xmlns:a16="http://schemas.microsoft.com/office/drawing/2014/main" id="{9B88BD07-003C-4113-BCC6-F408DA52E633}"/>
+                  </a:ext>
+                </a:extLst>
+              </p:cNvPr>
+              <p:cNvSpPr/>
+              <p:nvPr/>
+            </p:nvSpPr>
+            <p:spPr>
+              <a:xfrm>
+                <a:off x="4338993" y="3038187"/>
+                <a:ext cx="4375239" cy="1004699"/>
+              </a:xfrm>
+              <a:prstGeom prst="rect">
+                <a:avLst/>
+              </a:prstGeom>
+            </p:spPr>
+            <p:txBody>
+              <a:bodyPr wrap="square">
+                <a:spAutoFit/>
+              </a:bodyPr>
+              <a:lstStyle/>
+              <a:p>
+                <a14:m>
+                  <m:oMath xmlns:m="http://schemas.openxmlformats.org/officeDocument/2006/math">
+                    <m:r>
+                      <a:rPr lang="en-CA" sz="2400" i="1" smtClean="0">
+                        <a:latin typeface="Cambria Math" panose="02040503050406030204" pitchFamily="18" charset="0"/>
+                      </a:rPr>
+                      <m:t>−</m:t>
+                    </m:r>
+                    <m:r>
+                      <a:rPr lang="en-CA" sz="2400" i="1" smtClean="0">
+                        <a:latin typeface="Cambria Math" panose="02040503050406030204" pitchFamily="18" charset="0"/>
+                      </a:rPr>
+                      <m:t>𝑖</m:t>
+                    </m:r>
+                    <m:r>
+                      <a:rPr lang="en-CA" sz="2400" i="1" smtClean="0">
+                        <a:latin typeface="Cambria Math" panose="02040503050406030204" pitchFamily="18" charset="0"/>
+                      </a:rPr>
+                      <m:t>ℏ</m:t>
+                    </m:r>
+                    <m:f>
+                      <m:fPr>
+                        <m:ctrlPr>
+                          <a:rPr lang="en-CA" sz="2400" i="1">
+                            <a:latin typeface="Cambria Math" panose="02040503050406030204" pitchFamily="18" charset="0"/>
+                          </a:rPr>
+                        </m:ctrlPr>
+                      </m:fPr>
+                      <m:num>
+                        <m:r>
+                          <a:rPr lang="en-CA" sz="2400" i="1">
+                            <a:latin typeface="Cambria Math" panose="02040503050406030204" pitchFamily="18" charset="0"/>
+                          </a:rPr>
+                          <m:t>𝜕</m:t>
+                        </m:r>
+                      </m:num>
+                      <m:den>
+                        <m:r>
+                          <a:rPr lang="en-CA" sz="2400" i="1">
+                            <a:latin typeface="Cambria Math" panose="02040503050406030204" pitchFamily="18" charset="0"/>
+                          </a:rPr>
+                          <m:t>𝜕</m:t>
+                        </m:r>
+                        <m:r>
+                          <a:rPr lang="en-CA" sz="2400" i="1">
+                            <a:latin typeface="Cambria Math" panose="02040503050406030204" pitchFamily="18" charset="0"/>
+                          </a:rPr>
+                          <m:t>𝑡</m:t>
+                        </m:r>
+                      </m:den>
+                    </m:f>
+                    <m:r>
+                      <m:rPr>
+                        <m:sty m:val="p"/>
+                      </m:rPr>
+                      <a:rPr lang="en-CA" sz="2400">
+                        <a:latin typeface="Cambria Math" panose="02040503050406030204" pitchFamily="18" charset="0"/>
+                      </a:rPr>
+                      <m:t>Ψ</m:t>
+                    </m:r>
+                    <m:r>
+                      <a:rPr lang="en-CA" sz="2400" i="1">
+                        <a:latin typeface="Cambria Math" panose="02040503050406030204" pitchFamily="18" charset="0"/>
+                      </a:rPr>
+                      <m:t>(</m:t>
+                    </m:r>
+                    <m:acc>
+                      <m:accPr>
+                        <m:chr m:val="⃗"/>
+                        <m:ctrlPr>
+                          <a:rPr lang="en-CA" sz="2400" i="1">
+                            <a:latin typeface="Cambria Math" panose="02040503050406030204" pitchFamily="18" charset="0"/>
+                          </a:rPr>
+                        </m:ctrlPr>
+                      </m:accPr>
+                      <m:e>
+                        <m:r>
+                          <a:rPr lang="en-CA" sz="2400" i="1">
+                            <a:latin typeface="Cambria Math" panose="02040503050406030204" pitchFamily="18" charset="0"/>
+                          </a:rPr>
+                          <m:t>𝑞</m:t>
+                        </m:r>
+                      </m:e>
+                    </m:acc>
+                    <m:r>
+                      <a:rPr lang="en-CA" sz="2400" i="1">
+                        <a:latin typeface="Cambria Math" panose="02040503050406030204" pitchFamily="18" charset="0"/>
+                      </a:rPr>
+                      <m:t>,</m:t>
+                    </m:r>
+                    <m:r>
+                      <a:rPr lang="en-CA" sz="2400" i="1">
+                        <a:latin typeface="Cambria Math" panose="02040503050406030204" pitchFamily="18" charset="0"/>
+                      </a:rPr>
+                      <m:t>𝑡</m:t>
+                    </m:r>
+                    <m:r>
+                      <m:rPr>
+                        <m:nor/>
+                      </m:rPr>
+                      <a:rPr lang="fr-CA" sz="2400" dirty="0"/>
+                      <m:t>)</m:t>
+                    </m:r>
+                    <m:r>
+                      <a:rPr lang="en-CA" sz="2400" i="1">
+                        <a:latin typeface="Cambria Math" panose="02040503050406030204" pitchFamily="18" charset="0"/>
+                      </a:rPr>
+                      <m:t>=</m:t>
+                    </m:r>
+                    <m:acc>
+                      <m:accPr>
+                        <m:chr m:val="̂"/>
+                        <m:ctrlPr>
+                          <a:rPr lang="en-CA" sz="2400" i="1">
+                            <a:latin typeface="Cambria Math" panose="02040503050406030204" pitchFamily="18" charset="0"/>
+                          </a:rPr>
+                        </m:ctrlPr>
+                      </m:accPr>
+                      <m:e>
+                        <m:r>
+                          <a:rPr lang="en-CA" sz="2400" i="1">
+                            <a:latin typeface="Cambria Math" panose="02040503050406030204" pitchFamily="18" charset="0"/>
+                          </a:rPr>
+                          <m:t>𝐻</m:t>
+                        </m:r>
+                      </m:e>
+                    </m:acc>
+                    <m:r>
+                      <m:rPr>
+                        <m:sty m:val="p"/>
+                      </m:rPr>
+                      <a:rPr lang="en-CA" sz="2400">
+                        <a:latin typeface="Cambria Math" panose="02040503050406030204" pitchFamily="18" charset="0"/>
+                      </a:rPr>
+                      <m:t>Ψ</m:t>
+                    </m:r>
+                    <m:r>
+                      <a:rPr lang="en-CA" sz="2400" i="1">
+                        <a:latin typeface="Cambria Math" panose="02040503050406030204" pitchFamily="18" charset="0"/>
+                      </a:rPr>
+                      <m:t>(</m:t>
+                    </m:r>
+                    <m:acc>
+                      <m:accPr>
+                        <m:chr m:val="⃗"/>
+                        <m:ctrlPr>
+                          <a:rPr lang="en-CA" sz="2400" i="1">
+                            <a:latin typeface="Cambria Math" panose="02040503050406030204" pitchFamily="18" charset="0"/>
+                          </a:rPr>
+                        </m:ctrlPr>
+                      </m:accPr>
+                      <m:e>
+                        <m:r>
+                          <a:rPr lang="en-CA" sz="2400" i="1">
+                            <a:latin typeface="Cambria Math" panose="02040503050406030204" pitchFamily="18" charset="0"/>
+                          </a:rPr>
+                          <m:t>𝑞</m:t>
+                        </m:r>
+                      </m:e>
+                    </m:acc>
+                    <m:r>
+                      <a:rPr lang="en-CA" sz="2400" i="1">
+                        <a:latin typeface="Cambria Math" panose="02040503050406030204" pitchFamily="18" charset="0"/>
+                      </a:rPr>
+                      <m:t>,</m:t>
+                    </m:r>
+                    <m:r>
+                      <a:rPr lang="en-CA" sz="2400" i="1">
+                        <a:latin typeface="Cambria Math" panose="02040503050406030204" pitchFamily="18" charset="0"/>
+                      </a:rPr>
+                      <m:t>𝑡</m:t>
+                    </m:r>
+                  </m:oMath>
+                </a14:m>
+                <a:r>
+                  <a:rPr lang="fr-CA" sz="2400" dirty="0"/>
+                  <a:t>)</a:t>
+                </a:r>
+              </a:p>
+              <a:p>
+                <a:pPr algn="ctr"/>
+                <a14:m>
+                  <m:oMath xmlns:m="http://schemas.openxmlformats.org/officeDocument/2006/math">
+                    <m:r>
+                      <m:rPr>
+                        <m:sty m:val="p"/>
+                      </m:rPr>
+                      <a:rPr lang="en-CA" sz="2400">
+                        <a:latin typeface="Cambria Math" panose="02040503050406030204" pitchFamily="18" charset="0"/>
+                      </a:rPr>
+                      <m:t>Ψ</m:t>
+                    </m:r>
+                    <m:r>
+                      <a:rPr lang="en-CA" sz="2400" i="1">
+                        <a:latin typeface="Cambria Math" panose="02040503050406030204" pitchFamily="18" charset="0"/>
+                      </a:rPr>
+                      <m:t>(</m:t>
+                    </m:r>
+                    <m:acc>
+                      <m:accPr>
+                        <m:chr m:val="⃗"/>
+                        <m:ctrlPr>
+                          <a:rPr lang="en-CA" sz="2400" i="1">
+                            <a:latin typeface="Cambria Math" panose="02040503050406030204" pitchFamily="18" charset="0"/>
+                          </a:rPr>
+                        </m:ctrlPr>
+                      </m:accPr>
+                      <m:e>
+                        <m:r>
+                          <a:rPr lang="en-CA" sz="2400" i="1">
+                            <a:latin typeface="Cambria Math" panose="02040503050406030204" pitchFamily="18" charset="0"/>
+                          </a:rPr>
+                          <m:t>𝑞</m:t>
+                        </m:r>
+                      </m:e>
+                    </m:acc>
+                    <m:r>
+                      <a:rPr lang="en-CA" sz="2400" i="1">
+                        <a:latin typeface="Cambria Math" panose="02040503050406030204" pitchFamily="18" charset="0"/>
+                      </a:rPr>
+                      <m:t>,</m:t>
+                    </m:r>
+                    <m:r>
+                      <a:rPr lang="en-CA" sz="2400" i="1">
+                        <a:latin typeface="Cambria Math" panose="02040503050406030204" pitchFamily="18" charset="0"/>
+                      </a:rPr>
+                      <m:t>𝑡</m:t>
+                    </m:r>
+                  </m:oMath>
+                </a14:m>
+                <a:r>
+                  <a:rPr lang="fr-CA" sz="2400" dirty="0"/>
+                  <a:t>)=</a:t>
+                </a:r>
+                <a14:m>
+                  <m:oMath xmlns:m="http://schemas.openxmlformats.org/officeDocument/2006/math">
+                    <m:r>
+                      <a:rPr lang="en-US" sz="2400" i="1">
+                        <a:latin typeface="Cambria Math" panose="02040503050406030204" pitchFamily="18" charset="0"/>
+                      </a:rPr>
+                      <m:t>𝜒</m:t>
+                    </m:r>
+                    <m:d>
+                      <m:dPr>
+                        <m:ctrlPr>
+                          <a:rPr lang="en-US" sz="2400" i="1">
+                            <a:latin typeface="Cambria Math" panose="02040503050406030204" pitchFamily="18" charset="0"/>
+                          </a:rPr>
+                        </m:ctrlPr>
+                      </m:dPr>
+                      <m:e>
+                        <m:r>
+                          <a:rPr lang="en-US" sz="2400" i="1">
+                            <a:latin typeface="Cambria Math" panose="02040503050406030204" pitchFamily="18" charset="0"/>
+                          </a:rPr>
+                          <m:t>𝑡</m:t>
+                        </m:r>
+                      </m:e>
+                    </m:d>
+                    <m:r>
+                      <a:rPr lang="en-US" sz="2400" i="1">
+                        <a:latin typeface="Cambria Math" panose="02040503050406030204" pitchFamily="18" charset="0"/>
+                      </a:rPr>
+                      <m:t>𝜓</m:t>
+                    </m:r>
+                    <m:r>
+                      <a:rPr lang="en-CA" sz="2400" i="1">
+                        <a:latin typeface="Cambria Math" panose="02040503050406030204" pitchFamily="18" charset="0"/>
+                      </a:rPr>
+                      <m:t>(</m:t>
+                    </m:r>
+                    <m:acc>
+                      <m:accPr>
+                        <m:chr m:val="⃗"/>
+                        <m:ctrlPr>
+                          <a:rPr lang="en-CA" sz="2400" i="1">
+                            <a:latin typeface="Cambria Math" panose="02040503050406030204" pitchFamily="18" charset="0"/>
+                          </a:rPr>
+                        </m:ctrlPr>
+                      </m:accPr>
+                      <m:e>
+                        <m:r>
+                          <a:rPr lang="en-CA" sz="2400" i="1">
+                            <a:latin typeface="Cambria Math" panose="02040503050406030204" pitchFamily="18" charset="0"/>
+                          </a:rPr>
+                          <m:t>𝑞</m:t>
+                        </m:r>
+                      </m:e>
+                    </m:acc>
+                    <m:r>
+                      <a:rPr lang="en-CA" sz="2400" i="1">
+                        <a:latin typeface="Cambria Math" panose="02040503050406030204" pitchFamily="18" charset="0"/>
+                      </a:rPr>
+                      <m:t>)</m:t>
+                    </m:r>
+                  </m:oMath>
+                </a14:m>
+                <a:endParaRPr lang="fr-CA" sz="2400" dirty="0"/>
+              </a:p>
+            </p:txBody>
+          </p:sp>
+        </mc:Choice>
+        <mc:Fallback>
+          <p:sp>
+            <p:nvSpPr>
+              <p:cNvPr id="3" name="!!!eqshro">
+                <a:extLst>
+                  <a:ext uri="{FF2B5EF4-FFF2-40B4-BE49-F238E27FC236}">
+                    <a16:creationId xmlns:a16="http://schemas.microsoft.com/office/drawing/2014/main" id="{9B88BD07-003C-4113-BCC6-F408DA52E633}"/>
+                  </a:ext>
+                </a:extLst>
+              </p:cNvPr>
+              <p:cNvSpPr>
+                <a:spLocks noRot="1" noChangeAspect="1" noMove="1" noResize="1" noEditPoints="1" noAdjustHandles="1" noChangeArrowheads="1" noChangeShapeType="1" noTextEdit="1"/>
+              </p:cNvSpPr>
+              <p:nvPr/>
+            </p:nvSpPr>
+            <p:spPr>
+              <a:xfrm>
+                <a:off x="4338993" y="3038187"/>
+                <a:ext cx="4375239" cy="1004699"/>
+              </a:xfrm>
+              <a:prstGeom prst="rect">
+                <a:avLst/>
+              </a:prstGeom>
+              <a:blipFill>
+                <a:blip r:embed="rId4"/>
+                <a:stretch>
+                  <a:fillRect b="-12727"/>
+                </a:stretch>
+              </a:blipFill>
+            </p:spPr>
+            <p:txBody>
+              <a:bodyPr/>
+              <a:lstStyle/>
+              <a:p>
+                <a:r>
+                  <a:rPr lang="en-CA">
+                    <a:noFill/>
+                  </a:rPr>
+                  <a:t> </a:t>
+                </a:r>
+              </a:p>
+            </p:txBody>
+          </p:sp>
+        </mc:Fallback>
+      </mc:AlternateContent>
+    </p:spTree>
+    <p:extLst>
+      <p:ext uri="{BB962C8B-B14F-4D97-AF65-F5344CB8AC3E}">
+        <p14:creationId xmlns:p14="http://schemas.microsoft.com/office/powerpoint/2010/main" val="1518619107"/>
+      </p:ext>
+    </p:extLst>
+  </p:cSld>
+  <p:clrMapOvr>
+    <a:masterClrMapping/>
+  </p:clrMapOvr>
+  <mc:AlternateContent xmlns:mc="http://schemas.openxmlformats.org/markup-compatibility/2006">
+    <mc:Choice xmlns:p159="http://schemas.microsoft.com/office/powerpoint/2015/09/main" Requires="p159">
+      <p:transition xmlns:p14="http://schemas.microsoft.com/office/powerpoint/2010/main" spd="slow" p14:dur="2000">
+        <p159:morph option="byObject"/>
+      </p:transition>
+    </mc:Choice>
+    <mc:Fallback>
+      <p:transition spd="slow">
+        <p:fade/>
+      </p:transition>
+    </mc:Fallback>
+  </mc:AlternateContent>
+</p:sld>
+</file>
+
+<file path=ppt/slides/slide14.xml><?xml version="1.0" encoding="utf-8"?>
+<p:sld xmlns:a="http://schemas.openxmlformats.org/drawingml/2006/main" xmlns:r="http://schemas.openxmlformats.org/officeDocument/2006/relationships" xmlns:p="http://schemas.openxmlformats.org/presentationml/2006/main">
+  <p:cSld>
+    <p:spTree>
+      <p:nvGrpSpPr>
+        <p:cNvPr id="1" name=""/>
+        <p:cNvGrpSpPr/>
+        <p:nvPr/>
+      </p:nvGrpSpPr>
+      <p:grpSpPr>
+        <a:xfrm>
+          <a:off x="0" y="0"/>
+          <a:ext cx="0" cy="0"/>
+          <a:chOff x="0" y="0"/>
+          <a:chExt cx="0" cy="0"/>
+        </a:xfrm>
+      </p:grpSpPr>
+      <p:sp>
+        <p:nvSpPr>
+          <p:cNvPr id="10" name="Rectangle 9">
+            <a:extLst>
+              <a:ext uri="{FF2B5EF4-FFF2-40B4-BE49-F238E27FC236}">
+                <a16:creationId xmlns:a16="http://schemas.microsoft.com/office/drawing/2014/main" id="{EBF87945-A001-489F-9D9B-7D9435F0B9CA}"/>
+              </a:ext>
+              <a:ext uri="{C183D7F6-B498-43B3-948B-1728B52AA6E4}">
+                <adec:decorative xmlns:adec="http://schemas.microsoft.com/office/drawing/2017/decorative" val="1"/>
+              </a:ext>
+            </a:extLst>
+          </p:cNvPr>
+          <p:cNvSpPr>
+            <a:spLocks noGrp="1" noRot="1" noChangeAspect="1" noMove="1" noResize="1" noEditPoints="1" noAdjustHandles="1" noChangeArrowheads="1" noChangeShapeType="1" noTextEdit="1"/>
+          </p:cNvSpPr>
+          <p:nvPr>
+            <p:custDataLst>
+              <p:tags r:id="rId1"/>
+            </p:custDataLst>
+            <p:extLst>
+              <p:ext uri="{386F3935-93C4-4BCD-93E2-E3B085C9AB24}">
+                <p16:designElem xmlns:p16="http://schemas.microsoft.com/office/powerpoint/2015/main" val="1"/>
+              </p:ext>
+            </p:extLst>
+          </p:nvPr>
+        </p:nvSpPr>
+        <p:spPr>
+          <a:xfrm>
+            <a:off x="0" y="1"/>
+            <a:ext cx="12192000" cy="1911096"/>
+          </a:xfrm>
+          <a:prstGeom prst="rect">
+            <a:avLst/>
+          </a:prstGeom>
+          <a:solidFill>
+            <a:schemeClr val="accent5"/>
+          </a:solidFill>
+          <a:ln>
+            <a:noFill/>
+          </a:ln>
+        </p:spPr>
+        <p:style>
+          <a:lnRef idx="2">
+            <a:schemeClr val="accent1">
+              <a:shade val="50000"/>
+            </a:schemeClr>
+          </a:lnRef>
+          <a:fillRef idx="1">
+            <a:schemeClr val="accent1"/>
+          </a:fillRef>
+          <a:effectRef idx="0">
+            <a:schemeClr val="accent1"/>
+          </a:effectRef>
+          <a:fontRef idx="minor">
+            <a:schemeClr val="lt1"/>
+          </a:fontRef>
+        </p:style>
+        <p:txBody>
+          <a:bodyPr rtlCol="0" anchor="ctr"/>
+          <a:lstStyle/>
+          <a:p>
+            <a:pPr algn="ctr"/>
+            <a:endParaRPr lang="en-US"/>
+          </a:p>
+        </p:txBody>
+      </p:sp>
+      <p:sp>
+        <p:nvSpPr>
+          <p:cNvPr id="2" name="Title 1"/>
+          <p:cNvSpPr>
+            <a:spLocks noGrp="1"/>
+          </p:cNvSpPr>
+          <p:nvPr>
+            <p:ph type="title"/>
+            <p:custDataLst>
+              <p:tags r:id="rId2"/>
+            </p:custDataLst>
+          </p:nvPr>
+        </p:nvSpPr>
+        <p:spPr>
+          <a:xfrm>
+            <a:off x="838200" y="365760"/>
+            <a:ext cx="10515600" cy="1325563"/>
+          </a:xfrm>
+        </p:spPr>
+        <p:txBody>
+          <a:bodyPr>
+            <a:normAutofit/>
+          </a:bodyPr>
+          <a:lstStyle/>
+          <a:p>
+            <a:r>
+              <a:rPr lang="en-US" dirty="0" err="1">
+                <a:solidFill>
+                  <a:schemeClr val="bg1"/>
+                </a:solidFill>
+              </a:rPr>
+              <a:t>Évolution</a:t>
+            </a:r>
+            <a:r>
+              <a:rPr lang="en-US" dirty="0">
+                <a:solidFill>
+                  <a:schemeClr val="bg1"/>
+                </a:solidFill>
+              </a:rPr>
+              <a:t> </a:t>
+            </a:r>
+            <a:r>
+              <a:rPr lang="en-US" dirty="0" err="1">
+                <a:solidFill>
+                  <a:schemeClr val="bg1"/>
+                </a:solidFill>
+              </a:rPr>
+              <a:t>temporelle</a:t>
+            </a:r>
+            <a:endParaRPr lang="en-CA" dirty="0">
+              <a:solidFill>
+                <a:schemeClr val="bg1"/>
+              </a:solidFill>
+            </a:endParaRPr>
+          </a:p>
+        </p:txBody>
+      </p:sp>
+      <p:sp>
+        <p:nvSpPr>
+          <p:cNvPr id="4" name="TextBox 3"/>
+          <p:cNvSpPr txBox="1"/>
+          <p:nvPr/>
+        </p:nvSpPr>
+        <p:spPr>
+          <a:xfrm>
+            <a:off x="620202" y="2289976"/>
+            <a:ext cx="11370365" cy="369332"/>
+          </a:xfrm>
+          <a:prstGeom prst="rect">
+            <a:avLst/>
+          </a:prstGeom>
+          <a:noFill/>
+        </p:spPr>
+        <p:txBody>
+          <a:bodyPr wrap="square" rtlCol="0">
+            <a:spAutoFit/>
+          </a:bodyPr>
+          <a:lstStyle/>
+          <a:p>
+            <a:r>
+              <a:rPr lang="fr-FR" dirty="0"/>
+              <a:t>L’évolution de l’état quantique d’un système est gouvernée par l’équation de Schrödinger</a:t>
+            </a:r>
+            <a:endParaRPr lang="en-CA" dirty="0"/>
+          </a:p>
+        </p:txBody>
+      </p:sp>
+      <mc:AlternateContent xmlns:mc="http://schemas.openxmlformats.org/markup-compatibility/2006">
+        <mc:Choice xmlns:a14="http://schemas.microsoft.com/office/drawing/2010/main" Requires="a14">
+          <p:sp>
+            <p:nvSpPr>
+              <p:cNvPr id="3" name="!!!eqshro">
+                <a:extLst>
+                  <a:ext uri="{FF2B5EF4-FFF2-40B4-BE49-F238E27FC236}">
+                    <a16:creationId xmlns:a16="http://schemas.microsoft.com/office/drawing/2014/main" id="{9B88BD07-003C-4113-BCC6-F408DA52E633}"/>
+                  </a:ext>
+                </a:extLst>
+              </p:cNvPr>
+              <p:cNvSpPr/>
+              <p:nvPr/>
+            </p:nvSpPr>
+            <p:spPr>
+              <a:xfrm>
+                <a:off x="4338993" y="3038187"/>
+                <a:ext cx="4375239" cy="1163908"/>
+              </a:xfrm>
+              <a:prstGeom prst="rect">
+                <a:avLst/>
+              </a:prstGeom>
+            </p:spPr>
+            <p:txBody>
+              <a:bodyPr wrap="square">
+                <a:spAutoFit/>
+              </a:bodyPr>
+              <a:lstStyle/>
+              <a:p>
+                <a14:m>
+                  <m:oMathPara xmlns:m="http://schemas.openxmlformats.org/officeDocument/2006/math">
+                    <m:oMathParaPr>
+                      <m:jc m:val="centerGroup"/>
+                    </m:oMathParaPr>
+                    <m:oMath xmlns:m="http://schemas.openxmlformats.org/officeDocument/2006/math">
+                      <m:r>
+                        <a:rPr lang="en-CA" sz="2400" i="1" smtClean="0">
+                          <a:latin typeface="Cambria Math" panose="02040503050406030204" pitchFamily="18" charset="0"/>
+                        </a:rPr>
+                        <m:t>−</m:t>
+                      </m:r>
+                      <m:r>
+                        <a:rPr lang="en-CA" sz="2400" i="1" smtClean="0">
+                          <a:latin typeface="Cambria Math" panose="02040503050406030204" pitchFamily="18" charset="0"/>
+                        </a:rPr>
+                        <m:t>𝑖</m:t>
+                      </m:r>
+                      <m:r>
+                        <a:rPr lang="en-CA" sz="2400" i="1" smtClean="0">
+                          <a:latin typeface="Cambria Math" panose="02040503050406030204" pitchFamily="18" charset="0"/>
+                        </a:rPr>
+                        <m:t>ℏ</m:t>
+                      </m:r>
+                      <m:f>
+                        <m:fPr>
+                          <m:ctrlPr>
+                            <a:rPr lang="en-CA" sz="2400" i="1">
+                              <a:latin typeface="Cambria Math" panose="02040503050406030204" pitchFamily="18" charset="0"/>
+                            </a:rPr>
+                          </m:ctrlPr>
+                        </m:fPr>
+                        <m:num>
+                          <m:r>
+                            <a:rPr lang="en-CA" sz="2400" i="1">
+                              <a:latin typeface="Cambria Math" panose="02040503050406030204" pitchFamily="18" charset="0"/>
+                            </a:rPr>
+                            <m:t>𝜕</m:t>
+                          </m:r>
+                        </m:num>
+                        <m:den>
+                          <m:r>
+                            <a:rPr lang="en-CA" sz="2400" i="1">
+                              <a:latin typeface="Cambria Math" panose="02040503050406030204" pitchFamily="18" charset="0"/>
+                            </a:rPr>
+                            <m:t>𝜕</m:t>
+                          </m:r>
+                          <m:r>
+                            <a:rPr lang="en-CA" sz="2400" i="1">
+                              <a:latin typeface="Cambria Math" panose="02040503050406030204" pitchFamily="18" charset="0"/>
+                            </a:rPr>
+                            <m:t>𝑡</m:t>
+                          </m:r>
+                        </m:den>
+                      </m:f>
+                      <m:r>
+                        <a:rPr lang="en-US" sz="2400" i="1">
+                          <a:latin typeface="Cambria Math" panose="02040503050406030204" pitchFamily="18" charset="0"/>
+                        </a:rPr>
+                        <m:t>𝜒</m:t>
+                      </m:r>
+                      <m:d>
+                        <m:dPr>
+                          <m:ctrlPr>
+                            <a:rPr lang="en-US" sz="2400" i="1">
+                              <a:latin typeface="Cambria Math" panose="02040503050406030204" pitchFamily="18" charset="0"/>
+                            </a:rPr>
+                          </m:ctrlPr>
+                        </m:dPr>
+                        <m:e>
+                          <m:r>
+                            <a:rPr lang="en-US" sz="2400" i="1">
+                              <a:latin typeface="Cambria Math" panose="02040503050406030204" pitchFamily="18" charset="0"/>
+                            </a:rPr>
+                            <m:t>𝑡</m:t>
+                          </m:r>
+                        </m:e>
+                      </m:d>
+                      <m:r>
+                        <a:rPr lang="en-US" sz="2400" i="1">
+                          <a:latin typeface="Cambria Math" panose="02040503050406030204" pitchFamily="18" charset="0"/>
+                        </a:rPr>
+                        <m:t>𝜓</m:t>
+                      </m:r>
+                      <m:r>
+                        <a:rPr lang="en-CA" sz="2400" i="1">
+                          <a:latin typeface="Cambria Math" panose="02040503050406030204" pitchFamily="18" charset="0"/>
+                        </a:rPr>
+                        <m:t>(</m:t>
+                      </m:r>
+                      <m:acc>
+                        <m:accPr>
+                          <m:chr m:val="⃗"/>
+                          <m:ctrlPr>
+                            <a:rPr lang="en-CA" sz="2400" i="1">
+                              <a:latin typeface="Cambria Math" panose="02040503050406030204" pitchFamily="18" charset="0"/>
+                            </a:rPr>
+                          </m:ctrlPr>
+                        </m:accPr>
+                        <m:e>
+                          <m:r>
+                            <a:rPr lang="en-CA" sz="2400" i="1">
+                              <a:latin typeface="Cambria Math" panose="02040503050406030204" pitchFamily="18" charset="0"/>
+                            </a:rPr>
+                            <m:t>𝑞</m:t>
+                          </m:r>
+                        </m:e>
+                      </m:acc>
+                      <m:r>
+                        <a:rPr lang="en-CA" sz="2400" i="1">
+                          <a:latin typeface="Cambria Math" panose="02040503050406030204" pitchFamily="18" charset="0"/>
+                        </a:rPr>
+                        <m:t>)=</m:t>
+                      </m:r>
+                      <m:acc>
+                        <m:accPr>
+                          <m:chr m:val="̂"/>
+                          <m:ctrlPr>
+                            <a:rPr lang="en-CA" sz="2400" i="1">
+                              <a:latin typeface="Cambria Math" panose="02040503050406030204" pitchFamily="18" charset="0"/>
+                            </a:rPr>
+                          </m:ctrlPr>
+                        </m:accPr>
+                        <m:e>
+                          <m:r>
+                            <a:rPr lang="en-CA" sz="2400" i="1">
+                              <a:latin typeface="Cambria Math" panose="02040503050406030204" pitchFamily="18" charset="0"/>
+                            </a:rPr>
+                            <m:t>𝐻</m:t>
+                          </m:r>
+                        </m:e>
+                      </m:acc>
+                      <m:r>
+                        <a:rPr lang="en-US" sz="2400" i="1">
+                          <a:latin typeface="Cambria Math" panose="02040503050406030204" pitchFamily="18" charset="0"/>
+                        </a:rPr>
+                        <m:t>𝜒</m:t>
+                      </m:r>
+                      <m:d>
+                        <m:dPr>
+                          <m:ctrlPr>
+                            <a:rPr lang="en-US" sz="2400" i="1">
+                              <a:latin typeface="Cambria Math" panose="02040503050406030204" pitchFamily="18" charset="0"/>
+                            </a:rPr>
+                          </m:ctrlPr>
+                        </m:dPr>
+                        <m:e>
+                          <m:r>
+                            <a:rPr lang="en-US" sz="2400" i="1">
+                              <a:latin typeface="Cambria Math" panose="02040503050406030204" pitchFamily="18" charset="0"/>
+                            </a:rPr>
+                            <m:t>𝑡</m:t>
+                          </m:r>
+                        </m:e>
+                      </m:d>
+                      <m:r>
+                        <a:rPr lang="en-US" sz="2400" i="1">
+                          <a:latin typeface="Cambria Math" panose="02040503050406030204" pitchFamily="18" charset="0"/>
+                        </a:rPr>
+                        <m:t>𝜓</m:t>
+                      </m:r>
+                      <m:r>
+                        <a:rPr lang="en-CA" sz="2400" i="1">
+                          <a:latin typeface="Cambria Math" panose="02040503050406030204" pitchFamily="18" charset="0"/>
+                        </a:rPr>
+                        <m:t>(</m:t>
+                      </m:r>
+                      <m:acc>
+                        <m:accPr>
+                          <m:chr m:val="⃗"/>
+                          <m:ctrlPr>
+                            <a:rPr lang="en-CA" sz="2400" i="1">
+                              <a:latin typeface="Cambria Math" panose="02040503050406030204" pitchFamily="18" charset="0"/>
+                            </a:rPr>
+                          </m:ctrlPr>
+                        </m:accPr>
+                        <m:e>
+                          <m:r>
+                            <a:rPr lang="en-CA" sz="2400" i="1">
+                              <a:latin typeface="Cambria Math" panose="02040503050406030204" pitchFamily="18" charset="0"/>
+                            </a:rPr>
+                            <m:t>𝑞</m:t>
+                          </m:r>
+                        </m:e>
+                      </m:acc>
+                      <m:r>
+                        <a:rPr lang="en-CA" sz="2400" i="1">
+                          <a:latin typeface="Cambria Math" panose="02040503050406030204" pitchFamily="18" charset="0"/>
+                        </a:rPr>
+                        <m:t>)</m:t>
+                      </m:r>
+                    </m:oMath>
+                  </m:oMathPara>
+                </a14:m>
+                <a:endParaRPr lang="fr-CA" sz="2400" dirty="0"/>
+              </a:p>
+              <a:p>
+                <a:pPr algn="ctr"/>
+                <a14:m>
+                  <m:oMath xmlns:m="http://schemas.openxmlformats.org/officeDocument/2006/math">
+                    <m:r>
+                      <m:rPr>
+                        <m:sty m:val="p"/>
+                      </m:rPr>
+                      <a:rPr lang="en-CA" sz="2400">
+                        <a:latin typeface="Cambria Math" panose="02040503050406030204" pitchFamily="18" charset="0"/>
+                      </a:rPr>
+                      <m:t>Ψ</m:t>
+                    </m:r>
+                    <m:r>
+                      <a:rPr lang="en-CA" sz="2400" i="1">
+                        <a:latin typeface="Cambria Math" panose="02040503050406030204" pitchFamily="18" charset="0"/>
+                      </a:rPr>
+                      <m:t>(</m:t>
+                    </m:r>
+                    <m:acc>
+                      <m:accPr>
+                        <m:chr m:val="⃗"/>
+                        <m:ctrlPr>
+                          <a:rPr lang="en-CA" sz="2400" i="1">
+                            <a:latin typeface="Cambria Math" panose="02040503050406030204" pitchFamily="18" charset="0"/>
+                          </a:rPr>
+                        </m:ctrlPr>
+                      </m:accPr>
+                      <m:e>
+                        <m:r>
+                          <a:rPr lang="en-CA" sz="2400" i="1">
+                            <a:latin typeface="Cambria Math" panose="02040503050406030204" pitchFamily="18" charset="0"/>
+                          </a:rPr>
+                          <m:t>𝑞</m:t>
+                        </m:r>
+                      </m:e>
+                    </m:acc>
+                    <m:r>
+                      <a:rPr lang="en-CA" sz="2400" i="1">
+                        <a:latin typeface="Cambria Math" panose="02040503050406030204" pitchFamily="18" charset="0"/>
+                      </a:rPr>
+                      <m:t>,</m:t>
+                    </m:r>
+                    <m:r>
+                      <a:rPr lang="en-CA" sz="2400" i="1">
+                        <a:latin typeface="Cambria Math" panose="02040503050406030204" pitchFamily="18" charset="0"/>
+                      </a:rPr>
+                      <m:t>𝑡</m:t>
+                    </m:r>
+                  </m:oMath>
+                </a14:m>
+                <a:r>
+                  <a:rPr lang="fr-CA" sz="2400" dirty="0"/>
+                  <a:t>)=</a:t>
+                </a:r>
+                <a14:m>
+                  <m:oMath xmlns:m="http://schemas.openxmlformats.org/officeDocument/2006/math">
+                    <m:r>
+                      <a:rPr lang="en-US" sz="2400" i="1">
+                        <a:latin typeface="Cambria Math" panose="02040503050406030204" pitchFamily="18" charset="0"/>
+                      </a:rPr>
+                      <m:t>𝜒</m:t>
+                    </m:r>
+                    <m:d>
+                      <m:dPr>
+                        <m:ctrlPr>
+                          <a:rPr lang="en-US" sz="2400" i="1">
+                            <a:latin typeface="Cambria Math" panose="02040503050406030204" pitchFamily="18" charset="0"/>
+                          </a:rPr>
+                        </m:ctrlPr>
+                      </m:dPr>
+                      <m:e>
+                        <m:r>
+                          <a:rPr lang="en-US" sz="2400" i="1">
+                            <a:latin typeface="Cambria Math" panose="02040503050406030204" pitchFamily="18" charset="0"/>
+                          </a:rPr>
+                          <m:t>𝑡</m:t>
+                        </m:r>
+                      </m:e>
+                    </m:d>
+                    <m:r>
+                      <a:rPr lang="en-US" sz="2400" i="1">
+                        <a:latin typeface="Cambria Math" panose="02040503050406030204" pitchFamily="18" charset="0"/>
+                      </a:rPr>
+                      <m:t>𝜓</m:t>
+                    </m:r>
+                    <m:r>
+                      <a:rPr lang="en-CA" sz="2400" i="1">
+                        <a:latin typeface="Cambria Math" panose="02040503050406030204" pitchFamily="18" charset="0"/>
+                      </a:rPr>
+                      <m:t>(</m:t>
+                    </m:r>
+                    <m:acc>
+                      <m:accPr>
+                        <m:chr m:val="⃗"/>
+                        <m:ctrlPr>
+                          <a:rPr lang="en-CA" sz="2400" i="1">
+                            <a:latin typeface="Cambria Math" panose="02040503050406030204" pitchFamily="18" charset="0"/>
+                          </a:rPr>
+                        </m:ctrlPr>
+                      </m:accPr>
+                      <m:e>
+                        <m:r>
+                          <a:rPr lang="en-CA" sz="2400" i="1">
+                            <a:latin typeface="Cambria Math" panose="02040503050406030204" pitchFamily="18" charset="0"/>
+                          </a:rPr>
+                          <m:t>𝑞</m:t>
+                        </m:r>
+                      </m:e>
+                    </m:acc>
+                    <m:r>
+                      <a:rPr lang="en-CA" sz="2400" i="1">
+                        <a:latin typeface="Cambria Math" panose="02040503050406030204" pitchFamily="18" charset="0"/>
+                      </a:rPr>
+                      <m:t>)</m:t>
+                    </m:r>
+                  </m:oMath>
+                </a14:m>
+                <a:endParaRPr lang="fr-CA" sz="2400" dirty="0"/>
+              </a:p>
+            </p:txBody>
+          </p:sp>
+        </mc:Choice>
+        <mc:Fallback>
+          <p:sp>
+            <p:nvSpPr>
+              <p:cNvPr id="3" name="!!!eqshro">
+                <a:extLst>
+                  <a:ext uri="{FF2B5EF4-FFF2-40B4-BE49-F238E27FC236}">
+                    <a16:creationId xmlns:a16="http://schemas.microsoft.com/office/drawing/2014/main" id="{9B88BD07-003C-4113-BCC6-F408DA52E633}"/>
+                  </a:ext>
+                </a:extLst>
+              </p:cNvPr>
+              <p:cNvSpPr>
+                <a:spLocks noRot="1" noChangeAspect="1" noMove="1" noResize="1" noEditPoints="1" noAdjustHandles="1" noChangeArrowheads="1" noChangeShapeType="1" noTextEdit="1"/>
+              </p:cNvSpPr>
+              <p:nvPr/>
+            </p:nvSpPr>
+            <p:spPr>
+              <a:xfrm>
+                <a:off x="4338993" y="3038187"/>
+                <a:ext cx="4375239" cy="1163908"/>
+              </a:xfrm>
+              <a:prstGeom prst="rect">
+                <a:avLst/>
+              </a:prstGeom>
+              <a:blipFill>
+                <a:blip r:embed="rId4"/>
+                <a:stretch>
+                  <a:fillRect b="-10995"/>
+                </a:stretch>
+              </a:blipFill>
+            </p:spPr>
+            <p:txBody>
+              <a:bodyPr/>
+              <a:lstStyle/>
+              <a:p>
+                <a:r>
+                  <a:rPr lang="en-CA">
+                    <a:noFill/>
+                  </a:rPr>
+                  <a:t> </a:t>
+                </a:r>
+              </a:p>
+            </p:txBody>
+          </p:sp>
+        </mc:Fallback>
+      </mc:AlternateContent>
+    </p:spTree>
+    <p:extLst>
+      <p:ext uri="{BB962C8B-B14F-4D97-AF65-F5344CB8AC3E}">
+        <p14:creationId xmlns:p14="http://schemas.microsoft.com/office/powerpoint/2010/main" val="1515917837"/>
+      </p:ext>
+    </p:extLst>
+  </p:cSld>
+  <p:clrMapOvr>
+    <a:masterClrMapping/>
+  </p:clrMapOvr>
+  <mc:AlternateContent xmlns:mc="http://schemas.openxmlformats.org/markup-compatibility/2006">
+    <mc:Choice xmlns:p159="http://schemas.microsoft.com/office/powerpoint/2015/09/main" Requires="p159">
+      <p:transition xmlns:p14="http://schemas.microsoft.com/office/powerpoint/2010/main" spd="slow" p14:dur="2000">
+        <p159:morph option="byObject"/>
+      </p:transition>
+    </mc:Choice>
+    <mc:Fallback>
+      <p:transition spd="slow">
+        <p:fade/>
+      </p:transition>
+    </mc:Fallback>
+  </mc:AlternateContent>
+</p:sld>
+</file>
+
+<file path=ppt/slides/slide15.xml><?xml version="1.0" encoding="utf-8"?>
 <p:sld xmlns:a="http://schemas.openxmlformats.org/drawingml/2006/main" xmlns:r="http://schemas.openxmlformats.org/officeDocument/2006/relationships" xmlns:p="http://schemas.openxmlformats.org/presentationml/2006/main">
   <p:cSld>
     <p:spTree>
@@ -10216,7 +12222,7 @@
           <a:lstStyle/>
           <a:p>
             <a:r>
-              <a:rPr lang="en-US" kern="1200" dirty="0" err="1">
+              <a:rPr lang="en-US" kern="1200">
                 <a:solidFill>
                   <a:srgbClr val="FFFFFF"/>
                 </a:solidFill>
@@ -10345,7 +12351,7 @@
             </p:custDataLst>
             <p:extLst>
               <p:ext uri="{D42A27DB-BD31-4B8C-83A1-F6EECF244321}">
-                <p14:modId xmlns:p14="http://schemas.microsoft.com/office/powerpoint/2010/main" val="2776266787"/>
+                <p14:modId xmlns:p14="http://schemas.microsoft.com/office/powerpoint/2010/main" val="2616467297"/>
               </p:ext>
             </p:extLst>
           </p:nvPr>
@@ -10819,8 +12825,8 @@
           </a:p>
         </p:txBody>
       </p:sp>
-      <mc:AlternateContent xmlns:mc="http://schemas.openxmlformats.org/markup-compatibility/2006" xmlns:a14="http://schemas.microsoft.com/office/drawing/2010/main">
-        <mc:Choice Requires="a14">
+      <mc:AlternateContent xmlns:mc="http://schemas.openxmlformats.org/markup-compatibility/2006">
+        <mc:Choice xmlns:a14="http://schemas.microsoft.com/office/drawing/2010/main" Requires="a14">
           <p:sp>
             <p:nvSpPr>
               <p:cNvPr id="9" name="Rectangle 8">
@@ -10874,7 +12880,7 @@
             </p:txBody>
           </p:sp>
         </mc:Choice>
-        <mc:Fallback xmlns="">
+        <mc:Fallback>
           <p:sp>
             <p:nvSpPr>
               <p:cNvPr id="9" name="Rectangle 8">
@@ -11085,13 +13091,7 @@
                                   <a:rPr lang="en-CA" sz="3600" i="1" dirty="0">
                                     <a:latin typeface="Cambria Math" panose="02040503050406030204" pitchFamily="18" charset="0"/>
                                   </a:rPr>
-                                  <m:t>−</m:t>
-                                </m:r>
-                                <m:r>
-                                  <a:rPr lang="en-CA" sz="3600" i="1" dirty="0">
-                                    <a:latin typeface="Cambria Math" panose="02040503050406030204" pitchFamily="18" charset="0"/>
-                                  </a:rPr>
-                                  <m:t>5</m:t>
+                                  <m:t>−5</m:t>
                                 </m:r>
                               </m:e>
                             </m:d>
@@ -11175,6 +13175,14 @@
 <file path=ppt/slides/slide5.xml><?xml version="1.0" encoding="utf-8"?>
 <p:sld xmlns:a="http://schemas.openxmlformats.org/drawingml/2006/main" xmlns:r="http://schemas.openxmlformats.org/officeDocument/2006/relationships" xmlns:p="http://schemas.openxmlformats.org/presentationml/2006/main">
   <p:cSld>
+    <p:bg>
+      <p:bgPr>
+        <a:solidFill>
+          <a:schemeClr val="bg1"/>
+        </a:solidFill>
+        <a:effectLst/>
+      </p:bgPr>
+    </p:bg>
     <p:spTree>
       <p:nvGrpSpPr>
         <p:cNvPr id="1" name=""/>
@@ -11191,35 +13199,10 @@
       </p:grpSpPr>
       <p:sp>
         <p:nvSpPr>
-          <p:cNvPr id="3" name="Title 2">
+          <p:cNvPr id="10" name="!!!Rectangle 9">
             <a:extLst>
               <a:ext uri="{FF2B5EF4-FFF2-40B4-BE49-F238E27FC236}">
-                <a16:creationId xmlns:a16="http://schemas.microsoft.com/office/drawing/2014/main" id="{E4B7A3CE-1F00-424E-A95E-7FBB0F3C5C0F}"/>
-              </a:ext>
-            </a:extLst>
-          </p:cNvPr>
-          <p:cNvSpPr>
-            <a:spLocks noGrp="1"/>
-          </p:cNvSpPr>
-          <p:nvPr>
-            <p:ph type="title"/>
-          </p:nvPr>
-        </p:nvSpPr>
-        <p:spPr/>
-        <p:txBody>
-          <a:bodyPr/>
-          <a:lstStyle/>
-          <a:p>
-            <a:endParaRPr lang="en-CA" dirty="0"/>
-          </a:p>
-        </p:txBody>
-      </p:sp>
-      <p:sp>
-        <p:nvSpPr>
-          <p:cNvPr id="8" name="Rectangle 7">
-            <a:extLst>
-              <a:ext uri="{FF2B5EF4-FFF2-40B4-BE49-F238E27FC236}">
-                <a16:creationId xmlns:a16="http://schemas.microsoft.com/office/drawing/2014/main" id="{CCEB3054-450A-45A5-9905-01337F7A650B}"/>
+                <a16:creationId xmlns:a16="http://schemas.microsoft.com/office/drawing/2014/main" id="{EBF87945-A001-489F-9D9B-7D9435F0B9CA}"/>
               </a:ext>
               <a:ext uri="{C183D7F6-B498-43B3-948B-1728B52AA6E4}">
                 <adec:decorative xmlns:adec="http://schemas.microsoft.com/office/drawing/2017/decorative" val="1"/>
@@ -11275,24 +13258,48 @@
           <a:bodyPr rtlCol="0" anchor="ctr"/>
           <a:lstStyle/>
           <a:p>
-            <a:pPr algn="ctr"/>
-            <a:endParaRPr lang="en-US"/>
+            <a:pPr marL="0" marR="0" lvl="0" indent="0" algn="ctr" defTabSz="914400" rtl="0" eaLnBrk="1" fontAlgn="auto" latinLnBrk="0" hangingPunct="1">
+              <a:lnSpc>
+                <a:spcPct val="100000"/>
+              </a:lnSpc>
+              <a:spcBef>
+                <a:spcPts val="0"/>
+              </a:spcBef>
+              <a:spcAft>
+                <a:spcPts val="0"/>
+              </a:spcAft>
+              <a:buClrTx/>
+              <a:buSzTx/>
+              <a:buFontTx/>
+              <a:buNone/>
+              <a:tabLst/>
+              <a:defRPr/>
+            </a:pPr>
+            <a:endParaRPr kumimoji="0" lang="en-US" sz="1800" b="0" i="0" u="none" strike="noStrike" kern="1200" cap="none" spc="0" normalizeH="0" baseline="0" noProof="0">
+              <a:ln>
+                <a:noFill/>
+              </a:ln>
+              <a:solidFill>
+                <a:prstClr val="white"/>
+              </a:solidFill>
+              <a:effectLst/>
+              <a:uLnTx/>
+              <a:uFillTx/>
+              <a:latin typeface="Calibri" panose="020F0502020204030204"/>
+              <a:ea typeface="+mn-ea"/>
+              <a:cs typeface="+mn-cs"/>
+            </a:endParaRPr>
           </a:p>
         </p:txBody>
       </p:sp>
       <p:sp>
         <p:nvSpPr>
-          <p:cNvPr id="12" name="Title 1">
-            <a:extLst>
-              <a:ext uri="{FF2B5EF4-FFF2-40B4-BE49-F238E27FC236}">
-                <a16:creationId xmlns:a16="http://schemas.microsoft.com/office/drawing/2014/main" id="{421D9EB3-D179-4A6C-BA86-64C1BCE7FE9F}"/>
-              </a:ext>
-            </a:extLst>
-          </p:cNvPr>
-          <p:cNvSpPr txBox="1">
-            <a:spLocks/>
+          <p:cNvPr id="2" name="Title 1"/>
+          <p:cNvSpPr>
+            <a:spLocks noGrp="1"/>
           </p:cNvSpPr>
           <p:nvPr>
+            <p:ph type="title"/>
             <p:custDataLst>
               <p:tags r:id="rId2"/>
             </p:custDataLst>
@@ -11303,33 +13310,12 @@
             <a:off x="838200" y="365760"/>
             <a:ext cx="10515600" cy="1325563"/>
           </a:xfrm>
-          <a:prstGeom prst="rect">
-            <a:avLst/>
-          </a:prstGeom>
         </p:spPr>
         <p:txBody>
-          <a:bodyPr vert="horz" lIns="91440" tIns="45720" rIns="91440" bIns="45720" rtlCol="0" anchor="ctr">
+          <a:bodyPr>
             <a:normAutofit/>
           </a:bodyPr>
-          <a:lstStyle>
-            <a:lvl1pPr algn="l" defTabSz="914400" rtl="0" eaLnBrk="1" latinLnBrk="0" hangingPunct="1">
-              <a:lnSpc>
-                <a:spcPct val="90000"/>
-              </a:lnSpc>
-              <a:spcBef>
-                <a:spcPct val="0"/>
-              </a:spcBef>
-              <a:buNone/>
-              <a:defRPr sz="4400" kern="1200">
-                <a:solidFill>
-                  <a:schemeClr val="tx1"/>
-                </a:solidFill>
-                <a:latin typeface="+mj-lt"/>
-                <a:ea typeface="+mj-ea"/>
-                <a:cs typeface="+mj-cs"/>
-              </a:defRPr>
-            </a:lvl1pPr>
-          </a:lstStyle>
+          <a:lstStyle/>
           <a:p>
             <a:r>
               <a:rPr lang="en-US">
@@ -11351,10 +13337,10 @@
         <mc:Choice xmlns:a14="http://schemas.microsoft.com/office/drawing/2010/main" Requires="a14">
           <p:sp>
             <p:nvSpPr>
-              <p:cNvPr id="13" name="Rectangle 12">
+              <p:cNvPr id="9" name="Rectangle 8">
                 <a:extLst>
                   <a:ext uri="{FF2B5EF4-FFF2-40B4-BE49-F238E27FC236}">
-                    <a16:creationId xmlns:a16="http://schemas.microsoft.com/office/drawing/2014/main" id="{475F9716-C95F-4C22-83C2-A52833A1918F}"/>
+                    <a16:creationId xmlns:a16="http://schemas.microsoft.com/office/drawing/2014/main" id="{52A57D8C-5BE1-45BF-97A1-3445463F896B}"/>
                   </a:ext>
                 </a:extLst>
               </p:cNvPr>
@@ -11376,8 +13362,38 @@
               </a:bodyPr>
               <a:lstStyle/>
               <a:p>
+                <a:pPr marL="0" marR="0" lvl="0" indent="0" algn="l" defTabSz="914400" rtl="0" eaLnBrk="1" fontAlgn="auto" latinLnBrk="0" hangingPunct="1">
+                  <a:lnSpc>
+                    <a:spcPct val="100000"/>
+                  </a:lnSpc>
+                  <a:spcBef>
+                    <a:spcPts val="0"/>
+                  </a:spcBef>
+                  <a:spcAft>
+                    <a:spcPts val="0"/>
+                  </a:spcAft>
+                  <a:buClrTx/>
+                  <a:buSzTx/>
+                  <a:buFontTx/>
+                  <a:buNone/>
+                  <a:tabLst/>
+                  <a:defRPr/>
+                </a:pPr>
                 <a:r>
-                  <a:rPr lang="fr-FR" sz="2400" dirty="0"/>
+                  <a:rPr kumimoji="0" lang="fr-FR" sz="2400" b="0" i="0" u="none" strike="noStrike" kern="1200" cap="none" spc="0" normalizeH="0" baseline="0" noProof="0" dirty="0">
+                    <a:ln>
+                      <a:noFill/>
+                    </a:ln>
+                    <a:solidFill>
+                      <a:prstClr val="black"/>
+                    </a:solidFill>
+                    <a:effectLst/>
+                    <a:uLnTx/>
+                    <a:uFillTx/>
+                    <a:latin typeface="Calibri" panose="020F0502020204030204"/>
+                    <a:ea typeface="+mn-ea"/>
+                    <a:cs typeface="+mn-cs"/>
+                  </a:rPr>
                   <a:t>La connaissance de l'état d'un système quantique est complètement contenue dans la fonction d’onde, souvent noté </a:t>
                 </a:r>
                 <a14:m>
@@ -11386,18 +13402,55 @@
                       <m:rPr>
                         <m:sty m:val="p"/>
                       </m:rPr>
-                      <a:rPr lang="en-CA" sz="2400" b="0" i="0" smtClean="0">
+                      <a:rPr kumimoji="0" lang="en-CA" sz="2400" b="0" i="0" u="none" strike="noStrike" kern="1200" cap="none" spc="0" normalizeH="0" baseline="0" noProof="0" smtClean="0">
+                        <a:ln>
+                          <a:noFill/>
+                        </a:ln>
+                        <a:solidFill>
+                          <a:prstClr val="black"/>
+                        </a:solidFill>
+                        <a:effectLst/>
+                        <a:uLnTx/>
+                        <a:uFillTx/>
                         <a:latin typeface="Cambria Math" panose="02040503050406030204" pitchFamily="18" charset="0"/>
+                        <a:ea typeface="+mn-ea"/>
+                        <a:cs typeface="+mn-cs"/>
                       </a:rPr>
                       <m:t>Ψ</m:t>
                     </m:r>
                   </m:oMath>
                 </a14:m>
                 <a:r>
-                  <a:rPr lang="fr-FR" sz="2400" dirty="0"/>
+                  <a:rPr kumimoji="0" lang="fr-FR" sz="2400" b="0" i="0" u="none" strike="noStrike" kern="1200" cap="none" spc="0" normalizeH="0" baseline="0" noProof="0" dirty="0">
+                    <a:ln>
+                      <a:noFill/>
+                    </a:ln>
+                    <a:solidFill>
+                      <a:prstClr val="black"/>
+                    </a:solidFill>
+                    <a:effectLst/>
+                    <a:uLnTx/>
+                    <a:uFillTx/>
+                    <a:latin typeface="Calibri" panose="020F0502020204030204"/>
+                    <a:ea typeface="+mn-ea"/>
+                    <a:cs typeface="+mn-cs"/>
+                  </a:rPr>
                   <a:t>.</a:t>
                 </a:r>
-                <a:endParaRPr lang="en-CA" sz="2400" dirty="0"/>
+                <a:endParaRPr kumimoji="0" lang="en-CA" sz="2400" b="0" i="0" u="none" strike="noStrike" kern="1200" cap="none" spc="0" normalizeH="0" baseline="0" noProof="0" dirty="0">
+                  <a:ln>
+                    <a:noFill/>
+                  </a:ln>
+                  <a:solidFill>
+                    <a:prstClr val="black"/>
+                  </a:solidFill>
+                  <a:effectLst/>
+                  <a:uLnTx/>
+                  <a:uFillTx/>
+                  <a:latin typeface="Calibri" panose="020F0502020204030204"/>
+                  <a:ea typeface="+mn-ea"/>
+                  <a:cs typeface="+mn-cs"/>
+                </a:endParaRPr>
               </a:p>
             </p:txBody>
           </p:sp>
@@ -11405,10 +13458,10 @@
         <mc:Fallback>
           <p:sp>
             <p:nvSpPr>
-              <p:cNvPr id="13" name="Rectangle 12">
+              <p:cNvPr id="9" name="Rectangle 8">
                 <a:extLst>
                   <a:ext uri="{FF2B5EF4-FFF2-40B4-BE49-F238E27FC236}">
-                    <a16:creationId xmlns:a16="http://schemas.microsoft.com/office/drawing/2014/main" id="{475F9716-C95F-4C22-83C2-A52833A1918F}"/>
+                    <a16:creationId xmlns:a16="http://schemas.microsoft.com/office/drawing/2014/main" id="{52A57D8C-5BE1-45BF-97A1-3445463F896B}"/>
                   </a:ext>
                 </a:extLst>
               </p:cNvPr>
@@ -11451,10 +13504,10 @@
         <mc:Choice xmlns:a14="http://schemas.microsoft.com/office/drawing/2010/main" Requires="a14">
           <p:sp>
             <p:nvSpPr>
-              <p:cNvPr id="14" name="!!!fctonde">
+              <p:cNvPr id="11" name="!!!fctonde">
                 <a:extLst>
                   <a:ext uri="{FF2B5EF4-FFF2-40B4-BE49-F238E27FC236}">
-                    <a16:creationId xmlns:a16="http://schemas.microsoft.com/office/drawing/2014/main" id="{DBAE9712-54C7-4430-94D1-9A6BD383D7E7}"/>
+                    <a16:creationId xmlns:a16="http://schemas.microsoft.com/office/drawing/2014/main" id="{65F3CD2B-7FE0-4349-987A-63D1B666B3CD}"/>
                   </a:ext>
                 </a:extLst>
               </p:cNvPr>
@@ -11477,50 +13530,135 @@
               </a:bodyPr>
               <a:lstStyle/>
               <a:p>
+                <a:pPr marL="0" marR="0" lvl="0" indent="0" algn="l" defTabSz="914400" rtl="0" eaLnBrk="1" fontAlgn="auto" latinLnBrk="0" hangingPunct="1">
+                  <a:lnSpc>
+                    <a:spcPct val="100000"/>
+                  </a:lnSpc>
+                  <a:spcBef>
+                    <a:spcPts val="0"/>
+                  </a:spcBef>
+                  <a:spcAft>
+                    <a:spcPts val="0"/>
+                  </a:spcAft>
+                  <a:buClrTx/>
+                  <a:buSzTx/>
+                  <a:buFontTx/>
+                  <a:buNone/>
+                  <a:tabLst/>
+                  <a:defRPr/>
+                </a:pPr>
                 <a14:m>
                   <m:oMath xmlns:m="http://schemas.openxmlformats.org/officeDocument/2006/math">
                     <m:r>
                       <m:rPr>
                         <m:sty m:val="p"/>
                       </m:rPr>
-                      <a:rPr lang="en-CA" sz="3600" b="0" i="0" dirty="0" smtClean="0">
+                      <a:rPr kumimoji="0" lang="en-CA" sz="3600" b="0" i="0" u="none" strike="noStrike" kern="1200" cap="none" spc="0" normalizeH="0" baseline="0" noProof="0" dirty="0" smtClean="0">
+                        <a:ln>
+                          <a:noFill/>
+                        </a:ln>
+                        <a:solidFill>
+                          <a:prstClr val="black"/>
+                        </a:solidFill>
+                        <a:effectLst/>
+                        <a:uLnTx/>
+                        <a:uFillTx/>
                         <a:latin typeface="Cambria Math" panose="02040503050406030204" pitchFamily="18" charset="0"/>
+                        <a:ea typeface="+mn-ea"/>
+                        <a:cs typeface="+mn-cs"/>
                       </a:rPr>
                       <m:t>Ψ</m:t>
                     </m:r>
                     <m:d>
                       <m:dPr>
                         <m:ctrlPr>
-                          <a:rPr lang="en-CA" sz="3600" b="0" i="1" dirty="0" smtClean="0">
+                          <a:rPr kumimoji="0" lang="en-CA" sz="3600" b="0" i="1" u="none" strike="noStrike" kern="1200" cap="none" spc="0" normalizeH="0" baseline="0" noProof="0" dirty="0" smtClean="0">
+                            <a:ln>
+                              <a:noFill/>
+                            </a:ln>
+                            <a:solidFill>
+                              <a:prstClr val="black"/>
+                            </a:solidFill>
+                            <a:effectLst/>
+                            <a:uLnTx/>
+                            <a:uFillTx/>
                             <a:latin typeface="Cambria Math" panose="02040503050406030204" pitchFamily="18" charset="0"/>
+                            <a:ea typeface="+mn-ea"/>
+                            <a:cs typeface="+mn-cs"/>
                           </a:rPr>
                         </m:ctrlPr>
                       </m:dPr>
                       <m:e>
                         <m:r>
-                          <a:rPr lang="en-CA" sz="3600" b="0" i="1" dirty="0" err="1" smtClean="0">
+                          <a:rPr kumimoji="0" lang="en-CA" sz="3600" b="0" i="1" u="none" strike="noStrike" kern="1200" cap="none" spc="0" normalizeH="0" baseline="0" noProof="0" dirty="0" err="1" smtClean="0">
+                            <a:ln>
+                              <a:noFill/>
+                            </a:ln>
+                            <a:solidFill>
+                              <a:prstClr val="black"/>
+                            </a:solidFill>
+                            <a:effectLst/>
+                            <a:uLnTx/>
+                            <a:uFillTx/>
                             <a:latin typeface="Cambria Math" panose="02040503050406030204" pitchFamily="18" charset="0"/>
+                            <a:ea typeface="+mn-ea"/>
+                            <a:cs typeface="+mn-cs"/>
                           </a:rPr>
                           <m:t>𝑥</m:t>
                         </m:r>
                         <m:r>
-                          <a:rPr lang="en-CA" sz="3600" b="0" i="1" dirty="0" err="1" smtClean="0">
+                          <a:rPr kumimoji="0" lang="en-CA" sz="3600" b="0" i="1" u="none" strike="noStrike" kern="1200" cap="none" spc="0" normalizeH="0" baseline="0" noProof="0" dirty="0" err="1" smtClean="0">
+                            <a:ln>
+                              <a:noFill/>
+                            </a:ln>
+                            <a:solidFill>
+                              <a:prstClr val="black"/>
+                            </a:solidFill>
+                            <a:effectLst/>
+                            <a:uLnTx/>
+                            <a:uFillTx/>
                             <a:latin typeface="Cambria Math" panose="02040503050406030204" pitchFamily="18" charset="0"/>
+                            <a:ea typeface="+mn-ea"/>
+                            <a:cs typeface="+mn-cs"/>
                           </a:rPr>
                           <m:t>,0</m:t>
                         </m:r>
                       </m:e>
                     </m:d>
                     <m:r>
-                      <a:rPr lang="en-CA" sz="3600" b="0" i="1" dirty="0" smtClean="0">
+                      <a:rPr kumimoji="0" lang="en-CA" sz="3600" b="0" i="1" u="none" strike="noStrike" kern="1200" cap="none" spc="0" normalizeH="0" baseline="0" noProof="0" dirty="0" smtClean="0">
+                        <a:ln>
+                          <a:noFill/>
+                        </a:ln>
+                        <a:solidFill>
+                          <a:prstClr val="black"/>
+                        </a:solidFill>
+                        <a:effectLst/>
+                        <a:uLnTx/>
+                        <a:uFillTx/>
                         <a:latin typeface="Cambria Math" panose="02040503050406030204" pitchFamily="18" charset="0"/>
+                        <a:ea typeface="+mn-ea"/>
+                        <a:cs typeface="+mn-cs"/>
                       </a:rPr>
                       <m:t>=</m:t>
                     </m:r>
                   </m:oMath>
                 </a14:m>
                 <a:r>
-                  <a:rPr lang="fr-CA" sz="3600" dirty="0"/>
+                  <a:rPr kumimoji="0" lang="fr-CA" sz="3600" b="0" i="0" u="none" strike="noStrike" kern="1200" cap="none" spc="0" normalizeH="0" baseline="0" noProof="0" dirty="0">
+                    <a:ln>
+                      <a:noFill/>
+                    </a:ln>
+                    <a:solidFill>
+                      <a:prstClr val="black"/>
+                    </a:solidFill>
+                    <a:effectLst/>
+                    <a:uLnTx/>
+                    <a:uFillTx/>
+                    <a:latin typeface="Calibri" panose="020F0502020204030204"/>
+                    <a:ea typeface="+mn-ea"/>
+                    <a:cs typeface="+mn-cs"/>
+                  </a:rPr>
                   <a:t> </a:t>
                 </a:r>
                 <a14:m>
@@ -11528,35 +13666,90 @@
                     <m:sSup>
                       <m:sSupPr>
                         <m:ctrlPr>
-                          <a:rPr lang="fr-CA" sz="3600" i="1" dirty="0">
+                          <a:rPr kumimoji="0" lang="fr-CA" sz="3600" b="0" i="1" u="none" strike="noStrike" kern="1200" cap="none" spc="0" normalizeH="0" baseline="0" noProof="0" dirty="0">
+                            <a:ln>
+                              <a:noFill/>
+                            </a:ln>
+                            <a:solidFill>
+                              <a:prstClr val="black"/>
+                            </a:solidFill>
+                            <a:effectLst/>
+                            <a:uLnTx/>
+                            <a:uFillTx/>
                             <a:latin typeface="Cambria Math" panose="02040503050406030204" pitchFamily="18" charset="0"/>
+                            <a:ea typeface="+mn-ea"/>
+                            <a:cs typeface="+mn-cs"/>
                           </a:rPr>
                         </m:ctrlPr>
                       </m:sSupPr>
                       <m:e>
                         <m:r>
-                          <a:rPr lang="fr-CA" sz="3600" i="1" dirty="0">
+                          <a:rPr kumimoji="0" lang="fr-CA" sz="3600" b="0" i="1" u="none" strike="noStrike" kern="1200" cap="none" spc="0" normalizeH="0" baseline="0" noProof="0" dirty="0">
+                            <a:ln>
+                              <a:noFill/>
+                            </a:ln>
+                            <a:solidFill>
+                              <a:prstClr val="black"/>
+                            </a:solidFill>
+                            <a:effectLst/>
+                            <a:uLnTx/>
+                            <a:uFillTx/>
                             <a:latin typeface="Cambria Math" panose="02040503050406030204" pitchFamily="18" charset="0"/>
+                            <a:ea typeface="+mn-ea"/>
+                            <a:cs typeface="+mn-cs"/>
                           </a:rPr>
                           <m:t>𝑒</m:t>
                         </m:r>
                       </m:e>
                       <m:sup>
                         <m:r>
-                          <a:rPr lang="en-CA" sz="3600" i="1" dirty="0">
+                          <a:rPr kumimoji="0" lang="en-CA" sz="3600" b="0" i="1" u="none" strike="noStrike" kern="1200" cap="none" spc="0" normalizeH="0" baseline="0" noProof="0" dirty="0">
+                            <a:ln>
+                              <a:noFill/>
+                            </a:ln>
+                            <a:solidFill>
+                              <a:prstClr val="black"/>
+                            </a:solidFill>
+                            <a:effectLst/>
+                            <a:uLnTx/>
+                            <a:uFillTx/>
                             <a:latin typeface="Cambria Math" panose="02040503050406030204" pitchFamily="18" charset="0"/>
+                            <a:ea typeface="+mn-ea"/>
+                            <a:cs typeface="+mn-cs"/>
                           </a:rPr>
                           <m:t>−</m:t>
                         </m:r>
                         <m:r>
-                          <a:rPr lang="en-CA" sz="3600" i="1" dirty="0" err="1">
+                          <a:rPr kumimoji="0" lang="en-CA" sz="3600" b="0" i="1" u="none" strike="noStrike" kern="1200" cap="none" spc="0" normalizeH="0" baseline="0" noProof="0" dirty="0" err="1">
+                            <a:ln>
+                              <a:noFill/>
+                            </a:ln>
+                            <a:solidFill>
+                              <a:prstClr val="black"/>
+                            </a:solidFill>
+                            <a:effectLst/>
+                            <a:uLnTx/>
+                            <a:uFillTx/>
                             <a:latin typeface="Cambria Math" panose="02040503050406030204" pitchFamily="18" charset="0"/>
+                            <a:ea typeface="+mn-ea"/>
+                            <a:cs typeface="+mn-cs"/>
                           </a:rPr>
                           <m:t>𝑖𝐸</m:t>
                         </m:r>
                         <m:r>
-                          <a:rPr lang="en-US" sz="3600" b="0" i="1" dirty="0" smtClean="0">
+                          <a:rPr kumimoji="0" lang="en-US" sz="3600" b="0" i="1" u="none" strike="noStrike" kern="1200" cap="none" spc="0" normalizeH="0" baseline="0" noProof="0" dirty="0" smtClean="0">
+                            <a:ln>
+                              <a:noFill/>
+                            </a:ln>
+                            <a:solidFill>
+                              <a:prstClr val="black"/>
+                            </a:solidFill>
+                            <a:effectLst/>
+                            <a:uLnTx/>
+                            <a:uFillTx/>
                             <a:latin typeface="Cambria Math" panose="02040503050406030204" pitchFamily="18" charset="0"/>
+                            <a:ea typeface="+mn-ea"/>
+                            <a:cs typeface="+mn-cs"/>
                           </a:rPr>
                           <m:t>0</m:t>
                         </m:r>
@@ -11565,31 +13758,75 @@
                     <m:sSup>
                       <m:sSupPr>
                         <m:ctrlPr>
-                          <a:rPr lang="fr-CA" sz="3600" i="1" dirty="0">
+                          <a:rPr kumimoji="0" lang="fr-CA" sz="3600" b="0" i="1" u="none" strike="noStrike" kern="1200" cap="none" spc="0" normalizeH="0" baseline="0" noProof="0" dirty="0">
+                            <a:ln>
+                              <a:noFill/>
+                            </a:ln>
+                            <a:solidFill>
+                              <a:prstClr val="black"/>
+                            </a:solidFill>
+                            <a:effectLst/>
+                            <a:uLnTx/>
+                            <a:uFillTx/>
                             <a:latin typeface="Cambria Math" panose="02040503050406030204" pitchFamily="18" charset="0"/>
+                            <a:ea typeface="+mn-ea"/>
+                            <a:cs typeface="+mn-cs"/>
                           </a:rPr>
                         </m:ctrlPr>
                       </m:sSupPr>
                       <m:e>
                         <m:r>
-                          <a:rPr lang="fr-CA" sz="3600" i="1" dirty="0">
+                          <a:rPr kumimoji="0" lang="fr-CA" sz="3600" b="0" i="1" u="none" strike="noStrike" kern="1200" cap="none" spc="0" normalizeH="0" baseline="0" noProof="0" dirty="0">
+                            <a:ln>
+                              <a:noFill/>
+                            </a:ln>
+                            <a:solidFill>
+                              <a:prstClr val="black"/>
+                            </a:solidFill>
+                            <a:effectLst/>
+                            <a:uLnTx/>
+                            <a:uFillTx/>
                             <a:latin typeface="Cambria Math" panose="02040503050406030204" pitchFamily="18" charset="0"/>
+                            <a:ea typeface="+mn-ea"/>
+                            <a:cs typeface="+mn-cs"/>
                           </a:rPr>
                           <m:t>𝑒</m:t>
                         </m:r>
                       </m:e>
                       <m:sup>
                         <m:r>
-                          <a:rPr lang="en-CA" sz="3600" i="1" dirty="0">
+                          <a:rPr kumimoji="0" lang="en-CA" sz="3600" b="0" i="1" u="none" strike="noStrike" kern="1200" cap="none" spc="0" normalizeH="0" baseline="0" noProof="0" dirty="0">
+                            <a:ln>
+                              <a:noFill/>
+                            </a:ln>
+                            <a:solidFill>
+                              <a:prstClr val="black"/>
+                            </a:solidFill>
+                            <a:effectLst/>
+                            <a:uLnTx/>
+                            <a:uFillTx/>
                             <a:latin typeface="Cambria Math" panose="02040503050406030204" pitchFamily="18" charset="0"/>
+                            <a:ea typeface="+mn-ea"/>
+                            <a:cs typeface="+mn-cs"/>
                           </a:rPr>
                           <m:t>−</m:t>
                         </m:r>
                         <m:sSup>
                           <m:sSupPr>
                             <m:ctrlPr>
-                              <a:rPr lang="en-CA" sz="3600" i="1" dirty="0">
+                              <a:rPr kumimoji="0" lang="en-CA" sz="3600" b="0" i="1" u="none" strike="noStrike" kern="1200" cap="none" spc="0" normalizeH="0" baseline="0" noProof="0" dirty="0">
+                                <a:ln>
+                                  <a:noFill/>
+                                </a:ln>
+                                <a:solidFill>
+                                  <a:prstClr val="black"/>
+                                </a:solidFill>
+                                <a:effectLst/>
+                                <a:uLnTx/>
+                                <a:uFillTx/>
                                 <a:latin typeface="Cambria Math" panose="02040503050406030204" pitchFamily="18" charset="0"/>
+                                <a:ea typeface="+mn-ea"/>
+                                <a:cs typeface="+mn-cs"/>
                               </a:rPr>
                             </m:ctrlPr>
                           </m:sSupPr>
@@ -11597,21 +13834,54 @@
                             <m:d>
                               <m:dPr>
                                 <m:ctrlPr>
-                                  <a:rPr lang="en-CA" sz="3600" i="1" dirty="0">
+                                  <a:rPr kumimoji="0" lang="en-CA" sz="3600" b="0" i="1" u="none" strike="noStrike" kern="1200" cap="none" spc="0" normalizeH="0" baseline="0" noProof="0" dirty="0">
+                                    <a:ln>
+                                      <a:noFill/>
+                                    </a:ln>
+                                    <a:solidFill>
+                                      <a:prstClr val="black"/>
+                                    </a:solidFill>
+                                    <a:effectLst/>
+                                    <a:uLnTx/>
+                                    <a:uFillTx/>
                                     <a:latin typeface="Cambria Math" panose="02040503050406030204" pitchFamily="18" charset="0"/>
+                                    <a:ea typeface="+mn-ea"/>
+                                    <a:cs typeface="+mn-cs"/>
                                   </a:rPr>
                                 </m:ctrlPr>
                               </m:dPr>
                               <m:e>
                                 <m:r>
-                                  <a:rPr lang="en-CA" sz="3600" i="1" dirty="0">
+                                  <a:rPr kumimoji="0" lang="en-CA" sz="3600" b="0" i="1" u="none" strike="noStrike" kern="1200" cap="none" spc="0" normalizeH="0" baseline="0" noProof="0" dirty="0">
+                                    <a:ln>
+                                      <a:noFill/>
+                                    </a:ln>
+                                    <a:solidFill>
+                                      <a:prstClr val="black"/>
+                                    </a:solidFill>
+                                    <a:effectLst/>
+                                    <a:uLnTx/>
+                                    <a:uFillTx/>
                                     <a:latin typeface="Cambria Math" panose="02040503050406030204" pitchFamily="18" charset="0"/>
+                                    <a:ea typeface="+mn-ea"/>
+                                    <a:cs typeface="+mn-cs"/>
                                   </a:rPr>
                                   <m:t>𝑥</m:t>
                                 </m:r>
                                 <m:r>
-                                  <a:rPr lang="en-CA" sz="3600" i="1" dirty="0">
+                                  <a:rPr kumimoji="0" lang="en-CA" sz="3600" b="0" i="1" u="none" strike="noStrike" kern="1200" cap="none" spc="0" normalizeH="0" baseline="0" noProof="0" dirty="0">
+                                    <a:ln>
+                                      <a:noFill/>
+                                    </a:ln>
+                                    <a:solidFill>
+                                      <a:prstClr val="black"/>
+                                    </a:solidFill>
+                                    <a:effectLst/>
+                                    <a:uLnTx/>
+                                    <a:uFillTx/>
                                     <a:latin typeface="Cambria Math" panose="02040503050406030204" pitchFamily="18" charset="0"/>
+                                    <a:ea typeface="+mn-ea"/>
+                                    <a:cs typeface="+mn-cs"/>
                                   </a:rPr>
                                   <m:t>−5</m:t>
                                 </m:r>
@@ -11620,8 +13890,19 @@
                           </m:e>
                           <m:sup>
                             <m:r>
-                              <a:rPr lang="en-CA" sz="3600" i="1" dirty="0">
+                              <a:rPr kumimoji="0" lang="en-CA" sz="3600" b="0" i="1" u="none" strike="noStrike" kern="1200" cap="none" spc="0" normalizeH="0" baseline="0" noProof="0" dirty="0">
+                                <a:ln>
+                                  <a:noFill/>
+                                </a:ln>
+                                <a:solidFill>
+                                  <a:prstClr val="black"/>
+                                </a:solidFill>
+                                <a:effectLst/>
+                                <a:uLnTx/>
+                                <a:uFillTx/>
                                 <a:latin typeface="Cambria Math" panose="02040503050406030204" pitchFamily="18" charset="0"/>
+                                <a:ea typeface="+mn-ea"/>
+                                <a:cs typeface="+mn-cs"/>
                               </a:rPr>
                               <m:t>2</m:t>
                             </m:r>
@@ -11631,7 +13912,20 @@
                     </m:sSup>
                   </m:oMath>
                 </a14:m>
-                <a:endParaRPr lang="en-CA" sz="3600" dirty="0"/>
+                <a:endParaRPr kumimoji="0" lang="en-CA" sz="3600" b="0" i="0" u="none" strike="noStrike" kern="1200" cap="none" spc="0" normalizeH="0" baseline="0" noProof="0" dirty="0">
+                  <a:ln>
+                    <a:noFill/>
+                  </a:ln>
+                  <a:solidFill>
+                    <a:prstClr val="black"/>
+                  </a:solidFill>
+                  <a:effectLst/>
+                  <a:uLnTx/>
+                  <a:uFillTx/>
+                  <a:latin typeface="Calibri" panose="020F0502020204030204"/>
+                  <a:ea typeface="+mn-ea"/>
+                  <a:cs typeface="+mn-cs"/>
+                </a:endParaRPr>
               </a:p>
             </p:txBody>
           </p:sp>
@@ -11639,10 +13933,10 @@
         <mc:Fallback>
           <p:sp>
             <p:nvSpPr>
-              <p:cNvPr id="14" name="!!!fctonde">
+              <p:cNvPr id="11" name="!!!fctonde">
                 <a:extLst>
                   <a:ext uri="{FF2B5EF4-FFF2-40B4-BE49-F238E27FC236}">
-                    <a16:creationId xmlns:a16="http://schemas.microsoft.com/office/drawing/2014/main" id="{DBAE9712-54C7-4430-94D1-9A6BD383D7E7}"/>
+                    <a16:creationId xmlns:a16="http://schemas.microsoft.com/office/drawing/2014/main" id="{65F3CD2B-7FE0-4349-987A-63D1B666B3CD}"/>
                   </a:ext>
                 </a:extLst>
               </p:cNvPr>
@@ -11684,7 +13978,7 @@
     </p:spTree>
     <p:extLst>
       <p:ext uri="{BB962C8B-B14F-4D97-AF65-F5344CB8AC3E}">
-        <p14:creationId xmlns:p14="http://schemas.microsoft.com/office/powerpoint/2010/main" val="3961785822"/>
+        <p14:creationId xmlns:p14="http://schemas.microsoft.com/office/powerpoint/2010/main" val="587375255"/>
       </p:ext>
     </p:extLst>
   </p:cSld>
@@ -11709,6 +14003,14 @@
 <file path=ppt/slides/slide6.xml><?xml version="1.0" encoding="utf-8"?>
 <p:sld xmlns:a="http://schemas.openxmlformats.org/drawingml/2006/main" xmlns:r="http://schemas.openxmlformats.org/officeDocument/2006/relationships" xmlns:p="http://schemas.openxmlformats.org/presentationml/2006/main">
   <p:cSld>
+    <p:bg>
+      <p:bgPr>
+        <a:solidFill>
+          <a:schemeClr val="bg1"/>
+        </a:solidFill>
+        <a:effectLst/>
+      </p:bgPr>
+    </p:bg>
     <p:spTree>
       <p:nvGrpSpPr>
         <p:cNvPr id="1" name=""/>
@@ -11725,35 +14027,10 @@
       </p:grpSpPr>
       <p:sp>
         <p:nvSpPr>
-          <p:cNvPr id="3" name="Title 2">
+          <p:cNvPr id="10" name="!!!Rectangle 9">
             <a:extLst>
               <a:ext uri="{FF2B5EF4-FFF2-40B4-BE49-F238E27FC236}">
-                <a16:creationId xmlns:a16="http://schemas.microsoft.com/office/drawing/2014/main" id="{E4B7A3CE-1F00-424E-A95E-7FBB0F3C5C0F}"/>
-              </a:ext>
-            </a:extLst>
-          </p:cNvPr>
-          <p:cNvSpPr>
-            <a:spLocks noGrp="1"/>
-          </p:cNvSpPr>
-          <p:nvPr>
-            <p:ph type="title"/>
-          </p:nvPr>
-        </p:nvSpPr>
-        <p:spPr/>
-        <p:txBody>
-          <a:bodyPr/>
-          <a:lstStyle/>
-          <a:p>
-            <a:endParaRPr lang="en-CA" dirty="0"/>
-          </a:p>
-        </p:txBody>
-      </p:sp>
-      <p:sp>
-        <p:nvSpPr>
-          <p:cNvPr id="8" name="Rectangle 7">
-            <a:extLst>
-              <a:ext uri="{FF2B5EF4-FFF2-40B4-BE49-F238E27FC236}">
-                <a16:creationId xmlns:a16="http://schemas.microsoft.com/office/drawing/2014/main" id="{CCEB3054-450A-45A5-9905-01337F7A650B}"/>
+                <a16:creationId xmlns:a16="http://schemas.microsoft.com/office/drawing/2014/main" id="{EBF87945-A001-489F-9D9B-7D9435F0B9CA}"/>
               </a:ext>
               <a:ext uri="{C183D7F6-B498-43B3-948B-1728B52AA6E4}">
                 <adec:decorative xmlns:adec="http://schemas.microsoft.com/office/drawing/2017/decorative" val="1"/>
@@ -11809,24 +14086,48 @@
           <a:bodyPr rtlCol="0" anchor="ctr"/>
           <a:lstStyle/>
           <a:p>
-            <a:pPr algn="ctr"/>
-            <a:endParaRPr lang="en-US"/>
+            <a:pPr marL="0" marR="0" lvl="0" indent="0" algn="ctr" defTabSz="914400" rtl="0" eaLnBrk="1" fontAlgn="auto" latinLnBrk="0" hangingPunct="1">
+              <a:lnSpc>
+                <a:spcPct val="100000"/>
+              </a:lnSpc>
+              <a:spcBef>
+                <a:spcPts val="0"/>
+              </a:spcBef>
+              <a:spcAft>
+                <a:spcPts val="0"/>
+              </a:spcAft>
+              <a:buClrTx/>
+              <a:buSzTx/>
+              <a:buFontTx/>
+              <a:buNone/>
+              <a:tabLst/>
+              <a:defRPr/>
+            </a:pPr>
+            <a:endParaRPr kumimoji="0" lang="en-US" sz="1800" b="0" i="0" u="none" strike="noStrike" kern="1200" cap="none" spc="0" normalizeH="0" baseline="0" noProof="0">
+              <a:ln>
+                <a:noFill/>
+              </a:ln>
+              <a:solidFill>
+                <a:prstClr val="white"/>
+              </a:solidFill>
+              <a:effectLst/>
+              <a:uLnTx/>
+              <a:uFillTx/>
+              <a:latin typeface="Calibri" panose="020F0502020204030204"/>
+              <a:ea typeface="+mn-ea"/>
+              <a:cs typeface="+mn-cs"/>
+            </a:endParaRPr>
           </a:p>
         </p:txBody>
       </p:sp>
       <p:sp>
         <p:nvSpPr>
-          <p:cNvPr id="12" name="Title 1">
-            <a:extLst>
-              <a:ext uri="{FF2B5EF4-FFF2-40B4-BE49-F238E27FC236}">
-                <a16:creationId xmlns:a16="http://schemas.microsoft.com/office/drawing/2014/main" id="{421D9EB3-D179-4A6C-BA86-64C1BCE7FE9F}"/>
-              </a:ext>
-            </a:extLst>
-          </p:cNvPr>
-          <p:cNvSpPr txBox="1">
-            <a:spLocks/>
+          <p:cNvPr id="2" name="Title 1"/>
+          <p:cNvSpPr>
+            <a:spLocks noGrp="1"/>
           </p:cNvSpPr>
           <p:nvPr>
+            <p:ph type="title"/>
             <p:custDataLst>
               <p:tags r:id="rId2"/>
             </p:custDataLst>
@@ -11837,33 +14138,12 @@
             <a:off x="838200" y="365760"/>
             <a:ext cx="10515600" cy="1325563"/>
           </a:xfrm>
-          <a:prstGeom prst="rect">
-            <a:avLst/>
-          </a:prstGeom>
         </p:spPr>
         <p:txBody>
-          <a:bodyPr vert="horz" lIns="91440" tIns="45720" rIns="91440" bIns="45720" rtlCol="0" anchor="ctr">
+          <a:bodyPr>
             <a:normAutofit/>
           </a:bodyPr>
-          <a:lstStyle>
-            <a:lvl1pPr algn="l" defTabSz="914400" rtl="0" eaLnBrk="1" latinLnBrk="0" hangingPunct="1">
-              <a:lnSpc>
-                <a:spcPct val="90000"/>
-              </a:lnSpc>
-              <a:spcBef>
-                <a:spcPct val="0"/>
-              </a:spcBef>
-              <a:buNone/>
-              <a:defRPr sz="4400" kern="1200">
-                <a:solidFill>
-                  <a:schemeClr val="tx1"/>
-                </a:solidFill>
-                <a:latin typeface="+mj-lt"/>
-                <a:ea typeface="+mj-ea"/>
-                <a:cs typeface="+mj-cs"/>
-              </a:defRPr>
-            </a:lvl1pPr>
-          </a:lstStyle>
+          <a:lstStyle/>
           <a:p>
             <a:r>
               <a:rPr lang="en-US">
@@ -11885,10 +14165,10 @@
         <mc:Choice xmlns:a14="http://schemas.microsoft.com/office/drawing/2010/main" Requires="a14">
           <p:sp>
             <p:nvSpPr>
-              <p:cNvPr id="13" name="Rectangle 12">
+              <p:cNvPr id="9" name="Rectangle 8">
                 <a:extLst>
                   <a:ext uri="{FF2B5EF4-FFF2-40B4-BE49-F238E27FC236}">
-                    <a16:creationId xmlns:a16="http://schemas.microsoft.com/office/drawing/2014/main" id="{475F9716-C95F-4C22-83C2-A52833A1918F}"/>
+                    <a16:creationId xmlns:a16="http://schemas.microsoft.com/office/drawing/2014/main" id="{52A57D8C-5BE1-45BF-97A1-3445463F896B}"/>
                   </a:ext>
                 </a:extLst>
               </p:cNvPr>
@@ -11910,8 +14190,38 @@
               </a:bodyPr>
               <a:lstStyle/>
               <a:p>
+                <a:pPr marL="0" marR="0" lvl="0" indent="0" algn="l" defTabSz="914400" rtl="0" eaLnBrk="1" fontAlgn="auto" latinLnBrk="0" hangingPunct="1">
+                  <a:lnSpc>
+                    <a:spcPct val="100000"/>
+                  </a:lnSpc>
+                  <a:spcBef>
+                    <a:spcPts val="0"/>
+                  </a:spcBef>
+                  <a:spcAft>
+                    <a:spcPts val="0"/>
+                  </a:spcAft>
+                  <a:buClrTx/>
+                  <a:buSzTx/>
+                  <a:buFontTx/>
+                  <a:buNone/>
+                  <a:tabLst/>
+                  <a:defRPr/>
+                </a:pPr>
                 <a:r>
-                  <a:rPr lang="fr-FR" sz="2400" dirty="0"/>
+                  <a:rPr kumimoji="0" lang="fr-FR" sz="2400" b="0" i="0" u="none" strike="noStrike" kern="1200" cap="none" spc="0" normalizeH="0" baseline="0" noProof="0" dirty="0">
+                    <a:ln>
+                      <a:noFill/>
+                    </a:ln>
+                    <a:solidFill>
+                      <a:prstClr val="black"/>
+                    </a:solidFill>
+                    <a:effectLst/>
+                    <a:uLnTx/>
+                    <a:uFillTx/>
+                    <a:latin typeface="Calibri" panose="020F0502020204030204"/>
+                    <a:ea typeface="+mn-ea"/>
+                    <a:cs typeface="+mn-cs"/>
+                  </a:rPr>
                   <a:t>La connaissance de l'état d'un système quantique est complètement contenue dans la fonction d’onde, souvent noté </a:t>
                 </a:r>
                 <a14:m>
@@ -11920,18 +14230,55 @@
                       <m:rPr>
                         <m:sty m:val="p"/>
                       </m:rPr>
-                      <a:rPr lang="en-CA" sz="2400" b="0" i="0" smtClean="0">
+                      <a:rPr kumimoji="0" lang="en-CA" sz="2400" b="0" i="0" u="none" strike="noStrike" kern="1200" cap="none" spc="0" normalizeH="0" baseline="0" noProof="0" smtClean="0">
+                        <a:ln>
+                          <a:noFill/>
+                        </a:ln>
+                        <a:solidFill>
+                          <a:prstClr val="black"/>
+                        </a:solidFill>
+                        <a:effectLst/>
+                        <a:uLnTx/>
+                        <a:uFillTx/>
                         <a:latin typeface="Cambria Math" panose="02040503050406030204" pitchFamily="18" charset="0"/>
+                        <a:ea typeface="+mn-ea"/>
+                        <a:cs typeface="+mn-cs"/>
                       </a:rPr>
                       <m:t>Ψ</m:t>
                     </m:r>
                   </m:oMath>
                 </a14:m>
                 <a:r>
-                  <a:rPr lang="fr-FR" sz="2400" dirty="0"/>
+                  <a:rPr kumimoji="0" lang="fr-FR" sz="2400" b="0" i="0" u="none" strike="noStrike" kern="1200" cap="none" spc="0" normalizeH="0" baseline="0" noProof="0" dirty="0">
+                    <a:ln>
+                      <a:noFill/>
+                    </a:ln>
+                    <a:solidFill>
+                      <a:prstClr val="black"/>
+                    </a:solidFill>
+                    <a:effectLst/>
+                    <a:uLnTx/>
+                    <a:uFillTx/>
+                    <a:latin typeface="Calibri" panose="020F0502020204030204"/>
+                    <a:ea typeface="+mn-ea"/>
+                    <a:cs typeface="+mn-cs"/>
+                  </a:rPr>
                   <a:t>.</a:t>
                 </a:r>
-                <a:endParaRPr lang="en-CA" sz="2400" dirty="0"/>
+                <a:endParaRPr kumimoji="0" lang="en-CA" sz="2400" b="0" i="0" u="none" strike="noStrike" kern="1200" cap="none" spc="0" normalizeH="0" baseline="0" noProof="0" dirty="0">
+                  <a:ln>
+                    <a:noFill/>
+                  </a:ln>
+                  <a:solidFill>
+                    <a:prstClr val="black"/>
+                  </a:solidFill>
+                  <a:effectLst/>
+                  <a:uLnTx/>
+                  <a:uFillTx/>
+                  <a:latin typeface="Calibri" panose="020F0502020204030204"/>
+                  <a:ea typeface="+mn-ea"/>
+                  <a:cs typeface="+mn-cs"/>
+                </a:endParaRPr>
               </a:p>
             </p:txBody>
           </p:sp>
@@ -11939,10 +14286,10 @@
         <mc:Fallback>
           <p:sp>
             <p:nvSpPr>
-              <p:cNvPr id="13" name="Rectangle 12">
+              <p:cNvPr id="9" name="Rectangle 8">
                 <a:extLst>
                   <a:ext uri="{FF2B5EF4-FFF2-40B4-BE49-F238E27FC236}">
-                    <a16:creationId xmlns:a16="http://schemas.microsoft.com/office/drawing/2014/main" id="{475F9716-C95F-4C22-83C2-A52833A1918F}"/>
+                    <a16:creationId xmlns:a16="http://schemas.microsoft.com/office/drawing/2014/main" id="{52A57D8C-5BE1-45BF-97A1-3445463F896B}"/>
                   </a:ext>
                 </a:extLst>
               </p:cNvPr>
@@ -11985,10 +14332,10 @@
         <mc:Choice xmlns:a14="http://schemas.microsoft.com/office/drawing/2010/main" Requires="a14">
           <p:sp>
             <p:nvSpPr>
-              <p:cNvPr id="14" name="!!!fctonde">
+              <p:cNvPr id="11" name="!!!fctonde">
                 <a:extLst>
                   <a:ext uri="{FF2B5EF4-FFF2-40B4-BE49-F238E27FC236}">
-                    <a16:creationId xmlns:a16="http://schemas.microsoft.com/office/drawing/2014/main" id="{DBAE9712-54C7-4430-94D1-9A6BD383D7E7}"/>
+                    <a16:creationId xmlns:a16="http://schemas.microsoft.com/office/drawing/2014/main" id="{65F3CD2B-7FE0-4349-987A-63D1B666B3CD}"/>
                   </a:ext>
                 </a:extLst>
               </p:cNvPr>
@@ -12011,50 +14358,135 @@
               </a:bodyPr>
               <a:lstStyle/>
               <a:p>
+                <a:pPr marL="0" marR="0" lvl="0" indent="0" algn="l" defTabSz="914400" rtl="0" eaLnBrk="1" fontAlgn="auto" latinLnBrk="0" hangingPunct="1">
+                  <a:lnSpc>
+                    <a:spcPct val="100000"/>
+                  </a:lnSpc>
+                  <a:spcBef>
+                    <a:spcPts val="0"/>
+                  </a:spcBef>
+                  <a:spcAft>
+                    <a:spcPts val="0"/>
+                  </a:spcAft>
+                  <a:buClrTx/>
+                  <a:buSzTx/>
+                  <a:buFontTx/>
+                  <a:buNone/>
+                  <a:tabLst/>
+                  <a:defRPr/>
+                </a:pPr>
                 <a14:m>
                   <m:oMath xmlns:m="http://schemas.openxmlformats.org/officeDocument/2006/math">
                     <m:r>
                       <m:rPr>
                         <m:sty m:val="p"/>
                       </m:rPr>
-                      <a:rPr lang="en-CA" sz="3600" b="0" i="0" dirty="0" smtClean="0">
+                      <a:rPr kumimoji="0" lang="en-CA" sz="3600" b="0" i="0" u="none" strike="noStrike" kern="1200" cap="none" spc="0" normalizeH="0" baseline="0" noProof="0" dirty="0" smtClean="0">
+                        <a:ln>
+                          <a:noFill/>
+                        </a:ln>
+                        <a:solidFill>
+                          <a:prstClr val="black"/>
+                        </a:solidFill>
+                        <a:effectLst/>
+                        <a:uLnTx/>
+                        <a:uFillTx/>
                         <a:latin typeface="Cambria Math" panose="02040503050406030204" pitchFamily="18" charset="0"/>
+                        <a:ea typeface="+mn-ea"/>
+                        <a:cs typeface="+mn-cs"/>
                       </a:rPr>
                       <m:t>Ψ</m:t>
                     </m:r>
                     <m:d>
                       <m:dPr>
                         <m:ctrlPr>
-                          <a:rPr lang="en-CA" sz="3600" b="0" i="1" dirty="0" smtClean="0">
+                          <a:rPr kumimoji="0" lang="en-CA" sz="3600" b="0" i="1" u="none" strike="noStrike" kern="1200" cap="none" spc="0" normalizeH="0" baseline="0" noProof="0" dirty="0" smtClean="0">
+                            <a:ln>
+                              <a:noFill/>
+                            </a:ln>
+                            <a:solidFill>
+                              <a:prstClr val="black"/>
+                            </a:solidFill>
+                            <a:effectLst/>
+                            <a:uLnTx/>
+                            <a:uFillTx/>
                             <a:latin typeface="Cambria Math" panose="02040503050406030204" pitchFamily="18" charset="0"/>
+                            <a:ea typeface="+mn-ea"/>
+                            <a:cs typeface="+mn-cs"/>
                           </a:rPr>
                         </m:ctrlPr>
                       </m:dPr>
                       <m:e>
                         <m:r>
-                          <a:rPr lang="en-CA" sz="3600" b="0" i="1" dirty="0" err="1" smtClean="0">
+                          <a:rPr kumimoji="0" lang="en-CA" sz="3600" b="0" i="1" u="none" strike="noStrike" kern="1200" cap="none" spc="0" normalizeH="0" baseline="0" noProof="0" dirty="0" err="1" smtClean="0">
+                            <a:ln>
+                              <a:noFill/>
+                            </a:ln>
+                            <a:solidFill>
+                              <a:prstClr val="black"/>
+                            </a:solidFill>
+                            <a:effectLst/>
+                            <a:uLnTx/>
+                            <a:uFillTx/>
                             <a:latin typeface="Cambria Math" panose="02040503050406030204" pitchFamily="18" charset="0"/>
+                            <a:ea typeface="+mn-ea"/>
+                            <a:cs typeface="+mn-cs"/>
                           </a:rPr>
                           <m:t>𝑥</m:t>
                         </m:r>
                         <m:r>
-                          <a:rPr lang="en-CA" sz="3600" b="0" i="1" dirty="0" err="1" smtClean="0">
+                          <a:rPr kumimoji="0" lang="en-CA" sz="3600" b="0" i="1" u="none" strike="noStrike" kern="1200" cap="none" spc="0" normalizeH="0" baseline="0" noProof="0" dirty="0" err="1" smtClean="0">
+                            <a:ln>
+                              <a:noFill/>
+                            </a:ln>
+                            <a:solidFill>
+                              <a:prstClr val="black"/>
+                            </a:solidFill>
+                            <a:effectLst/>
+                            <a:uLnTx/>
+                            <a:uFillTx/>
                             <a:latin typeface="Cambria Math" panose="02040503050406030204" pitchFamily="18" charset="0"/>
+                            <a:ea typeface="+mn-ea"/>
+                            <a:cs typeface="+mn-cs"/>
                           </a:rPr>
                           <m:t>,0</m:t>
                         </m:r>
                       </m:e>
                     </m:d>
                     <m:r>
-                      <a:rPr lang="en-CA" sz="3600" b="0" i="1" dirty="0" smtClean="0">
+                      <a:rPr kumimoji="0" lang="en-CA" sz="3600" b="0" i="1" u="none" strike="noStrike" kern="1200" cap="none" spc="0" normalizeH="0" baseline="0" noProof="0" dirty="0" smtClean="0">
+                        <a:ln>
+                          <a:noFill/>
+                        </a:ln>
+                        <a:solidFill>
+                          <a:prstClr val="black"/>
+                        </a:solidFill>
+                        <a:effectLst/>
+                        <a:uLnTx/>
+                        <a:uFillTx/>
                         <a:latin typeface="Cambria Math" panose="02040503050406030204" pitchFamily="18" charset="0"/>
+                        <a:ea typeface="+mn-ea"/>
+                        <a:cs typeface="+mn-cs"/>
                       </a:rPr>
                       <m:t>=</m:t>
                     </m:r>
                   </m:oMath>
                 </a14:m>
                 <a:r>
-                  <a:rPr lang="fr-CA" sz="3600" dirty="0"/>
+                  <a:rPr kumimoji="0" lang="fr-CA" sz="3600" b="0" i="0" u="none" strike="noStrike" kern="1200" cap="none" spc="0" normalizeH="0" baseline="0" noProof="0" dirty="0">
+                    <a:ln>
+                      <a:noFill/>
+                    </a:ln>
+                    <a:solidFill>
+                      <a:prstClr val="black"/>
+                    </a:solidFill>
+                    <a:effectLst/>
+                    <a:uLnTx/>
+                    <a:uFillTx/>
+                    <a:latin typeface="Calibri" panose="020F0502020204030204"/>
+                    <a:ea typeface="+mn-ea"/>
+                    <a:cs typeface="+mn-cs"/>
+                  </a:rPr>
                   <a:t> </a:t>
                 </a:r>
                 <a14:m>
@@ -12062,31 +14494,75 @@
                     <m:sSup>
                       <m:sSupPr>
                         <m:ctrlPr>
-                          <a:rPr lang="fr-CA" sz="3600" i="1" dirty="0">
+                          <a:rPr kumimoji="0" lang="fr-CA" sz="3600" b="0" i="1" u="none" strike="noStrike" kern="1200" cap="none" spc="0" normalizeH="0" baseline="0" noProof="0" dirty="0">
+                            <a:ln>
+                              <a:noFill/>
+                            </a:ln>
+                            <a:solidFill>
+                              <a:prstClr val="black"/>
+                            </a:solidFill>
+                            <a:effectLst/>
+                            <a:uLnTx/>
+                            <a:uFillTx/>
                             <a:latin typeface="Cambria Math" panose="02040503050406030204" pitchFamily="18" charset="0"/>
+                            <a:ea typeface="+mn-ea"/>
+                            <a:cs typeface="+mn-cs"/>
                           </a:rPr>
                         </m:ctrlPr>
                       </m:sSupPr>
                       <m:e>
                         <m:r>
-                          <a:rPr lang="fr-CA" sz="3600" i="1" dirty="0">
+                          <a:rPr kumimoji="0" lang="fr-CA" sz="3600" b="0" i="1" u="none" strike="noStrike" kern="1200" cap="none" spc="0" normalizeH="0" baseline="0" noProof="0" dirty="0">
+                            <a:ln>
+                              <a:noFill/>
+                            </a:ln>
+                            <a:solidFill>
+                              <a:prstClr val="black"/>
+                            </a:solidFill>
+                            <a:effectLst/>
+                            <a:uLnTx/>
+                            <a:uFillTx/>
                             <a:latin typeface="Cambria Math" panose="02040503050406030204" pitchFamily="18" charset="0"/>
+                            <a:ea typeface="+mn-ea"/>
+                            <a:cs typeface="+mn-cs"/>
                           </a:rPr>
                           <m:t>𝑒</m:t>
                         </m:r>
                       </m:e>
                       <m:sup>
                         <m:r>
-                          <a:rPr lang="en-CA" sz="3600" i="1" dirty="0">
+                          <a:rPr kumimoji="0" lang="en-CA" sz="3600" b="0" i="1" u="none" strike="noStrike" kern="1200" cap="none" spc="0" normalizeH="0" baseline="0" noProof="0" dirty="0">
+                            <a:ln>
+                              <a:noFill/>
+                            </a:ln>
+                            <a:solidFill>
+                              <a:prstClr val="black"/>
+                            </a:solidFill>
+                            <a:effectLst/>
+                            <a:uLnTx/>
+                            <a:uFillTx/>
                             <a:latin typeface="Cambria Math" panose="02040503050406030204" pitchFamily="18" charset="0"/>
+                            <a:ea typeface="+mn-ea"/>
+                            <a:cs typeface="+mn-cs"/>
                           </a:rPr>
                           <m:t>−</m:t>
                         </m:r>
                         <m:sSup>
                           <m:sSupPr>
                             <m:ctrlPr>
-                              <a:rPr lang="en-CA" sz="3600" i="1" dirty="0">
+                              <a:rPr kumimoji="0" lang="en-CA" sz="3600" b="0" i="1" u="none" strike="noStrike" kern="1200" cap="none" spc="0" normalizeH="0" baseline="0" noProof="0" dirty="0">
+                                <a:ln>
+                                  <a:noFill/>
+                                </a:ln>
+                                <a:solidFill>
+                                  <a:prstClr val="black"/>
+                                </a:solidFill>
+                                <a:effectLst/>
+                                <a:uLnTx/>
+                                <a:uFillTx/>
                                 <a:latin typeface="Cambria Math" panose="02040503050406030204" pitchFamily="18" charset="0"/>
+                                <a:ea typeface="+mn-ea"/>
+                                <a:cs typeface="+mn-cs"/>
                               </a:rPr>
                             </m:ctrlPr>
                           </m:sSupPr>
@@ -12094,21 +14570,54 @@
                             <m:d>
                               <m:dPr>
                                 <m:ctrlPr>
-                                  <a:rPr lang="en-CA" sz="3600" i="1" dirty="0">
+                                  <a:rPr kumimoji="0" lang="en-CA" sz="3600" b="0" i="1" u="none" strike="noStrike" kern="1200" cap="none" spc="0" normalizeH="0" baseline="0" noProof="0" dirty="0">
+                                    <a:ln>
+                                      <a:noFill/>
+                                    </a:ln>
+                                    <a:solidFill>
+                                      <a:prstClr val="black"/>
+                                    </a:solidFill>
+                                    <a:effectLst/>
+                                    <a:uLnTx/>
+                                    <a:uFillTx/>
                                     <a:latin typeface="Cambria Math" panose="02040503050406030204" pitchFamily="18" charset="0"/>
+                                    <a:ea typeface="+mn-ea"/>
+                                    <a:cs typeface="+mn-cs"/>
                                   </a:rPr>
                                 </m:ctrlPr>
                               </m:dPr>
                               <m:e>
                                 <m:r>
-                                  <a:rPr lang="en-CA" sz="3600" i="1" dirty="0">
+                                  <a:rPr kumimoji="0" lang="en-CA" sz="3600" b="0" i="1" u="none" strike="noStrike" kern="1200" cap="none" spc="0" normalizeH="0" baseline="0" noProof="0" dirty="0">
+                                    <a:ln>
+                                      <a:noFill/>
+                                    </a:ln>
+                                    <a:solidFill>
+                                      <a:prstClr val="black"/>
+                                    </a:solidFill>
+                                    <a:effectLst/>
+                                    <a:uLnTx/>
+                                    <a:uFillTx/>
                                     <a:latin typeface="Cambria Math" panose="02040503050406030204" pitchFamily="18" charset="0"/>
+                                    <a:ea typeface="+mn-ea"/>
+                                    <a:cs typeface="+mn-cs"/>
                                   </a:rPr>
                                   <m:t>𝑥</m:t>
                                 </m:r>
                                 <m:r>
-                                  <a:rPr lang="en-CA" sz="3600" i="1" dirty="0">
+                                  <a:rPr kumimoji="0" lang="en-CA" sz="3600" b="0" i="1" u="none" strike="noStrike" kern="1200" cap="none" spc="0" normalizeH="0" baseline="0" noProof="0" dirty="0">
+                                    <a:ln>
+                                      <a:noFill/>
+                                    </a:ln>
+                                    <a:solidFill>
+                                      <a:prstClr val="black"/>
+                                    </a:solidFill>
+                                    <a:effectLst/>
+                                    <a:uLnTx/>
+                                    <a:uFillTx/>
                                     <a:latin typeface="Cambria Math" panose="02040503050406030204" pitchFamily="18" charset="0"/>
+                                    <a:ea typeface="+mn-ea"/>
+                                    <a:cs typeface="+mn-cs"/>
                                   </a:rPr>
                                   <m:t>−5</m:t>
                                 </m:r>
@@ -12117,8 +14626,19 @@
                           </m:e>
                           <m:sup>
                             <m:r>
-                              <a:rPr lang="en-CA" sz="3600" i="1" dirty="0">
+                              <a:rPr kumimoji="0" lang="en-CA" sz="3600" b="0" i="1" u="none" strike="noStrike" kern="1200" cap="none" spc="0" normalizeH="0" baseline="0" noProof="0" dirty="0">
+                                <a:ln>
+                                  <a:noFill/>
+                                </a:ln>
+                                <a:solidFill>
+                                  <a:prstClr val="black"/>
+                                </a:solidFill>
+                                <a:effectLst/>
+                                <a:uLnTx/>
+                                <a:uFillTx/>
                                 <a:latin typeface="Cambria Math" panose="02040503050406030204" pitchFamily="18" charset="0"/>
+                                <a:ea typeface="+mn-ea"/>
+                                <a:cs typeface="+mn-cs"/>
                               </a:rPr>
                               <m:t>2</m:t>
                             </m:r>
@@ -12128,7 +14648,20 @@
                     </m:sSup>
                   </m:oMath>
                 </a14:m>
-                <a:endParaRPr lang="en-CA" sz="3600" dirty="0"/>
+                <a:endParaRPr kumimoji="0" lang="en-CA" sz="3600" b="0" i="0" u="none" strike="noStrike" kern="1200" cap="none" spc="0" normalizeH="0" baseline="0" noProof="0" dirty="0">
+                  <a:ln>
+                    <a:noFill/>
+                  </a:ln>
+                  <a:solidFill>
+                    <a:prstClr val="black"/>
+                  </a:solidFill>
+                  <a:effectLst/>
+                  <a:uLnTx/>
+                  <a:uFillTx/>
+                  <a:latin typeface="Calibri" panose="020F0502020204030204"/>
+                  <a:ea typeface="+mn-ea"/>
+                  <a:cs typeface="+mn-cs"/>
+                </a:endParaRPr>
               </a:p>
             </p:txBody>
           </p:sp>
@@ -12136,10 +14669,10 @@
         <mc:Fallback>
           <p:sp>
             <p:nvSpPr>
-              <p:cNvPr id="14" name="!!!fctonde">
+              <p:cNvPr id="11" name="!!!fctonde">
                 <a:extLst>
                   <a:ext uri="{FF2B5EF4-FFF2-40B4-BE49-F238E27FC236}">
-                    <a16:creationId xmlns:a16="http://schemas.microsoft.com/office/drawing/2014/main" id="{DBAE9712-54C7-4430-94D1-9A6BD383D7E7}"/>
+                    <a16:creationId xmlns:a16="http://schemas.microsoft.com/office/drawing/2014/main" id="{65F3CD2B-7FE0-4349-987A-63D1B666B3CD}"/>
                   </a:ext>
                 </a:extLst>
               </p:cNvPr>
@@ -12159,7 +14692,743 @@
               <a:blipFill>
                 <a:blip r:embed="rId5"/>
                 <a:stretch>
-                  <a:fillRect t="-9709" b="-44660"/>
+                  <a:fillRect/>
+                </a:stretch>
+              </a:blipFill>
+            </p:spPr>
+            <p:txBody>
+              <a:bodyPr/>
+              <a:lstStyle/>
+              <a:p>
+                <a:r>
+                  <a:rPr lang="en-CA">
+                    <a:noFill/>
+                  </a:rPr>
+                  <a:t> </a:t>
+                </a:r>
+              </a:p>
+            </p:txBody>
+          </p:sp>
+        </mc:Fallback>
+      </mc:AlternateContent>
+    </p:spTree>
+    <p:extLst>
+      <p:ext uri="{BB962C8B-B14F-4D97-AF65-F5344CB8AC3E}">
+        <p14:creationId xmlns:p14="http://schemas.microsoft.com/office/powerpoint/2010/main" val="3223525513"/>
+      </p:ext>
+    </p:extLst>
+  </p:cSld>
+  <p:clrMapOvr>
+    <a:masterClrMapping/>
+  </p:clrMapOvr>
+  <mc:AlternateContent xmlns:mc="http://schemas.openxmlformats.org/markup-compatibility/2006">
+    <mc:Choice xmlns:p159="http://schemas.microsoft.com/office/powerpoint/2015/09/main" Requires="p159">
+      <p:transition xmlns:p14="http://schemas.microsoft.com/office/powerpoint/2010/main" spd="slow" p14:dur="2000">
+        <p159:morph option="byObject"/>
+      </p:transition>
+    </mc:Choice>
+    <mc:Fallback>
+      <p:transition spd="slow">
+        <p:fade/>
+      </p:transition>
+    </mc:Fallback>
+  </mc:AlternateContent>
+</p:sld>
+</file>
+
+<file path=ppt/slides/slide7.xml><?xml version="1.0" encoding="utf-8"?>
+<p:sld xmlns:a="http://schemas.openxmlformats.org/drawingml/2006/main" xmlns:r="http://schemas.openxmlformats.org/officeDocument/2006/relationships" xmlns:p="http://schemas.openxmlformats.org/presentationml/2006/main">
+  <p:cSld>
+    <p:bg>
+      <p:bgPr>
+        <a:solidFill>
+          <a:schemeClr val="bg1"/>
+        </a:solidFill>
+        <a:effectLst/>
+      </p:bgPr>
+    </p:bg>
+    <p:spTree>
+      <p:nvGrpSpPr>
+        <p:cNvPr id="1" name=""/>
+        <p:cNvGrpSpPr/>
+        <p:nvPr/>
+      </p:nvGrpSpPr>
+      <p:grpSpPr>
+        <a:xfrm>
+          <a:off x="0" y="0"/>
+          <a:ext cx="0" cy="0"/>
+          <a:chOff x="0" y="0"/>
+          <a:chExt cx="0" cy="0"/>
+        </a:xfrm>
+      </p:grpSpPr>
+      <p:sp>
+        <p:nvSpPr>
+          <p:cNvPr id="10" name="!!!Rectangle 9">
+            <a:extLst>
+              <a:ext uri="{FF2B5EF4-FFF2-40B4-BE49-F238E27FC236}">
+                <a16:creationId xmlns:a16="http://schemas.microsoft.com/office/drawing/2014/main" id="{EBF87945-A001-489F-9D9B-7D9435F0B9CA}"/>
+              </a:ext>
+              <a:ext uri="{C183D7F6-B498-43B3-948B-1728B52AA6E4}">
+                <adec:decorative xmlns:adec="http://schemas.microsoft.com/office/drawing/2017/decorative" val="1"/>
+              </a:ext>
+            </a:extLst>
+          </p:cNvPr>
+          <p:cNvSpPr>
+            <a:spLocks noGrp="1" noRot="1" noChangeAspect="1" noMove="1" noResize="1" noEditPoints="1" noAdjustHandles="1" noChangeArrowheads="1" noChangeShapeType="1" noTextEdit="1"/>
+          </p:cNvSpPr>
+          <p:nvPr>
+            <p:custDataLst>
+              <p:tags r:id="rId1"/>
+            </p:custDataLst>
+            <p:extLst>
+              <p:ext uri="{386F3935-93C4-4BCD-93E2-E3B085C9AB24}">
+                <p16:designElem xmlns:p16="http://schemas.microsoft.com/office/powerpoint/2015/main" val="1"/>
+              </p:ext>
+            </p:extLst>
+          </p:nvPr>
+        </p:nvSpPr>
+        <p:spPr>
+          <a:xfrm>
+            <a:off x="0" y="1"/>
+            <a:ext cx="12192000" cy="1911096"/>
+          </a:xfrm>
+          <a:prstGeom prst="rect">
+            <a:avLst/>
+          </a:prstGeom>
+          <a:solidFill>
+            <a:schemeClr val="accent5"/>
+          </a:solidFill>
+          <a:ln>
+            <a:noFill/>
+          </a:ln>
+        </p:spPr>
+        <p:style>
+          <a:lnRef idx="2">
+            <a:schemeClr val="accent1">
+              <a:shade val="50000"/>
+            </a:schemeClr>
+          </a:lnRef>
+          <a:fillRef idx="1">
+            <a:schemeClr val="accent1"/>
+          </a:fillRef>
+          <a:effectRef idx="0">
+            <a:schemeClr val="accent1"/>
+          </a:effectRef>
+          <a:fontRef idx="minor">
+            <a:schemeClr val="lt1"/>
+          </a:fontRef>
+        </p:style>
+        <p:txBody>
+          <a:bodyPr rtlCol="0" anchor="ctr"/>
+          <a:lstStyle/>
+          <a:p>
+            <a:pPr marL="0" marR="0" lvl="0" indent="0" algn="ctr" defTabSz="914400" rtl="0" eaLnBrk="1" fontAlgn="auto" latinLnBrk="0" hangingPunct="1">
+              <a:lnSpc>
+                <a:spcPct val="100000"/>
+              </a:lnSpc>
+              <a:spcBef>
+                <a:spcPts val="0"/>
+              </a:spcBef>
+              <a:spcAft>
+                <a:spcPts val="0"/>
+              </a:spcAft>
+              <a:buClrTx/>
+              <a:buSzTx/>
+              <a:buFontTx/>
+              <a:buNone/>
+              <a:tabLst/>
+              <a:defRPr/>
+            </a:pPr>
+            <a:endParaRPr kumimoji="0" lang="en-US" sz="1800" b="0" i="0" u="none" strike="noStrike" kern="1200" cap="none" spc="0" normalizeH="0" baseline="0" noProof="0">
+              <a:ln>
+                <a:noFill/>
+              </a:ln>
+              <a:solidFill>
+                <a:prstClr val="white"/>
+              </a:solidFill>
+              <a:effectLst/>
+              <a:uLnTx/>
+              <a:uFillTx/>
+              <a:latin typeface="Calibri" panose="020F0502020204030204"/>
+              <a:ea typeface="+mn-ea"/>
+              <a:cs typeface="+mn-cs"/>
+            </a:endParaRPr>
+          </a:p>
+        </p:txBody>
+      </p:sp>
+      <p:sp>
+        <p:nvSpPr>
+          <p:cNvPr id="2" name="Title 1"/>
+          <p:cNvSpPr>
+            <a:spLocks noGrp="1"/>
+          </p:cNvSpPr>
+          <p:nvPr>
+            <p:ph type="title"/>
+            <p:custDataLst>
+              <p:tags r:id="rId2"/>
+            </p:custDataLst>
+          </p:nvPr>
+        </p:nvSpPr>
+        <p:spPr>
+          <a:xfrm>
+            <a:off x="838200" y="365760"/>
+            <a:ext cx="10515600" cy="1325563"/>
+          </a:xfrm>
+        </p:spPr>
+        <p:txBody>
+          <a:bodyPr>
+            <a:normAutofit/>
+          </a:bodyPr>
+          <a:lstStyle/>
+          <a:p>
+            <a:r>
+              <a:rPr lang="en-US">
+                <a:solidFill>
+                  <a:schemeClr val="bg1"/>
+                </a:solidFill>
+              </a:rPr>
+              <a:t>Fonction d’onde </a:t>
+            </a:r>
+            <a:endParaRPr lang="en-CA" dirty="0">
+              <a:solidFill>
+                <a:schemeClr val="bg1"/>
+              </a:solidFill>
+            </a:endParaRPr>
+          </a:p>
+        </p:txBody>
+      </p:sp>
+      <mc:AlternateContent xmlns:mc="http://schemas.openxmlformats.org/markup-compatibility/2006">
+        <mc:Choice xmlns:a14="http://schemas.microsoft.com/office/drawing/2010/main" Requires="a14">
+          <p:sp>
+            <p:nvSpPr>
+              <p:cNvPr id="9" name="Rectangle 8">
+                <a:extLst>
+                  <a:ext uri="{FF2B5EF4-FFF2-40B4-BE49-F238E27FC236}">
+                    <a16:creationId xmlns:a16="http://schemas.microsoft.com/office/drawing/2014/main" id="{52A57D8C-5BE1-45BF-97A1-3445463F896B}"/>
+                  </a:ext>
+                </a:extLst>
+              </p:cNvPr>
+              <p:cNvSpPr/>
+              <p:nvPr/>
+            </p:nvSpPr>
+            <p:spPr>
+              <a:xfrm>
+                <a:off x="182879" y="2057083"/>
+                <a:ext cx="11854927" cy="830997"/>
+              </a:xfrm>
+              <a:prstGeom prst="rect">
+                <a:avLst/>
+              </a:prstGeom>
+            </p:spPr>
+            <p:txBody>
+              <a:bodyPr wrap="square">
+                <a:spAutoFit/>
+              </a:bodyPr>
+              <a:lstStyle/>
+              <a:p>
+                <a:pPr marL="0" marR="0" lvl="0" indent="0" algn="l" defTabSz="914400" rtl="0" eaLnBrk="1" fontAlgn="auto" latinLnBrk="0" hangingPunct="1">
+                  <a:lnSpc>
+                    <a:spcPct val="100000"/>
+                  </a:lnSpc>
+                  <a:spcBef>
+                    <a:spcPts val="0"/>
+                  </a:spcBef>
+                  <a:spcAft>
+                    <a:spcPts val="0"/>
+                  </a:spcAft>
+                  <a:buClrTx/>
+                  <a:buSzTx/>
+                  <a:buFontTx/>
+                  <a:buNone/>
+                  <a:tabLst/>
+                  <a:defRPr/>
+                </a:pPr>
+                <a:r>
+                  <a:rPr kumimoji="0" lang="fr-FR" sz="2400" b="0" i="0" u="none" strike="noStrike" kern="1200" cap="none" spc="0" normalizeH="0" baseline="0" noProof="0" dirty="0">
+                    <a:ln>
+                      <a:noFill/>
+                    </a:ln>
+                    <a:solidFill>
+                      <a:prstClr val="black"/>
+                    </a:solidFill>
+                    <a:effectLst/>
+                    <a:uLnTx/>
+                    <a:uFillTx/>
+                    <a:latin typeface="Calibri" panose="020F0502020204030204"/>
+                    <a:ea typeface="+mn-ea"/>
+                    <a:cs typeface="+mn-cs"/>
+                  </a:rPr>
+                  <a:t>La connaissance de l'état d'un système quantique est complètement contenue dans la fonction d’onde, souvent noté </a:t>
+                </a:r>
+                <a14:m>
+                  <m:oMath xmlns:m="http://schemas.openxmlformats.org/officeDocument/2006/math">
+                    <m:r>
+                      <m:rPr>
+                        <m:sty m:val="p"/>
+                      </m:rPr>
+                      <a:rPr kumimoji="0" lang="en-CA" sz="2400" b="0" i="0" u="none" strike="noStrike" kern="1200" cap="none" spc="0" normalizeH="0" baseline="0" noProof="0" smtClean="0">
+                        <a:ln>
+                          <a:noFill/>
+                        </a:ln>
+                        <a:solidFill>
+                          <a:prstClr val="black"/>
+                        </a:solidFill>
+                        <a:effectLst/>
+                        <a:uLnTx/>
+                        <a:uFillTx/>
+                        <a:latin typeface="Cambria Math" panose="02040503050406030204" pitchFamily="18" charset="0"/>
+                        <a:ea typeface="+mn-ea"/>
+                        <a:cs typeface="+mn-cs"/>
+                      </a:rPr>
+                      <m:t>Ψ</m:t>
+                    </m:r>
+                  </m:oMath>
+                </a14:m>
+                <a:r>
+                  <a:rPr kumimoji="0" lang="fr-FR" sz="2400" b="0" i="0" u="none" strike="noStrike" kern="1200" cap="none" spc="0" normalizeH="0" baseline="0" noProof="0" dirty="0">
+                    <a:ln>
+                      <a:noFill/>
+                    </a:ln>
+                    <a:solidFill>
+                      <a:prstClr val="black"/>
+                    </a:solidFill>
+                    <a:effectLst/>
+                    <a:uLnTx/>
+                    <a:uFillTx/>
+                    <a:latin typeface="Calibri" panose="020F0502020204030204"/>
+                    <a:ea typeface="+mn-ea"/>
+                    <a:cs typeface="+mn-cs"/>
+                  </a:rPr>
+                  <a:t>.</a:t>
+                </a:r>
+                <a:endParaRPr kumimoji="0" lang="en-CA" sz="2400" b="0" i="0" u="none" strike="noStrike" kern="1200" cap="none" spc="0" normalizeH="0" baseline="0" noProof="0" dirty="0">
+                  <a:ln>
+                    <a:noFill/>
+                  </a:ln>
+                  <a:solidFill>
+                    <a:prstClr val="black"/>
+                  </a:solidFill>
+                  <a:effectLst/>
+                  <a:uLnTx/>
+                  <a:uFillTx/>
+                  <a:latin typeface="Calibri" panose="020F0502020204030204"/>
+                  <a:ea typeface="+mn-ea"/>
+                  <a:cs typeface="+mn-cs"/>
+                </a:endParaRPr>
+              </a:p>
+            </p:txBody>
+          </p:sp>
+        </mc:Choice>
+        <mc:Fallback>
+          <p:sp>
+            <p:nvSpPr>
+              <p:cNvPr id="9" name="Rectangle 8">
+                <a:extLst>
+                  <a:ext uri="{FF2B5EF4-FFF2-40B4-BE49-F238E27FC236}">
+                    <a16:creationId xmlns:a16="http://schemas.microsoft.com/office/drawing/2014/main" id="{52A57D8C-5BE1-45BF-97A1-3445463F896B}"/>
+                  </a:ext>
+                </a:extLst>
+              </p:cNvPr>
+              <p:cNvSpPr>
+                <a:spLocks noRot="1" noChangeAspect="1" noMove="1" noResize="1" noEditPoints="1" noAdjustHandles="1" noChangeArrowheads="1" noChangeShapeType="1" noTextEdit="1"/>
+              </p:cNvSpPr>
+              <p:nvPr/>
+            </p:nvSpPr>
+            <p:spPr>
+              <a:xfrm>
+                <a:off x="182879" y="2057083"/>
+                <a:ext cx="11854927" cy="830997"/>
+              </a:xfrm>
+              <a:prstGeom prst="rect">
+                <a:avLst/>
+              </a:prstGeom>
+              <a:blipFill>
+                <a:blip r:embed="rId4"/>
+                <a:stretch>
+                  <a:fillRect l="-771" t="-5839" b="-15328"/>
+                </a:stretch>
+              </a:blipFill>
+            </p:spPr>
+            <p:txBody>
+              <a:bodyPr/>
+              <a:lstStyle/>
+              <a:p>
+                <a:r>
+                  <a:rPr lang="en-CA">
+                    <a:noFill/>
+                  </a:rPr>
+                  <a:t> </a:t>
+                </a:r>
+              </a:p>
+            </p:txBody>
+          </p:sp>
+        </mc:Fallback>
+      </mc:AlternateContent>
+      <mc:AlternateContent xmlns:mc="http://schemas.openxmlformats.org/markup-compatibility/2006">
+        <mc:Choice xmlns:a14="http://schemas.microsoft.com/office/drawing/2010/main" Requires="a14">
+          <p:sp>
+            <p:nvSpPr>
+              <p:cNvPr id="11" name="!!!fctonde">
+                <a:extLst>
+                  <a:ext uri="{FF2B5EF4-FFF2-40B4-BE49-F238E27FC236}">
+                    <a16:creationId xmlns:a16="http://schemas.microsoft.com/office/drawing/2014/main" id="{65F3CD2B-7FE0-4349-987A-63D1B666B3CD}"/>
+                  </a:ext>
+                </a:extLst>
+              </p:cNvPr>
+              <p:cNvSpPr txBox="1"/>
+              <p:nvPr/>
+            </p:nvSpPr>
+            <p:spPr>
+              <a:xfrm>
+                <a:off x="69615" y="3201042"/>
+                <a:ext cx="5146442" cy="630044"/>
+              </a:xfrm>
+              <a:prstGeom prst="rect">
+                <a:avLst/>
+              </a:prstGeom>
+              <a:noFill/>
+            </p:spPr>
+            <p:txBody>
+              <a:bodyPr wrap="square" lIns="0" tIns="0" rIns="0" bIns="0" rtlCol="0">
+                <a:spAutoFit/>
+              </a:bodyPr>
+              <a:lstStyle/>
+              <a:p>
+                <a:pPr marL="0" marR="0" lvl="0" indent="0" algn="l" defTabSz="914400" rtl="0" eaLnBrk="1" fontAlgn="auto" latinLnBrk="0" hangingPunct="1">
+                  <a:lnSpc>
+                    <a:spcPct val="100000"/>
+                  </a:lnSpc>
+                  <a:spcBef>
+                    <a:spcPts val="0"/>
+                  </a:spcBef>
+                  <a:spcAft>
+                    <a:spcPts val="0"/>
+                  </a:spcAft>
+                  <a:buClrTx/>
+                  <a:buSzTx/>
+                  <a:buFontTx/>
+                  <a:buNone/>
+                  <a:tabLst/>
+                  <a:defRPr/>
+                </a:pPr>
+                <a14:m>
+                  <m:oMath xmlns:m="http://schemas.openxmlformats.org/officeDocument/2006/math">
+                    <m:r>
+                      <m:rPr>
+                        <m:sty m:val="p"/>
+                      </m:rPr>
+                      <a:rPr kumimoji="0" lang="en-CA" sz="3600" b="0" i="0" u="none" strike="noStrike" kern="1200" cap="none" spc="0" normalizeH="0" baseline="0" noProof="0" dirty="0" smtClean="0">
+                        <a:ln>
+                          <a:noFill/>
+                        </a:ln>
+                        <a:solidFill>
+                          <a:prstClr val="black"/>
+                        </a:solidFill>
+                        <a:effectLst/>
+                        <a:uLnTx/>
+                        <a:uFillTx/>
+                        <a:latin typeface="Cambria Math" panose="02040503050406030204" pitchFamily="18" charset="0"/>
+                        <a:ea typeface="+mn-ea"/>
+                        <a:cs typeface="+mn-cs"/>
+                      </a:rPr>
+                      <m:t>Ψ</m:t>
+                    </m:r>
+                    <m:d>
+                      <m:dPr>
+                        <m:ctrlPr>
+                          <a:rPr kumimoji="0" lang="en-CA" sz="3600" b="0" i="1" u="none" strike="noStrike" kern="1200" cap="none" spc="0" normalizeH="0" baseline="0" noProof="0" dirty="0" smtClean="0">
+                            <a:ln>
+                              <a:noFill/>
+                            </a:ln>
+                            <a:solidFill>
+                              <a:prstClr val="black"/>
+                            </a:solidFill>
+                            <a:effectLst/>
+                            <a:uLnTx/>
+                            <a:uFillTx/>
+                            <a:latin typeface="Cambria Math" panose="02040503050406030204" pitchFamily="18" charset="0"/>
+                            <a:ea typeface="+mn-ea"/>
+                            <a:cs typeface="+mn-cs"/>
+                          </a:rPr>
+                        </m:ctrlPr>
+                      </m:dPr>
+                      <m:e>
+                        <m:r>
+                          <a:rPr kumimoji="0" lang="en-CA" sz="3600" b="0" i="1" u="none" strike="noStrike" kern="1200" cap="none" spc="0" normalizeH="0" baseline="0" noProof="0" dirty="0" err="1" smtClean="0">
+                            <a:ln>
+                              <a:noFill/>
+                            </a:ln>
+                            <a:solidFill>
+                              <a:prstClr val="black"/>
+                            </a:solidFill>
+                            <a:effectLst/>
+                            <a:uLnTx/>
+                            <a:uFillTx/>
+                            <a:latin typeface="Cambria Math" panose="02040503050406030204" pitchFamily="18" charset="0"/>
+                            <a:ea typeface="+mn-ea"/>
+                            <a:cs typeface="+mn-cs"/>
+                          </a:rPr>
+                          <m:t>𝑥</m:t>
+                        </m:r>
+                        <m:r>
+                          <a:rPr kumimoji="0" lang="en-CA" sz="3600" b="0" i="1" u="none" strike="noStrike" kern="1200" cap="none" spc="0" normalizeH="0" baseline="0" noProof="0" dirty="0" err="1" smtClean="0">
+                            <a:ln>
+                              <a:noFill/>
+                            </a:ln>
+                            <a:solidFill>
+                              <a:prstClr val="black"/>
+                            </a:solidFill>
+                            <a:effectLst/>
+                            <a:uLnTx/>
+                            <a:uFillTx/>
+                            <a:latin typeface="Cambria Math" panose="02040503050406030204" pitchFamily="18" charset="0"/>
+                            <a:ea typeface="+mn-ea"/>
+                            <a:cs typeface="+mn-cs"/>
+                          </a:rPr>
+                          <m:t>,0</m:t>
+                        </m:r>
+                      </m:e>
+                    </m:d>
+                    <m:r>
+                      <a:rPr kumimoji="0" lang="en-CA" sz="3600" b="0" i="1" u="none" strike="noStrike" kern="1200" cap="none" spc="0" normalizeH="0" baseline="0" noProof="0" dirty="0" smtClean="0">
+                        <a:ln>
+                          <a:noFill/>
+                        </a:ln>
+                        <a:solidFill>
+                          <a:prstClr val="black"/>
+                        </a:solidFill>
+                        <a:effectLst/>
+                        <a:uLnTx/>
+                        <a:uFillTx/>
+                        <a:latin typeface="Cambria Math" panose="02040503050406030204" pitchFamily="18" charset="0"/>
+                        <a:ea typeface="+mn-ea"/>
+                        <a:cs typeface="+mn-cs"/>
+                      </a:rPr>
+                      <m:t>=</m:t>
+                    </m:r>
+                  </m:oMath>
+                </a14:m>
+                <a:r>
+                  <a:rPr kumimoji="0" lang="fr-CA" sz="3600" b="0" i="0" u="none" strike="noStrike" kern="1200" cap="none" spc="0" normalizeH="0" baseline="0" noProof="0" dirty="0">
+                    <a:ln>
+                      <a:noFill/>
+                    </a:ln>
+                    <a:solidFill>
+                      <a:prstClr val="black"/>
+                    </a:solidFill>
+                    <a:effectLst/>
+                    <a:uLnTx/>
+                    <a:uFillTx/>
+                    <a:latin typeface="Calibri" panose="020F0502020204030204"/>
+                    <a:ea typeface="+mn-ea"/>
+                    <a:cs typeface="+mn-cs"/>
+                  </a:rPr>
+                  <a:t> </a:t>
+                </a:r>
+                <a14:m>
+                  <m:oMath xmlns:m="http://schemas.openxmlformats.org/officeDocument/2006/math">
+                    <m:sSup>
+                      <m:sSupPr>
+                        <m:ctrlPr>
+                          <a:rPr kumimoji="0" lang="fr-CA" sz="3600" b="0" i="1" u="none" strike="noStrike" kern="1200" cap="none" spc="0" normalizeH="0" baseline="0" noProof="0" dirty="0">
+                            <a:ln>
+                              <a:noFill/>
+                            </a:ln>
+                            <a:solidFill>
+                              <a:prstClr val="black"/>
+                            </a:solidFill>
+                            <a:effectLst/>
+                            <a:uLnTx/>
+                            <a:uFillTx/>
+                            <a:latin typeface="Cambria Math" panose="02040503050406030204" pitchFamily="18" charset="0"/>
+                            <a:ea typeface="+mn-ea"/>
+                            <a:cs typeface="+mn-cs"/>
+                          </a:rPr>
+                        </m:ctrlPr>
+                      </m:sSupPr>
+                      <m:e>
+                        <m:r>
+                          <a:rPr kumimoji="0" lang="fr-CA" sz="3600" b="0" i="1" u="none" strike="noStrike" kern="1200" cap="none" spc="0" normalizeH="0" baseline="0" noProof="0" dirty="0">
+                            <a:ln>
+                              <a:noFill/>
+                            </a:ln>
+                            <a:solidFill>
+                              <a:prstClr val="black"/>
+                            </a:solidFill>
+                            <a:effectLst/>
+                            <a:uLnTx/>
+                            <a:uFillTx/>
+                            <a:latin typeface="Cambria Math" panose="02040503050406030204" pitchFamily="18" charset="0"/>
+                            <a:ea typeface="+mn-ea"/>
+                            <a:cs typeface="+mn-cs"/>
+                          </a:rPr>
+                          <m:t>𝑒</m:t>
+                        </m:r>
+                      </m:e>
+                      <m:sup>
+                        <m:r>
+                          <a:rPr kumimoji="0" lang="en-CA" sz="3600" b="0" i="1" u="none" strike="noStrike" kern="1200" cap="none" spc="0" normalizeH="0" baseline="0" noProof="0" dirty="0">
+                            <a:ln>
+                              <a:noFill/>
+                            </a:ln>
+                            <a:solidFill>
+                              <a:prstClr val="black"/>
+                            </a:solidFill>
+                            <a:effectLst/>
+                            <a:uLnTx/>
+                            <a:uFillTx/>
+                            <a:latin typeface="Cambria Math" panose="02040503050406030204" pitchFamily="18" charset="0"/>
+                            <a:ea typeface="+mn-ea"/>
+                            <a:cs typeface="+mn-cs"/>
+                          </a:rPr>
+                          <m:t>−</m:t>
+                        </m:r>
+                        <m:sSup>
+                          <m:sSupPr>
+                            <m:ctrlPr>
+                              <a:rPr kumimoji="0" lang="en-CA" sz="3600" b="0" i="1" u="none" strike="noStrike" kern="1200" cap="none" spc="0" normalizeH="0" baseline="0" noProof="0" dirty="0">
+                                <a:ln>
+                                  <a:noFill/>
+                                </a:ln>
+                                <a:solidFill>
+                                  <a:prstClr val="black"/>
+                                </a:solidFill>
+                                <a:effectLst/>
+                                <a:uLnTx/>
+                                <a:uFillTx/>
+                                <a:latin typeface="Cambria Math" panose="02040503050406030204" pitchFamily="18" charset="0"/>
+                                <a:ea typeface="+mn-ea"/>
+                                <a:cs typeface="+mn-cs"/>
+                              </a:rPr>
+                            </m:ctrlPr>
+                          </m:sSupPr>
+                          <m:e>
+                            <m:d>
+                              <m:dPr>
+                                <m:ctrlPr>
+                                  <a:rPr kumimoji="0" lang="en-CA" sz="3600" b="0" i="1" u="none" strike="noStrike" kern="1200" cap="none" spc="0" normalizeH="0" baseline="0" noProof="0" dirty="0">
+                                    <a:ln>
+                                      <a:noFill/>
+                                    </a:ln>
+                                    <a:solidFill>
+                                      <a:prstClr val="black"/>
+                                    </a:solidFill>
+                                    <a:effectLst/>
+                                    <a:uLnTx/>
+                                    <a:uFillTx/>
+                                    <a:latin typeface="Cambria Math" panose="02040503050406030204" pitchFamily="18" charset="0"/>
+                                    <a:ea typeface="+mn-ea"/>
+                                    <a:cs typeface="+mn-cs"/>
+                                  </a:rPr>
+                                </m:ctrlPr>
+                              </m:dPr>
+                              <m:e>
+                                <m:r>
+                                  <a:rPr kumimoji="0" lang="en-CA" sz="3600" b="0" i="1" u="none" strike="noStrike" kern="1200" cap="none" spc="0" normalizeH="0" baseline="0" noProof="0" dirty="0">
+                                    <a:ln>
+                                      <a:noFill/>
+                                    </a:ln>
+                                    <a:solidFill>
+                                      <a:prstClr val="black"/>
+                                    </a:solidFill>
+                                    <a:effectLst/>
+                                    <a:uLnTx/>
+                                    <a:uFillTx/>
+                                    <a:latin typeface="Cambria Math" panose="02040503050406030204" pitchFamily="18" charset="0"/>
+                                    <a:ea typeface="+mn-ea"/>
+                                    <a:cs typeface="+mn-cs"/>
+                                  </a:rPr>
+                                  <m:t>𝑥</m:t>
+                                </m:r>
+                                <m:r>
+                                  <a:rPr kumimoji="0" lang="en-CA" sz="3600" b="0" i="1" u="none" strike="noStrike" kern="1200" cap="none" spc="0" normalizeH="0" baseline="0" noProof="0" dirty="0">
+                                    <a:ln>
+                                      <a:noFill/>
+                                    </a:ln>
+                                    <a:solidFill>
+                                      <a:prstClr val="black"/>
+                                    </a:solidFill>
+                                    <a:effectLst/>
+                                    <a:uLnTx/>
+                                    <a:uFillTx/>
+                                    <a:latin typeface="Cambria Math" panose="02040503050406030204" pitchFamily="18" charset="0"/>
+                                    <a:ea typeface="+mn-ea"/>
+                                    <a:cs typeface="+mn-cs"/>
+                                  </a:rPr>
+                                  <m:t>−5</m:t>
+                                </m:r>
+                              </m:e>
+                            </m:d>
+                          </m:e>
+                          <m:sup>
+                            <m:r>
+                              <a:rPr kumimoji="0" lang="en-CA" sz="3600" b="0" i="1" u="none" strike="noStrike" kern="1200" cap="none" spc="0" normalizeH="0" baseline="0" noProof="0" dirty="0">
+                                <a:ln>
+                                  <a:noFill/>
+                                </a:ln>
+                                <a:solidFill>
+                                  <a:prstClr val="black"/>
+                                </a:solidFill>
+                                <a:effectLst/>
+                                <a:uLnTx/>
+                                <a:uFillTx/>
+                                <a:latin typeface="Cambria Math" panose="02040503050406030204" pitchFamily="18" charset="0"/>
+                                <a:ea typeface="+mn-ea"/>
+                                <a:cs typeface="+mn-cs"/>
+                              </a:rPr>
+                              <m:t>2</m:t>
+                            </m:r>
+                          </m:sup>
+                        </m:sSup>
+                      </m:sup>
+                    </m:sSup>
+                  </m:oMath>
+                </a14:m>
+                <a:endParaRPr kumimoji="0" lang="en-CA" sz="3600" b="0" i="0" u="none" strike="noStrike" kern="1200" cap="none" spc="0" normalizeH="0" baseline="0" noProof="0" dirty="0">
+                  <a:ln>
+                    <a:noFill/>
+                  </a:ln>
+                  <a:solidFill>
+                    <a:prstClr val="black"/>
+                  </a:solidFill>
+                  <a:effectLst/>
+                  <a:uLnTx/>
+                  <a:uFillTx/>
+                  <a:latin typeface="Calibri" panose="020F0502020204030204"/>
+                  <a:ea typeface="+mn-ea"/>
+                  <a:cs typeface="+mn-cs"/>
+                </a:endParaRPr>
+              </a:p>
+            </p:txBody>
+          </p:sp>
+        </mc:Choice>
+        <mc:Fallback>
+          <p:sp>
+            <p:nvSpPr>
+              <p:cNvPr id="11" name="!!!fctonde">
+                <a:extLst>
+                  <a:ext uri="{FF2B5EF4-FFF2-40B4-BE49-F238E27FC236}">
+                    <a16:creationId xmlns:a16="http://schemas.microsoft.com/office/drawing/2014/main" id="{65F3CD2B-7FE0-4349-987A-63D1B666B3CD}"/>
+                  </a:ext>
+                </a:extLst>
+              </p:cNvPr>
+              <p:cNvSpPr txBox="1">
+                <a:spLocks noRot="1" noChangeAspect="1" noMove="1" noResize="1" noEditPoints="1" noAdjustHandles="1" noChangeArrowheads="1" noChangeShapeType="1" noTextEdit="1"/>
+              </p:cNvSpPr>
+              <p:nvPr/>
+            </p:nvSpPr>
+            <p:spPr>
+              <a:xfrm>
+                <a:off x="69615" y="3201042"/>
+                <a:ext cx="5146442" cy="630044"/>
+              </a:xfrm>
+              <a:prstGeom prst="rect">
+                <a:avLst/>
+              </a:prstGeom>
+              <a:blipFill>
+                <a:blip r:embed="rId5"/>
+                <a:stretch>
+                  <a:fillRect/>
                 </a:stretch>
               </a:blipFill>
             </p:spPr>
@@ -12180,10 +15449,10 @@
       </mc:AlternateContent>
       <p:pic>
         <p:nvPicPr>
-          <p:cNvPr id="15" name="Picture 2">
+          <p:cNvPr id="6" name="Picture 2">
             <a:extLst>
               <a:ext uri="{FF2B5EF4-FFF2-40B4-BE49-F238E27FC236}">
-                <a16:creationId xmlns:a16="http://schemas.microsoft.com/office/drawing/2014/main" id="{DE792858-8C03-4C82-AADE-1660E3AE6F7F}"/>
+                <a16:creationId xmlns:a16="http://schemas.microsoft.com/office/drawing/2014/main" id="{C9F71B31-D767-4B2B-8BC2-48F306A95E14}"/>
               </a:ext>
             </a:extLst>
           </p:cNvPr>
@@ -12241,7 +15510,7 @@
     </p:spTree>
     <p:extLst>
       <p:ext uri="{BB962C8B-B14F-4D97-AF65-F5344CB8AC3E}">
-        <p14:creationId xmlns:p14="http://schemas.microsoft.com/office/powerpoint/2010/main" val="3464048663"/>
+        <p14:creationId xmlns:p14="http://schemas.microsoft.com/office/powerpoint/2010/main" val="4171012770"/>
       </p:ext>
     </p:extLst>
   </p:cSld>
@@ -12263,7 +15532,7 @@
 </p:sld>
 </file>
 
-<file path=ppt/slides/slide7.xml><?xml version="1.0" encoding="utf-8"?>
+<file path=ppt/slides/slide8.xml><?xml version="1.0" encoding="utf-8"?>
 <p:sld xmlns:a="http://schemas.openxmlformats.org/drawingml/2006/main" xmlns:r="http://schemas.openxmlformats.org/officeDocument/2006/relationships" xmlns:p="http://schemas.openxmlformats.org/presentationml/2006/main">
   <p:cSld>
     <p:spTree>
@@ -12423,12 +15692,17 @@
                 </a:r>
               </a:p>
               <a:p>
+                <a:pPr marL="342900" indent="-342900">
+                  <a:buFont typeface="Courier New" panose="02070309020205020404" pitchFamily="49" charset="0"/>
+                  <a:buChar char="o"/>
+                </a:pPr>
                 <a:r>
                   <a:rPr lang="fr-FR" dirty="0"/>
                   <a:t>Aux coordonnées correspondent un opérateurs de multiplication</a:t>
                 </a:r>
               </a:p>
               <a:p>
+                <a:pPr/>
                 <a14:m>
                   <m:oMathPara xmlns:m="http://schemas.openxmlformats.org/officeDocument/2006/math">
                     <m:oMathParaPr>
@@ -12480,12 +15754,17 @@
                 <a:endParaRPr lang="fr-FR" dirty="0"/>
               </a:p>
               <a:p>
+                <a:pPr marL="285750" indent="-285750">
+                  <a:buFont typeface="Courier New" panose="02070309020205020404" pitchFamily="49" charset="0"/>
+                  <a:buChar char="o"/>
+                </a:pPr>
                 <a:r>
                   <a:rPr lang="fr-FR" dirty="0"/>
-                  <a:t>Aux impulsions correspondent l’opérateur suivant:</a:t>
+                  <a:t> Aux impulsions correspondent l’opérateur suivant:</a:t>
                 </a:r>
               </a:p>
               <a:p>
+                <a:pPr/>
                 <a14:m>
                   <m:oMathPara xmlns:m="http://schemas.openxmlformats.org/officeDocument/2006/math">
                     <m:oMathParaPr>
@@ -12638,7 +15917,7 @@
 </p:sld>
 </file>
 
-<file path=ppt/slides/slide8.xml><?xml version="1.0" encoding="utf-8"?>
+<file path=ppt/slides/slide9.xml><?xml version="1.0" encoding="utf-8"?>
 <p:sld xmlns:a="http://schemas.openxmlformats.org/drawingml/2006/main" xmlns:r="http://schemas.openxmlformats.org/officeDocument/2006/relationships" xmlns:p="http://schemas.openxmlformats.org/presentationml/2006/main">
   <p:cSld>
     <p:spTree>
@@ -12813,181 +16092,6 @@
 </p:sld>
 </file>
 
-<file path=ppt/slides/slide9.xml><?xml version="1.0" encoding="utf-8"?>
-<p:sld xmlns:a="http://schemas.openxmlformats.org/drawingml/2006/main" xmlns:r="http://schemas.openxmlformats.org/officeDocument/2006/relationships" xmlns:p="http://schemas.openxmlformats.org/presentationml/2006/main">
-  <p:cSld>
-    <p:spTree>
-      <p:nvGrpSpPr>
-        <p:cNvPr id="1" name=""/>
-        <p:cNvGrpSpPr/>
-        <p:nvPr/>
-      </p:nvGrpSpPr>
-      <p:grpSpPr>
-        <a:xfrm>
-          <a:off x="0" y="0"/>
-          <a:ext cx="0" cy="0"/>
-          <a:chOff x="0" y="0"/>
-          <a:chExt cx="0" cy="0"/>
-        </a:xfrm>
-      </p:grpSpPr>
-      <p:sp>
-        <p:nvSpPr>
-          <p:cNvPr id="10" name="Rectangle 9">
-            <a:extLst>
-              <a:ext uri="{FF2B5EF4-FFF2-40B4-BE49-F238E27FC236}">
-                <a16:creationId xmlns:a16="http://schemas.microsoft.com/office/drawing/2014/main" id="{EBF87945-A001-489F-9D9B-7D9435F0B9CA}"/>
-              </a:ext>
-              <a:ext uri="{C183D7F6-B498-43B3-948B-1728B52AA6E4}">
-                <adec:decorative xmlns:adec="http://schemas.microsoft.com/office/drawing/2017/decorative" val="1"/>
-              </a:ext>
-            </a:extLst>
-          </p:cNvPr>
-          <p:cNvSpPr>
-            <a:spLocks noGrp="1" noRot="1" noChangeAspect="1" noMove="1" noResize="1" noEditPoints="1" noAdjustHandles="1" noChangeArrowheads="1" noChangeShapeType="1" noTextEdit="1"/>
-          </p:cNvSpPr>
-          <p:nvPr>
-            <p:custDataLst>
-              <p:tags r:id="rId1"/>
-            </p:custDataLst>
-            <p:extLst>
-              <p:ext uri="{386F3935-93C4-4BCD-93E2-E3B085C9AB24}">
-                <p16:designElem xmlns:p16="http://schemas.microsoft.com/office/powerpoint/2015/main" val="1"/>
-              </p:ext>
-            </p:extLst>
-          </p:nvPr>
-        </p:nvSpPr>
-        <p:spPr>
-          <a:xfrm>
-            <a:off x="0" y="1"/>
-            <a:ext cx="12192000" cy="1911096"/>
-          </a:xfrm>
-          <a:prstGeom prst="rect">
-            <a:avLst/>
-          </a:prstGeom>
-          <a:solidFill>
-            <a:schemeClr val="accent5"/>
-          </a:solidFill>
-          <a:ln>
-            <a:noFill/>
-          </a:ln>
-        </p:spPr>
-        <p:style>
-          <a:lnRef idx="2">
-            <a:schemeClr val="accent1">
-              <a:shade val="50000"/>
-            </a:schemeClr>
-          </a:lnRef>
-          <a:fillRef idx="1">
-            <a:schemeClr val="accent1"/>
-          </a:fillRef>
-          <a:effectRef idx="0">
-            <a:schemeClr val="accent1"/>
-          </a:effectRef>
-          <a:fontRef idx="minor">
-            <a:schemeClr val="lt1"/>
-          </a:fontRef>
-        </p:style>
-        <p:txBody>
-          <a:bodyPr rtlCol="0" anchor="ctr"/>
-          <a:lstStyle/>
-          <a:p>
-            <a:pPr algn="ctr"/>
-            <a:endParaRPr lang="en-US"/>
-          </a:p>
-        </p:txBody>
-      </p:sp>
-      <p:sp>
-        <p:nvSpPr>
-          <p:cNvPr id="2" name="Title 1"/>
-          <p:cNvSpPr>
-            <a:spLocks noGrp="1"/>
-          </p:cNvSpPr>
-          <p:nvPr>
-            <p:ph type="title"/>
-            <p:custDataLst>
-              <p:tags r:id="rId2"/>
-            </p:custDataLst>
-          </p:nvPr>
-        </p:nvSpPr>
-        <p:spPr>
-          <a:xfrm>
-            <a:off x="838200" y="365760"/>
-            <a:ext cx="10515600" cy="1325563"/>
-          </a:xfrm>
-        </p:spPr>
-        <p:txBody>
-          <a:bodyPr>
-            <a:normAutofit/>
-          </a:bodyPr>
-          <a:lstStyle/>
-          <a:p>
-            <a:r>
-              <a:rPr lang="en-US" dirty="0">
-                <a:solidFill>
-                  <a:schemeClr val="bg1"/>
-                </a:solidFill>
-              </a:rPr>
-              <a:t>Les </a:t>
-            </a:r>
-            <a:r>
-              <a:rPr lang="en-US" dirty="0" err="1">
-                <a:solidFill>
-                  <a:schemeClr val="bg1"/>
-                </a:solidFill>
-              </a:rPr>
-              <a:t>probabilités</a:t>
-            </a:r>
-            <a:endParaRPr lang="en-CA" dirty="0">
-              <a:solidFill>
-                <a:schemeClr val="bg1"/>
-              </a:solidFill>
-            </a:endParaRPr>
-          </a:p>
-        </p:txBody>
-      </p:sp>
-      <p:sp>
-        <p:nvSpPr>
-          <p:cNvPr id="4" name="TextBox 3"/>
-          <p:cNvSpPr txBox="1"/>
-          <p:nvPr/>
-        </p:nvSpPr>
-        <p:spPr>
-          <a:xfrm>
-            <a:off x="620202" y="2289976"/>
-            <a:ext cx="11370365" cy="646331"/>
-          </a:xfrm>
-          <a:prstGeom prst="rect">
-            <a:avLst/>
-          </a:prstGeom>
-          <a:noFill/>
-        </p:spPr>
-        <p:txBody>
-          <a:bodyPr wrap="square" rtlCol="0">
-            <a:spAutoFit/>
-          </a:bodyPr>
-          <a:lstStyle/>
-          <a:p>
-            <a:r>
-              <a:rPr lang="fr-FR" dirty="0"/>
-              <a:t>La probabilité d’observé une certaine  valeur propre est donné par le carré du module de la projection de la fonction d’état sur la fonction propre associé à cette valeur. </a:t>
-            </a:r>
-            <a:endParaRPr lang="en-CA" dirty="0"/>
-          </a:p>
-        </p:txBody>
-      </p:sp>
-    </p:spTree>
-    <p:extLst>
-      <p:ext uri="{BB962C8B-B14F-4D97-AF65-F5344CB8AC3E}">
-        <p14:creationId xmlns:p14="http://schemas.microsoft.com/office/powerpoint/2010/main" val="806359538"/>
-      </p:ext>
-    </p:extLst>
-  </p:cSld>
-  <p:clrMapOvr>
-    <a:masterClrMapping/>
-  </p:clrMapOvr>
-</p:sld>
-</file>
-
 <file path=ppt/tags/tag1.xml><?xml version="1.0" encoding="utf-8"?>
 <p:tagLst xmlns:a="http://schemas.openxmlformats.org/drawingml/2006/main" xmlns:r="http://schemas.openxmlformats.org/officeDocument/2006/relationships" xmlns:p="http://schemas.openxmlformats.org/presentationml/2006/main">
   <p:tag name="NUM" val="1"/>
@@ -13084,9 +16188,57 @@
 </p:tagLst>
 </file>
 
+<file path=ppt/tags/tag24.xml><?xml version="1.0" encoding="utf-8"?>
+<p:tagLst xmlns:a="http://schemas.openxmlformats.org/drawingml/2006/main" xmlns:r="http://schemas.openxmlformats.org/officeDocument/2006/relationships" xmlns:p="http://schemas.openxmlformats.org/presentationml/2006/main">
+  <p:tag name="NUM" val="1"/>
+</p:tagLst>
+</file>
+
+<file path=ppt/tags/tag25.xml><?xml version="1.0" encoding="utf-8"?>
+<p:tagLst xmlns:a="http://schemas.openxmlformats.org/drawingml/2006/main" xmlns:r="http://schemas.openxmlformats.org/officeDocument/2006/relationships" xmlns:p="http://schemas.openxmlformats.org/presentationml/2006/main">
+  <p:tag name="NUM" val="2"/>
+</p:tagLst>
+</file>
+
+<file path=ppt/tags/tag26.xml><?xml version="1.0" encoding="utf-8"?>
+<p:tagLst xmlns:a="http://schemas.openxmlformats.org/drawingml/2006/main" xmlns:r="http://schemas.openxmlformats.org/officeDocument/2006/relationships" xmlns:p="http://schemas.openxmlformats.org/presentationml/2006/main">
+  <p:tag name="NUM" val="1"/>
+</p:tagLst>
+</file>
+
+<file path=ppt/tags/tag27.xml><?xml version="1.0" encoding="utf-8"?>
+<p:tagLst xmlns:a="http://schemas.openxmlformats.org/drawingml/2006/main" xmlns:r="http://schemas.openxmlformats.org/officeDocument/2006/relationships" xmlns:p="http://schemas.openxmlformats.org/presentationml/2006/main">
+  <p:tag name="NUM" val="2"/>
+</p:tagLst>
+</file>
+
+<file path=ppt/tags/tag28.xml><?xml version="1.0" encoding="utf-8"?>
+<p:tagLst xmlns:a="http://schemas.openxmlformats.org/drawingml/2006/main" xmlns:r="http://schemas.openxmlformats.org/officeDocument/2006/relationships" xmlns:p="http://schemas.openxmlformats.org/presentationml/2006/main">
+  <p:tag name="NUM" val="1"/>
+</p:tagLst>
+</file>
+
+<file path=ppt/tags/tag29.xml><?xml version="1.0" encoding="utf-8"?>
+<p:tagLst xmlns:a="http://schemas.openxmlformats.org/drawingml/2006/main" xmlns:r="http://schemas.openxmlformats.org/officeDocument/2006/relationships" xmlns:p="http://schemas.openxmlformats.org/presentationml/2006/main">
+  <p:tag name="NUM" val="2"/>
+</p:tagLst>
+</file>
+
 <file path=ppt/tags/tag3.xml><?xml version="1.0" encoding="utf-8"?>
 <p:tagLst xmlns:a="http://schemas.openxmlformats.org/drawingml/2006/main" xmlns:r="http://schemas.openxmlformats.org/officeDocument/2006/relationships" xmlns:p="http://schemas.openxmlformats.org/presentationml/2006/main">
   <p:tag name="NUM" val="3"/>
+</p:tagLst>
+</file>
+
+<file path=ppt/tags/tag30.xml><?xml version="1.0" encoding="utf-8"?>
+<p:tagLst xmlns:a="http://schemas.openxmlformats.org/drawingml/2006/main" xmlns:r="http://schemas.openxmlformats.org/officeDocument/2006/relationships" xmlns:p="http://schemas.openxmlformats.org/presentationml/2006/main">
+  <p:tag name="NUM" val="1"/>
+</p:tagLst>
+</file>
+
+<file path=ppt/tags/tag31.xml><?xml version="1.0" encoding="utf-8"?>
+<p:tagLst xmlns:a="http://schemas.openxmlformats.org/drawingml/2006/main" xmlns:r="http://schemas.openxmlformats.org/officeDocument/2006/relationships" xmlns:p="http://schemas.openxmlformats.org/presentationml/2006/main">
+  <p:tag name="NUM" val="2"/>
 </p:tagLst>
 </file>
 
